--- a/流程图.pptx
+++ b/流程图.pptx
@@ -8,9 +8,13 @@
     <p:sldId id="256" r:id="rId3"/>
     <p:sldId id="257" r:id="rId4"/>
     <p:sldId id="258" r:id="rId5"/>
+    <p:sldId id="260" r:id="rId6"/>
   </p:sldIdLst>
   <p:sldSz cx="12192000" cy="6858000"/>
   <p:notesSz cx="6858000" cy="9144000"/>
+  <p:custDataLst>
+    <p:tags r:id="rId10"/>
+  </p:custDataLst>
   <p:defaultTextStyle>
     <a:defPPr>
       <a:defRPr lang="zh-CN"/>
@@ -5203,10 +5207,167 @@
 </p:sld>
 </file>
 
+<file path=ppt/slides/slide4.xml><?xml version="1.0" encoding="utf-8"?>
+<p:sld xmlns:a="http://schemas.openxmlformats.org/drawingml/2006/main" xmlns:r="http://schemas.openxmlformats.org/officeDocument/2006/relationships" xmlns:p="http://schemas.openxmlformats.org/presentationml/2006/main">
+  <p:cSld>
+    <p:spTree>
+      <p:nvGrpSpPr>
+        <p:cNvPr id="1" name=""/>
+        <p:cNvGrpSpPr/>
+        <p:nvPr/>
+      </p:nvGrpSpPr>
+      <p:grpSpPr/>
+      <p:sp>
+        <p:nvSpPr>
+          <p:cNvPr id="100" name="文本框 99"/>
+          <p:cNvSpPr txBox="1"/>
+          <p:nvPr/>
+        </p:nvSpPr>
+        <p:spPr>
+          <a:xfrm>
+            <a:off x="1572895" y="1164590"/>
+            <a:ext cx="7481570" cy="2306955"/>
+          </a:xfrm>
+          <a:prstGeom prst="rect">
+            <a:avLst/>
+          </a:prstGeom>
+          <a:noFill/>
+          <a:ln w="9525">
+            <a:noFill/>
+          </a:ln>
+        </p:spPr>
+        <p:txBody>
+          <a:bodyPr wrap="square">
+            <a:spAutoFit/>
+          </a:bodyPr>
+          <a:p>
+            <a:pPr indent="0"/>
+            <a:r>
+              <a:rPr lang="zh-CN" altLang="en-US" b="0">
+                <a:latin typeface="+mn-ea"/>
+                <a:cs typeface="+mn-ea"/>
+              </a:rPr>
+              <a:t>本方案</a:t>
+            </a:r>
+            <a:r>
+              <a:rPr lang="en-US" altLang="zh-CN" b="0">
+                <a:latin typeface="+mn-ea"/>
+                <a:cs typeface="+mn-ea"/>
+              </a:rPr>
+              <a:t> vs </a:t>
+            </a:r>
+            <a:r>
+              <a:rPr lang="zh-CN" b="0">
+                <a:latin typeface="+mn-ea"/>
+                <a:cs typeface="+mn-ea"/>
+              </a:rPr>
+              <a:t>大模型框架</a:t>
+            </a:r>
+            <a:r>
+              <a:rPr lang="en-US" b="0">
+                <a:latin typeface="+mn-ea"/>
+                <a:cs typeface="+mn-ea"/>
+              </a:rPr>
+              <a:t>+1. </a:t>
+            </a:r>
+            <a:r>
+              <a:rPr lang="zh-CN" b="0">
+                <a:latin typeface="+mn-ea"/>
+                <a:cs typeface="+mn-ea"/>
+              </a:rPr>
+              <a:t>资源占用小</a:t>
+            </a:r>
+            <a:r>
+              <a:rPr lang="en-US" b="0">
+                <a:latin typeface="+mn-ea"/>
+                <a:cs typeface="+mn-ea"/>
+              </a:rPr>
+              <a:t>+2. </a:t>
+            </a:r>
+            <a:r>
+              <a:rPr lang="zh-CN" b="0">
+                <a:latin typeface="+mn-ea"/>
+                <a:cs typeface="+mn-ea"/>
+              </a:rPr>
+              <a:t>较高实时性</a:t>
+            </a:r>
+            <a:r>
+              <a:rPr lang="en-US" b="0">
+                <a:latin typeface="+mn-ea"/>
+                <a:cs typeface="+mn-ea"/>
+              </a:rPr>
+              <a:t>+</a:t>
+            </a:r>
+            <a:r>
+              <a:rPr lang="en-US" altLang="zh-CN" b="0">
+                <a:latin typeface="+mn-ea"/>
+                <a:cs typeface="+mn-ea"/>
+              </a:rPr>
+              <a:t>       </a:t>
+            </a:r>
+            <a:r>
+              <a:rPr lang="zh-CN" b="0">
+                <a:latin typeface="+mn-ea"/>
+                <a:cs typeface="+mn-ea"/>
+              </a:rPr>
+              <a:t>考虑可落地性，在保证准确性的前提下，使用了轻量级的推理模型和检索框架。与大模型框架相比响应时间短，具有较高的实时性。</a:t>
+            </a:r>
+            <a:endParaRPr lang="zh-CN" b="0">
+              <a:latin typeface="+mn-ea"/>
+              <a:cs typeface="+mn-ea"/>
+            </a:endParaRPr>
+          </a:p>
+          <a:p>
+            <a:pPr indent="0"/>
+            <a:endParaRPr lang="zh-CN" altLang="en-US" b="0">
+              <a:latin typeface="+mn-ea"/>
+              <a:cs typeface="+mn-ea"/>
+            </a:endParaRPr>
+          </a:p>
+          <a:p>
+            <a:pPr indent="0"/>
+            <a:r>
+              <a:rPr lang="zh-CN" altLang="en-US" b="0">
+                <a:latin typeface="+mn-ea"/>
+                <a:cs typeface="+mn-ea"/>
+              </a:rPr>
+              <a:t>图：</a:t>
+            </a:r>
+            <a:endParaRPr lang="zh-CN" altLang="en-US" b="0">
+              <a:latin typeface="+mn-ea"/>
+              <a:cs typeface="+mn-ea"/>
+            </a:endParaRPr>
+          </a:p>
+          <a:p>
+            <a:pPr indent="0"/>
+            <a:endParaRPr lang="en-US" altLang="zh-CN" b="0">
+              <a:latin typeface="+mn-ea"/>
+              <a:cs typeface="+mn-ea"/>
+            </a:endParaRPr>
+          </a:p>
+        </p:txBody>
+      </p:sp>
+    </p:spTree>
+  </p:cSld>
+  <p:clrMapOvr>
+    <a:masterClrMapping/>
+  </p:clrMapOvr>
+</p:sld>
+</file>
+
 <file path=ppt/tags/tag1.xml><?xml version="1.0" encoding="utf-8"?>
 <p:tagLst xmlns:p="http://schemas.openxmlformats.org/presentationml/2006/main">
   <p:tag name="TABLE_ENDDRAG_ORIGIN_RECT" val="783*223"/>
   <p:tag name="TABLE_ENDDRAG_RECT" val="130*81*783*223"/>
+</p:tagLst>
+</file>
+
+<file path=ppt/tags/tag2.xml><?xml version="1.0" encoding="utf-8"?>
+<p:tagLst xmlns:p="http://schemas.openxmlformats.org/presentationml/2006/main">
+  <p:tag name="commondata" val="eyJoZGlkIjoiMDNjNzVkZmI2OWJiY2Y0NTEwZTUwMzdjMjA2MjM5NWMifQ=="/>
 </p:tagLst>
 </file>
 

--- a/流程图.pptx
+++ b/流程图.pptx
@@ -4757,6 +4757,24 @@
               <a:rPr lang="zh-CN" altLang="en-US"/>
               <a:t>界面实现如下功能：</a:t>
             </a:r>
+            <a:r>
+              <a:rPr lang="en-US" altLang="zh-CN">
+                <a:solidFill>
+                  <a:srgbClr val="FF0000"/>
+                </a:solidFill>
+              </a:rPr>
+              <a:t> </a:t>
+            </a:r>
+            <a:r>
+              <a:rPr lang="zh-CN" altLang="en-US">
+                <a:solidFill>
+                  <a:schemeClr val="accent2">
+                    <a:lumMod val="75000"/>
+                  </a:schemeClr>
+                </a:solidFill>
+              </a:rPr>
+              <a:t>陈文舟</a:t>
+            </a:r>
             <a:endParaRPr lang="zh-CN" altLang="en-US"/>
           </a:p>
           <a:p>
@@ -4976,6 +4994,17 @@
               </a:rPr>
               <a:t>框架）：</a:t>
             </a:r>
+            <a:r>
+              <a:rPr lang="zh-CN" altLang="en-US">
+                <a:solidFill>
+                  <a:schemeClr val="accent2">
+                    <a:lumMod val="75000"/>
+                  </a:schemeClr>
+                </a:solidFill>
+                <a:sym typeface="+mn-ea"/>
+              </a:rPr>
+              <a:t>黄凯</a:t>
+            </a:r>
             <a:endParaRPr lang="zh-CN" altLang="en-US"/>
           </a:p>
           <a:p>
@@ -5095,7 +5124,13 @@
           </a:p>
           <a:p>
             <a:pPr indent="457200" algn="just"/>
-            <a:endParaRPr lang="zh-CN" altLang="en-US"/>
+            <a:endParaRPr lang="zh-CN" altLang="en-US">
+              <a:solidFill>
+                <a:schemeClr val="accent2">
+                  <a:lumMod val="75000"/>
+                </a:schemeClr>
+              </a:solidFill>
+            </a:endParaRPr>
           </a:p>
           <a:p>
             <a:pPr indent="0" algn="just"/>
@@ -5105,17 +5140,7 @@
             </a:r>
             <a:r>
               <a:rPr lang="zh-CN" altLang="en-US"/>
-              <a:t>：不良信息片段抽取</a:t>
-            </a:r>
-            <a:r>
-              <a:rPr lang="zh-CN" altLang="en-US" i="1">
-                <a:sym typeface="+mn-ea"/>
-              </a:rPr>
-              <a:t>（较麻烦）</a:t>
-            </a:r>
-            <a:r>
-              <a:rPr lang="zh-CN" altLang="en-US"/>
-              <a:t>：</a:t>
+              <a:t>：不良信息片段抽取：</a:t>
             </a:r>
             <a:r>
               <a:rPr lang="zh-CN" altLang="en-US">
@@ -5125,7 +5150,7 @@
                   </a:schemeClr>
                 </a:solidFill>
               </a:rPr>
-              <a:t>黄凯</a:t>
+              <a:t>许力</a:t>
             </a:r>
             <a:endParaRPr lang="zh-CN" altLang="en-US"/>
           </a:p>
@@ -5293,14 +5318,13 @@
               </a:rPr>
               <a:t>较高实时性</a:t>
             </a:r>
-            <a:r>
-              <a:rPr lang="en-US" b="0">
-                <a:latin typeface="+mn-ea"/>
-                <a:cs typeface="+mn-ea"/>
-              </a:rPr>
-              <a:t>-</a:t>
-            </a:r>
+            <a:endParaRPr lang="en-US" b="0">
+              <a:latin typeface="+mn-ea"/>
+              <a:cs typeface="+mn-ea"/>
+            </a:endParaRPr>
+          </a:p>
+          <a:p>
+            <a:pPr indent="0"/>
             <a:r>
               <a:rPr lang="en-US" altLang="zh-CN" b="0">
                 <a:latin typeface="+mn-ea"/>

--- a/流程图.pptx
+++ b/流程图.pptx
@@ -8,12 +8,13 @@
     <p:sldId id="256" r:id="rId3"/>
     <p:sldId id="257" r:id="rId4"/>
     <p:sldId id="258" r:id="rId5"/>
-    <p:sldId id="260" r:id="rId6"/>
+    <p:sldId id="261" r:id="rId6"/>
+    <p:sldId id="260" r:id="rId7"/>
   </p:sldIdLst>
   <p:sldSz cx="12192000" cy="6858000"/>
   <p:notesSz cx="6858000" cy="9144000"/>
   <p:custDataLst>
-    <p:tags r:id="rId10"/>
+    <p:tags r:id="rId11"/>
   </p:custDataLst>
   <p:defaultTextStyle>
     <a:defPPr>
@@ -5011,7 +5012,15 @@
             <a:pPr indent="457200" algn="just"/>
             <a:r>
               <a:rPr lang="en-US" altLang="zh-CN"/>
-              <a:t>1. 消息是否包含敏感信息：二分类 ernie2.0/3.0 +nn</a:t>
+              <a:t>1. 消息包含敏感信息</a:t>
+            </a:r>
+            <a:r>
+              <a:rPr lang="zh-CN" altLang="en-US"/>
+              <a:t>及类型</a:t>
+            </a:r>
+            <a:r>
+              <a:rPr lang="en-US" altLang="zh-CN"/>
+              <a:t>：二分类 ernie2.0/3.0 +nn</a:t>
             </a:r>
             <a:endParaRPr lang="en-US" altLang="zh-CN"/>
           </a:p>
@@ -5233,6 +5242,78 @@
 </file>
 
 <file path=ppt/slides/slide4.xml><?xml version="1.0" encoding="utf-8"?>
+<p:sld xmlns:a="http://schemas.openxmlformats.org/drawingml/2006/main" xmlns:r="http://schemas.openxmlformats.org/officeDocument/2006/relationships" xmlns:p="http://schemas.openxmlformats.org/presentationml/2006/main">
+  <p:cSld>
+    <p:spTree>
+      <p:nvGrpSpPr>
+        <p:cNvPr id="1" name=""/>
+        <p:cNvGrpSpPr/>
+        <p:nvPr/>
+      </p:nvGrpSpPr>
+      <p:grpSpPr/>
+      <p:sp>
+        <p:nvSpPr>
+          <p:cNvPr id="2" name="标题 1"/>
+          <p:cNvSpPr>
+            <a:spLocks noGrp="1"/>
+          </p:cNvSpPr>
+          <p:nvPr>
+            <p:ph type="title"/>
+          </p:nvPr>
+        </p:nvSpPr>
+        <p:spPr>
+          <a:xfrm>
+            <a:off x="838200" y="365125"/>
+            <a:ext cx="4705985" cy="937895"/>
+          </a:xfrm>
+        </p:spPr>
+        <p:txBody>
+          <a:bodyPr/>
+          <a:p>
+            <a:r>
+              <a:rPr lang="zh-CN" altLang="en-US" sz="3600"/>
+              <a:t>不良片段抽取方式：</a:t>
+            </a:r>
+            <a:endParaRPr lang="zh-CN" altLang="en-US" sz="3600"/>
+          </a:p>
+        </p:txBody>
+      </p:sp>
+      <p:sp>
+        <p:nvSpPr>
+          <p:cNvPr id="3" name="内容占位符 2"/>
+          <p:cNvSpPr>
+            <a:spLocks noGrp="1"/>
+          </p:cNvSpPr>
+          <p:nvPr>
+            <p:ph idx="1"/>
+          </p:nvPr>
+        </p:nvSpPr>
+        <p:spPr>
+          <a:xfrm>
+            <a:off x="838200" y="1825625"/>
+            <a:ext cx="6301105" cy="1193800"/>
+          </a:xfrm>
+        </p:spPr>
+        <p:txBody>
+          <a:bodyPr/>
+          <a:p>
+            <a:r>
+              <a:rPr lang="en-US" altLang="zh-CN"/>
+              <a:t>bert-crf</a:t>
+            </a:r>
+            <a:endParaRPr lang="en-US" altLang="zh-CN"/>
+          </a:p>
+        </p:txBody>
+      </p:sp>
+    </p:spTree>
+  </p:cSld>
+  <p:clrMapOvr>
+    <a:masterClrMapping/>
+  </p:clrMapOvr>
+</p:sld>
+</file>
+
+<file path=ppt/slides/slide5.xml><?xml version="1.0" encoding="utf-8"?>
 <p:sld xmlns:a="http://schemas.openxmlformats.org/drawingml/2006/main" xmlns:r="http://schemas.openxmlformats.org/officeDocument/2006/relationships" xmlns:p="http://schemas.openxmlformats.org/presentationml/2006/main">
   <p:cSld>
     <p:spTree>

--- a/流程图.pptx
+++ b/流程图.pptx
@@ -8,13 +8,15 @@
     <p:sldId id="256" r:id="rId3"/>
     <p:sldId id="257" r:id="rId4"/>
     <p:sldId id="258" r:id="rId5"/>
-    <p:sldId id="261" r:id="rId6"/>
-    <p:sldId id="260" r:id="rId7"/>
+    <p:sldId id="263" r:id="rId6"/>
+    <p:sldId id="264" r:id="rId7"/>
+    <p:sldId id="261" r:id="rId8"/>
+    <p:sldId id="260" r:id="rId9"/>
   </p:sldIdLst>
   <p:sldSz cx="12192000" cy="6858000"/>
   <p:notesSz cx="6858000" cy="9144000"/>
   <p:custDataLst>
-    <p:tags r:id="rId11"/>
+    <p:tags r:id="rId13"/>
   </p:custDataLst>
   <p:defaultTextStyle>
     <a:defPPr>
@@ -5253,55 +5255,568 @@
       <p:grpSpPr/>
       <p:sp>
         <p:nvSpPr>
-          <p:cNvPr id="2" name="标题 1"/>
-          <p:cNvSpPr>
-            <a:spLocks noGrp="1"/>
-          </p:cNvSpPr>
-          <p:nvPr>
-            <p:ph type="title"/>
+          <p:cNvPr id="4" name="文本框 3"/>
+          <p:cNvSpPr txBox="1"/>
+          <p:nvPr>
+            <p:custDataLst>
+              <p:tags r:id="rId1"/>
+            </p:custDataLst>
           </p:nvPr>
         </p:nvSpPr>
         <p:spPr>
           <a:xfrm>
-            <a:off x="838200" y="365125"/>
-            <a:ext cx="4705985" cy="937895"/>
-          </a:xfrm>
-        </p:spPr>
-        <p:txBody>
-          <a:bodyPr/>
-          <a:p>
-            <a:r>
-              <a:rPr lang="zh-CN" altLang="en-US" sz="3600"/>
-              <a:t>不良片段抽取方式：</a:t>
-            </a:r>
-            <a:endParaRPr lang="zh-CN" altLang="en-US" sz="3600"/>
-          </a:p>
-        </p:txBody>
-      </p:sp>
-      <p:sp>
-        <p:nvSpPr>
-          <p:cNvPr id="3" name="内容占位符 2"/>
-          <p:cNvSpPr>
-            <a:spLocks noGrp="1"/>
-          </p:cNvSpPr>
-          <p:nvPr>
-            <p:ph idx="1"/>
-          </p:nvPr>
+            <a:off x="1191260" y="436880"/>
+            <a:ext cx="10137775" cy="5983605"/>
+          </a:xfrm>
+          <a:prstGeom prst="rect">
+            <a:avLst/>
+          </a:prstGeom>
+          <a:noFill/>
+        </p:spPr>
+        <p:txBody>
+          <a:bodyPr wrap="square" rtlCol="0">
+            <a:noAutofit/>
+          </a:bodyPr>
+          <a:p>
+            <a:pPr algn="just"/>
+            <a:r>
+              <a:rPr lang="zh-CN" altLang="en-US" b="1"/>
+              <a:t>任务一</a:t>
+            </a:r>
+            <a:r>
+              <a:rPr lang="zh-CN" altLang="en-US"/>
+              <a:t>：基于</a:t>
+            </a:r>
+            <a:r>
+              <a:rPr lang="en-US" altLang="zh-CN">
+                <a:solidFill>
+                  <a:schemeClr val="tx1"/>
+                </a:solidFill>
+              </a:rPr>
+              <a:t>streamlit</a:t>
+            </a:r>
+            <a:r>
+              <a:rPr lang="zh-CN" altLang="en-US"/>
+              <a:t>框架构建</a:t>
+            </a:r>
+            <a:r>
+              <a:rPr lang="en-US" altLang="zh-CN"/>
+              <a:t>web</a:t>
+            </a:r>
+            <a:r>
+              <a:rPr lang="zh-CN" altLang="en-US"/>
+              <a:t>界面实现如下功能：</a:t>
+            </a:r>
+            <a:r>
+              <a:rPr lang="en-US" altLang="zh-CN">
+                <a:solidFill>
+                  <a:srgbClr val="FF0000"/>
+                </a:solidFill>
+              </a:rPr>
+              <a:t> </a:t>
+            </a:r>
+            <a:r>
+              <a:rPr lang="zh-CN" altLang="en-US">
+                <a:solidFill>
+                  <a:schemeClr val="accent2">
+                    <a:lumMod val="75000"/>
+                  </a:schemeClr>
+                </a:solidFill>
+              </a:rPr>
+              <a:t>陈文舟</a:t>
+            </a:r>
+            <a:endParaRPr lang="zh-CN" altLang="en-US"/>
+          </a:p>
+          <a:p>
+            <a:pPr indent="457200" algn="just"/>
+            <a:r>
+              <a:rPr lang="en-US" altLang="zh-CN"/>
+              <a:t>1.</a:t>
+            </a:r>
+            <a:r>
+              <a:rPr lang="zh-CN" altLang="en-US"/>
+              <a:t>读取图片</a:t>
+            </a:r>
+            <a:r>
+              <a:rPr lang="en-US" altLang="zh-CN"/>
+              <a:t>jpg/png</a:t>
+            </a:r>
+            <a:r>
+              <a:rPr lang="zh-CN" altLang="en-US"/>
+              <a:t>，</a:t>
+            </a:r>
+            <a:r>
+              <a:rPr lang="zh-CN" altLang="en-US"/>
+              <a:t>并展示；</a:t>
+            </a:r>
+            <a:endParaRPr lang="zh-CN" altLang="en-US"/>
+          </a:p>
+          <a:p>
+            <a:pPr indent="457200" algn="just"/>
+            <a:r>
+              <a:rPr lang="en-US" altLang="zh-CN"/>
+              <a:t>2.</a:t>
+            </a:r>
+            <a:r>
+              <a:rPr lang="zh-CN" altLang="en-US"/>
+              <a:t>读取</a:t>
+            </a:r>
+            <a:r>
+              <a:rPr lang="en-US" altLang="zh-CN"/>
+              <a:t>word</a:t>
+            </a:r>
+            <a:r>
+              <a:rPr lang="zh-CN" altLang="en-US"/>
+              <a:t>、</a:t>
+            </a:r>
+            <a:r>
+              <a:rPr lang="en-US" altLang="zh-CN"/>
+              <a:t>txt </a:t>
+            </a:r>
+            <a:r>
+              <a:rPr lang="zh-CN" altLang="en-US"/>
+              <a:t>，清洗空字符串等、句切分，</a:t>
+            </a:r>
+            <a:r>
+              <a:rPr lang="zh-CN" altLang="en-US">
+                <a:sym typeface="+mn-ea"/>
+              </a:rPr>
+              <a:t>并展示</a:t>
+            </a:r>
+            <a:r>
+              <a:rPr lang="zh-CN" altLang="en-US"/>
+              <a:t>；</a:t>
+            </a:r>
+            <a:endParaRPr lang="zh-CN" altLang="en-US"/>
+          </a:p>
+          <a:p>
+            <a:pPr indent="457200" algn="just"/>
+            <a:r>
+              <a:rPr lang="en-US" altLang="zh-CN"/>
+              <a:t>3.</a:t>
+            </a:r>
+            <a:r>
+              <a:rPr lang="zh-CN" altLang="en-US"/>
+              <a:t>实现部分文字高亮</a:t>
+            </a:r>
+            <a:r>
+              <a:rPr lang="zh-CN" altLang="en-US"/>
+              <a:t>功能；</a:t>
+            </a:r>
+            <a:endParaRPr lang="zh-CN" altLang="en-US"/>
+          </a:p>
+          <a:p>
+            <a:pPr indent="457200" algn="just"/>
+            <a:r>
+              <a:rPr lang="en-US" altLang="zh-CN"/>
+              <a:t>4.</a:t>
+            </a:r>
+            <a:r>
+              <a:rPr lang="zh-CN" altLang="en-US"/>
+              <a:t>实现风险提示</a:t>
+            </a:r>
+            <a:r>
+              <a:rPr lang="zh-CN" altLang="en-US"/>
+              <a:t>返回信息（</a:t>
+            </a:r>
+            <a:r>
+              <a:rPr lang="zh-CN" altLang="en-US"/>
+              <a:t>如：该条信息疑似广告/xx信息/包含个人敏感信息，请谨慎操作）</a:t>
+            </a:r>
+            <a:endParaRPr lang="zh-CN" altLang="en-US"/>
+          </a:p>
+          <a:p>
+            <a:pPr indent="457200" algn="just"/>
+            <a:endParaRPr lang="zh-CN" altLang="en-US"/>
+          </a:p>
+          <a:p>
+            <a:pPr indent="0" algn="just"/>
+            <a:r>
+              <a:rPr lang="zh-CN" altLang="en-US" b="1">
+                <a:sym typeface="+mn-ea"/>
+              </a:rPr>
+              <a:t>任务二</a:t>
+            </a:r>
+            <a:r>
+              <a:rPr lang="zh-CN" altLang="en-US">
+                <a:sym typeface="+mn-ea"/>
+              </a:rPr>
+              <a:t>：</a:t>
+            </a:r>
+            <a:r>
+              <a:rPr lang="en-US" altLang="zh-CN">
+                <a:sym typeface="+mn-ea"/>
+              </a:rPr>
+              <a:t>pdf</a:t>
+            </a:r>
+            <a:r>
+              <a:rPr lang="zh-CN" altLang="en-US">
+                <a:sym typeface="+mn-ea"/>
+              </a:rPr>
+              <a:t>、图片的解析：</a:t>
+            </a:r>
+            <a:r>
+              <a:rPr lang="zh-CN" altLang="en-US">
+                <a:solidFill>
+                  <a:schemeClr val="accent2">
+                    <a:lumMod val="75000"/>
+                  </a:schemeClr>
+                </a:solidFill>
+                <a:sym typeface="+mn-ea"/>
+              </a:rPr>
+              <a:t>李忻原</a:t>
+            </a:r>
+            <a:endParaRPr lang="zh-CN" altLang="en-US"/>
+          </a:p>
+          <a:p>
+            <a:pPr indent="457200" algn="just"/>
+            <a:r>
+              <a:rPr lang="en-US" altLang="zh-CN"/>
+              <a:t>1.paddleOCR</a:t>
+            </a:r>
+            <a:r>
+              <a:rPr lang="zh-CN" altLang="en-US"/>
+              <a:t>解析文字图片</a:t>
+            </a:r>
+            <a:r>
+              <a:rPr lang="zh-CN" altLang="en-US">
+                <a:sym typeface="+mn-ea"/>
+              </a:rPr>
+              <a:t>（</a:t>
+            </a:r>
+            <a:r>
+              <a:rPr lang="en-US" altLang="zh-CN">
+                <a:sym typeface="+mn-ea"/>
+              </a:rPr>
+              <a:t>paddle</a:t>
+            </a:r>
+            <a:r>
+              <a:rPr lang="zh-CN" altLang="en-US">
+                <a:sym typeface="+mn-ea"/>
+              </a:rPr>
+              <a:t>框架）</a:t>
+            </a:r>
+            <a:r>
+              <a:rPr lang="zh-CN" altLang="en-US"/>
+              <a:t>；</a:t>
+            </a:r>
+            <a:endParaRPr lang="zh-CN" altLang="en-US"/>
+          </a:p>
+          <a:p>
+            <a:pPr indent="457200" algn="just"/>
+            <a:r>
+              <a:rPr lang="en-US" altLang="zh-CN"/>
+              <a:t>2.pdf</a:t>
+            </a:r>
+            <a:r>
+              <a:rPr lang="zh-CN" altLang="en-US"/>
+              <a:t>解析；</a:t>
+            </a:r>
+            <a:endParaRPr lang="zh-CN" altLang="en-US"/>
+          </a:p>
+          <a:p>
+            <a:pPr indent="457200" algn="just"/>
+            <a:endParaRPr lang="zh-CN" altLang="en-US"/>
+          </a:p>
+          <a:p>
+            <a:pPr indent="0" algn="just"/>
+            <a:r>
+              <a:rPr lang="zh-CN" altLang="en-US" b="1">
+                <a:sym typeface="+mn-ea"/>
+              </a:rPr>
+              <a:t>任务三</a:t>
+            </a:r>
+            <a:r>
+              <a:rPr lang="zh-CN" altLang="en-US">
+                <a:sym typeface="+mn-ea"/>
+              </a:rPr>
+              <a:t>：敏感消息流式识别（</a:t>
+            </a:r>
+            <a:r>
+              <a:rPr lang="en-US" altLang="zh-CN">
+                <a:sym typeface="+mn-ea"/>
+              </a:rPr>
+              <a:t>paddle</a:t>
+            </a:r>
+            <a:r>
+              <a:rPr lang="zh-CN" altLang="en-US">
+                <a:sym typeface="+mn-ea"/>
+              </a:rPr>
+              <a:t>框架）：</a:t>
+            </a:r>
+            <a:r>
+              <a:rPr lang="zh-CN" altLang="en-US">
+                <a:solidFill>
+                  <a:schemeClr val="accent2">
+                    <a:lumMod val="75000"/>
+                  </a:schemeClr>
+                </a:solidFill>
+                <a:sym typeface="+mn-ea"/>
+              </a:rPr>
+              <a:t>黄凯</a:t>
+            </a:r>
+            <a:endParaRPr lang="zh-CN" altLang="en-US"/>
+          </a:p>
+          <a:p>
+            <a:pPr indent="457200" algn="just"/>
+            <a:r>
+              <a:rPr lang="en-US" altLang="zh-CN"/>
+              <a:t>1. 消息包含敏感信息</a:t>
+            </a:r>
+            <a:r>
+              <a:rPr lang="zh-CN" altLang="en-US"/>
+              <a:t>及类型</a:t>
+            </a:r>
+            <a:r>
+              <a:rPr lang="en-US" altLang="zh-CN"/>
+              <a:t>：二分类 ernie2.0/3.0 +nn</a:t>
+            </a:r>
+            <a:endParaRPr lang="en-US" altLang="zh-CN"/>
+          </a:p>
+          <a:p>
+            <a:pPr indent="457200" algn="just"/>
+            <a:r>
+              <a:rPr lang="en-US" altLang="zh-CN"/>
+              <a:t>2. 敏感信息的类型：多</a:t>
+            </a:r>
+            <a:r>
+              <a:rPr lang="zh-CN" altLang="en-US"/>
+              <a:t>标签</a:t>
+            </a:r>
+            <a:r>
+              <a:rPr lang="en-US" altLang="zh-CN"/>
+              <a:t>分类 ernie2.0/3.0 +nn</a:t>
+            </a:r>
+            <a:endParaRPr lang="en-US" altLang="zh-CN"/>
+          </a:p>
+          <a:p>
+            <a:pPr indent="457200" algn="just"/>
+            <a:endParaRPr lang="en-US" altLang="zh-CN"/>
+          </a:p>
+          <a:p>
+            <a:pPr indent="0" algn="just"/>
+            <a:r>
+              <a:rPr lang="en-US" altLang="zh-CN" b="1">
+                <a:sym typeface="+mn-ea"/>
+              </a:rPr>
+              <a:t>任务四</a:t>
+            </a:r>
+            <a:r>
+              <a:rPr lang="en-US" altLang="zh-CN">
+                <a:sym typeface="+mn-ea"/>
+              </a:rPr>
+              <a:t>：个人隐私抽取</a:t>
+            </a:r>
+            <a:r>
+              <a:rPr lang="zh-CN" altLang="en-US">
+                <a:sym typeface="+mn-ea"/>
+              </a:rPr>
+              <a:t>（</a:t>
+            </a:r>
+            <a:r>
+              <a:rPr lang="en-US" altLang="zh-CN">
+                <a:sym typeface="+mn-ea"/>
+              </a:rPr>
+              <a:t>paddle</a:t>
+            </a:r>
+            <a:r>
+              <a:rPr lang="zh-CN" altLang="en-US">
+                <a:sym typeface="+mn-ea"/>
+              </a:rPr>
+              <a:t>框架）</a:t>
+            </a:r>
+            <a:r>
+              <a:rPr lang="en-US" altLang="zh-CN">
+                <a:sym typeface="+mn-ea"/>
+              </a:rPr>
+              <a:t>：</a:t>
+            </a:r>
+            <a:r>
+              <a:rPr lang="zh-CN" altLang="en-US">
+                <a:solidFill>
+                  <a:schemeClr val="accent2">
+                    <a:lumMod val="75000"/>
+                  </a:schemeClr>
+                </a:solidFill>
+                <a:sym typeface="+mn-ea"/>
+              </a:rPr>
+              <a:t>张宁</a:t>
+            </a:r>
+            <a:endParaRPr lang="en-US" altLang="zh-CN"/>
+          </a:p>
+          <a:p>
+            <a:pPr indent="457200" algn="just"/>
+            <a:r>
+              <a:rPr lang="zh-CN" altLang="en-US">
+                <a:sym typeface="+mn-ea"/>
+              </a:rPr>
+              <a:t>个人地址、身份证、银行卡号</a:t>
+            </a:r>
+            <a:r>
+              <a:rPr lang="en-US" altLang="zh-CN">
+                <a:sym typeface="+mn-ea"/>
+              </a:rPr>
+              <a:t>  </a:t>
+            </a:r>
+            <a:r>
+              <a:rPr lang="zh-CN" altLang="en-US">
+                <a:sym typeface="+mn-ea"/>
+              </a:rPr>
+              <a:t>（实体抽取</a:t>
+            </a:r>
+            <a:r>
+              <a:rPr lang="en-US" altLang="zh-CN">
+                <a:sym typeface="+mn-ea"/>
+              </a:rPr>
+              <a:t>+</a:t>
+            </a:r>
+            <a:r>
+              <a:rPr lang="zh-CN" altLang="en-US">
+                <a:sym typeface="+mn-ea"/>
+              </a:rPr>
+              <a:t>正则）</a:t>
+            </a:r>
+            <a:endParaRPr lang="zh-CN" altLang="en-US">
+              <a:sym typeface="+mn-ea"/>
+            </a:endParaRPr>
+          </a:p>
+          <a:p>
+            <a:pPr indent="457200" algn="just"/>
+            <a:endParaRPr lang="zh-CN" altLang="en-US">
+              <a:solidFill>
+                <a:schemeClr val="accent2">
+                  <a:lumMod val="75000"/>
+                </a:schemeClr>
+              </a:solidFill>
+            </a:endParaRPr>
+          </a:p>
+          <a:p>
+            <a:pPr indent="0" algn="just"/>
+            <a:r>
+              <a:rPr lang="zh-CN" altLang="en-US" b="1"/>
+              <a:t>任务五</a:t>
+            </a:r>
+            <a:r>
+              <a:rPr lang="zh-CN" altLang="en-US"/>
+              <a:t>：不良信息片段抽取：</a:t>
+            </a:r>
+            <a:r>
+              <a:rPr lang="zh-CN" altLang="en-US">
+                <a:solidFill>
+                  <a:schemeClr val="accent2">
+                    <a:lumMod val="75000"/>
+                  </a:schemeClr>
+                </a:solidFill>
+              </a:rPr>
+              <a:t>黄凯</a:t>
+            </a:r>
+            <a:endParaRPr lang="zh-CN" altLang="en-US"/>
+          </a:p>
+          <a:p>
+            <a:pPr indent="457200" algn="just"/>
+            <a:r>
+              <a:rPr lang="en-US" altLang="zh-CN"/>
+              <a:t>1.</a:t>
+            </a:r>
+            <a:r>
+              <a:rPr lang="zh-CN" altLang="en-US"/>
+              <a:t>检索框架</a:t>
+            </a:r>
+            <a:r>
+              <a:rPr lang="en-US"/>
+              <a:t>AC</a:t>
+            </a:r>
+            <a:r>
+              <a:rPr lang="zh-CN" altLang="en-US"/>
+              <a:t>机</a:t>
+            </a:r>
+            <a:endParaRPr lang="zh-CN" altLang="en-US"/>
+          </a:p>
+          <a:p>
+            <a:pPr indent="457200" algn="just"/>
+            <a:r>
+              <a:rPr lang="en-US" altLang="zh-CN"/>
+              <a:t>2.</a:t>
+            </a:r>
+            <a:r>
+              <a:rPr lang="zh-CN" altLang="en-US"/>
+              <a:t>序列标注</a:t>
+            </a:r>
+            <a:endParaRPr lang="zh-CN" altLang="en-US"/>
+          </a:p>
+          <a:p>
+            <a:pPr indent="457200" algn="just"/>
+            <a:endParaRPr lang="zh-CN" altLang="en-US"/>
+          </a:p>
+        </p:txBody>
+      </p:sp>
+      <p:sp>
+        <p:nvSpPr>
+          <p:cNvPr id="6" name="右大括号 5"/>
+          <p:cNvSpPr/>
+          <p:nvPr/>
         </p:nvSpPr>
         <p:spPr>
           <a:xfrm>
-            <a:off x="838200" y="1825625"/>
-            <a:ext cx="6301105" cy="1193800"/>
-          </a:xfrm>
-        </p:spPr>
-        <p:txBody>
-          <a:bodyPr/>
+            <a:off x="7139305" y="3318510"/>
+            <a:ext cx="547370" cy="2556510"/>
+          </a:xfrm>
+          <a:prstGeom prst="rightBrace">
+            <a:avLst/>
+          </a:prstGeom>
+        </p:spPr>
+        <p:style>
+          <a:lnRef idx="3">
+            <a:schemeClr val="accent1"/>
+          </a:lnRef>
+          <a:fillRef idx="0">
+            <a:srgbClr val="FFFFFF"/>
+          </a:fillRef>
+          <a:effectRef idx="0">
+            <a:srgbClr val="FFFFFF"/>
+          </a:effectRef>
+          <a:fontRef idx="minor">
+            <a:schemeClr val="tx1"/>
+          </a:fontRef>
+        </p:style>
+        <p:txBody>
+          <a:bodyPr rtlCol="0" anchor="ctr"/>
+          <a:p>
+            <a:pPr algn="ctr"/>
+            <a:endParaRPr lang="zh-CN" altLang="en-US"/>
+          </a:p>
+        </p:txBody>
+      </p:sp>
+      <p:sp>
+        <p:nvSpPr>
+          <p:cNvPr id="7" name="文本框 6"/>
+          <p:cNvSpPr txBox="1"/>
+          <p:nvPr/>
+        </p:nvSpPr>
+        <p:spPr>
+          <a:xfrm>
+            <a:off x="8074025" y="4305935"/>
+            <a:ext cx="1374140" cy="368300"/>
+          </a:xfrm>
+          <a:prstGeom prst="rect">
+            <a:avLst/>
+          </a:prstGeom>
+          <a:noFill/>
+        </p:spPr>
+        <p:txBody>
+          <a:bodyPr wrap="square" rtlCol="0">
+            <a:spAutoFit/>
+          </a:bodyPr>
           <a:p>
             <a:r>
               <a:rPr lang="en-US" altLang="zh-CN"/>
-              <a:t>bert-crf</a:t>
-            </a:r>
-            <a:endParaRPr lang="en-US" altLang="zh-CN"/>
+              <a:t>UIE</a:t>
+            </a:r>
+            <a:r>
+              <a:rPr lang="zh-CN" altLang="en-US"/>
+              <a:t>框架</a:t>
+            </a:r>
+            <a:endParaRPr lang="zh-CN" altLang="en-US"/>
           </a:p>
         </p:txBody>
       </p:sp>
@@ -5323,6 +5838,152 @@
         <p:nvPr/>
       </p:nvGrpSpPr>
       <p:grpSpPr/>
+      <p:pic>
+        <p:nvPicPr>
+          <p:cNvPr id="5" name="图片 4"/>
+          <p:cNvPicPr>
+            <a:picLocks noChangeAspect="1"/>
+          </p:cNvPicPr>
+          <p:nvPr/>
+        </p:nvPicPr>
+        <p:blipFill>
+          <a:blip r:embed="rId1"/>
+          <a:stretch>
+            <a:fillRect/>
+          </a:stretch>
+        </p:blipFill>
+        <p:spPr>
+          <a:xfrm rot="16200000">
+            <a:off x="6588760" y="-652780"/>
+            <a:ext cx="3799840" cy="5681980"/>
+          </a:xfrm>
+          <a:prstGeom prst="rect">
+            <a:avLst/>
+          </a:prstGeom>
+        </p:spPr>
+      </p:pic>
+      <p:pic>
+        <p:nvPicPr>
+          <p:cNvPr id="2" name="图片 1"/>
+          <p:cNvPicPr>
+            <a:picLocks noChangeAspect="1"/>
+          </p:cNvPicPr>
+          <p:nvPr/>
+        </p:nvPicPr>
+        <p:blipFill>
+          <a:blip r:embed="rId2"/>
+          <a:stretch>
+            <a:fillRect/>
+          </a:stretch>
+        </p:blipFill>
+        <p:spPr>
+          <a:xfrm>
+            <a:off x="0" y="0"/>
+            <a:ext cx="4528185" cy="6858635"/>
+          </a:xfrm>
+          <a:prstGeom prst="rect">
+            <a:avLst/>
+          </a:prstGeom>
+        </p:spPr>
+      </p:pic>
+    </p:spTree>
+  </p:cSld>
+  <p:clrMapOvr>
+    <a:masterClrMapping/>
+  </p:clrMapOvr>
+</p:sld>
+</file>
+
+<file path=ppt/slides/slide6.xml><?xml version="1.0" encoding="utf-8"?>
+<p:sld xmlns:a="http://schemas.openxmlformats.org/drawingml/2006/main" xmlns:r="http://schemas.openxmlformats.org/officeDocument/2006/relationships" xmlns:p="http://schemas.openxmlformats.org/presentationml/2006/main">
+  <p:cSld>
+    <p:spTree>
+      <p:nvGrpSpPr>
+        <p:cNvPr id="1" name=""/>
+        <p:cNvGrpSpPr/>
+        <p:nvPr/>
+      </p:nvGrpSpPr>
+      <p:grpSpPr/>
+      <p:sp>
+        <p:nvSpPr>
+          <p:cNvPr id="2" name="标题 1"/>
+          <p:cNvSpPr>
+            <a:spLocks noGrp="1"/>
+          </p:cNvSpPr>
+          <p:nvPr>
+            <p:ph type="title"/>
+          </p:nvPr>
+        </p:nvSpPr>
+        <p:spPr>
+          <a:xfrm>
+            <a:off x="838200" y="365125"/>
+            <a:ext cx="4705985" cy="937895"/>
+          </a:xfrm>
+        </p:spPr>
+        <p:txBody>
+          <a:bodyPr/>
+          <a:p>
+            <a:r>
+              <a:rPr lang="zh-CN" altLang="en-US" sz="3600"/>
+              <a:t>不良片段抽取方式：</a:t>
+            </a:r>
+            <a:endParaRPr lang="zh-CN" altLang="en-US" sz="3600"/>
+          </a:p>
+        </p:txBody>
+      </p:sp>
+      <p:sp>
+        <p:nvSpPr>
+          <p:cNvPr id="3" name="内容占位符 2"/>
+          <p:cNvSpPr>
+            <a:spLocks noGrp="1"/>
+          </p:cNvSpPr>
+          <p:nvPr>
+            <p:ph idx="1"/>
+          </p:nvPr>
+        </p:nvSpPr>
+        <p:spPr>
+          <a:xfrm>
+            <a:off x="838200" y="1825625"/>
+            <a:ext cx="6301105" cy="1193800"/>
+          </a:xfrm>
+        </p:spPr>
+        <p:txBody>
+          <a:bodyPr/>
+          <a:p>
+            <a:r>
+              <a:rPr lang="en-US" altLang="zh-CN"/>
+              <a:t>bert-crf</a:t>
+            </a:r>
+            <a:r>
+              <a:rPr lang="zh-CN" altLang="en-US"/>
+              <a:t>：</a:t>
+            </a:r>
+            <a:r>
+              <a:rPr lang="zh-CN" altLang="en-US"/>
+              <a:t>敏感信息</a:t>
+            </a:r>
+            <a:endParaRPr lang="zh-CN" altLang="en-US"/>
+          </a:p>
+        </p:txBody>
+      </p:sp>
+    </p:spTree>
+  </p:cSld>
+  <p:clrMapOvr>
+    <a:masterClrMapping/>
+  </p:clrMapOvr>
+</p:sld>
+</file>
+
+<file path=ppt/slides/slide7.xml><?xml version="1.0" encoding="utf-8"?>
+<p:sld xmlns:a="http://schemas.openxmlformats.org/drawingml/2006/main" xmlns:r="http://schemas.openxmlformats.org/officeDocument/2006/relationships" xmlns:p="http://schemas.openxmlformats.org/presentationml/2006/main">
+  <p:cSld>
+    <p:spTree>
+      <p:nvGrpSpPr>
+        <p:cNvPr id="1" name=""/>
+        <p:cNvGrpSpPr/>
+        <p:nvPr/>
+      </p:nvGrpSpPr>
+      <p:grpSpPr/>
       <p:sp>
         <p:nvSpPr>
           <p:cNvPr id="100" name="文本框 99"/>
@@ -5471,6 +6132,12 @@
 </file>
 
 <file path=ppt/tags/tag2.xml><?xml version="1.0" encoding="utf-8"?>
+<p:tagLst xmlns:p="http://schemas.openxmlformats.org/presentationml/2006/main">
+  <p:tag name="KSO_WM_BEAUTIFY_FLAG" val=""/>
+</p:tagLst>
+</file>
+
+<file path=ppt/tags/tag3.xml><?xml version="1.0" encoding="utf-8"?>
 <p:tagLst xmlns:p="http://schemas.openxmlformats.org/presentationml/2006/main">
   <p:tag name="commondata" val="eyJoZGlkIjoiMDNjNzVkZmI2OWJiY2Y0NTEwZTUwMzdjMjA2MjM5NWMifQ=="/>
 </p:tagLst>

--- a/流程图.pptx
+++ b/流程图.pptx
@@ -6,17 +6,19 @@
   </p:sldMasterIdLst>
   <p:sldIdLst>
     <p:sldId id="256" r:id="rId3"/>
-    <p:sldId id="257" r:id="rId4"/>
-    <p:sldId id="258" r:id="rId5"/>
-    <p:sldId id="263" r:id="rId6"/>
-    <p:sldId id="264" r:id="rId7"/>
-    <p:sldId id="261" r:id="rId8"/>
-    <p:sldId id="260" r:id="rId9"/>
+    <p:sldId id="258" r:id="rId4"/>
+    <p:sldId id="263" r:id="rId5"/>
+    <p:sldId id="264" r:id="rId6"/>
+    <p:sldId id="267" r:id="rId7"/>
+    <p:sldId id="268" r:id="rId8"/>
+    <p:sldId id="257" r:id="rId9"/>
+    <p:sldId id="261" r:id="rId10"/>
+    <p:sldId id="260" r:id="rId11"/>
   </p:sldIdLst>
   <p:sldSz cx="12192000" cy="6858000"/>
   <p:notesSz cx="6858000" cy="9144000"/>
   <p:custDataLst>
-    <p:tags r:id="rId13"/>
+    <p:tags r:id="rId15"/>
   </p:custDataLst>
   <p:defaultTextStyle>
     <a:defPPr>
@@ -4262,6 +4264,4519 @@
 </file>
 
 <file path=ppt/slides/slide2.xml><?xml version="1.0" encoding="utf-8"?>
+<p:sld xmlns:a="http://schemas.openxmlformats.org/drawingml/2006/main" xmlns:r="http://schemas.openxmlformats.org/officeDocument/2006/relationships" xmlns:p="http://schemas.openxmlformats.org/presentationml/2006/main">
+  <p:cSld>
+    <p:spTree>
+      <p:nvGrpSpPr>
+        <p:cNvPr id="1" name=""/>
+        <p:cNvGrpSpPr/>
+        <p:nvPr/>
+      </p:nvGrpSpPr>
+      <p:grpSpPr/>
+      <p:sp>
+        <p:nvSpPr>
+          <p:cNvPr id="4" name="文本框 3"/>
+          <p:cNvSpPr txBox="1"/>
+          <p:nvPr/>
+        </p:nvSpPr>
+        <p:spPr>
+          <a:xfrm>
+            <a:off x="1191260" y="436880"/>
+            <a:ext cx="10137775" cy="5983605"/>
+          </a:xfrm>
+          <a:prstGeom prst="rect">
+            <a:avLst/>
+          </a:prstGeom>
+          <a:noFill/>
+        </p:spPr>
+        <p:txBody>
+          <a:bodyPr wrap="square" rtlCol="0">
+            <a:noAutofit/>
+          </a:bodyPr>
+          <a:p>
+            <a:pPr algn="just"/>
+            <a:r>
+              <a:rPr lang="zh-CN" altLang="en-US" b="1"/>
+              <a:t>任务一</a:t>
+            </a:r>
+            <a:r>
+              <a:rPr lang="zh-CN" altLang="en-US"/>
+              <a:t>：基于</a:t>
+            </a:r>
+            <a:r>
+              <a:rPr lang="en-US" altLang="zh-CN">
+                <a:solidFill>
+                  <a:schemeClr val="tx1"/>
+                </a:solidFill>
+              </a:rPr>
+              <a:t>streamlit</a:t>
+            </a:r>
+            <a:r>
+              <a:rPr lang="zh-CN" altLang="en-US"/>
+              <a:t>框架构建</a:t>
+            </a:r>
+            <a:r>
+              <a:rPr lang="en-US" altLang="zh-CN"/>
+              <a:t>web</a:t>
+            </a:r>
+            <a:r>
+              <a:rPr lang="zh-CN" altLang="en-US"/>
+              <a:t>界面实现如下功能：</a:t>
+            </a:r>
+            <a:r>
+              <a:rPr lang="en-US" altLang="zh-CN">
+                <a:solidFill>
+                  <a:srgbClr val="FF0000"/>
+                </a:solidFill>
+              </a:rPr>
+              <a:t> </a:t>
+            </a:r>
+            <a:r>
+              <a:rPr lang="zh-CN" altLang="en-US">
+                <a:solidFill>
+                  <a:schemeClr val="accent2">
+                    <a:lumMod val="75000"/>
+                  </a:schemeClr>
+                </a:solidFill>
+              </a:rPr>
+              <a:t>陈文舟</a:t>
+            </a:r>
+            <a:endParaRPr lang="zh-CN" altLang="en-US"/>
+          </a:p>
+          <a:p>
+            <a:pPr indent="457200" algn="just"/>
+            <a:r>
+              <a:rPr lang="en-US" altLang="zh-CN"/>
+              <a:t>1.</a:t>
+            </a:r>
+            <a:r>
+              <a:rPr lang="zh-CN" altLang="en-US"/>
+              <a:t>读取图片</a:t>
+            </a:r>
+            <a:r>
+              <a:rPr lang="en-US" altLang="zh-CN"/>
+              <a:t>jpg/png</a:t>
+            </a:r>
+            <a:r>
+              <a:rPr lang="zh-CN" altLang="en-US"/>
+              <a:t>，</a:t>
+            </a:r>
+            <a:r>
+              <a:rPr lang="zh-CN" altLang="en-US"/>
+              <a:t>并展示；</a:t>
+            </a:r>
+            <a:endParaRPr lang="zh-CN" altLang="en-US"/>
+          </a:p>
+          <a:p>
+            <a:pPr indent="457200" algn="just"/>
+            <a:r>
+              <a:rPr lang="en-US" altLang="zh-CN"/>
+              <a:t>2.</a:t>
+            </a:r>
+            <a:r>
+              <a:rPr lang="zh-CN" altLang="en-US"/>
+              <a:t>读取</a:t>
+            </a:r>
+            <a:r>
+              <a:rPr lang="en-US" altLang="zh-CN"/>
+              <a:t>word</a:t>
+            </a:r>
+            <a:r>
+              <a:rPr lang="zh-CN" altLang="en-US"/>
+              <a:t>、</a:t>
+            </a:r>
+            <a:r>
+              <a:rPr lang="en-US" altLang="zh-CN"/>
+              <a:t>txt </a:t>
+            </a:r>
+            <a:r>
+              <a:rPr lang="zh-CN" altLang="en-US"/>
+              <a:t>，清洗空字符串等、句切分，</a:t>
+            </a:r>
+            <a:r>
+              <a:rPr lang="zh-CN" altLang="en-US">
+                <a:sym typeface="+mn-ea"/>
+              </a:rPr>
+              <a:t>并展示</a:t>
+            </a:r>
+            <a:r>
+              <a:rPr lang="zh-CN" altLang="en-US"/>
+              <a:t>；</a:t>
+            </a:r>
+            <a:endParaRPr lang="zh-CN" altLang="en-US"/>
+          </a:p>
+          <a:p>
+            <a:pPr indent="457200" algn="just"/>
+            <a:r>
+              <a:rPr lang="en-US" altLang="zh-CN"/>
+              <a:t>3.</a:t>
+            </a:r>
+            <a:r>
+              <a:rPr lang="zh-CN" altLang="en-US"/>
+              <a:t>实现部分文字高亮</a:t>
+            </a:r>
+            <a:r>
+              <a:rPr lang="zh-CN" altLang="en-US"/>
+              <a:t>功能；</a:t>
+            </a:r>
+            <a:endParaRPr lang="zh-CN" altLang="en-US"/>
+          </a:p>
+          <a:p>
+            <a:pPr indent="457200" algn="just"/>
+            <a:r>
+              <a:rPr lang="en-US" altLang="zh-CN"/>
+              <a:t>4.</a:t>
+            </a:r>
+            <a:r>
+              <a:rPr lang="zh-CN" altLang="en-US"/>
+              <a:t>实现风险提示</a:t>
+            </a:r>
+            <a:r>
+              <a:rPr lang="zh-CN" altLang="en-US"/>
+              <a:t>返回信息（</a:t>
+            </a:r>
+            <a:r>
+              <a:rPr lang="zh-CN" altLang="en-US"/>
+              <a:t>如：该条信息疑似广告/xx信息/包含个人敏感信息，请谨慎操作）</a:t>
+            </a:r>
+            <a:endParaRPr lang="zh-CN" altLang="en-US"/>
+          </a:p>
+          <a:p>
+            <a:pPr indent="457200" algn="just"/>
+            <a:endParaRPr lang="zh-CN" altLang="en-US"/>
+          </a:p>
+          <a:p>
+            <a:pPr indent="0" algn="just"/>
+            <a:r>
+              <a:rPr lang="zh-CN" altLang="en-US" b="1">
+                <a:sym typeface="+mn-ea"/>
+              </a:rPr>
+              <a:t>任务二</a:t>
+            </a:r>
+            <a:r>
+              <a:rPr lang="zh-CN" altLang="en-US">
+                <a:sym typeface="+mn-ea"/>
+              </a:rPr>
+              <a:t>：</a:t>
+            </a:r>
+            <a:r>
+              <a:rPr lang="en-US" altLang="zh-CN">
+                <a:sym typeface="+mn-ea"/>
+              </a:rPr>
+              <a:t>pdf</a:t>
+            </a:r>
+            <a:r>
+              <a:rPr lang="zh-CN" altLang="en-US">
+                <a:sym typeface="+mn-ea"/>
+              </a:rPr>
+              <a:t>、图片的解析：</a:t>
+            </a:r>
+            <a:r>
+              <a:rPr lang="zh-CN" altLang="en-US">
+                <a:solidFill>
+                  <a:schemeClr val="accent2">
+                    <a:lumMod val="75000"/>
+                  </a:schemeClr>
+                </a:solidFill>
+                <a:sym typeface="+mn-ea"/>
+              </a:rPr>
+              <a:t>李忻原</a:t>
+            </a:r>
+            <a:endParaRPr lang="zh-CN" altLang="en-US"/>
+          </a:p>
+          <a:p>
+            <a:pPr indent="457200" algn="just"/>
+            <a:r>
+              <a:rPr lang="en-US" altLang="zh-CN"/>
+              <a:t>1.paddleOCR</a:t>
+            </a:r>
+            <a:r>
+              <a:rPr lang="zh-CN" altLang="en-US"/>
+              <a:t>解析文字图片</a:t>
+            </a:r>
+            <a:r>
+              <a:rPr lang="zh-CN" altLang="en-US">
+                <a:sym typeface="+mn-ea"/>
+              </a:rPr>
+              <a:t>（</a:t>
+            </a:r>
+            <a:r>
+              <a:rPr lang="en-US" altLang="zh-CN">
+                <a:sym typeface="+mn-ea"/>
+              </a:rPr>
+              <a:t>paddle</a:t>
+            </a:r>
+            <a:r>
+              <a:rPr lang="zh-CN" altLang="en-US">
+                <a:sym typeface="+mn-ea"/>
+              </a:rPr>
+              <a:t>框架）</a:t>
+            </a:r>
+            <a:r>
+              <a:rPr lang="zh-CN" altLang="en-US"/>
+              <a:t>；</a:t>
+            </a:r>
+            <a:endParaRPr lang="zh-CN" altLang="en-US"/>
+          </a:p>
+          <a:p>
+            <a:pPr indent="457200" algn="just"/>
+            <a:r>
+              <a:rPr lang="en-US" altLang="zh-CN"/>
+              <a:t>2.pdf</a:t>
+            </a:r>
+            <a:r>
+              <a:rPr lang="zh-CN" altLang="en-US"/>
+              <a:t>解析；</a:t>
+            </a:r>
+            <a:endParaRPr lang="zh-CN" altLang="en-US"/>
+          </a:p>
+          <a:p>
+            <a:pPr indent="457200" algn="just"/>
+            <a:endParaRPr lang="zh-CN" altLang="en-US"/>
+          </a:p>
+          <a:p>
+            <a:pPr indent="0" algn="just"/>
+            <a:r>
+              <a:rPr lang="zh-CN" altLang="en-US" b="1">
+                <a:sym typeface="+mn-ea"/>
+              </a:rPr>
+              <a:t>任务三</a:t>
+            </a:r>
+            <a:r>
+              <a:rPr lang="zh-CN" altLang="en-US">
+                <a:sym typeface="+mn-ea"/>
+              </a:rPr>
+              <a:t>：敏感消息流式识别（</a:t>
+            </a:r>
+            <a:r>
+              <a:rPr lang="en-US" altLang="zh-CN">
+                <a:sym typeface="+mn-ea"/>
+              </a:rPr>
+              <a:t>paddle</a:t>
+            </a:r>
+            <a:r>
+              <a:rPr lang="zh-CN" altLang="en-US">
+                <a:sym typeface="+mn-ea"/>
+              </a:rPr>
+              <a:t>框架）：</a:t>
+            </a:r>
+            <a:r>
+              <a:rPr lang="zh-CN" altLang="en-US">
+                <a:solidFill>
+                  <a:schemeClr val="accent2">
+                    <a:lumMod val="75000"/>
+                  </a:schemeClr>
+                </a:solidFill>
+                <a:sym typeface="+mn-ea"/>
+              </a:rPr>
+              <a:t>黄凯</a:t>
+            </a:r>
+            <a:endParaRPr lang="zh-CN" altLang="en-US"/>
+          </a:p>
+          <a:p>
+            <a:pPr indent="457200" algn="just"/>
+            <a:r>
+              <a:rPr lang="en-US" altLang="zh-CN"/>
+              <a:t>1. 消息包含敏感信息</a:t>
+            </a:r>
+            <a:r>
+              <a:rPr lang="zh-CN" altLang="en-US"/>
+              <a:t>及类型</a:t>
+            </a:r>
+            <a:r>
+              <a:rPr lang="en-US" altLang="zh-CN"/>
+              <a:t>：二分类 ernie2.0/3.0 +nn</a:t>
+            </a:r>
+            <a:endParaRPr lang="en-US" altLang="zh-CN"/>
+          </a:p>
+          <a:p>
+            <a:pPr indent="457200" algn="just"/>
+            <a:r>
+              <a:rPr lang="en-US" altLang="zh-CN"/>
+              <a:t>2. 敏感信息的类型：多</a:t>
+            </a:r>
+            <a:r>
+              <a:rPr lang="zh-CN" altLang="en-US"/>
+              <a:t>标签</a:t>
+            </a:r>
+            <a:r>
+              <a:rPr lang="en-US" altLang="zh-CN"/>
+              <a:t>分类 ernie2.0/3.0 +nn</a:t>
+            </a:r>
+            <a:endParaRPr lang="en-US" altLang="zh-CN"/>
+          </a:p>
+          <a:p>
+            <a:pPr indent="457200" algn="just"/>
+            <a:endParaRPr lang="en-US" altLang="zh-CN"/>
+          </a:p>
+          <a:p>
+            <a:pPr indent="0" algn="just"/>
+            <a:r>
+              <a:rPr lang="en-US" altLang="zh-CN" b="1">
+                <a:sym typeface="+mn-ea"/>
+              </a:rPr>
+              <a:t>任务四</a:t>
+            </a:r>
+            <a:r>
+              <a:rPr lang="en-US" altLang="zh-CN">
+                <a:sym typeface="+mn-ea"/>
+              </a:rPr>
+              <a:t>：个人隐私抽取</a:t>
+            </a:r>
+            <a:r>
+              <a:rPr lang="zh-CN" altLang="en-US">
+                <a:sym typeface="+mn-ea"/>
+              </a:rPr>
+              <a:t>（</a:t>
+            </a:r>
+            <a:r>
+              <a:rPr lang="en-US" altLang="zh-CN">
+                <a:sym typeface="+mn-ea"/>
+              </a:rPr>
+              <a:t>paddle</a:t>
+            </a:r>
+            <a:r>
+              <a:rPr lang="zh-CN" altLang="en-US">
+                <a:sym typeface="+mn-ea"/>
+              </a:rPr>
+              <a:t>框架）</a:t>
+            </a:r>
+            <a:r>
+              <a:rPr lang="en-US" altLang="zh-CN">
+                <a:sym typeface="+mn-ea"/>
+              </a:rPr>
+              <a:t>：</a:t>
+            </a:r>
+            <a:r>
+              <a:rPr lang="zh-CN" altLang="en-US">
+                <a:solidFill>
+                  <a:schemeClr val="accent2">
+                    <a:lumMod val="75000"/>
+                  </a:schemeClr>
+                </a:solidFill>
+                <a:sym typeface="+mn-ea"/>
+              </a:rPr>
+              <a:t>张宁</a:t>
+            </a:r>
+            <a:endParaRPr lang="en-US" altLang="zh-CN"/>
+          </a:p>
+          <a:p>
+            <a:pPr indent="457200" algn="just"/>
+            <a:r>
+              <a:rPr lang="zh-CN" altLang="en-US">
+                <a:sym typeface="+mn-ea"/>
+              </a:rPr>
+              <a:t>个人地址、身份证、银行卡号</a:t>
+            </a:r>
+            <a:r>
+              <a:rPr lang="en-US" altLang="zh-CN">
+                <a:sym typeface="+mn-ea"/>
+              </a:rPr>
+              <a:t>  </a:t>
+            </a:r>
+            <a:r>
+              <a:rPr lang="zh-CN" altLang="en-US">
+                <a:sym typeface="+mn-ea"/>
+              </a:rPr>
+              <a:t>（实体抽取</a:t>
+            </a:r>
+            <a:r>
+              <a:rPr lang="en-US" altLang="zh-CN">
+                <a:sym typeface="+mn-ea"/>
+              </a:rPr>
+              <a:t>+</a:t>
+            </a:r>
+            <a:r>
+              <a:rPr lang="zh-CN" altLang="en-US">
+                <a:sym typeface="+mn-ea"/>
+              </a:rPr>
+              <a:t>正则）</a:t>
+            </a:r>
+            <a:endParaRPr lang="zh-CN" altLang="en-US">
+              <a:sym typeface="+mn-ea"/>
+            </a:endParaRPr>
+          </a:p>
+          <a:p>
+            <a:pPr indent="457200" algn="just"/>
+            <a:endParaRPr lang="zh-CN" altLang="en-US">
+              <a:solidFill>
+                <a:schemeClr val="accent2">
+                  <a:lumMod val="75000"/>
+                </a:schemeClr>
+              </a:solidFill>
+            </a:endParaRPr>
+          </a:p>
+          <a:p>
+            <a:pPr indent="0" algn="just"/>
+            <a:r>
+              <a:rPr lang="zh-CN" altLang="en-US" b="1"/>
+              <a:t>任务五</a:t>
+            </a:r>
+            <a:r>
+              <a:rPr lang="zh-CN" altLang="en-US"/>
+              <a:t>：不良信息片段抽取：</a:t>
+            </a:r>
+            <a:r>
+              <a:rPr lang="zh-CN" altLang="en-US">
+                <a:solidFill>
+                  <a:schemeClr val="accent2">
+                    <a:lumMod val="75000"/>
+                  </a:schemeClr>
+                </a:solidFill>
+              </a:rPr>
+              <a:t>许力</a:t>
+            </a:r>
+            <a:endParaRPr lang="zh-CN" altLang="en-US"/>
+          </a:p>
+          <a:p>
+            <a:pPr indent="457200" algn="just"/>
+            <a:r>
+              <a:rPr lang="en-US" altLang="zh-CN"/>
+              <a:t>1.</a:t>
+            </a:r>
+            <a:r>
+              <a:rPr lang="zh-CN" altLang="en-US"/>
+              <a:t>检索框架</a:t>
+            </a:r>
+            <a:r>
+              <a:rPr lang="en-US" altLang="zh-CN"/>
+              <a:t>elastic search </a:t>
+            </a:r>
+            <a:r>
+              <a:rPr lang="zh-CN" altLang="en-US"/>
+              <a:t>、</a:t>
+            </a:r>
+            <a:r>
+              <a:rPr lang="en-US" altLang="zh-CN"/>
+              <a:t>meilisearch</a:t>
+            </a:r>
+            <a:r>
+              <a:rPr lang="zh-CN" altLang="en-US"/>
+              <a:t>、离线检索等</a:t>
+            </a:r>
+            <a:r>
+              <a:rPr lang="zh-CN" altLang="en-US"/>
+              <a:t>皆可；</a:t>
+            </a:r>
+            <a:endParaRPr lang="zh-CN" altLang="en-US"/>
+          </a:p>
+          <a:p>
+            <a:pPr indent="457200" algn="just"/>
+            <a:r>
+              <a:rPr lang="en-US" altLang="zh-CN"/>
+              <a:t>2.</a:t>
+            </a:r>
+            <a:r>
+              <a:rPr lang="zh-CN" altLang="en-US"/>
+              <a:t>检索方法关键词检索--&gt;消息切分检索（切分策略）</a:t>
+            </a:r>
+            <a:endParaRPr lang="zh-CN" altLang="en-US"/>
+          </a:p>
+          <a:p>
+            <a:pPr indent="457200" algn="just"/>
+            <a:r>
+              <a:rPr lang="en-US" altLang="zh-CN"/>
+              <a:t>3.</a:t>
+            </a:r>
+            <a:r>
+              <a:rPr lang="zh-CN" altLang="en-US"/>
+              <a:t>检索方法：</a:t>
+            </a:r>
+            <a:r>
+              <a:rPr lang="en-US" altLang="zh-CN"/>
+              <a:t>bm25</a:t>
+            </a:r>
+            <a:r>
+              <a:rPr lang="zh-CN" altLang="en-US"/>
+              <a:t>、</a:t>
+            </a:r>
+            <a:r>
+              <a:rPr lang="zh-CN" altLang="en-US"/>
+              <a:t>向量检索</a:t>
+            </a:r>
+            <a:endParaRPr lang="zh-CN" altLang="en-US"/>
+          </a:p>
+        </p:txBody>
+      </p:sp>
+    </p:spTree>
+  </p:cSld>
+  <p:clrMapOvr>
+    <a:masterClrMapping/>
+  </p:clrMapOvr>
+</p:sld>
+</file>
+
+<file path=ppt/slides/slide3.xml><?xml version="1.0" encoding="utf-8"?>
+<p:sld xmlns:a="http://schemas.openxmlformats.org/drawingml/2006/main" xmlns:r="http://schemas.openxmlformats.org/officeDocument/2006/relationships" xmlns:p="http://schemas.openxmlformats.org/presentationml/2006/main">
+  <p:cSld>
+    <p:spTree>
+      <p:nvGrpSpPr>
+        <p:cNvPr id="1" name=""/>
+        <p:cNvGrpSpPr/>
+        <p:nvPr/>
+      </p:nvGrpSpPr>
+      <p:grpSpPr/>
+      <p:sp>
+        <p:nvSpPr>
+          <p:cNvPr id="4" name="文本框 3"/>
+          <p:cNvSpPr txBox="1"/>
+          <p:nvPr>
+            <p:custDataLst>
+              <p:tags r:id="rId1"/>
+            </p:custDataLst>
+          </p:nvPr>
+        </p:nvSpPr>
+        <p:spPr>
+          <a:xfrm>
+            <a:off x="1191260" y="436880"/>
+            <a:ext cx="10137775" cy="5983605"/>
+          </a:xfrm>
+          <a:prstGeom prst="rect">
+            <a:avLst/>
+          </a:prstGeom>
+          <a:noFill/>
+        </p:spPr>
+        <p:txBody>
+          <a:bodyPr wrap="square" rtlCol="0">
+            <a:noAutofit/>
+          </a:bodyPr>
+          <a:p>
+            <a:pPr algn="just"/>
+            <a:r>
+              <a:rPr lang="zh-CN" altLang="en-US" b="1"/>
+              <a:t>任务一</a:t>
+            </a:r>
+            <a:r>
+              <a:rPr lang="zh-CN" altLang="en-US"/>
+              <a:t>：基于</a:t>
+            </a:r>
+            <a:r>
+              <a:rPr lang="en-US" altLang="zh-CN">
+                <a:solidFill>
+                  <a:schemeClr val="tx1"/>
+                </a:solidFill>
+              </a:rPr>
+              <a:t>streamlit</a:t>
+            </a:r>
+            <a:r>
+              <a:rPr lang="zh-CN" altLang="en-US"/>
+              <a:t>框架构建</a:t>
+            </a:r>
+            <a:r>
+              <a:rPr lang="en-US" altLang="zh-CN"/>
+              <a:t>web</a:t>
+            </a:r>
+            <a:r>
+              <a:rPr lang="zh-CN" altLang="en-US"/>
+              <a:t>界面实现如下功能：</a:t>
+            </a:r>
+            <a:r>
+              <a:rPr lang="en-US" altLang="zh-CN">
+                <a:solidFill>
+                  <a:srgbClr val="FF0000"/>
+                </a:solidFill>
+              </a:rPr>
+              <a:t> </a:t>
+            </a:r>
+            <a:r>
+              <a:rPr lang="zh-CN" altLang="en-US">
+                <a:solidFill>
+                  <a:schemeClr val="accent2">
+                    <a:lumMod val="75000"/>
+                  </a:schemeClr>
+                </a:solidFill>
+              </a:rPr>
+              <a:t>陈文舟</a:t>
+            </a:r>
+            <a:endParaRPr lang="zh-CN" altLang="en-US"/>
+          </a:p>
+          <a:p>
+            <a:pPr indent="457200" algn="just"/>
+            <a:r>
+              <a:rPr lang="en-US" altLang="zh-CN"/>
+              <a:t>1.</a:t>
+            </a:r>
+            <a:r>
+              <a:rPr lang="zh-CN" altLang="en-US"/>
+              <a:t>读取图片</a:t>
+            </a:r>
+            <a:r>
+              <a:rPr lang="en-US" altLang="zh-CN"/>
+              <a:t>jpg/png</a:t>
+            </a:r>
+            <a:r>
+              <a:rPr lang="zh-CN" altLang="en-US"/>
+              <a:t>，</a:t>
+            </a:r>
+            <a:r>
+              <a:rPr lang="zh-CN" altLang="en-US"/>
+              <a:t>并展示；</a:t>
+            </a:r>
+            <a:endParaRPr lang="zh-CN" altLang="en-US"/>
+          </a:p>
+          <a:p>
+            <a:pPr indent="457200" algn="just"/>
+            <a:r>
+              <a:rPr lang="en-US" altLang="zh-CN"/>
+              <a:t>2.</a:t>
+            </a:r>
+            <a:r>
+              <a:rPr lang="zh-CN" altLang="en-US"/>
+              <a:t>读取</a:t>
+            </a:r>
+            <a:r>
+              <a:rPr lang="en-US" altLang="zh-CN"/>
+              <a:t>word</a:t>
+            </a:r>
+            <a:r>
+              <a:rPr lang="zh-CN" altLang="en-US"/>
+              <a:t>、</a:t>
+            </a:r>
+            <a:r>
+              <a:rPr lang="en-US" altLang="zh-CN"/>
+              <a:t>txt </a:t>
+            </a:r>
+            <a:r>
+              <a:rPr lang="zh-CN" altLang="en-US"/>
+              <a:t>，清洗空字符串等、句切分，</a:t>
+            </a:r>
+            <a:r>
+              <a:rPr lang="zh-CN" altLang="en-US">
+                <a:sym typeface="+mn-ea"/>
+              </a:rPr>
+              <a:t>并展示</a:t>
+            </a:r>
+            <a:r>
+              <a:rPr lang="zh-CN" altLang="en-US"/>
+              <a:t>；</a:t>
+            </a:r>
+            <a:endParaRPr lang="zh-CN" altLang="en-US"/>
+          </a:p>
+          <a:p>
+            <a:pPr indent="457200" algn="just"/>
+            <a:r>
+              <a:rPr lang="en-US" altLang="zh-CN"/>
+              <a:t>3.</a:t>
+            </a:r>
+            <a:r>
+              <a:rPr lang="zh-CN" altLang="en-US"/>
+              <a:t>实现部分文字高亮</a:t>
+            </a:r>
+            <a:r>
+              <a:rPr lang="zh-CN" altLang="en-US"/>
+              <a:t>功能；</a:t>
+            </a:r>
+            <a:endParaRPr lang="zh-CN" altLang="en-US"/>
+          </a:p>
+          <a:p>
+            <a:pPr indent="457200" algn="just"/>
+            <a:r>
+              <a:rPr lang="en-US" altLang="zh-CN"/>
+              <a:t>4.</a:t>
+            </a:r>
+            <a:r>
+              <a:rPr lang="zh-CN" altLang="en-US"/>
+              <a:t>实现风险提示</a:t>
+            </a:r>
+            <a:r>
+              <a:rPr lang="zh-CN" altLang="en-US"/>
+              <a:t>返回信息（</a:t>
+            </a:r>
+            <a:r>
+              <a:rPr lang="zh-CN" altLang="en-US"/>
+              <a:t>如：该条信息疑似广告/xx信息/包含个人敏感信息，请谨慎操作）</a:t>
+            </a:r>
+            <a:endParaRPr lang="zh-CN" altLang="en-US"/>
+          </a:p>
+          <a:p>
+            <a:pPr indent="457200" algn="just"/>
+            <a:endParaRPr lang="zh-CN" altLang="en-US"/>
+          </a:p>
+          <a:p>
+            <a:pPr indent="0" algn="just"/>
+            <a:r>
+              <a:rPr lang="zh-CN" altLang="en-US" b="1">
+                <a:sym typeface="+mn-ea"/>
+              </a:rPr>
+              <a:t>任务二</a:t>
+            </a:r>
+            <a:r>
+              <a:rPr lang="zh-CN" altLang="en-US">
+                <a:sym typeface="+mn-ea"/>
+              </a:rPr>
+              <a:t>：</a:t>
+            </a:r>
+            <a:r>
+              <a:rPr lang="en-US" altLang="zh-CN">
+                <a:sym typeface="+mn-ea"/>
+              </a:rPr>
+              <a:t>pdf</a:t>
+            </a:r>
+            <a:r>
+              <a:rPr lang="zh-CN" altLang="en-US">
+                <a:sym typeface="+mn-ea"/>
+              </a:rPr>
+              <a:t>、图片的解析：</a:t>
+            </a:r>
+            <a:r>
+              <a:rPr lang="zh-CN" altLang="en-US">
+                <a:solidFill>
+                  <a:schemeClr val="accent2">
+                    <a:lumMod val="75000"/>
+                  </a:schemeClr>
+                </a:solidFill>
+                <a:sym typeface="+mn-ea"/>
+              </a:rPr>
+              <a:t>李忻原</a:t>
+            </a:r>
+            <a:endParaRPr lang="zh-CN" altLang="en-US"/>
+          </a:p>
+          <a:p>
+            <a:pPr indent="457200" algn="just"/>
+            <a:r>
+              <a:rPr lang="en-US" altLang="zh-CN"/>
+              <a:t>1.paddleOCR</a:t>
+            </a:r>
+            <a:r>
+              <a:rPr lang="zh-CN" altLang="en-US"/>
+              <a:t>解析文字图片</a:t>
+            </a:r>
+            <a:r>
+              <a:rPr lang="zh-CN" altLang="en-US">
+                <a:sym typeface="+mn-ea"/>
+              </a:rPr>
+              <a:t>（</a:t>
+            </a:r>
+            <a:r>
+              <a:rPr lang="en-US" altLang="zh-CN">
+                <a:sym typeface="+mn-ea"/>
+              </a:rPr>
+              <a:t>paddle</a:t>
+            </a:r>
+            <a:r>
+              <a:rPr lang="zh-CN" altLang="en-US">
+                <a:sym typeface="+mn-ea"/>
+              </a:rPr>
+              <a:t>框架）</a:t>
+            </a:r>
+            <a:r>
+              <a:rPr lang="zh-CN" altLang="en-US"/>
+              <a:t>；</a:t>
+            </a:r>
+            <a:endParaRPr lang="zh-CN" altLang="en-US"/>
+          </a:p>
+          <a:p>
+            <a:pPr indent="457200" algn="just"/>
+            <a:r>
+              <a:rPr lang="en-US" altLang="zh-CN"/>
+              <a:t>2.pdf</a:t>
+            </a:r>
+            <a:r>
+              <a:rPr lang="zh-CN" altLang="en-US"/>
+              <a:t>解析；</a:t>
+            </a:r>
+            <a:endParaRPr lang="zh-CN" altLang="en-US"/>
+          </a:p>
+          <a:p>
+            <a:pPr indent="457200" algn="just"/>
+            <a:endParaRPr lang="zh-CN" altLang="en-US"/>
+          </a:p>
+          <a:p>
+            <a:pPr indent="0" algn="just"/>
+            <a:r>
+              <a:rPr lang="zh-CN" altLang="en-US" b="1">
+                <a:sym typeface="+mn-ea"/>
+              </a:rPr>
+              <a:t>任务三</a:t>
+            </a:r>
+            <a:r>
+              <a:rPr lang="zh-CN" altLang="en-US">
+                <a:sym typeface="+mn-ea"/>
+              </a:rPr>
+              <a:t>：敏感消息流式识别（</a:t>
+            </a:r>
+            <a:r>
+              <a:rPr lang="en-US" altLang="zh-CN">
+                <a:sym typeface="+mn-ea"/>
+              </a:rPr>
+              <a:t>paddle</a:t>
+            </a:r>
+            <a:r>
+              <a:rPr lang="zh-CN" altLang="en-US">
+                <a:sym typeface="+mn-ea"/>
+              </a:rPr>
+              <a:t>框架）：</a:t>
+            </a:r>
+            <a:r>
+              <a:rPr lang="zh-CN" altLang="en-US">
+                <a:solidFill>
+                  <a:schemeClr val="accent2">
+                    <a:lumMod val="75000"/>
+                  </a:schemeClr>
+                </a:solidFill>
+                <a:sym typeface="+mn-ea"/>
+              </a:rPr>
+              <a:t>黄凯</a:t>
+            </a:r>
+            <a:endParaRPr lang="zh-CN" altLang="en-US"/>
+          </a:p>
+          <a:p>
+            <a:pPr indent="457200" algn="just"/>
+            <a:r>
+              <a:rPr lang="en-US" altLang="zh-CN"/>
+              <a:t>1. 消息包含敏感信息</a:t>
+            </a:r>
+            <a:r>
+              <a:rPr lang="zh-CN" altLang="en-US"/>
+              <a:t>及类型</a:t>
+            </a:r>
+            <a:r>
+              <a:rPr lang="en-US" altLang="zh-CN"/>
+              <a:t>：二分类 ernie2.0/3.0 +nn</a:t>
+            </a:r>
+            <a:endParaRPr lang="en-US" altLang="zh-CN"/>
+          </a:p>
+          <a:p>
+            <a:pPr indent="457200" algn="just"/>
+            <a:r>
+              <a:rPr lang="en-US" altLang="zh-CN"/>
+              <a:t>2. 敏感信息的类型：多</a:t>
+            </a:r>
+            <a:r>
+              <a:rPr lang="zh-CN" altLang="en-US"/>
+              <a:t>标签</a:t>
+            </a:r>
+            <a:r>
+              <a:rPr lang="en-US" altLang="zh-CN"/>
+              <a:t>分类 ernie2.0/3.0 +nn</a:t>
+            </a:r>
+            <a:endParaRPr lang="en-US" altLang="zh-CN"/>
+          </a:p>
+          <a:p>
+            <a:pPr indent="457200" algn="just"/>
+            <a:endParaRPr lang="en-US" altLang="zh-CN"/>
+          </a:p>
+          <a:p>
+            <a:pPr indent="0" algn="just"/>
+            <a:r>
+              <a:rPr lang="en-US" altLang="zh-CN" b="1">
+                <a:sym typeface="+mn-ea"/>
+              </a:rPr>
+              <a:t>任务四</a:t>
+            </a:r>
+            <a:r>
+              <a:rPr lang="en-US" altLang="zh-CN">
+                <a:sym typeface="+mn-ea"/>
+              </a:rPr>
+              <a:t>：个人隐私抽取</a:t>
+            </a:r>
+            <a:r>
+              <a:rPr lang="zh-CN" altLang="en-US">
+                <a:sym typeface="+mn-ea"/>
+              </a:rPr>
+              <a:t>（</a:t>
+            </a:r>
+            <a:r>
+              <a:rPr lang="en-US" altLang="zh-CN">
+                <a:sym typeface="+mn-ea"/>
+              </a:rPr>
+              <a:t>paddle</a:t>
+            </a:r>
+            <a:r>
+              <a:rPr lang="zh-CN" altLang="en-US">
+                <a:sym typeface="+mn-ea"/>
+              </a:rPr>
+              <a:t>框架）</a:t>
+            </a:r>
+            <a:r>
+              <a:rPr lang="en-US" altLang="zh-CN">
+                <a:sym typeface="+mn-ea"/>
+              </a:rPr>
+              <a:t>：</a:t>
+            </a:r>
+            <a:r>
+              <a:rPr lang="zh-CN" altLang="en-US">
+                <a:solidFill>
+                  <a:schemeClr val="accent2">
+                    <a:lumMod val="75000"/>
+                  </a:schemeClr>
+                </a:solidFill>
+                <a:sym typeface="+mn-ea"/>
+              </a:rPr>
+              <a:t>张宁</a:t>
+            </a:r>
+            <a:endParaRPr lang="en-US" altLang="zh-CN"/>
+          </a:p>
+          <a:p>
+            <a:pPr indent="457200" algn="just"/>
+            <a:r>
+              <a:rPr lang="zh-CN" altLang="en-US">
+                <a:sym typeface="+mn-ea"/>
+              </a:rPr>
+              <a:t>个人地址、身份证、银行卡号</a:t>
+            </a:r>
+            <a:r>
+              <a:rPr lang="en-US" altLang="zh-CN">
+                <a:sym typeface="+mn-ea"/>
+              </a:rPr>
+              <a:t>  </a:t>
+            </a:r>
+            <a:r>
+              <a:rPr lang="zh-CN" altLang="en-US">
+                <a:sym typeface="+mn-ea"/>
+              </a:rPr>
+              <a:t>（实体抽取</a:t>
+            </a:r>
+            <a:r>
+              <a:rPr lang="en-US" altLang="zh-CN">
+                <a:sym typeface="+mn-ea"/>
+              </a:rPr>
+              <a:t>+</a:t>
+            </a:r>
+            <a:r>
+              <a:rPr lang="zh-CN" altLang="en-US">
+                <a:sym typeface="+mn-ea"/>
+              </a:rPr>
+              <a:t>正则）</a:t>
+            </a:r>
+            <a:endParaRPr lang="zh-CN" altLang="en-US">
+              <a:sym typeface="+mn-ea"/>
+            </a:endParaRPr>
+          </a:p>
+          <a:p>
+            <a:pPr indent="457200" algn="just"/>
+            <a:endParaRPr lang="zh-CN" altLang="en-US">
+              <a:solidFill>
+                <a:schemeClr val="accent2">
+                  <a:lumMod val="75000"/>
+                </a:schemeClr>
+              </a:solidFill>
+            </a:endParaRPr>
+          </a:p>
+          <a:p>
+            <a:pPr indent="0" algn="just"/>
+            <a:r>
+              <a:rPr lang="zh-CN" altLang="en-US" b="1"/>
+              <a:t>任务五</a:t>
+            </a:r>
+            <a:r>
+              <a:rPr lang="zh-CN" altLang="en-US"/>
+              <a:t>：不良信息片段抽取：</a:t>
+            </a:r>
+            <a:r>
+              <a:rPr lang="zh-CN" altLang="en-US">
+                <a:solidFill>
+                  <a:schemeClr val="accent2">
+                    <a:lumMod val="75000"/>
+                  </a:schemeClr>
+                </a:solidFill>
+              </a:rPr>
+              <a:t>黄凯</a:t>
+            </a:r>
+            <a:endParaRPr lang="zh-CN" altLang="en-US"/>
+          </a:p>
+          <a:p>
+            <a:pPr indent="457200" algn="just"/>
+            <a:r>
+              <a:rPr lang="en-US" altLang="zh-CN"/>
+              <a:t>1.</a:t>
+            </a:r>
+            <a:r>
+              <a:rPr lang="zh-CN" altLang="en-US"/>
+              <a:t>检索框架</a:t>
+            </a:r>
+            <a:r>
+              <a:rPr lang="en-US"/>
+              <a:t>AC</a:t>
+            </a:r>
+            <a:r>
+              <a:rPr lang="zh-CN" altLang="en-US"/>
+              <a:t>机</a:t>
+            </a:r>
+            <a:endParaRPr lang="zh-CN" altLang="en-US"/>
+          </a:p>
+          <a:p>
+            <a:pPr indent="457200" algn="just"/>
+            <a:r>
+              <a:rPr lang="en-US" altLang="zh-CN"/>
+              <a:t>2.</a:t>
+            </a:r>
+            <a:r>
+              <a:rPr lang="zh-CN" altLang="en-US"/>
+              <a:t>序列标注</a:t>
+            </a:r>
+            <a:endParaRPr lang="zh-CN" altLang="en-US"/>
+          </a:p>
+          <a:p>
+            <a:pPr indent="457200" algn="just"/>
+            <a:endParaRPr lang="zh-CN" altLang="en-US"/>
+          </a:p>
+        </p:txBody>
+      </p:sp>
+      <p:sp>
+        <p:nvSpPr>
+          <p:cNvPr id="6" name="右大括号 5"/>
+          <p:cNvSpPr/>
+          <p:nvPr/>
+        </p:nvSpPr>
+        <p:spPr>
+          <a:xfrm>
+            <a:off x="7139305" y="3318510"/>
+            <a:ext cx="547370" cy="2556510"/>
+          </a:xfrm>
+          <a:prstGeom prst="rightBrace">
+            <a:avLst/>
+          </a:prstGeom>
+        </p:spPr>
+        <p:style>
+          <a:lnRef idx="3">
+            <a:schemeClr val="accent1"/>
+          </a:lnRef>
+          <a:fillRef idx="0">
+            <a:srgbClr val="FFFFFF"/>
+          </a:fillRef>
+          <a:effectRef idx="0">
+            <a:srgbClr val="FFFFFF"/>
+          </a:effectRef>
+          <a:fontRef idx="minor">
+            <a:schemeClr val="tx1"/>
+          </a:fontRef>
+        </p:style>
+        <p:txBody>
+          <a:bodyPr rtlCol="0" anchor="ctr"/>
+          <a:p>
+            <a:pPr algn="ctr"/>
+            <a:endParaRPr lang="zh-CN" altLang="en-US"/>
+          </a:p>
+        </p:txBody>
+      </p:sp>
+      <p:sp>
+        <p:nvSpPr>
+          <p:cNvPr id="7" name="文本框 6"/>
+          <p:cNvSpPr txBox="1"/>
+          <p:nvPr/>
+        </p:nvSpPr>
+        <p:spPr>
+          <a:xfrm>
+            <a:off x="8074025" y="4305935"/>
+            <a:ext cx="1374140" cy="368300"/>
+          </a:xfrm>
+          <a:prstGeom prst="rect">
+            <a:avLst/>
+          </a:prstGeom>
+          <a:noFill/>
+        </p:spPr>
+        <p:txBody>
+          <a:bodyPr wrap="square" rtlCol="0">
+            <a:spAutoFit/>
+          </a:bodyPr>
+          <a:p>
+            <a:r>
+              <a:rPr lang="en-US" altLang="zh-CN"/>
+              <a:t>UIE</a:t>
+            </a:r>
+            <a:r>
+              <a:rPr lang="zh-CN" altLang="en-US"/>
+              <a:t>框架</a:t>
+            </a:r>
+            <a:endParaRPr lang="zh-CN" altLang="en-US"/>
+          </a:p>
+        </p:txBody>
+      </p:sp>
+    </p:spTree>
+  </p:cSld>
+  <p:clrMapOvr>
+    <a:masterClrMapping/>
+  </p:clrMapOvr>
+</p:sld>
+</file>
+
+<file path=ppt/slides/slide4.xml><?xml version="1.0" encoding="utf-8"?>
+<p:sld xmlns:a="http://schemas.openxmlformats.org/drawingml/2006/main" xmlns:r="http://schemas.openxmlformats.org/officeDocument/2006/relationships" xmlns:p="http://schemas.openxmlformats.org/presentationml/2006/main">
+  <p:cSld>
+    <p:spTree>
+      <p:nvGrpSpPr>
+        <p:cNvPr id="1" name=""/>
+        <p:cNvGrpSpPr/>
+        <p:nvPr/>
+      </p:nvGrpSpPr>
+      <p:grpSpPr/>
+      <p:pic>
+        <p:nvPicPr>
+          <p:cNvPr id="5" name="图片 4"/>
+          <p:cNvPicPr>
+            <a:picLocks noChangeAspect="1"/>
+          </p:cNvPicPr>
+          <p:nvPr/>
+        </p:nvPicPr>
+        <p:blipFill>
+          <a:blip r:embed="rId1"/>
+          <a:stretch>
+            <a:fillRect/>
+          </a:stretch>
+        </p:blipFill>
+        <p:spPr>
+          <a:xfrm rot="16200000">
+            <a:off x="6588760" y="-652780"/>
+            <a:ext cx="3799840" cy="5681980"/>
+          </a:xfrm>
+          <a:prstGeom prst="rect">
+            <a:avLst/>
+          </a:prstGeom>
+        </p:spPr>
+      </p:pic>
+      <p:pic>
+        <p:nvPicPr>
+          <p:cNvPr id="2" name="图片 1"/>
+          <p:cNvPicPr>
+            <a:picLocks noChangeAspect="1"/>
+          </p:cNvPicPr>
+          <p:nvPr/>
+        </p:nvPicPr>
+        <p:blipFill>
+          <a:blip r:embed="rId2"/>
+          <a:stretch>
+            <a:fillRect/>
+          </a:stretch>
+        </p:blipFill>
+        <p:spPr>
+          <a:xfrm>
+            <a:off x="0" y="0"/>
+            <a:ext cx="4528185" cy="6858635"/>
+          </a:xfrm>
+          <a:prstGeom prst="rect">
+            <a:avLst/>
+          </a:prstGeom>
+        </p:spPr>
+      </p:pic>
+    </p:spTree>
+  </p:cSld>
+  <p:clrMapOvr>
+    <a:masterClrMapping/>
+  </p:clrMapOvr>
+</p:sld>
+</file>
+
+<file path=ppt/slides/slide5.xml><?xml version="1.0" encoding="utf-8"?>
+<p:sld xmlns:a="http://schemas.openxmlformats.org/drawingml/2006/main" xmlns:r="http://schemas.openxmlformats.org/officeDocument/2006/relationships" xmlns:p="http://schemas.openxmlformats.org/presentationml/2006/main">
+  <p:cSld>
+    <p:spTree>
+      <p:nvGrpSpPr>
+        <p:cNvPr id="1" name=""/>
+        <p:cNvGrpSpPr/>
+        <p:nvPr/>
+      </p:nvGrpSpPr>
+      <p:grpSpPr/>
+      <p:pic>
+        <p:nvPicPr>
+          <p:cNvPr id="4" name="图片 3"/>
+          <p:cNvPicPr>
+            <a:picLocks noChangeAspect="1"/>
+          </p:cNvPicPr>
+          <p:nvPr>
+            <p:custDataLst>
+              <p:tags r:id="rId1"/>
+            </p:custDataLst>
+          </p:nvPr>
+        </p:nvPicPr>
+        <p:blipFill>
+          <a:blip r:embed="rId2"/>
+          <a:stretch>
+            <a:fillRect/>
+          </a:stretch>
+        </p:blipFill>
+        <p:spPr>
+          <a:xfrm>
+            <a:off x="0" y="0"/>
+            <a:ext cx="4528185" cy="6858635"/>
+          </a:xfrm>
+          <a:prstGeom prst="rect">
+            <a:avLst/>
+          </a:prstGeom>
+        </p:spPr>
+      </p:pic>
+      <p:sp>
+        <p:nvSpPr>
+          <p:cNvPr id="5" name="圆柱形 4"/>
+          <p:cNvSpPr/>
+          <p:nvPr/>
+        </p:nvSpPr>
+        <p:spPr>
+          <a:xfrm>
+            <a:off x="4676140" y="33020"/>
+            <a:ext cx="914400" cy="822960"/>
+          </a:xfrm>
+          <a:prstGeom prst="can">
+            <a:avLst/>
+          </a:prstGeom>
+        </p:spPr>
+        <p:style>
+          <a:lnRef idx="2">
+            <a:schemeClr val="accent1">
+              <a:lumMod val="75000"/>
+            </a:schemeClr>
+          </a:lnRef>
+          <a:fillRef idx="1">
+            <a:schemeClr val="accent1"/>
+          </a:fillRef>
+          <a:effectRef idx="0">
+            <a:srgbClr val="FFFFFF"/>
+          </a:effectRef>
+          <a:fontRef idx="minor">
+            <a:schemeClr val="lt1"/>
+          </a:fontRef>
+        </p:style>
+        <p:txBody>
+          <a:bodyPr rtlCol="0" anchor="ctr"/>
+          <a:p>
+            <a:pPr algn="ctr"/>
+            <a:r>
+              <a:rPr lang="zh-CN" altLang="en-US" sz="1200"/>
+              <a:t>文档</a:t>
+            </a:r>
+            <a:endParaRPr lang="zh-CN" altLang="en-US" sz="1200"/>
+          </a:p>
+          <a:p>
+            <a:pPr algn="ctr"/>
+            <a:r>
+              <a:rPr lang="zh-CN" altLang="en-US" sz="1200"/>
+              <a:t>图片</a:t>
+            </a:r>
+            <a:endParaRPr lang="zh-CN" altLang="en-US" sz="1200"/>
+          </a:p>
+          <a:p>
+            <a:pPr algn="ctr"/>
+            <a:r>
+              <a:rPr lang="zh-CN" altLang="en-US" sz="1200"/>
+              <a:t>文本</a:t>
+            </a:r>
+            <a:endParaRPr lang="zh-CN" altLang="en-US" sz="1200"/>
+          </a:p>
+        </p:txBody>
+      </p:sp>
+      <p:sp>
+        <p:nvSpPr>
+          <p:cNvPr id="6" name="矩形 5"/>
+          <p:cNvSpPr/>
+          <p:nvPr/>
+        </p:nvSpPr>
+        <p:spPr>
+          <a:xfrm>
+            <a:off x="7034530" y="260350"/>
+            <a:ext cx="1311275" cy="354330"/>
+          </a:xfrm>
+          <a:prstGeom prst="rect">
+            <a:avLst/>
+          </a:prstGeom>
+        </p:spPr>
+        <p:style>
+          <a:lnRef idx="2">
+            <a:schemeClr val="accent1">
+              <a:lumMod val="75000"/>
+            </a:schemeClr>
+          </a:lnRef>
+          <a:fillRef idx="1">
+            <a:schemeClr val="accent1"/>
+          </a:fillRef>
+          <a:effectRef idx="0">
+            <a:srgbClr val="FFFFFF"/>
+          </a:effectRef>
+          <a:fontRef idx="minor">
+            <a:schemeClr val="lt1"/>
+          </a:fontRef>
+        </p:style>
+        <p:txBody>
+          <a:bodyPr rtlCol="0" anchor="ctr"/>
+          <a:p>
+            <a:pPr algn="ctr"/>
+            <a:r>
+              <a:rPr lang="zh-CN" altLang="en-US" sz="1400"/>
+              <a:t>文本</a:t>
+            </a:r>
+            <a:r>
+              <a:rPr lang="en-US" altLang="zh-CN" sz="1400"/>
+              <a:t>/</a:t>
+            </a:r>
+            <a:r>
+              <a:rPr lang="zh-CN" altLang="en-US" sz="1400"/>
+              <a:t>文本集</a:t>
+            </a:r>
+            <a:endParaRPr lang="zh-CN" altLang="en-US" sz="1400"/>
+          </a:p>
+        </p:txBody>
+      </p:sp>
+      <p:cxnSp>
+        <p:nvCxnSpPr>
+          <p:cNvPr id="7" name="直接箭头连接符 6"/>
+          <p:cNvCxnSpPr>
+            <a:stCxn id="5" idx="4"/>
+            <a:endCxn id="6" idx="1"/>
+          </p:cNvCxnSpPr>
+          <p:nvPr/>
+        </p:nvCxnSpPr>
+        <p:spPr>
+          <a:xfrm flipV="1">
+            <a:off x="5590540" y="437515"/>
+            <a:ext cx="1443990" cy="6985"/>
+          </a:xfrm>
+          <a:prstGeom prst="straightConnector1">
+            <a:avLst/>
+          </a:prstGeom>
+          <a:ln>
+            <a:tailEnd type="arrow"/>
+          </a:ln>
+        </p:spPr>
+        <p:style>
+          <a:lnRef idx="2">
+            <a:schemeClr val="accent1"/>
+          </a:lnRef>
+          <a:fillRef idx="0">
+            <a:srgbClr val="FFFFFF"/>
+          </a:fillRef>
+          <a:effectRef idx="0">
+            <a:srgbClr val="FFFFFF"/>
+          </a:effectRef>
+          <a:fontRef idx="minor">
+            <a:schemeClr val="tx1"/>
+          </a:fontRef>
+        </p:style>
+      </p:cxnSp>
+      <p:sp>
+        <p:nvSpPr>
+          <p:cNvPr id="8" name="文本框 7"/>
+          <p:cNvSpPr txBox="1"/>
+          <p:nvPr/>
+        </p:nvSpPr>
+        <p:spPr>
+          <a:xfrm>
+            <a:off x="5848350" y="137795"/>
+            <a:ext cx="928370" cy="306705"/>
+          </a:xfrm>
+          <a:prstGeom prst="rect">
+            <a:avLst/>
+          </a:prstGeom>
+          <a:noFill/>
+        </p:spPr>
+        <p:txBody>
+          <a:bodyPr wrap="square" rtlCol="0">
+            <a:spAutoFit/>
+          </a:bodyPr>
+          <a:p>
+            <a:r>
+              <a:rPr lang="zh-CN" altLang="en-US" sz="1400"/>
+              <a:t>文本处理</a:t>
+            </a:r>
+            <a:endParaRPr lang="zh-CN" altLang="en-US" sz="1400"/>
+          </a:p>
+        </p:txBody>
+      </p:sp>
+      <p:sp>
+        <p:nvSpPr>
+          <p:cNvPr id="9" name="下箭头 8"/>
+          <p:cNvSpPr/>
+          <p:nvPr/>
+        </p:nvSpPr>
+        <p:spPr>
+          <a:xfrm>
+            <a:off x="7651750" y="635635"/>
+            <a:ext cx="76200" cy="267970"/>
+          </a:xfrm>
+          <a:prstGeom prst="downArrow">
+            <a:avLst/>
+          </a:prstGeom>
+        </p:spPr>
+        <p:style>
+          <a:lnRef idx="2">
+            <a:schemeClr val="accent1">
+              <a:lumMod val="75000"/>
+            </a:schemeClr>
+          </a:lnRef>
+          <a:fillRef idx="1">
+            <a:schemeClr val="accent1"/>
+          </a:fillRef>
+          <a:effectRef idx="0">
+            <a:srgbClr val="FFFFFF"/>
+          </a:effectRef>
+          <a:fontRef idx="minor">
+            <a:schemeClr val="lt1"/>
+          </a:fontRef>
+        </p:style>
+        <p:txBody>
+          <a:bodyPr rtlCol="0" anchor="ctr"/>
+          <a:p>
+            <a:pPr algn="ctr"/>
+            <a:endParaRPr lang="zh-CN" altLang="en-US"/>
+          </a:p>
+        </p:txBody>
+      </p:sp>
+      <p:sp>
+        <p:nvSpPr>
+          <p:cNvPr id="10" name="菱形 9"/>
+          <p:cNvSpPr/>
+          <p:nvPr/>
+        </p:nvSpPr>
+        <p:spPr>
+          <a:xfrm>
+            <a:off x="7232015" y="956945"/>
+            <a:ext cx="914400" cy="914400"/>
+          </a:xfrm>
+          <a:prstGeom prst="diamond">
+            <a:avLst/>
+          </a:prstGeom>
+        </p:spPr>
+        <p:style>
+          <a:lnRef idx="2">
+            <a:schemeClr val="accent1">
+              <a:lumMod val="75000"/>
+            </a:schemeClr>
+          </a:lnRef>
+          <a:fillRef idx="1">
+            <a:schemeClr val="accent1"/>
+          </a:fillRef>
+          <a:effectRef idx="0">
+            <a:srgbClr val="FFFFFF"/>
+          </a:effectRef>
+          <a:fontRef idx="minor">
+            <a:schemeClr val="lt1"/>
+          </a:fontRef>
+        </p:style>
+        <p:txBody>
+          <a:bodyPr rtlCol="0" anchor="ctr"/>
+          <a:p>
+            <a:pPr algn="ctr"/>
+            <a:r>
+              <a:rPr lang="zh-CN" altLang="en-US" sz="900"/>
+              <a:t>是否包含关键词</a:t>
+            </a:r>
+            <a:endParaRPr lang="zh-CN" altLang="en-US" sz="900"/>
+          </a:p>
+        </p:txBody>
+      </p:sp>
+      <p:sp>
+        <p:nvSpPr>
+          <p:cNvPr id="11" name="文本框 10"/>
+          <p:cNvSpPr txBox="1"/>
+          <p:nvPr>
+            <p:custDataLst>
+              <p:tags r:id="rId3"/>
+            </p:custDataLst>
+          </p:nvPr>
+        </p:nvSpPr>
+        <p:spPr>
+          <a:xfrm>
+            <a:off x="8029575" y="696595"/>
+            <a:ext cx="766445" cy="337185"/>
+          </a:xfrm>
+          <a:prstGeom prst="rect">
+            <a:avLst/>
+          </a:prstGeom>
+          <a:noFill/>
+          <a:ln>
+            <a:solidFill>
+              <a:schemeClr val="accent1"/>
+            </a:solidFill>
+          </a:ln>
+        </p:spPr>
+        <p:txBody>
+          <a:bodyPr wrap="square" rtlCol="0">
+            <a:spAutoFit/>
+          </a:bodyPr>
+          <a:p>
+            <a:pPr algn="ctr"/>
+            <a:r>
+              <a:rPr lang="en-US" altLang="zh-CN" sz="1600"/>
+              <a:t>AC</a:t>
+            </a:r>
+            <a:r>
+              <a:rPr lang="zh-CN" altLang="en-US" sz="1600"/>
+              <a:t>机</a:t>
+            </a:r>
+            <a:endParaRPr lang="zh-CN" altLang="en-US" sz="1600"/>
+          </a:p>
+        </p:txBody>
+      </p:sp>
+      <p:sp>
+        <p:nvSpPr>
+          <p:cNvPr id="12" name="圆柱形 11"/>
+          <p:cNvSpPr/>
+          <p:nvPr>
+            <p:custDataLst>
+              <p:tags r:id="rId4"/>
+            </p:custDataLst>
+          </p:nvPr>
+        </p:nvSpPr>
+        <p:spPr>
+          <a:xfrm>
+            <a:off x="9533890" y="387985"/>
+            <a:ext cx="887095" cy="763270"/>
+          </a:xfrm>
+          <a:prstGeom prst="can">
+            <a:avLst/>
+          </a:prstGeom>
+        </p:spPr>
+        <p:style>
+          <a:lnRef idx="2">
+            <a:schemeClr val="accent1">
+              <a:lumMod val="75000"/>
+            </a:schemeClr>
+          </a:lnRef>
+          <a:fillRef idx="1">
+            <a:schemeClr val="accent1"/>
+          </a:fillRef>
+          <a:effectRef idx="0">
+            <a:srgbClr val="FFFFFF"/>
+          </a:effectRef>
+          <a:fontRef idx="minor">
+            <a:schemeClr val="lt1"/>
+          </a:fontRef>
+        </p:style>
+        <p:txBody>
+          <a:bodyPr rtlCol="0" anchor="ctr"/>
+          <a:p>
+            <a:pPr algn="ctr"/>
+            <a:r>
+              <a:rPr lang="zh-CN" altLang="en-US" sz="1000"/>
+              <a:t>关键词库</a:t>
+            </a:r>
+            <a:endParaRPr lang="zh-CN" altLang="en-US" sz="1000"/>
+          </a:p>
+        </p:txBody>
+      </p:sp>
+      <p:sp>
+        <p:nvSpPr>
+          <p:cNvPr id="14" name="左箭头 13"/>
+          <p:cNvSpPr/>
+          <p:nvPr/>
+        </p:nvSpPr>
+        <p:spPr>
+          <a:xfrm>
+            <a:off x="8902065" y="614680"/>
+            <a:ext cx="485140" cy="435610"/>
+          </a:xfrm>
+          <a:prstGeom prst="leftArrow">
+            <a:avLst/>
+          </a:prstGeom>
+        </p:spPr>
+        <p:style>
+          <a:lnRef idx="2">
+            <a:schemeClr val="accent1">
+              <a:lumMod val="75000"/>
+            </a:schemeClr>
+          </a:lnRef>
+          <a:fillRef idx="1">
+            <a:schemeClr val="accent1"/>
+          </a:fillRef>
+          <a:effectRef idx="0">
+            <a:srgbClr val="FFFFFF"/>
+          </a:effectRef>
+          <a:fontRef idx="minor">
+            <a:schemeClr val="lt1"/>
+          </a:fontRef>
+        </p:style>
+        <p:txBody>
+          <a:bodyPr rtlCol="0" anchor="ctr"/>
+          <a:p>
+            <a:pPr algn="ctr"/>
+            <a:endParaRPr lang="zh-CN" altLang="en-US"/>
+          </a:p>
+        </p:txBody>
+      </p:sp>
+      <p:cxnSp>
+        <p:nvCxnSpPr>
+          <p:cNvPr id="15" name="肘形连接符 14"/>
+          <p:cNvCxnSpPr/>
+          <p:nvPr/>
+        </p:nvCxnSpPr>
+        <p:spPr>
+          <a:xfrm rot="10800000" flipV="1">
+            <a:off x="6445885" y="1413510"/>
+            <a:ext cx="785495" cy="6350"/>
+          </a:xfrm>
+          <a:prstGeom prst="bentConnector3">
+            <a:avLst>
+              <a:gd name="adj1" fmla="val 49960"/>
+            </a:avLst>
+          </a:prstGeom>
+          <a:ln>
+            <a:tailEnd type="arrow"/>
+          </a:ln>
+        </p:spPr>
+        <p:style>
+          <a:lnRef idx="2">
+            <a:schemeClr val="accent1"/>
+          </a:lnRef>
+          <a:fillRef idx="0">
+            <a:srgbClr val="FFFFFF"/>
+          </a:fillRef>
+          <a:effectRef idx="0">
+            <a:srgbClr val="FFFFFF"/>
+          </a:effectRef>
+          <a:fontRef idx="minor">
+            <a:schemeClr val="tx1"/>
+          </a:fontRef>
+        </p:style>
+      </p:cxnSp>
+      <p:sp>
+        <p:nvSpPr>
+          <p:cNvPr id="16" name="矩形 15"/>
+          <p:cNvSpPr/>
+          <p:nvPr/>
+        </p:nvSpPr>
+        <p:spPr>
+          <a:xfrm>
+            <a:off x="5280660" y="1182370"/>
+            <a:ext cx="1174115" cy="462915"/>
+          </a:xfrm>
+          <a:prstGeom prst="rect">
+            <a:avLst/>
+          </a:prstGeom>
+        </p:spPr>
+        <p:style>
+          <a:lnRef idx="2">
+            <a:schemeClr val="accent1">
+              <a:lumMod val="75000"/>
+            </a:schemeClr>
+          </a:lnRef>
+          <a:fillRef idx="1">
+            <a:schemeClr val="accent1"/>
+          </a:fillRef>
+          <a:effectRef idx="0">
+            <a:srgbClr val="FFFFFF"/>
+          </a:effectRef>
+          <a:fontRef idx="minor">
+            <a:schemeClr val="lt1"/>
+          </a:fontRef>
+        </p:style>
+        <p:txBody>
+          <a:bodyPr rtlCol="0" anchor="ctr"/>
+          <a:p>
+            <a:pPr algn="ctr"/>
+            <a:r>
+              <a:rPr lang="zh-CN" altLang="en-US" sz="1200"/>
+              <a:t>违规类型</a:t>
+            </a:r>
+            <a:r>
+              <a:rPr lang="en-US" altLang="zh-CN" sz="1200"/>
+              <a:t>/</a:t>
+            </a:r>
+            <a:r>
+              <a:rPr lang="zh-CN" altLang="en-US" sz="1200"/>
+              <a:t>片段</a:t>
+            </a:r>
+            <a:endParaRPr lang="zh-CN" altLang="en-US" sz="1200"/>
+          </a:p>
+        </p:txBody>
+      </p:sp>
+      <p:sp>
+        <p:nvSpPr>
+          <p:cNvPr id="17" name="文本框 16"/>
+          <p:cNvSpPr txBox="1"/>
+          <p:nvPr/>
+        </p:nvSpPr>
+        <p:spPr>
+          <a:xfrm>
+            <a:off x="6725920" y="1000760"/>
+            <a:ext cx="368300" cy="275590"/>
+          </a:xfrm>
+          <a:prstGeom prst="rect">
+            <a:avLst/>
+          </a:prstGeom>
+          <a:noFill/>
+        </p:spPr>
+        <p:txBody>
+          <a:bodyPr wrap="square" rtlCol="0">
+            <a:spAutoFit/>
+          </a:bodyPr>
+          <a:p>
+            <a:r>
+              <a:rPr lang="en-US" altLang="zh-CN" sz="1200"/>
+              <a:t>y</a:t>
+            </a:r>
+            <a:endParaRPr lang="en-US" altLang="zh-CN" sz="1200"/>
+          </a:p>
+        </p:txBody>
+      </p:sp>
+      <p:sp>
+        <p:nvSpPr>
+          <p:cNvPr id="18" name="文本框 17"/>
+          <p:cNvSpPr txBox="1"/>
+          <p:nvPr/>
+        </p:nvSpPr>
+        <p:spPr>
+          <a:xfrm>
+            <a:off x="7286625" y="1870710"/>
+            <a:ext cx="365125" cy="275590"/>
+          </a:xfrm>
+          <a:prstGeom prst="rect">
+            <a:avLst/>
+          </a:prstGeom>
+          <a:noFill/>
+        </p:spPr>
+        <p:txBody>
+          <a:bodyPr wrap="square" rtlCol="0" anchor="t">
+            <a:spAutoFit/>
+          </a:bodyPr>
+          <a:p>
+            <a:r>
+              <a:rPr lang="en-US" altLang="zh-CN" sz="1200">
+                <a:sym typeface="+mn-ea"/>
+              </a:rPr>
+              <a:t>n</a:t>
+            </a:r>
+            <a:endParaRPr lang="en-US" altLang="zh-CN" sz="1200">
+              <a:sym typeface="+mn-ea"/>
+            </a:endParaRPr>
+          </a:p>
+        </p:txBody>
+      </p:sp>
+      <p:sp>
+        <p:nvSpPr>
+          <p:cNvPr id="19" name="矩形 18"/>
+          <p:cNvSpPr/>
+          <p:nvPr/>
+        </p:nvSpPr>
+        <p:spPr>
+          <a:xfrm>
+            <a:off x="5806440" y="2397760"/>
+            <a:ext cx="969645" cy="463550"/>
+          </a:xfrm>
+          <a:prstGeom prst="rect">
+            <a:avLst/>
+          </a:prstGeom>
+        </p:spPr>
+        <p:style>
+          <a:lnRef idx="2">
+            <a:schemeClr val="accent1">
+              <a:lumMod val="75000"/>
+            </a:schemeClr>
+          </a:lnRef>
+          <a:fillRef idx="1">
+            <a:schemeClr val="accent1"/>
+          </a:fillRef>
+          <a:effectRef idx="0">
+            <a:srgbClr val="FFFFFF"/>
+          </a:effectRef>
+          <a:fontRef idx="minor">
+            <a:schemeClr val="lt1"/>
+          </a:fontRef>
+        </p:style>
+        <p:txBody>
+          <a:bodyPr rtlCol="0" anchor="ctr"/>
+          <a:p>
+            <a:pPr algn="ctr"/>
+            <a:r>
+              <a:rPr lang="en-US" altLang="zh-CN"/>
+              <a:t>fasttext</a:t>
+            </a:r>
+            <a:endParaRPr lang="en-US" altLang="zh-CN"/>
+          </a:p>
+        </p:txBody>
+      </p:sp>
+      <p:sp>
+        <p:nvSpPr>
+          <p:cNvPr id="20" name="菱形 19"/>
+          <p:cNvSpPr/>
+          <p:nvPr>
+            <p:custDataLst>
+              <p:tags r:id="rId5"/>
+            </p:custDataLst>
+          </p:nvPr>
+        </p:nvSpPr>
+        <p:spPr>
+          <a:xfrm>
+            <a:off x="8691245" y="2244725"/>
+            <a:ext cx="914400" cy="914400"/>
+          </a:xfrm>
+          <a:prstGeom prst="diamond">
+            <a:avLst/>
+          </a:prstGeom>
+        </p:spPr>
+        <p:style>
+          <a:lnRef idx="2">
+            <a:schemeClr val="accent1">
+              <a:lumMod val="75000"/>
+            </a:schemeClr>
+          </a:lnRef>
+          <a:fillRef idx="1">
+            <a:schemeClr val="accent1"/>
+          </a:fillRef>
+          <a:effectRef idx="0">
+            <a:srgbClr val="FFFFFF"/>
+          </a:effectRef>
+          <a:fontRef idx="minor">
+            <a:schemeClr val="lt1"/>
+          </a:fontRef>
+        </p:style>
+        <p:txBody>
+          <a:bodyPr rtlCol="0" anchor="ctr"/>
+          <a:p>
+            <a:pPr algn="ctr"/>
+            <a:r>
+              <a:rPr lang="zh-CN" altLang="en-US" sz="900"/>
+              <a:t>是否包含</a:t>
+            </a:r>
+            <a:r>
+              <a:rPr lang="zh-CN" altLang="en-US" sz="900"/>
+              <a:t>疑似关键词</a:t>
+            </a:r>
+            <a:endParaRPr lang="zh-CN" altLang="en-US" sz="900"/>
+          </a:p>
+        </p:txBody>
+      </p:sp>
+      <p:cxnSp>
+        <p:nvCxnSpPr>
+          <p:cNvPr id="21" name="肘形连接符 20"/>
+          <p:cNvCxnSpPr>
+            <a:stCxn id="10" idx="2"/>
+            <a:endCxn id="19" idx="0"/>
+          </p:cNvCxnSpPr>
+          <p:nvPr/>
+        </p:nvCxnSpPr>
+        <p:spPr>
+          <a:xfrm rot="5400000">
+            <a:off x="6727190" y="1435100"/>
+            <a:ext cx="526415" cy="1397635"/>
+          </a:xfrm>
+          <a:prstGeom prst="bentConnector3">
+            <a:avLst>
+              <a:gd name="adj1" fmla="val 50060"/>
+            </a:avLst>
+          </a:prstGeom>
+          <a:ln>
+            <a:tailEnd type="arrow"/>
+          </a:ln>
+        </p:spPr>
+        <p:style>
+          <a:lnRef idx="2">
+            <a:schemeClr val="accent1"/>
+          </a:lnRef>
+          <a:fillRef idx="0">
+            <a:srgbClr val="FFFFFF"/>
+          </a:fillRef>
+          <a:effectRef idx="0">
+            <a:srgbClr val="FFFFFF"/>
+          </a:effectRef>
+          <a:fontRef idx="minor">
+            <a:schemeClr val="tx1"/>
+          </a:fontRef>
+        </p:style>
+      </p:cxnSp>
+      <p:cxnSp>
+        <p:nvCxnSpPr>
+          <p:cNvPr id="22" name="肘形连接符 21"/>
+          <p:cNvCxnSpPr>
+            <a:stCxn id="10" idx="2"/>
+            <a:endCxn id="20" idx="0"/>
+          </p:cNvCxnSpPr>
+          <p:nvPr/>
+        </p:nvCxnSpPr>
+        <p:spPr>
+          <a:xfrm rot="5400000" flipV="1">
+            <a:off x="8232140" y="1328420"/>
+            <a:ext cx="373380" cy="1459230"/>
+          </a:xfrm>
+          <a:prstGeom prst="bentConnector3">
+            <a:avLst>
+              <a:gd name="adj1" fmla="val 68707"/>
+            </a:avLst>
+          </a:prstGeom>
+          <a:ln>
+            <a:tailEnd type="arrow"/>
+          </a:ln>
+        </p:spPr>
+        <p:style>
+          <a:lnRef idx="2">
+            <a:schemeClr val="accent1"/>
+          </a:lnRef>
+          <a:fillRef idx="0">
+            <a:srgbClr val="FFFFFF"/>
+          </a:fillRef>
+          <a:effectRef idx="0">
+            <a:srgbClr val="FFFFFF"/>
+          </a:effectRef>
+          <a:fontRef idx="minor">
+            <a:schemeClr val="tx1"/>
+          </a:fontRef>
+        </p:style>
+      </p:cxnSp>
+      <p:sp>
+        <p:nvSpPr>
+          <p:cNvPr id="23" name="矩形 22"/>
+          <p:cNvSpPr/>
+          <p:nvPr>
+            <p:custDataLst>
+              <p:tags r:id="rId6"/>
+            </p:custDataLst>
+          </p:nvPr>
+        </p:nvSpPr>
+        <p:spPr>
+          <a:xfrm>
+            <a:off x="5806440" y="3355975"/>
+            <a:ext cx="969645" cy="350520"/>
+          </a:xfrm>
+          <a:prstGeom prst="rect">
+            <a:avLst/>
+          </a:prstGeom>
+        </p:spPr>
+        <p:style>
+          <a:lnRef idx="2">
+            <a:schemeClr val="accent1">
+              <a:lumMod val="75000"/>
+            </a:schemeClr>
+          </a:lnRef>
+          <a:fillRef idx="1">
+            <a:schemeClr val="accent1"/>
+          </a:fillRef>
+          <a:effectRef idx="0">
+            <a:srgbClr val="FFFFFF"/>
+          </a:effectRef>
+          <a:fontRef idx="minor">
+            <a:schemeClr val="lt1"/>
+          </a:fontRef>
+        </p:style>
+        <p:txBody>
+          <a:bodyPr rtlCol="0" anchor="ctr"/>
+          <a:p>
+            <a:pPr algn="ctr"/>
+            <a:r>
+              <a:rPr lang="en-US" altLang="zh-CN"/>
+              <a:t>f1</a:t>
+            </a:r>
+            <a:endParaRPr lang="en-US" altLang="zh-CN"/>
+          </a:p>
+        </p:txBody>
+      </p:sp>
+      <p:sp>
+        <p:nvSpPr>
+          <p:cNvPr id="24" name="矩形 23"/>
+          <p:cNvSpPr/>
+          <p:nvPr>
+            <p:custDataLst>
+              <p:tags r:id="rId7"/>
+            </p:custDataLst>
+          </p:nvPr>
+        </p:nvSpPr>
+        <p:spPr>
+          <a:xfrm>
+            <a:off x="8691245" y="3351530"/>
+            <a:ext cx="915035" cy="354965"/>
+          </a:xfrm>
+          <a:prstGeom prst="rect">
+            <a:avLst/>
+          </a:prstGeom>
+        </p:spPr>
+        <p:style>
+          <a:lnRef idx="2">
+            <a:schemeClr val="accent1">
+              <a:lumMod val="75000"/>
+            </a:schemeClr>
+          </a:lnRef>
+          <a:fillRef idx="1">
+            <a:schemeClr val="accent1"/>
+          </a:fillRef>
+          <a:effectRef idx="0">
+            <a:srgbClr val="FFFFFF"/>
+          </a:effectRef>
+          <a:fontRef idx="minor">
+            <a:schemeClr val="lt1"/>
+          </a:fontRef>
+        </p:style>
+        <p:txBody>
+          <a:bodyPr rtlCol="0" anchor="ctr"/>
+          <a:p>
+            <a:pPr algn="ctr"/>
+            <a:r>
+              <a:rPr lang="en-US" altLang="zh-CN"/>
+              <a:t>f2</a:t>
+            </a:r>
+            <a:endParaRPr lang="en-US" altLang="zh-CN"/>
+          </a:p>
+        </p:txBody>
+      </p:sp>
+      <p:cxnSp>
+        <p:nvCxnSpPr>
+          <p:cNvPr id="25" name="直接箭头连接符 24"/>
+          <p:cNvCxnSpPr>
+            <a:stCxn id="19" idx="2"/>
+            <a:endCxn id="23" idx="0"/>
+          </p:cNvCxnSpPr>
+          <p:nvPr/>
+        </p:nvCxnSpPr>
+        <p:spPr>
+          <a:xfrm>
+            <a:off x="6291580" y="2861310"/>
+            <a:ext cx="0" cy="494665"/>
+          </a:xfrm>
+          <a:prstGeom prst="straightConnector1">
+            <a:avLst/>
+          </a:prstGeom>
+          <a:ln>
+            <a:tailEnd type="arrow"/>
+          </a:ln>
+        </p:spPr>
+        <p:style>
+          <a:lnRef idx="2">
+            <a:schemeClr val="accent1"/>
+          </a:lnRef>
+          <a:fillRef idx="0">
+            <a:srgbClr val="FFFFFF"/>
+          </a:fillRef>
+          <a:effectRef idx="0">
+            <a:srgbClr val="FFFFFF"/>
+          </a:effectRef>
+          <a:fontRef idx="minor">
+            <a:schemeClr val="tx1"/>
+          </a:fontRef>
+        </p:style>
+      </p:cxnSp>
+      <p:cxnSp>
+        <p:nvCxnSpPr>
+          <p:cNvPr id="26" name="直接箭头连接符 25"/>
+          <p:cNvCxnSpPr>
+            <a:stCxn id="20" idx="2"/>
+            <a:endCxn id="24" idx="0"/>
+          </p:cNvCxnSpPr>
+          <p:nvPr/>
+        </p:nvCxnSpPr>
+        <p:spPr>
+          <a:xfrm>
+            <a:off x="9148445" y="3159125"/>
+            <a:ext cx="635" cy="192405"/>
+          </a:xfrm>
+          <a:prstGeom prst="straightConnector1">
+            <a:avLst/>
+          </a:prstGeom>
+          <a:ln>
+            <a:tailEnd type="arrow"/>
+          </a:ln>
+        </p:spPr>
+        <p:style>
+          <a:lnRef idx="2">
+            <a:schemeClr val="accent1"/>
+          </a:lnRef>
+          <a:fillRef idx="0">
+            <a:srgbClr val="FFFFFF"/>
+          </a:fillRef>
+          <a:effectRef idx="0">
+            <a:srgbClr val="FFFFFF"/>
+          </a:effectRef>
+          <a:fontRef idx="minor">
+            <a:schemeClr val="tx1"/>
+          </a:fontRef>
+        </p:style>
+      </p:cxnSp>
+      <p:sp>
+        <p:nvSpPr>
+          <p:cNvPr id="27" name="矩形 26"/>
+          <p:cNvSpPr/>
+          <p:nvPr/>
+        </p:nvSpPr>
+        <p:spPr>
+          <a:xfrm>
+            <a:off x="5802630" y="4446905"/>
+            <a:ext cx="1013460" cy="401955"/>
+          </a:xfrm>
+          <a:prstGeom prst="rect">
+            <a:avLst/>
+          </a:prstGeom>
+        </p:spPr>
+        <p:style>
+          <a:lnRef idx="2">
+            <a:schemeClr val="accent1">
+              <a:lumMod val="75000"/>
+            </a:schemeClr>
+          </a:lnRef>
+          <a:fillRef idx="1">
+            <a:schemeClr val="accent1"/>
+          </a:fillRef>
+          <a:effectRef idx="0">
+            <a:srgbClr val="FFFFFF"/>
+          </a:effectRef>
+          <a:fontRef idx="minor">
+            <a:schemeClr val="lt1"/>
+          </a:fontRef>
+        </p:style>
+        <p:txBody>
+          <a:bodyPr rtlCol="0" anchor="ctr"/>
+          <a:p>
+            <a:pPr algn="ctr"/>
+            <a:r>
+              <a:rPr lang="zh-CN" altLang="en-US" sz="1400"/>
+              <a:t>正常文本</a:t>
+            </a:r>
+            <a:endParaRPr lang="zh-CN" altLang="en-US" sz="1400"/>
+          </a:p>
+        </p:txBody>
+      </p:sp>
+      <p:sp>
+        <p:nvSpPr>
+          <p:cNvPr id="28" name="矩形 27"/>
+          <p:cNvSpPr/>
+          <p:nvPr>
+            <p:custDataLst>
+              <p:tags r:id="rId8"/>
+            </p:custDataLst>
+          </p:nvPr>
+        </p:nvSpPr>
+        <p:spPr>
+          <a:xfrm>
+            <a:off x="7188835" y="4446905"/>
+            <a:ext cx="2280285" cy="297180"/>
+          </a:xfrm>
+          <a:prstGeom prst="rect">
+            <a:avLst/>
+          </a:prstGeom>
+        </p:spPr>
+        <p:style>
+          <a:lnRef idx="2">
+            <a:schemeClr val="accent1">
+              <a:lumMod val="75000"/>
+            </a:schemeClr>
+          </a:lnRef>
+          <a:fillRef idx="1">
+            <a:schemeClr val="accent1"/>
+          </a:fillRef>
+          <a:effectRef idx="0">
+            <a:srgbClr val="FFFFFF"/>
+          </a:effectRef>
+          <a:fontRef idx="minor">
+            <a:schemeClr val="lt1"/>
+          </a:fontRef>
+        </p:style>
+        <p:txBody>
+          <a:bodyPr rtlCol="0" anchor="ctr"/>
+          <a:p>
+            <a:pPr algn="ctr"/>
+            <a:r>
+              <a:rPr lang="zh-CN" altLang="en-US" sz="1400"/>
+              <a:t>违规类型</a:t>
+            </a:r>
+            <a:endParaRPr lang="zh-CN" altLang="en-US" sz="1400"/>
+          </a:p>
+        </p:txBody>
+      </p:sp>
+      <p:cxnSp>
+        <p:nvCxnSpPr>
+          <p:cNvPr id="30" name="肘形连接符 29"/>
+          <p:cNvCxnSpPr>
+            <a:stCxn id="23" idx="2"/>
+            <a:endCxn id="27" idx="0"/>
+          </p:cNvCxnSpPr>
+          <p:nvPr/>
+        </p:nvCxnSpPr>
+        <p:spPr>
+          <a:xfrm rot="5400000" flipV="1">
+            <a:off x="5930265" y="4067810"/>
+            <a:ext cx="740410" cy="17780"/>
+          </a:xfrm>
+          <a:prstGeom prst="bentConnector3">
+            <a:avLst>
+              <a:gd name="adj1" fmla="val 50000"/>
+            </a:avLst>
+          </a:prstGeom>
+          <a:ln>
+            <a:tailEnd type="arrow"/>
+          </a:ln>
+        </p:spPr>
+        <p:style>
+          <a:lnRef idx="2">
+            <a:schemeClr val="accent1"/>
+          </a:lnRef>
+          <a:fillRef idx="0">
+            <a:srgbClr val="FFFFFF"/>
+          </a:fillRef>
+          <a:effectRef idx="0">
+            <a:srgbClr val="FFFFFF"/>
+          </a:effectRef>
+          <a:fontRef idx="minor">
+            <a:schemeClr val="tx1"/>
+          </a:fontRef>
+        </p:style>
+      </p:cxnSp>
+      <p:cxnSp>
+        <p:nvCxnSpPr>
+          <p:cNvPr id="31" name="肘形连接符 30"/>
+          <p:cNvCxnSpPr>
+            <a:stCxn id="24" idx="2"/>
+            <a:endCxn id="27" idx="0"/>
+          </p:cNvCxnSpPr>
+          <p:nvPr/>
+        </p:nvCxnSpPr>
+        <p:spPr>
+          <a:xfrm rot="5400000">
+            <a:off x="7359015" y="2656840"/>
+            <a:ext cx="740410" cy="2839720"/>
+          </a:xfrm>
+          <a:prstGeom prst="bentConnector3">
+            <a:avLst>
+              <a:gd name="adj1" fmla="val 40566"/>
+            </a:avLst>
+          </a:prstGeom>
+          <a:ln>
+            <a:tailEnd type="arrow"/>
+          </a:ln>
+        </p:spPr>
+        <p:style>
+          <a:lnRef idx="2">
+            <a:schemeClr val="accent1"/>
+          </a:lnRef>
+          <a:fillRef idx="0">
+            <a:srgbClr val="FFFFFF"/>
+          </a:fillRef>
+          <a:effectRef idx="0">
+            <a:srgbClr val="FFFFFF"/>
+          </a:effectRef>
+          <a:fontRef idx="minor">
+            <a:schemeClr val="tx1"/>
+          </a:fontRef>
+        </p:style>
+      </p:cxnSp>
+      <p:cxnSp>
+        <p:nvCxnSpPr>
+          <p:cNvPr id="32" name="肘形连接符 31"/>
+          <p:cNvCxnSpPr>
+            <a:stCxn id="23" idx="2"/>
+            <a:endCxn id="28" idx="0"/>
+          </p:cNvCxnSpPr>
+          <p:nvPr/>
+        </p:nvCxnSpPr>
+        <p:spPr>
+          <a:xfrm rot="5400000" flipV="1">
+            <a:off x="6940233" y="3057843"/>
+            <a:ext cx="740410" cy="2037715"/>
+          </a:xfrm>
+          <a:prstGeom prst="bentConnector3">
+            <a:avLst>
+              <a:gd name="adj1" fmla="val 40737"/>
+            </a:avLst>
+          </a:prstGeom>
+          <a:ln>
+            <a:tailEnd type="arrow"/>
+          </a:ln>
+        </p:spPr>
+        <p:style>
+          <a:lnRef idx="2">
+            <a:schemeClr val="accent1"/>
+          </a:lnRef>
+          <a:fillRef idx="0">
+            <a:srgbClr val="FFFFFF"/>
+          </a:fillRef>
+          <a:effectRef idx="0">
+            <a:srgbClr val="FFFFFF"/>
+          </a:effectRef>
+          <a:fontRef idx="minor">
+            <a:schemeClr val="tx1"/>
+          </a:fontRef>
+        </p:style>
+      </p:cxnSp>
+      <p:cxnSp>
+        <p:nvCxnSpPr>
+          <p:cNvPr id="33" name="肘形连接符 32"/>
+          <p:cNvCxnSpPr/>
+          <p:nvPr>
+            <p:custDataLst>
+              <p:tags r:id="rId9"/>
+            </p:custDataLst>
+          </p:nvPr>
+        </p:nvCxnSpPr>
+        <p:spPr>
+          <a:xfrm rot="5400000" flipV="1">
+            <a:off x="7325360" y="2672715"/>
+            <a:ext cx="740410" cy="2807970"/>
+          </a:xfrm>
+          <a:prstGeom prst="bentConnector3">
+            <a:avLst>
+              <a:gd name="adj1" fmla="val 39365"/>
+            </a:avLst>
+          </a:prstGeom>
+          <a:ln>
+            <a:tailEnd type="arrow"/>
+          </a:ln>
+        </p:spPr>
+        <p:style>
+          <a:lnRef idx="2">
+            <a:schemeClr val="accent1"/>
+          </a:lnRef>
+          <a:fillRef idx="0">
+            <a:srgbClr val="FFFFFF"/>
+          </a:fillRef>
+          <a:effectRef idx="0">
+            <a:srgbClr val="FFFFFF"/>
+          </a:effectRef>
+          <a:fontRef idx="minor">
+            <a:schemeClr val="tx1"/>
+          </a:fontRef>
+        </p:style>
+      </p:cxnSp>
+      <p:sp>
+        <p:nvSpPr>
+          <p:cNvPr id="34" name="文本框 33"/>
+          <p:cNvSpPr txBox="1"/>
+          <p:nvPr/>
+        </p:nvSpPr>
+        <p:spPr>
+          <a:xfrm>
+            <a:off x="7231380" y="4057015"/>
+            <a:ext cx="1039495" cy="249555"/>
+          </a:xfrm>
+          <a:prstGeom prst="rect">
+            <a:avLst/>
+          </a:prstGeom>
+          <a:noFill/>
+        </p:spPr>
+        <p:txBody>
+          <a:bodyPr wrap="square" rtlCol="0" anchor="t">
+            <a:noAutofit/>
+          </a:bodyPr>
+          <a:p>
+            <a:pPr algn="ctr"/>
+            <a:r>
+              <a:rPr lang="en-US" altLang="zh-CN" sz="1400">
+                <a:sym typeface="+mn-ea"/>
+              </a:rPr>
+              <a:t>roberta_cls</a:t>
+            </a:r>
+            <a:endParaRPr lang="en-US" altLang="zh-CN" sz="1400">
+              <a:sym typeface="+mn-ea"/>
+            </a:endParaRPr>
+          </a:p>
+        </p:txBody>
+      </p:sp>
+      <p:sp>
+        <p:nvSpPr>
+          <p:cNvPr id="35" name="文本框 34"/>
+          <p:cNvSpPr txBox="1"/>
+          <p:nvPr>
+            <p:custDataLst>
+              <p:tags r:id="rId10"/>
+            </p:custDataLst>
+          </p:nvPr>
+        </p:nvSpPr>
+        <p:spPr>
+          <a:xfrm>
+            <a:off x="5005070" y="3706495"/>
+            <a:ext cx="1449705" cy="306705"/>
+          </a:xfrm>
+          <a:prstGeom prst="rect">
+            <a:avLst/>
+          </a:prstGeom>
+          <a:noFill/>
+        </p:spPr>
+        <p:txBody>
+          <a:bodyPr wrap="square" rtlCol="0" anchor="t">
+            <a:spAutoFit/>
+          </a:bodyPr>
+          <a:p>
+            <a:pPr algn="ctr"/>
+            <a:r>
+              <a:rPr lang="en-US" altLang="zh-CN" sz="1400">
+                <a:sym typeface="+mn-ea"/>
+              </a:rPr>
+              <a:t>not(</a:t>
+            </a:r>
+            <a:r>
+              <a:rPr lang="en-US" altLang="zh-CN" sz="1400">
+                <a:sym typeface="+mn-ea"/>
+              </a:rPr>
+              <a:t>f1 and f2</a:t>
+            </a:r>
+            <a:r>
+              <a:rPr lang="en-US" altLang="zh-CN" sz="1400">
+                <a:sym typeface="+mn-ea"/>
+              </a:rPr>
+              <a:t>)</a:t>
+            </a:r>
+            <a:endParaRPr lang="en-US" altLang="zh-CN" sz="1400">
+              <a:sym typeface="+mn-ea"/>
+            </a:endParaRPr>
+          </a:p>
+        </p:txBody>
+      </p:sp>
+      <p:sp>
+        <p:nvSpPr>
+          <p:cNvPr id="36" name="文本框 35"/>
+          <p:cNvSpPr txBox="1"/>
+          <p:nvPr/>
+        </p:nvSpPr>
+        <p:spPr>
+          <a:xfrm>
+            <a:off x="7651750" y="3667125"/>
+            <a:ext cx="727710" cy="306705"/>
+          </a:xfrm>
+          <a:prstGeom prst="rect">
+            <a:avLst/>
+          </a:prstGeom>
+          <a:noFill/>
+        </p:spPr>
+        <p:txBody>
+          <a:bodyPr wrap="square" rtlCol="0" anchor="t">
+            <a:spAutoFit/>
+          </a:bodyPr>
+          <a:p>
+            <a:r>
+              <a:rPr lang="en-US" altLang="zh-CN" sz="1400">
+                <a:sym typeface="+mn-ea"/>
+              </a:rPr>
+              <a:t>f1 or f2</a:t>
+            </a:r>
+            <a:endParaRPr lang="en-US" altLang="zh-CN" sz="1400">
+              <a:sym typeface="+mn-ea"/>
+            </a:endParaRPr>
+          </a:p>
+        </p:txBody>
+      </p:sp>
+      <p:sp>
+        <p:nvSpPr>
+          <p:cNvPr id="37" name="文本框 36"/>
+          <p:cNvSpPr txBox="1"/>
+          <p:nvPr>
+            <p:custDataLst>
+              <p:tags r:id="rId11"/>
+            </p:custDataLst>
+          </p:nvPr>
+        </p:nvSpPr>
+        <p:spPr>
+          <a:xfrm>
+            <a:off x="9149080" y="3706495"/>
+            <a:ext cx="824230" cy="306705"/>
+          </a:xfrm>
+          <a:prstGeom prst="rect">
+            <a:avLst/>
+          </a:prstGeom>
+          <a:noFill/>
+        </p:spPr>
+        <p:txBody>
+          <a:bodyPr wrap="square" rtlCol="0" anchor="t">
+            <a:spAutoFit/>
+          </a:bodyPr>
+          <a:p>
+            <a:r>
+              <a:rPr lang="en-US" altLang="zh-CN" sz="1400">
+                <a:sym typeface="+mn-ea"/>
+              </a:rPr>
+              <a:t>f1 and f2</a:t>
+            </a:r>
+            <a:endParaRPr lang="en-US" altLang="zh-CN" sz="1400">
+              <a:sym typeface="+mn-ea"/>
+            </a:endParaRPr>
+          </a:p>
+        </p:txBody>
+      </p:sp>
+      <p:sp>
+        <p:nvSpPr>
+          <p:cNvPr id="38" name="矩形 37"/>
+          <p:cNvSpPr/>
+          <p:nvPr>
+            <p:custDataLst>
+              <p:tags r:id="rId12"/>
+            </p:custDataLst>
+          </p:nvPr>
+        </p:nvSpPr>
+        <p:spPr>
+          <a:xfrm>
+            <a:off x="6568440" y="5455920"/>
+            <a:ext cx="1013460" cy="401955"/>
+          </a:xfrm>
+          <a:prstGeom prst="rect">
+            <a:avLst/>
+          </a:prstGeom>
+        </p:spPr>
+        <p:style>
+          <a:lnRef idx="2">
+            <a:schemeClr val="accent1">
+              <a:lumMod val="75000"/>
+            </a:schemeClr>
+          </a:lnRef>
+          <a:fillRef idx="1">
+            <a:schemeClr val="accent1"/>
+          </a:fillRef>
+          <a:effectRef idx="0">
+            <a:srgbClr val="FFFFFF"/>
+          </a:effectRef>
+          <a:fontRef idx="minor">
+            <a:schemeClr val="lt1"/>
+          </a:fontRef>
+        </p:style>
+        <p:txBody>
+          <a:bodyPr rtlCol="0" anchor="ctr"/>
+          <a:p>
+            <a:pPr algn="ctr"/>
+            <a:r>
+              <a:rPr lang="zh-CN" altLang="en-US" sz="1400"/>
+              <a:t>敏感片段</a:t>
+            </a:r>
+            <a:endParaRPr lang="zh-CN" altLang="en-US" sz="1400"/>
+          </a:p>
+        </p:txBody>
+      </p:sp>
+      <p:cxnSp>
+        <p:nvCxnSpPr>
+          <p:cNvPr id="40" name="肘形连接符 39"/>
+          <p:cNvCxnSpPr>
+            <a:stCxn id="28" idx="2"/>
+            <a:endCxn id="38" idx="0"/>
+          </p:cNvCxnSpPr>
+          <p:nvPr/>
+        </p:nvCxnSpPr>
+        <p:spPr>
+          <a:xfrm rot="5400000">
+            <a:off x="7346315" y="4472940"/>
+            <a:ext cx="711835" cy="1254125"/>
+          </a:xfrm>
+          <a:prstGeom prst="bentConnector3">
+            <a:avLst>
+              <a:gd name="adj1" fmla="val 50045"/>
+            </a:avLst>
+          </a:prstGeom>
+          <a:ln>
+            <a:tailEnd type="arrow"/>
+          </a:ln>
+        </p:spPr>
+        <p:style>
+          <a:lnRef idx="2">
+            <a:schemeClr val="accent1"/>
+          </a:lnRef>
+          <a:fillRef idx="0">
+            <a:srgbClr val="FFFFFF"/>
+          </a:fillRef>
+          <a:effectRef idx="0">
+            <a:srgbClr val="FFFFFF"/>
+          </a:effectRef>
+          <a:fontRef idx="minor">
+            <a:schemeClr val="tx1"/>
+          </a:fontRef>
+        </p:style>
+      </p:cxnSp>
+      <p:sp>
+        <p:nvSpPr>
+          <p:cNvPr id="41" name="矩形 40"/>
+          <p:cNvSpPr/>
+          <p:nvPr>
+            <p:custDataLst>
+              <p:tags r:id="rId13"/>
+            </p:custDataLst>
+          </p:nvPr>
+        </p:nvSpPr>
+        <p:spPr>
+          <a:xfrm>
+            <a:off x="9125585" y="5455920"/>
+            <a:ext cx="847725" cy="401955"/>
+          </a:xfrm>
+          <a:prstGeom prst="rect">
+            <a:avLst/>
+          </a:prstGeom>
+        </p:spPr>
+        <p:style>
+          <a:lnRef idx="2">
+            <a:schemeClr val="accent1">
+              <a:lumMod val="75000"/>
+            </a:schemeClr>
+          </a:lnRef>
+          <a:fillRef idx="1">
+            <a:schemeClr val="accent1"/>
+          </a:fillRef>
+          <a:effectRef idx="0">
+            <a:srgbClr val="FFFFFF"/>
+          </a:effectRef>
+          <a:fontRef idx="minor">
+            <a:schemeClr val="lt1"/>
+          </a:fontRef>
+        </p:style>
+        <p:txBody>
+          <a:bodyPr rtlCol="0" anchor="ctr"/>
+          <a:p>
+            <a:pPr algn="ctr"/>
+            <a:r>
+              <a:rPr lang="zh-CN" altLang="en-US" sz="1400"/>
+              <a:t>隐私</a:t>
+            </a:r>
+            <a:r>
+              <a:rPr lang="zh-CN" altLang="en-US" sz="1400"/>
+              <a:t>片段</a:t>
+            </a:r>
+            <a:endParaRPr lang="zh-CN" altLang="en-US" sz="1400"/>
+          </a:p>
+        </p:txBody>
+      </p:sp>
+      <p:cxnSp>
+        <p:nvCxnSpPr>
+          <p:cNvPr id="42" name="肘形连接符 41"/>
+          <p:cNvCxnSpPr>
+            <a:stCxn id="28" idx="2"/>
+            <a:endCxn id="41" idx="0"/>
+          </p:cNvCxnSpPr>
+          <p:nvPr/>
+        </p:nvCxnSpPr>
+        <p:spPr>
+          <a:xfrm rot="5400000" flipV="1">
+            <a:off x="8583613" y="4489768"/>
+            <a:ext cx="711835" cy="1220470"/>
+          </a:xfrm>
+          <a:prstGeom prst="bentConnector3">
+            <a:avLst>
+              <a:gd name="adj1" fmla="val 50000"/>
+            </a:avLst>
+          </a:prstGeom>
+          <a:ln>
+            <a:tailEnd type="arrow"/>
+          </a:ln>
+        </p:spPr>
+        <p:style>
+          <a:lnRef idx="2">
+            <a:schemeClr val="accent1"/>
+          </a:lnRef>
+          <a:fillRef idx="0">
+            <a:srgbClr val="FFFFFF"/>
+          </a:fillRef>
+          <a:effectRef idx="0">
+            <a:srgbClr val="FFFFFF"/>
+          </a:effectRef>
+          <a:fontRef idx="minor">
+            <a:schemeClr val="tx1"/>
+          </a:fontRef>
+        </p:style>
+      </p:cxnSp>
+      <p:sp>
+        <p:nvSpPr>
+          <p:cNvPr id="43" name="文本框 42"/>
+          <p:cNvSpPr txBox="1"/>
+          <p:nvPr/>
+        </p:nvSpPr>
+        <p:spPr>
+          <a:xfrm>
+            <a:off x="6123940" y="5124450"/>
+            <a:ext cx="970280" cy="275590"/>
+          </a:xfrm>
+          <a:prstGeom prst="rect">
+            <a:avLst/>
+          </a:prstGeom>
+          <a:noFill/>
+        </p:spPr>
+        <p:txBody>
+          <a:bodyPr wrap="square" rtlCol="0">
+            <a:spAutoFit/>
+          </a:bodyPr>
+          <a:p>
+            <a:r>
+              <a:rPr lang="en-US" altLang="zh-CN" sz="1200"/>
+              <a:t>NER1+</a:t>
+            </a:r>
+            <a:r>
+              <a:rPr lang="zh-CN" altLang="en-US" sz="1200"/>
+              <a:t>策略</a:t>
+            </a:r>
+            <a:endParaRPr lang="zh-CN" altLang="en-US" sz="1200"/>
+          </a:p>
+        </p:txBody>
+      </p:sp>
+      <p:sp>
+        <p:nvSpPr>
+          <p:cNvPr id="44" name="文本框 43"/>
+          <p:cNvSpPr txBox="1"/>
+          <p:nvPr>
+            <p:custDataLst>
+              <p:tags r:id="rId14"/>
+            </p:custDataLst>
+          </p:nvPr>
+        </p:nvSpPr>
+        <p:spPr>
+          <a:xfrm>
+            <a:off x="8437880" y="5124450"/>
+            <a:ext cx="1031240" cy="275590"/>
+          </a:xfrm>
+          <a:prstGeom prst="rect">
+            <a:avLst/>
+          </a:prstGeom>
+          <a:noFill/>
+        </p:spPr>
+        <p:txBody>
+          <a:bodyPr wrap="square" rtlCol="0">
+            <a:spAutoFit/>
+          </a:bodyPr>
+          <a:p>
+            <a:r>
+              <a:rPr lang="en-US" altLang="zh-CN" sz="1200"/>
+              <a:t>NER2+</a:t>
+            </a:r>
+            <a:r>
+              <a:rPr lang="zh-CN" altLang="en-US" sz="1200"/>
+              <a:t>策略</a:t>
+            </a:r>
+            <a:endParaRPr lang="zh-CN" altLang="en-US" sz="1200"/>
+          </a:p>
+        </p:txBody>
+      </p:sp>
+      <p:sp>
+        <p:nvSpPr>
+          <p:cNvPr id="45" name="矩形 44"/>
+          <p:cNvSpPr/>
+          <p:nvPr>
+            <p:custDataLst>
+              <p:tags r:id="rId15"/>
+            </p:custDataLst>
+          </p:nvPr>
+        </p:nvSpPr>
+        <p:spPr>
+          <a:xfrm>
+            <a:off x="7727950" y="5987415"/>
+            <a:ext cx="1174115" cy="462915"/>
+          </a:xfrm>
+          <a:prstGeom prst="rect">
+            <a:avLst/>
+          </a:prstGeom>
+        </p:spPr>
+        <p:style>
+          <a:lnRef idx="2">
+            <a:schemeClr val="accent1">
+              <a:lumMod val="75000"/>
+            </a:schemeClr>
+          </a:lnRef>
+          <a:fillRef idx="1">
+            <a:schemeClr val="accent1"/>
+          </a:fillRef>
+          <a:effectRef idx="0">
+            <a:srgbClr val="FFFFFF"/>
+          </a:effectRef>
+          <a:fontRef idx="minor">
+            <a:schemeClr val="lt1"/>
+          </a:fontRef>
+        </p:style>
+        <p:txBody>
+          <a:bodyPr rtlCol="0" anchor="ctr"/>
+          <a:p>
+            <a:pPr algn="ctr"/>
+            <a:r>
+              <a:rPr lang="zh-CN" altLang="en-US" sz="1200"/>
+              <a:t>违规类型</a:t>
+            </a:r>
+            <a:r>
+              <a:rPr lang="en-US" altLang="zh-CN" sz="1200"/>
+              <a:t>/</a:t>
+            </a:r>
+            <a:r>
+              <a:rPr lang="zh-CN" altLang="en-US" sz="1200"/>
+              <a:t>片段</a:t>
+            </a:r>
+            <a:endParaRPr lang="zh-CN" altLang="en-US" sz="1200"/>
+          </a:p>
+        </p:txBody>
+      </p:sp>
+      <p:cxnSp>
+        <p:nvCxnSpPr>
+          <p:cNvPr id="46" name="直接箭头连接符 45"/>
+          <p:cNvCxnSpPr>
+            <a:stCxn id="28" idx="2"/>
+            <a:endCxn id="45" idx="0"/>
+          </p:cNvCxnSpPr>
+          <p:nvPr/>
+        </p:nvCxnSpPr>
+        <p:spPr>
+          <a:xfrm flipH="1">
+            <a:off x="8315325" y="4744085"/>
+            <a:ext cx="13970" cy="1243330"/>
+          </a:xfrm>
+          <a:prstGeom prst="straightConnector1">
+            <a:avLst/>
+          </a:prstGeom>
+          <a:ln>
+            <a:tailEnd type="arrow"/>
+          </a:ln>
+        </p:spPr>
+        <p:style>
+          <a:lnRef idx="2">
+            <a:schemeClr val="accent1"/>
+          </a:lnRef>
+          <a:fillRef idx="0">
+            <a:srgbClr val="FFFFFF"/>
+          </a:fillRef>
+          <a:effectRef idx="0">
+            <a:srgbClr val="FFFFFF"/>
+          </a:effectRef>
+          <a:fontRef idx="minor">
+            <a:schemeClr val="tx1"/>
+          </a:fontRef>
+        </p:style>
+      </p:cxnSp>
+      <p:sp>
+        <p:nvSpPr>
+          <p:cNvPr id="47" name="文本框 46"/>
+          <p:cNvSpPr txBox="1"/>
+          <p:nvPr/>
+        </p:nvSpPr>
+        <p:spPr>
+          <a:xfrm>
+            <a:off x="8379460" y="5582285"/>
+            <a:ext cx="631190" cy="275590"/>
+          </a:xfrm>
+          <a:prstGeom prst="rect">
+            <a:avLst/>
+          </a:prstGeom>
+          <a:noFill/>
+        </p:spPr>
+        <p:txBody>
+          <a:bodyPr wrap="square" rtlCol="0">
+            <a:spAutoFit/>
+          </a:bodyPr>
+          <a:p>
+            <a:r>
+              <a:rPr lang="zh-CN" altLang="en-US" sz="1200"/>
+              <a:t>输出</a:t>
+            </a:r>
+            <a:endParaRPr lang="zh-CN" altLang="en-US" sz="1200"/>
+          </a:p>
+        </p:txBody>
+      </p:sp>
+      <p:cxnSp>
+        <p:nvCxnSpPr>
+          <p:cNvPr id="48" name="直接箭头连接符 47"/>
+          <p:cNvCxnSpPr>
+            <a:stCxn id="38" idx="3"/>
+          </p:cNvCxnSpPr>
+          <p:nvPr/>
+        </p:nvCxnSpPr>
+        <p:spPr>
+          <a:xfrm>
+            <a:off x="7581900" y="5657215"/>
+            <a:ext cx="916940" cy="344170"/>
+          </a:xfrm>
+          <a:prstGeom prst="straightConnector1">
+            <a:avLst/>
+          </a:prstGeom>
+          <a:ln>
+            <a:prstDash val="lgDash"/>
+            <a:tailEnd type="arrow"/>
+          </a:ln>
+        </p:spPr>
+        <p:style>
+          <a:lnRef idx="2">
+            <a:schemeClr val="accent1"/>
+          </a:lnRef>
+          <a:fillRef idx="0">
+            <a:srgbClr val="FFFFFF"/>
+          </a:fillRef>
+          <a:effectRef idx="0">
+            <a:srgbClr val="FFFFFF"/>
+          </a:effectRef>
+          <a:fontRef idx="minor">
+            <a:schemeClr val="tx1"/>
+          </a:fontRef>
+        </p:style>
+      </p:cxnSp>
+      <p:cxnSp>
+        <p:nvCxnSpPr>
+          <p:cNvPr id="49" name="直接箭头连接符 48"/>
+          <p:cNvCxnSpPr>
+            <a:stCxn id="41" idx="1"/>
+            <a:endCxn id="45" idx="0"/>
+          </p:cNvCxnSpPr>
+          <p:nvPr>
+            <p:custDataLst>
+              <p:tags r:id="rId16"/>
+            </p:custDataLst>
+          </p:nvPr>
+        </p:nvCxnSpPr>
+        <p:spPr>
+          <a:xfrm flipH="1">
+            <a:off x="8315325" y="5657215"/>
+            <a:ext cx="810260" cy="330200"/>
+          </a:xfrm>
+          <a:prstGeom prst="straightConnector1">
+            <a:avLst/>
+          </a:prstGeom>
+          <a:ln>
+            <a:prstDash val="lgDash"/>
+            <a:tailEnd type="arrow"/>
+          </a:ln>
+        </p:spPr>
+        <p:style>
+          <a:lnRef idx="2">
+            <a:schemeClr val="accent1"/>
+          </a:lnRef>
+          <a:fillRef idx="0">
+            <a:srgbClr val="FFFFFF"/>
+          </a:fillRef>
+          <a:effectRef idx="0">
+            <a:srgbClr val="FFFFFF"/>
+          </a:effectRef>
+          <a:fontRef idx="minor">
+            <a:schemeClr val="tx1"/>
+          </a:fontRef>
+        </p:style>
+      </p:cxnSp>
+      <p:sp>
+        <p:nvSpPr>
+          <p:cNvPr id="50" name="文本框 49"/>
+          <p:cNvSpPr txBox="1"/>
+          <p:nvPr/>
+        </p:nvSpPr>
+        <p:spPr>
+          <a:xfrm>
+            <a:off x="7034530" y="4848860"/>
+            <a:ext cx="1111885" cy="275590"/>
+          </a:xfrm>
+          <a:prstGeom prst="rect">
+            <a:avLst/>
+          </a:prstGeom>
+          <a:noFill/>
+        </p:spPr>
+        <p:txBody>
+          <a:bodyPr wrap="square" rtlCol="0">
+            <a:spAutoFit/>
+          </a:bodyPr>
+          <a:p>
+            <a:r>
+              <a:rPr lang="zh-CN" altLang="en-US" sz="1200"/>
+              <a:t>广告</a:t>
+            </a:r>
+            <a:r>
+              <a:rPr lang="en-US" altLang="zh-CN" sz="1200"/>
+              <a:t>/</a:t>
+            </a:r>
+            <a:r>
+              <a:rPr lang="zh-CN" altLang="en-US" sz="1200"/>
+              <a:t>辱骂等</a:t>
+            </a:r>
+            <a:endParaRPr lang="zh-CN" altLang="en-US" sz="1200"/>
+          </a:p>
+        </p:txBody>
+      </p:sp>
+      <p:sp>
+        <p:nvSpPr>
+          <p:cNvPr id="51" name="文本框 50"/>
+          <p:cNvSpPr txBox="1"/>
+          <p:nvPr>
+            <p:custDataLst>
+              <p:tags r:id="rId17"/>
+            </p:custDataLst>
+          </p:nvPr>
+        </p:nvSpPr>
+        <p:spPr>
+          <a:xfrm>
+            <a:off x="8422005" y="4841240"/>
+            <a:ext cx="1111885" cy="275590"/>
+          </a:xfrm>
+          <a:prstGeom prst="rect">
+            <a:avLst/>
+          </a:prstGeom>
+          <a:noFill/>
+        </p:spPr>
+        <p:txBody>
+          <a:bodyPr wrap="square" rtlCol="0">
+            <a:spAutoFit/>
+          </a:bodyPr>
+          <a:p>
+            <a:r>
+              <a:rPr lang="zh-CN" altLang="en-US" sz="1200"/>
+              <a:t>个人隐私</a:t>
+            </a:r>
+            <a:endParaRPr lang="zh-CN" altLang="en-US" sz="1200"/>
+          </a:p>
+        </p:txBody>
+      </p:sp>
+    </p:spTree>
+  </p:cSld>
+  <p:clrMapOvr>
+    <a:masterClrMapping/>
+  </p:clrMapOvr>
+</p:sld>
+</file>
+
+<file path=ppt/slides/slide6.xml><?xml version="1.0" encoding="utf-8"?>
+<p:sld xmlns:a="http://schemas.openxmlformats.org/drawingml/2006/main" xmlns:r="http://schemas.openxmlformats.org/officeDocument/2006/relationships" xmlns:p="http://schemas.openxmlformats.org/presentationml/2006/main">
+  <p:cSld>
+    <p:spTree>
+      <p:nvGrpSpPr>
+        <p:cNvPr id="1" name=""/>
+        <p:cNvGrpSpPr/>
+        <p:nvPr/>
+      </p:nvGrpSpPr>
+      <p:grpSpPr/>
+      <p:pic>
+        <p:nvPicPr>
+          <p:cNvPr id="5" name="图片 4"/>
+          <p:cNvPicPr>
+            <a:picLocks noChangeAspect="1"/>
+          </p:cNvPicPr>
+          <p:nvPr>
+            <p:custDataLst>
+              <p:tags r:id="rId1"/>
+            </p:custDataLst>
+          </p:nvPr>
+        </p:nvPicPr>
+        <p:blipFill>
+          <a:blip r:embed="rId2"/>
+          <a:stretch>
+            <a:fillRect/>
+          </a:stretch>
+        </p:blipFill>
+        <p:spPr>
+          <a:xfrm rot="16200000">
+            <a:off x="941070" y="-941070"/>
+            <a:ext cx="3799840" cy="5681980"/>
+          </a:xfrm>
+          <a:prstGeom prst="rect">
+            <a:avLst/>
+          </a:prstGeom>
+        </p:spPr>
+      </p:pic>
+      <p:sp>
+        <p:nvSpPr>
+          <p:cNvPr id="13" name="圆柱形 12"/>
+          <p:cNvSpPr/>
+          <p:nvPr>
+            <p:custDataLst>
+              <p:tags r:id="rId3"/>
+            </p:custDataLst>
+          </p:nvPr>
+        </p:nvSpPr>
+        <p:spPr>
+          <a:xfrm>
+            <a:off x="6120130" y="328295"/>
+            <a:ext cx="914400" cy="822960"/>
+          </a:xfrm>
+          <a:prstGeom prst="can">
+            <a:avLst/>
+          </a:prstGeom>
+        </p:spPr>
+        <p:style>
+          <a:lnRef idx="2">
+            <a:schemeClr val="accent1">
+              <a:lumMod val="75000"/>
+            </a:schemeClr>
+          </a:lnRef>
+          <a:fillRef idx="1">
+            <a:schemeClr val="accent1"/>
+          </a:fillRef>
+          <a:effectRef idx="0">
+            <a:srgbClr val="FFFFFF"/>
+          </a:effectRef>
+          <a:fontRef idx="minor">
+            <a:schemeClr val="lt1"/>
+          </a:fontRef>
+        </p:style>
+        <p:txBody>
+          <a:bodyPr rtlCol="0" anchor="ctr"/>
+          <a:p>
+            <a:pPr algn="ctr"/>
+            <a:r>
+              <a:rPr lang="zh-CN" altLang="en-US" sz="1200"/>
+              <a:t>文档</a:t>
+            </a:r>
+            <a:endParaRPr lang="zh-CN" altLang="en-US" sz="1200"/>
+          </a:p>
+          <a:p>
+            <a:pPr algn="ctr"/>
+            <a:r>
+              <a:rPr lang="zh-CN" altLang="en-US" sz="1200"/>
+              <a:t>图片</a:t>
+            </a:r>
+            <a:endParaRPr lang="zh-CN" altLang="en-US" sz="1200"/>
+          </a:p>
+          <a:p>
+            <a:pPr algn="ctr"/>
+            <a:r>
+              <a:rPr lang="zh-CN" altLang="en-US" sz="1200"/>
+              <a:t>文本</a:t>
+            </a:r>
+            <a:endParaRPr lang="zh-CN" altLang="en-US" sz="1200"/>
+          </a:p>
+        </p:txBody>
+      </p:sp>
+      <p:sp>
+        <p:nvSpPr>
+          <p:cNvPr id="29" name="矩形 28"/>
+          <p:cNvSpPr/>
+          <p:nvPr>
+            <p:custDataLst>
+              <p:tags r:id="rId4"/>
+            </p:custDataLst>
+          </p:nvPr>
+        </p:nvSpPr>
+        <p:spPr>
+          <a:xfrm>
+            <a:off x="8478520" y="555625"/>
+            <a:ext cx="1311275" cy="354330"/>
+          </a:xfrm>
+          <a:prstGeom prst="rect">
+            <a:avLst/>
+          </a:prstGeom>
+        </p:spPr>
+        <p:style>
+          <a:lnRef idx="2">
+            <a:schemeClr val="accent1">
+              <a:lumMod val="75000"/>
+            </a:schemeClr>
+          </a:lnRef>
+          <a:fillRef idx="1">
+            <a:schemeClr val="accent1"/>
+          </a:fillRef>
+          <a:effectRef idx="0">
+            <a:srgbClr val="FFFFFF"/>
+          </a:effectRef>
+          <a:fontRef idx="minor">
+            <a:schemeClr val="lt1"/>
+          </a:fontRef>
+        </p:style>
+        <p:txBody>
+          <a:bodyPr rtlCol="0" anchor="ctr"/>
+          <a:p>
+            <a:pPr algn="ctr"/>
+            <a:r>
+              <a:rPr lang="zh-CN" altLang="en-US" sz="1400"/>
+              <a:t>文本</a:t>
+            </a:r>
+            <a:r>
+              <a:rPr lang="en-US" altLang="zh-CN" sz="1400"/>
+              <a:t>/</a:t>
+            </a:r>
+            <a:r>
+              <a:rPr lang="zh-CN" altLang="en-US" sz="1400"/>
+              <a:t>文本集</a:t>
+            </a:r>
+            <a:endParaRPr lang="zh-CN" altLang="en-US" sz="1400"/>
+          </a:p>
+        </p:txBody>
+      </p:sp>
+      <p:cxnSp>
+        <p:nvCxnSpPr>
+          <p:cNvPr id="39" name="直接箭头连接符 38"/>
+          <p:cNvCxnSpPr>
+            <a:stCxn id="13" idx="4"/>
+            <a:endCxn id="29" idx="1"/>
+          </p:cNvCxnSpPr>
+          <p:nvPr>
+            <p:custDataLst>
+              <p:tags r:id="rId5"/>
+            </p:custDataLst>
+          </p:nvPr>
+        </p:nvCxnSpPr>
+        <p:spPr>
+          <a:xfrm flipV="1">
+            <a:off x="7034530" y="732790"/>
+            <a:ext cx="1443990" cy="6985"/>
+          </a:xfrm>
+          <a:prstGeom prst="straightConnector1">
+            <a:avLst/>
+          </a:prstGeom>
+          <a:ln>
+            <a:tailEnd type="arrow"/>
+          </a:ln>
+        </p:spPr>
+        <p:style>
+          <a:lnRef idx="2">
+            <a:schemeClr val="accent1"/>
+          </a:lnRef>
+          <a:fillRef idx="0">
+            <a:srgbClr val="FFFFFF"/>
+          </a:fillRef>
+          <a:effectRef idx="0">
+            <a:srgbClr val="FFFFFF"/>
+          </a:effectRef>
+          <a:fontRef idx="minor">
+            <a:schemeClr val="tx1"/>
+          </a:fontRef>
+        </p:style>
+      </p:cxnSp>
+      <p:sp>
+        <p:nvSpPr>
+          <p:cNvPr id="52" name="文本框 51"/>
+          <p:cNvSpPr txBox="1"/>
+          <p:nvPr>
+            <p:custDataLst>
+              <p:tags r:id="rId6"/>
+            </p:custDataLst>
+          </p:nvPr>
+        </p:nvSpPr>
+        <p:spPr>
+          <a:xfrm>
+            <a:off x="7292340" y="433070"/>
+            <a:ext cx="928370" cy="306705"/>
+          </a:xfrm>
+          <a:prstGeom prst="rect">
+            <a:avLst/>
+          </a:prstGeom>
+          <a:noFill/>
+        </p:spPr>
+        <p:txBody>
+          <a:bodyPr wrap="square" rtlCol="0">
+            <a:spAutoFit/>
+          </a:bodyPr>
+          <a:p>
+            <a:r>
+              <a:rPr lang="zh-CN" altLang="en-US" sz="1400"/>
+              <a:t>文本处理</a:t>
+            </a:r>
+            <a:endParaRPr lang="zh-CN" altLang="en-US" sz="1400"/>
+          </a:p>
+        </p:txBody>
+      </p:sp>
+      <p:sp>
+        <p:nvSpPr>
+          <p:cNvPr id="53" name="下箭头 52"/>
+          <p:cNvSpPr/>
+          <p:nvPr>
+            <p:custDataLst>
+              <p:tags r:id="rId7"/>
+            </p:custDataLst>
+          </p:nvPr>
+        </p:nvSpPr>
+        <p:spPr>
+          <a:xfrm>
+            <a:off x="9095740" y="930910"/>
+            <a:ext cx="76200" cy="267970"/>
+          </a:xfrm>
+          <a:prstGeom prst="downArrow">
+            <a:avLst/>
+          </a:prstGeom>
+        </p:spPr>
+        <p:style>
+          <a:lnRef idx="2">
+            <a:schemeClr val="accent1">
+              <a:lumMod val="75000"/>
+            </a:schemeClr>
+          </a:lnRef>
+          <a:fillRef idx="1">
+            <a:schemeClr val="accent1"/>
+          </a:fillRef>
+          <a:effectRef idx="0">
+            <a:srgbClr val="FFFFFF"/>
+          </a:effectRef>
+          <a:fontRef idx="minor">
+            <a:schemeClr val="lt1"/>
+          </a:fontRef>
+        </p:style>
+        <p:txBody>
+          <a:bodyPr rtlCol="0" anchor="ctr"/>
+          <a:p>
+            <a:pPr algn="ctr"/>
+            <a:endParaRPr lang="zh-CN" altLang="en-US"/>
+          </a:p>
+        </p:txBody>
+      </p:sp>
+      <p:sp>
+        <p:nvSpPr>
+          <p:cNvPr id="54" name="菱形 53"/>
+          <p:cNvSpPr/>
+          <p:nvPr>
+            <p:custDataLst>
+              <p:tags r:id="rId8"/>
+            </p:custDataLst>
+          </p:nvPr>
+        </p:nvSpPr>
+        <p:spPr>
+          <a:xfrm>
+            <a:off x="8676005" y="1252220"/>
+            <a:ext cx="914400" cy="914400"/>
+          </a:xfrm>
+          <a:prstGeom prst="diamond">
+            <a:avLst/>
+          </a:prstGeom>
+        </p:spPr>
+        <p:style>
+          <a:lnRef idx="2">
+            <a:schemeClr val="accent1">
+              <a:lumMod val="75000"/>
+            </a:schemeClr>
+          </a:lnRef>
+          <a:fillRef idx="1">
+            <a:schemeClr val="accent1"/>
+          </a:fillRef>
+          <a:effectRef idx="0">
+            <a:srgbClr val="FFFFFF"/>
+          </a:effectRef>
+          <a:fontRef idx="minor">
+            <a:schemeClr val="lt1"/>
+          </a:fontRef>
+        </p:style>
+        <p:txBody>
+          <a:bodyPr rtlCol="0" anchor="ctr"/>
+          <a:p>
+            <a:pPr algn="ctr"/>
+            <a:r>
+              <a:rPr lang="zh-CN" altLang="en-US" sz="900"/>
+              <a:t>是否包含关键词</a:t>
+            </a:r>
+            <a:endParaRPr lang="zh-CN" altLang="en-US" sz="900"/>
+          </a:p>
+        </p:txBody>
+      </p:sp>
+      <p:sp>
+        <p:nvSpPr>
+          <p:cNvPr id="55" name="文本框 54"/>
+          <p:cNvSpPr txBox="1"/>
+          <p:nvPr>
+            <p:custDataLst>
+              <p:tags r:id="rId9"/>
+            </p:custDataLst>
+          </p:nvPr>
+        </p:nvSpPr>
+        <p:spPr>
+          <a:xfrm>
+            <a:off x="9473565" y="991870"/>
+            <a:ext cx="766445" cy="337185"/>
+          </a:xfrm>
+          <a:prstGeom prst="rect">
+            <a:avLst/>
+          </a:prstGeom>
+          <a:noFill/>
+          <a:ln>
+            <a:solidFill>
+              <a:schemeClr val="accent1"/>
+            </a:solidFill>
+          </a:ln>
+        </p:spPr>
+        <p:txBody>
+          <a:bodyPr wrap="square" rtlCol="0">
+            <a:spAutoFit/>
+          </a:bodyPr>
+          <a:p>
+            <a:pPr algn="ctr"/>
+            <a:r>
+              <a:rPr lang="en-US" altLang="zh-CN" sz="1600"/>
+              <a:t>AC</a:t>
+            </a:r>
+            <a:r>
+              <a:rPr lang="zh-CN" altLang="en-US" sz="1600"/>
+              <a:t>机</a:t>
+            </a:r>
+            <a:endParaRPr lang="zh-CN" altLang="en-US" sz="1600"/>
+          </a:p>
+        </p:txBody>
+      </p:sp>
+      <p:sp>
+        <p:nvSpPr>
+          <p:cNvPr id="56" name="圆柱形 55"/>
+          <p:cNvSpPr/>
+          <p:nvPr>
+            <p:custDataLst>
+              <p:tags r:id="rId10"/>
+            </p:custDataLst>
+          </p:nvPr>
+        </p:nvSpPr>
+        <p:spPr>
+          <a:xfrm>
+            <a:off x="10977880" y="683260"/>
+            <a:ext cx="887095" cy="763270"/>
+          </a:xfrm>
+          <a:prstGeom prst="can">
+            <a:avLst/>
+          </a:prstGeom>
+        </p:spPr>
+        <p:style>
+          <a:lnRef idx="2">
+            <a:schemeClr val="accent1">
+              <a:lumMod val="75000"/>
+            </a:schemeClr>
+          </a:lnRef>
+          <a:fillRef idx="1">
+            <a:schemeClr val="accent1"/>
+          </a:fillRef>
+          <a:effectRef idx="0">
+            <a:srgbClr val="FFFFFF"/>
+          </a:effectRef>
+          <a:fontRef idx="minor">
+            <a:schemeClr val="lt1"/>
+          </a:fontRef>
+        </p:style>
+        <p:txBody>
+          <a:bodyPr rtlCol="0" anchor="ctr"/>
+          <a:p>
+            <a:pPr algn="ctr"/>
+            <a:r>
+              <a:rPr lang="zh-CN" altLang="en-US" sz="1000"/>
+              <a:t>关键词库</a:t>
+            </a:r>
+            <a:endParaRPr lang="zh-CN" altLang="en-US" sz="1000"/>
+          </a:p>
+        </p:txBody>
+      </p:sp>
+      <p:sp>
+        <p:nvSpPr>
+          <p:cNvPr id="57" name="左箭头 56"/>
+          <p:cNvSpPr/>
+          <p:nvPr>
+            <p:custDataLst>
+              <p:tags r:id="rId11"/>
+            </p:custDataLst>
+          </p:nvPr>
+        </p:nvSpPr>
+        <p:spPr>
+          <a:xfrm>
+            <a:off x="10346055" y="909955"/>
+            <a:ext cx="485140" cy="435610"/>
+          </a:xfrm>
+          <a:prstGeom prst="leftArrow">
+            <a:avLst/>
+          </a:prstGeom>
+        </p:spPr>
+        <p:style>
+          <a:lnRef idx="2">
+            <a:schemeClr val="accent1">
+              <a:lumMod val="75000"/>
+            </a:schemeClr>
+          </a:lnRef>
+          <a:fillRef idx="1">
+            <a:schemeClr val="accent1"/>
+          </a:fillRef>
+          <a:effectRef idx="0">
+            <a:srgbClr val="FFFFFF"/>
+          </a:effectRef>
+          <a:fontRef idx="minor">
+            <a:schemeClr val="lt1"/>
+          </a:fontRef>
+        </p:style>
+        <p:txBody>
+          <a:bodyPr rtlCol="0" anchor="ctr"/>
+          <a:p>
+            <a:pPr algn="ctr"/>
+            <a:endParaRPr lang="zh-CN" altLang="en-US"/>
+          </a:p>
+        </p:txBody>
+      </p:sp>
+      <p:cxnSp>
+        <p:nvCxnSpPr>
+          <p:cNvPr id="58" name="肘形连接符 57"/>
+          <p:cNvCxnSpPr/>
+          <p:nvPr>
+            <p:custDataLst>
+              <p:tags r:id="rId12"/>
+            </p:custDataLst>
+          </p:nvPr>
+        </p:nvCxnSpPr>
+        <p:spPr>
+          <a:xfrm rot="10800000" flipV="1">
+            <a:off x="7889875" y="1708785"/>
+            <a:ext cx="785495" cy="6350"/>
+          </a:xfrm>
+          <a:prstGeom prst="bentConnector3">
+            <a:avLst>
+              <a:gd name="adj1" fmla="val 49960"/>
+            </a:avLst>
+          </a:prstGeom>
+          <a:ln>
+            <a:tailEnd type="arrow"/>
+          </a:ln>
+        </p:spPr>
+        <p:style>
+          <a:lnRef idx="2">
+            <a:schemeClr val="accent1"/>
+          </a:lnRef>
+          <a:fillRef idx="0">
+            <a:srgbClr val="FFFFFF"/>
+          </a:fillRef>
+          <a:effectRef idx="0">
+            <a:srgbClr val="FFFFFF"/>
+          </a:effectRef>
+          <a:fontRef idx="minor">
+            <a:schemeClr val="tx1"/>
+          </a:fontRef>
+        </p:style>
+      </p:cxnSp>
+      <p:sp>
+        <p:nvSpPr>
+          <p:cNvPr id="59" name="矩形 58"/>
+          <p:cNvSpPr/>
+          <p:nvPr>
+            <p:custDataLst>
+              <p:tags r:id="rId13"/>
+            </p:custDataLst>
+          </p:nvPr>
+        </p:nvSpPr>
+        <p:spPr>
+          <a:xfrm>
+            <a:off x="6724650" y="1477645"/>
+            <a:ext cx="1174115" cy="462915"/>
+          </a:xfrm>
+          <a:prstGeom prst="rect">
+            <a:avLst/>
+          </a:prstGeom>
+        </p:spPr>
+        <p:style>
+          <a:lnRef idx="2">
+            <a:schemeClr val="accent1">
+              <a:lumMod val="75000"/>
+            </a:schemeClr>
+          </a:lnRef>
+          <a:fillRef idx="1">
+            <a:schemeClr val="accent1"/>
+          </a:fillRef>
+          <a:effectRef idx="0">
+            <a:srgbClr val="FFFFFF"/>
+          </a:effectRef>
+          <a:fontRef idx="minor">
+            <a:schemeClr val="lt1"/>
+          </a:fontRef>
+        </p:style>
+        <p:txBody>
+          <a:bodyPr rtlCol="0" anchor="ctr"/>
+          <a:p>
+            <a:pPr algn="ctr"/>
+            <a:r>
+              <a:rPr lang="zh-CN" altLang="en-US" sz="1200"/>
+              <a:t>违规类型</a:t>
+            </a:r>
+            <a:r>
+              <a:rPr lang="en-US" altLang="zh-CN" sz="1200"/>
+              <a:t>/</a:t>
+            </a:r>
+            <a:r>
+              <a:rPr lang="zh-CN" altLang="en-US" sz="1200"/>
+              <a:t>片段</a:t>
+            </a:r>
+            <a:endParaRPr lang="zh-CN" altLang="en-US" sz="1200"/>
+          </a:p>
+        </p:txBody>
+      </p:sp>
+      <p:sp>
+        <p:nvSpPr>
+          <p:cNvPr id="60" name="文本框 59"/>
+          <p:cNvSpPr txBox="1"/>
+          <p:nvPr>
+            <p:custDataLst>
+              <p:tags r:id="rId14"/>
+            </p:custDataLst>
+          </p:nvPr>
+        </p:nvSpPr>
+        <p:spPr>
+          <a:xfrm>
+            <a:off x="8169910" y="1296035"/>
+            <a:ext cx="368300" cy="275590"/>
+          </a:xfrm>
+          <a:prstGeom prst="rect">
+            <a:avLst/>
+          </a:prstGeom>
+          <a:noFill/>
+        </p:spPr>
+        <p:txBody>
+          <a:bodyPr wrap="square" rtlCol="0">
+            <a:spAutoFit/>
+          </a:bodyPr>
+          <a:p>
+            <a:r>
+              <a:rPr lang="en-US" altLang="zh-CN" sz="1200"/>
+              <a:t>y</a:t>
+            </a:r>
+            <a:endParaRPr lang="en-US" altLang="zh-CN" sz="1200"/>
+          </a:p>
+        </p:txBody>
+      </p:sp>
+      <p:sp>
+        <p:nvSpPr>
+          <p:cNvPr id="61" name="文本框 60"/>
+          <p:cNvSpPr txBox="1"/>
+          <p:nvPr>
+            <p:custDataLst>
+              <p:tags r:id="rId15"/>
+            </p:custDataLst>
+          </p:nvPr>
+        </p:nvSpPr>
+        <p:spPr>
+          <a:xfrm>
+            <a:off x="8730615" y="2165985"/>
+            <a:ext cx="365125" cy="275590"/>
+          </a:xfrm>
+          <a:prstGeom prst="rect">
+            <a:avLst/>
+          </a:prstGeom>
+          <a:noFill/>
+        </p:spPr>
+        <p:txBody>
+          <a:bodyPr wrap="square" rtlCol="0" anchor="t">
+            <a:spAutoFit/>
+          </a:bodyPr>
+          <a:p>
+            <a:r>
+              <a:rPr lang="en-US" altLang="zh-CN" sz="1200">
+                <a:sym typeface="+mn-ea"/>
+              </a:rPr>
+              <a:t>n</a:t>
+            </a:r>
+            <a:endParaRPr lang="en-US" altLang="zh-CN" sz="1200">
+              <a:sym typeface="+mn-ea"/>
+            </a:endParaRPr>
+          </a:p>
+        </p:txBody>
+      </p:sp>
+      <p:sp>
+        <p:nvSpPr>
+          <p:cNvPr id="62" name="矩形 61"/>
+          <p:cNvSpPr/>
+          <p:nvPr>
+            <p:custDataLst>
+              <p:tags r:id="rId16"/>
+            </p:custDataLst>
+          </p:nvPr>
+        </p:nvSpPr>
+        <p:spPr>
+          <a:xfrm>
+            <a:off x="7250430" y="2693035"/>
+            <a:ext cx="969645" cy="463550"/>
+          </a:xfrm>
+          <a:prstGeom prst="rect">
+            <a:avLst/>
+          </a:prstGeom>
+        </p:spPr>
+        <p:style>
+          <a:lnRef idx="2">
+            <a:schemeClr val="accent1">
+              <a:lumMod val="75000"/>
+            </a:schemeClr>
+          </a:lnRef>
+          <a:fillRef idx="1">
+            <a:schemeClr val="accent1"/>
+          </a:fillRef>
+          <a:effectRef idx="0">
+            <a:srgbClr val="FFFFFF"/>
+          </a:effectRef>
+          <a:fontRef idx="minor">
+            <a:schemeClr val="lt1"/>
+          </a:fontRef>
+        </p:style>
+        <p:txBody>
+          <a:bodyPr rtlCol="0" anchor="ctr"/>
+          <a:p>
+            <a:pPr algn="ctr"/>
+            <a:r>
+              <a:rPr lang="en-US" altLang="zh-CN"/>
+              <a:t>fasttext</a:t>
+            </a:r>
+            <a:endParaRPr lang="en-US" altLang="zh-CN"/>
+          </a:p>
+        </p:txBody>
+      </p:sp>
+      <p:sp>
+        <p:nvSpPr>
+          <p:cNvPr id="63" name="菱形 62"/>
+          <p:cNvSpPr/>
+          <p:nvPr>
+            <p:custDataLst>
+              <p:tags r:id="rId17"/>
+            </p:custDataLst>
+          </p:nvPr>
+        </p:nvSpPr>
+        <p:spPr>
+          <a:xfrm>
+            <a:off x="10135235" y="2540000"/>
+            <a:ext cx="914400" cy="914400"/>
+          </a:xfrm>
+          <a:prstGeom prst="diamond">
+            <a:avLst/>
+          </a:prstGeom>
+        </p:spPr>
+        <p:style>
+          <a:lnRef idx="2">
+            <a:schemeClr val="accent1">
+              <a:lumMod val="75000"/>
+            </a:schemeClr>
+          </a:lnRef>
+          <a:fillRef idx="1">
+            <a:schemeClr val="accent1"/>
+          </a:fillRef>
+          <a:effectRef idx="0">
+            <a:srgbClr val="FFFFFF"/>
+          </a:effectRef>
+          <a:fontRef idx="minor">
+            <a:schemeClr val="lt1"/>
+          </a:fontRef>
+        </p:style>
+        <p:txBody>
+          <a:bodyPr rtlCol="0" anchor="ctr"/>
+          <a:p>
+            <a:pPr algn="ctr"/>
+            <a:r>
+              <a:rPr lang="zh-CN" altLang="en-US" sz="900"/>
+              <a:t>是否包含</a:t>
+            </a:r>
+            <a:r>
+              <a:rPr lang="zh-CN" altLang="en-US" sz="900"/>
+              <a:t>疑似关键词</a:t>
+            </a:r>
+            <a:endParaRPr lang="zh-CN" altLang="en-US" sz="900"/>
+          </a:p>
+        </p:txBody>
+      </p:sp>
+      <p:cxnSp>
+        <p:nvCxnSpPr>
+          <p:cNvPr id="64" name="肘形连接符 63"/>
+          <p:cNvCxnSpPr>
+            <a:stCxn id="54" idx="2"/>
+            <a:endCxn id="62" idx="0"/>
+          </p:cNvCxnSpPr>
+          <p:nvPr>
+            <p:custDataLst>
+              <p:tags r:id="rId18"/>
+            </p:custDataLst>
+          </p:nvPr>
+        </p:nvCxnSpPr>
+        <p:spPr>
+          <a:xfrm rot="5400000">
+            <a:off x="8171180" y="1730375"/>
+            <a:ext cx="526415" cy="1397635"/>
+          </a:xfrm>
+          <a:prstGeom prst="bentConnector3">
+            <a:avLst>
+              <a:gd name="adj1" fmla="val 50060"/>
+            </a:avLst>
+          </a:prstGeom>
+          <a:ln>
+            <a:tailEnd type="arrow"/>
+          </a:ln>
+        </p:spPr>
+        <p:style>
+          <a:lnRef idx="2">
+            <a:schemeClr val="accent1"/>
+          </a:lnRef>
+          <a:fillRef idx="0">
+            <a:srgbClr val="FFFFFF"/>
+          </a:fillRef>
+          <a:effectRef idx="0">
+            <a:srgbClr val="FFFFFF"/>
+          </a:effectRef>
+          <a:fontRef idx="minor">
+            <a:schemeClr val="tx1"/>
+          </a:fontRef>
+        </p:style>
+      </p:cxnSp>
+      <p:cxnSp>
+        <p:nvCxnSpPr>
+          <p:cNvPr id="65" name="肘形连接符 64"/>
+          <p:cNvCxnSpPr>
+            <a:stCxn id="54" idx="2"/>
+            <a:endCxn id="63" idx="0"/>
+          </p:cNvCxnSpPr>
+          <p:nvPr>
+            <p:custDataLst>
+              <p:tags r:id="rId19"/>
+            </p:custDataLst>
+          </p:nvPr>
+        </p:nvCxnSpPr>
+        <p:spPr>
+          <a:xfrm rot="5400000" flipV="1">
+            <a:off x="9676130" y="1623695"/>
+            <a:ext cx="373380" cy="1459230"/>
+          </a:xfrm>
+          <a:prstGeom prst="bentConnector3">
+            <a:avLst>
+              <a:gd name="adj1" fmla="val 68707"/>
+            </a:avLst>
+          </a:prstGeom>
+          <a:ln>
+            <a:tailEnd type="arrow"/>
+          </a:ln>
+        </p:spPr>
+        <p:style>
+          <a:lnRef idx="2">
+            <a:schemeClr val="accent1"/>
+          </a:lnRef>
+          <a:fillRef idx="0">
+            <a:srgbClr val="FFFFFF"/>
+          </a:fillRef>
+          <a:effectRef idx="0">
+            <a:srgbClr val="FFFFFF"/>
+          </a:effectRef>
+          <a:fontRef idx="minor">
+            <a:schemeClr val="tx1"/>
+          </a:fontRef>
+        </p:style>
+      </p:cxnSp>
+      <p:sp>
+        <p:nvSpPr>
+          <p:cNvPr id="66" name="矩形 65"/>
+          <p:cNvSpPr/>
+          <p:nvPr>
+            <p:custDataLst>
+              <p:tags r:id="rId20"/>
+            </p:custDataLst>
+          </p:nvPr>
+        </p:nvSpPr>
+        <p:spPr>
+          <a:xfrm>
+            <a:off x="7250430" y="3651250"/>
+            <a:ext cx="969645" cy="350520"/>
+          </a:xfrm>
+          <a:prstGeom prst="rect">
+            <a:avLst/>
+          </a:prstGeom>
+        </p:spPr>
+        <p:style>
+          <a:lnRef idx="2">
+            <a:schemeClr val="accent1">
+              <a:lumMod val="75000"/>
+            </a:schemeClr>
+          </a:lnRef>
+          <a:fillRef idx="1">
+            <a:schemeClr val="accent1"/>
+          </a:fillRef>
+          <a:effectRef idx="0">
+            <a:srgbClr val="FFFFFF"/>
+          </a:effectRef>
+          <a:fontRef idx="minor">
+            <a:schemeClr val="lt1"/>
+          </a:fontRef>
+        </p:style>
+        <p:txBody>
+          <a:bodyPr rtlCol="0" anchor="ctr"/>
+          <a:p>
+            <a:pPr algn="ctr"/>
+            <a:r>
+              <a:rPr lang="en-US" altLang="zh-CN"/>
+              <a:t>f1</a:t>
+            </a:r>
+            <a:endParaRPr lang="en-US" altLang="zh-CN"/>
+          </a:p>
+        </p:txBody>
+      </p:sp>
+      <p:sp>
+        <p:nvSpPr>
+          <p:cNvPr id="67" name="矩形 66"/>
+          <p:cNvSpPr/>
+          <p:nvPr>
+            <p:custDataLst>
+              <p:tags r:id="rId21"/>
+            </p:custDataLst>
+          </p:nvPr>
+        </p:nvSpPr>
+        <p:spPr>
+          <a:xfrm>
+            <a:off x="10135235" y="3646805"/>
+            <a:ext cx="915035" cy="354965"/>
+          </a:xfrm>
+          <a:prstGeom prst="rect">
+            <a:avLst/>
+          </a:prstGeom>
+        </p:spPr>
+        <p:style>
+          <a:lnRef idx="2">
+            <a:schemeClr val="accent1">
+              <a:lumMod val="75000"/>
+            </a:schemeClr>
+          </a:lnRef>
+          <a:fillRef idx="1">
+            <a:schemeClr val="accent1"/>
+          </a:fillRef>
+          <a:effectRef idx="0">
+            <a:srgbClr val="FFFFFF"/>
+          </a:effectRef>
+          <a:fontRef idx="minor">
+            <a:schemeClr val="lt1"/>
+          </a:fontRef>
+        </p:style>
+        <p:txBody>
+          <a:bodyPr rtlCol="0" anchor="ctr"/>
+          <a:p>
+            <a:pPr algn="ctr"/>
+            <a:r>
+              <a:rPr lang="en-US" altLang="zh-CN"/>
+              <a:t>f2</a:t>
+            </a:r>
+            <a:endParaRPr lang="en-US" altLang="zh-CN"/>
+          </a:p>
+        </p:txBody>
+      </p:sp>
+      <p:cxnSp>
+        <p:nvCxnSpPr>
+          <p:cNvPr id="68" name="直接箭头连接符 67"/>
+          <p:cNvCxnSpPr>
+            <a:stCxn id="62" idx="2"/>
+            <a:endCxn id="66" idx="0"/>
+          </p:cNvCxnSpPr>
+          <p:nvPr>
+            <p:custDataLst>
+              <p:tags r:id="rId22"/>
+            </p:custDataLst>
+          </p:nvPr>
+        </p:nvCxnSpPr>
+        <p:spPr>
+          <a:xfrm>
+            <a:off x="7735570" y="3156585"/>
+            <a:ext cx="0" cy="494665"/>
+          </a:xfrm>
+          <a:prstGeom prst="straightConnector1">
+            <a:avLst/>
+          </a:prstGeom>
+          <a:ln>
+            <a:tailEnd type="arrow"/>
+          </a:ln>
+        </p:spPr>
+        <p:style>
+          <a:lnRef idx="2">
+            <a:schemeClr val="accent1"/>
+          </a:lnRef>
+          <a:fillRef idx="0">
+            <a:srgbClr val="FFFFFF"/>
+          </a:fillRef>
+          <a:effectRef idx="0">
+            <a:srgbClr val="FFFFFF"/>
+          </a:effectRef>
+          <a:fontRef idx="minor">
+            <a:schemeClr val="tx1"/>
+          </a:fontRef>
+        </p:style>
+      </p:cxnSp>
+      <p:cxnSp>
+        <p:nvCxnSpPr>
+          <p:cNvPr id="69" name="直接箭头连接符 68"/>
+          <p:cNvCxnSpPr>
+            <a:stCxn id="63" idx="2"/>
+            <a:endCxn id="67" idx="0"/>
+          </p:cNvCxnSpPr>
+          <p:nvPr>
+            <p:custDataLst>
+              <p:tags r:id="rId23"/>
+            </p:custDataLst>
+          </p:nvPr>
+        </p:nvCxnSpPr>
+        <p:spPr>
+          <a:xfrm>
+            <a:off x="10592435" y="3454400"/>
+            <a:ext cx="635" cy="192405"/>
+          </a:xfrm>
+          <a:prstGeom prst="straightConnector1">
+            <a:avLst/>
+          </a:prstGeom>
+          <a:ln>
+            <a:tailEnd type="arrow"/>
+          </a:ln>
+        </p:spPr>
+        <p:style>
+          <a:lnRef idx="2">
+            <a:schemeClr val="accent1"/>
+          </a:lnRef>
+          <a:fillRef idx="0">
+            <a:srgbClr val="FFFFFF"/>
+          </a:fillRef>
+          <a:effectRef idx="0">
+            <a:srgbClr val="FFFFFF"/>
+          </a:effectRef>
+          <a:fontRef idx="minor">
+            <a:schemeClr val="tx1"/>
+          </a:fontRef>
+        </p:style>
+      </p:cxnSp>
+      <p:sp>
+        <p:nvSpPr>
+          <p:cNvPr id="70" name="矩形 69"/>
+          <p:cNvSpPr/>
+          <p:nvPr>
+            <p:custDataLst>
+              <p:tags r:id="rId24"/>
+            </p:custDataLst>
+          </p:nvPr>
+        </p:nvSpPr>
+        <p:spPr>
+          <a:xfrm>
+            <a:off x="7246620" y="4742180"/>
+            <a:ext cx="1013460" cy="401955"/>
+          </a:xfrm>
+          <a:prstGeom prst="rect">
+            <a:avLst/>
+          </a:prstGeom>
+        </p:spPr>
+        <p:style>
+          <a:lnRef idx="2">
+            <a:schemeClr val="accent1">
+              <a:lumMod val="75000"/>
+            </a:schemeClr>
+          </a:lnRef>
+          <a:fillRef idx="1">
+            <a:schemeClr val="accent1"/>
+          </a:fillRef>
+          <a:effectRef idx="0">
+            <a:srgbClr val="FFFFFF"/>
+          </a:effectRef>
+          <a:fontRef idx="minor">
+            <a:schemeClr val="lt1"/>
+          </a:fontRef>
+        </p:style>
+        <p:txBody>
+          <a:bodyPr rtlCol="0" anchor="ctr"/>
+          <a:p>
+            <a:pPr algn="ctr"/>
+            <a:r>
+              <a:rPr lang="zh-CN" altLang="en-US" sz="1400"/>
+              <a:t>正常文本</a:t>
+            </a:r>
+            <a:endParaRPr lang="zh-CN" altLang="en-US" sz="1400"/>
+          </a:p>
+        </p:txBody>
+      </p:sp>
+      <p:sp>
+        <p:nvSpPr>
+          <p:cNvPr id="71" name="矩形 70"/>
+          <p:cNvSpPr/>
+          <p:nvPr>
+            <p:custDataLst>
+              <p:tags r:id="rId25"/>
+            </p:custDataLst>
+          </p:nvPr>
+        </p:nvSpPr>
+        <p:spPr>
+          <a:xfrm>
+            <a:off x="8632825" y="4742180"/>
+            <a:ext cx="2280285" cy="297180"/>
+          </a:xfrm>
+          <a:prstGeom prst="rect">
+            <a:avLst/>
+          </a:prstGeom>
+        </p:spPr>
+        <p:style>
+          <a:lnRef idx="2">
+            <a:schemeClr val="accent1">
+              <a:lumMod val="75000"/>
+            </a:schemeClr>
+          </a:lnRef>
+          <a:fillRef idx="1">
+            <a:schemeClr val="accent1"/>
+          </a:fillRef>
+          <a:effectRef idx="0">
+            <a:srgbClr val="FFFFFF"/>
+          </a:effectRef>
+          <a:fontRef idx="minor">
+            <a:schemeClr val="lt1"/>
+          </a:fontRef>
+        </p:style>
+        <p:txBody>
+          <a:bodyPr rtlCol="0" anchor="ctr"/>
+          <a:p>
+            <a:pPr algn="ctr"/>
+            <a:r>
+              <a:rPr lang="en-US" altLang="zh-CN" sz="1400"/>
+              <a:t>UIE+Prompt</a:t>
+            </a:r>
+            <a:endParaRPr lang="en-US" altLang="zh-CN" sz="1400"/>
+          </a:p>
+        </p:txBody>
+      </p:sp>
+      <p:cxnSp>
+        <p:nvCxnSpPr>
+          <p:cNvPr id="72" name="肘形连接符 71"/>
+          <p:cNvCxnSpPr>
+            <a:stCxn id="66" idx="2"/>
+            <a:endCxn id="70" idx="0"/>
+          </p:cNvCxnSpPr>
+          <p:nvPr>
+            <p:custDataLst>
+              <p:tags r:id="rId26"/>
+            </p:custDataLst>
+          </p:nvPr>
+        </p:nvCxnSpPr>
+        <p:spPr>
+          <a:xfrm rot="5400000" flipV="1">
+            <a:off x="7374255" y="4363085"/>
+            <a:ext cx="740410" cy="17780"/>
+          </a:xfrm>
+          <a:prstGeom prst="bentConnector3">
+            <a:avLst>
+              <a:gd name="adj1" fmla="val 50000"/>
+            </a:avLst>
+          </a:prstGeom>
+          <a:ln>
+            <a:tailEnd type="arrow"/>
+          </a:ln>
+        </p:spPr>
+        <p:style>
+          <a:lnRef idx="2">
+            <a:schemeClr val="accent1"/>
+          </a:lnRef>
+          <a:fillRef idx="0">
+            <a:srgbClr val="FFFFFF"/>
+          </a:fillRef>
+          <a:effectRef idx="0">
+            <a:srgbClr val="FFFFFF"/>
+          </a:effectRef>
+          <a:fontRef idx="minor">
+            <a:schemeClr val="tx1"/>
+          </a:fontRef>
+        </p:style>
+      </p:cxnSp>
+      <p:cxnSp>
+        <p:nvCxnSpPr>
+          <p:cNvPr id="73" name="肘形连接符 72"/>
+          <p:cNvCxnSpPr>
+            <a:stCxn id="67" idx="2"/>
+            <a:endCxn id="70" idx="0"/>
+          </p:cNvCxnSpPr>
+          <p:nvPr>
+            <p:custDataLst>
+              <p:tags r:id="rId27"/>
+            </p:custDataLst>
+          </p:nvPr>
+        </p:nvCxnSpPr>
+        <p:spPr>
+          <a:xfrm rot="5400000">
+            <a:off x="8803005" y="2952115"/>
+            <a:ext cx="740410" cy="2839720"/>
+          </a:xfrm>
+          <a:prstGeom prst="bentConnector3">
+            <a:avLst>
+              <a:gd name="adj1" fmla="val 40566"/>
+            </a:avLst>
+          </a:prstGeom>
+          <a:ln>
+            <a:tailEnd type="arrow"/>
+          </a:ln>
+        </p:spPr>
+        <p:style>
+          <a:lnRef idx="2">
+            <a:schemeClr val="accent1"/>
+          </a:lnRef>
+          <a:fillRef idx="0">
+            <a:srgbClr val="FFFFFF"/>
+          </a:fillRef>
+          <a:effectRef idx="0">
+            <a:srgbClr val="FFFFFF"/>
+          </a:effectRef>
+          <a:fontRef idx="minor">
+            <a:schemeClr val="tx1"/>
+          </a:fontRef>
+        </p:style>
+      </p:cxnSp>
+      <p:cxnSp>
+        <p:nvCxnSpPr>
+          <p:cNvPr id="74" name="肘形连接符 73"/>
+          <p:cNvCxnSpPr>
+            <a:stCxn id="66" idx="2"/>
+            <a:endCxn id="71" idx="0"/>
+          </p:cNvCxnSpPr>
+          <p:nvPr>
+            <p:custDataLst>
+              <p:tags r:id="rId28"/>
+            </p:custDataLst>
+          </p:nvPr>
+        </p:nvCxnSpPr>
+        <p:spPr>
+          <a:xfrm rot="5400000" flipV="1">
+            <a:off x="8384223" y="3353118"/>
+            <a:ext cx="740410" cy="2037715"/>
+          </a:xfrm>
+          <a:prstGeom prst="bentConnector3">
+            <a:avLst>
+              <a:gd name="adj1" fmla="val 40737"/>
+            </a:avLst>
+          </a:prstGeom>
+          <a:ln>
+            <a:tailEnd type="arrow"/>
+          </a:ln>
+        </p:spPr>
+        <p:style>
+          <a:lnRef idx="2">
+            <a:schemeClr val="accent1"/>
+          </a:lnRef>
+          <a:fillRef idx="0">
+            <a:srgbClr val="FFFFFF"/>
+          </a:fillRef>
+          <a:effectRef idx="0">
+            <a:srgbClr val="FFFFFF"/>
+          </a:effectRef>
+          <a:fontRef idx="minor">
+            <a:schemeClr val="tx1"/>
+          </a:fontRef>
+        </p:style>
+      </p:cxnSp>
+      <p:cxnSp>
+        <p:nvCxnSpPr>
+          <p:cNvPr id="75" name="肘形连接符 74"/>
+          <p:cNvCxnSpPr/>
+          <p:nvPr>
+            <p:custDataLst>
+              <p:tags r:id="rId29"/>
+            </p:custDataLst>
+          </p:nvPr>
+        </p:nvCxnSpPr>
+        <p:spPr>
+          <a:xfrm rot="5400000" flipV="1">
+            <a:off x="8769350" y="2967990"/>
+            <a:ext cx="740410" cy="2807970"/>
+          </a:xfrm>
+          <a:prstGeom prst="bentConnector3">
+            <a:avLst>
+              <a:gd name="adj1" fmla="val 39365"/>
+            </a:avLst>
+          </a:prstGeom>
+          <a:ln>
+            <a:tailEnd type="arrow"/>
+          </a:ln>
+        </p:spPr>
+        <p:style>
+          <a:lnRef idx="2">
+            <a:schemeClr val="accent1"/>
+          </a:lnRef>
+          <a:fillRef idx="0">
+            <a:srgbClr val="FFFFFF"/>
+          </a:fillRef>
+          <a:effectRef idx="0">
+            <a:srgbClr val="FFFFFF"/>
+          </a:effectRef>
+          <a:fontRef idx="minor">
+            <a:schemeClr val="tx1"/>
+          </a:fontRef>
+        </p:style>
+      </p:cxnSp>
+      <p:sp>
+        <p:nvSpPr>
+          <p:cNvPr id="77" name="文本框 76"/>
+          <p:cNvSpPr txBox="1"/>
+          <p:nvPr>
+            <p:custDataLst>
+              <p:tags r:id="rId30"/>
+            </p:custDataLst>
+          </p:nvPr>
+        </p:nvSpPr>
+        <p:spPr>
+          <a:xfrm>
+            <a:off x="6449060" y="4001770"/>
+            <a:ext cx="1449705" cy="306705"/>
+          </a:xfrm>
+          <a:prstGeom prst="rect">
+            <a:avLst/>
+          </a:prstGeom>
+          <a:noFill/>
+        </p:spPr>
+        <p:txBody>
+          <a:bodyPr wrap="square" rtlCol="0" anchor="t">
+            <a:spAutoFit/>
+          </a:bodyPr>
+          <a:p>
+            <a:pPr algn="ctr"/>
+            <a:r>
+              <a:rPr lang="en-US" altLang="zh-CN" sz="1400">
+                <a:sym typeface="+mn-ea"/>
+              </a:rPr>
+              <a:t>not(</a:t>
+            </a:r>
+            <a:r>
+              <a:rPr lang="en-US" altLang="zh-CN" sz="1400">
+                <a:sym typeface="+mn-ea"/>
+              </a:rPr>
+              <a:t>f1 and f2</a:t>
+            </a:r>
+            <a:r>
+              <a:rPr lang="en-US" altLang="zh-CN" sz="1400">
+                <a:sym typeface="+mn-ea"/>
+              </a:rPr>
+              <a:t>)</a:t>
+            </a:r>
+            <a:endParaRPr lang="en-US" altLang="zh-CN" sz="1400">
+              <a:sym typeface="+mn-ea"/>
+            </a:endParaRPr>
+          </a:p>
+        </p:txBody>
+      </p:sp>
+      <p:sp>
+        <p:nvSpPr>
+          <p:cNvPr id="78" name="文本框 77"/>
+          <p:cNvSpPr txBox="1"/>
+          <p:nvPr>
+            <p:custDataLst>
+              <p:tags r:id="rId31"/>
+            </p:custDataLst>
+          </p:nvPr>
+        </p:nvSpPr>
+        <p:spPr>
+          <a:xfrm>
+            <a:off x="9095740" y="3962400"/>
+            <a:ext cx="727710" cy="306705"/>
+          </a:xfrm>
+          <a:prstGeom prst="rect">
+            <a:avLst/>
+          </a:prstGeom>
+          <a:noFill/>
+        </p:spPr>
+        <p:txBody>
+          <a:bodyPr wrap="square" rtlCol="0" anchor="t">
+            <a:spAutoFit/>
+          </a:bodyPr>
+          <a:p>
+            <a:r>
+              <a:rPr lang="en-US" altLang="zh-CN" sz="1400">
+                <a:sym typeface="+mn-ea"/>
+              </a:rPr>
+              <a:t>f1 or f2</a:t>
+            </a:r>
+            <a:endParaRPr lang="en-US" altLang="zh-CN" sz="1400">
+              <a:sym typeface="+mn-ea"/>
+            </a:endParaRPr>
+          </a:p>
+        </p:txBody>
+      </p:sp>
+      <p:sp>
+        <p:nvSpPr>
+          <p:cNvPr id="79" name="文本框 78"/>
+          <p:cNvSpPr txBox="1"/>
+          <p:nvPr>
+            <p:custDataLst>
+              <p:tags r:id="rId32"/>
+            </p:custDataLst>
+          </p:nvPr>
+        </p:nvSpPr>
+        <p:spPr>
+          <a:xfrm>
+            <a:off x="10593070" y="4001770"/>
+            <a:ext cx="824230" cy="306705"/>
+          </a:xfrm>
+          <a:prstGeom prst="rect">
+            <a:avLst/>
+          </a:prstGeom>
+          <a:noFill/>
+        </p:spPr>
+        <p:txBody>
+          <a:bodyPr wrap="square" rtlCol="0" anchor="t">
+            <a:spAutoFit/>
+          </a:bodyPr>
+          <a:p>
+            <a:r>
+              <a:rPr lang="en-US" altLang="zh-CN" sz="1400">
+                <a:sym typeface="+mn-ea"/>
+              </a:rPr>
+              <a:t>f1 and f2</a:t>
+            </a:r>
+            <a:endParaRPr lang="en-US" altLang="zh-CN" sz="1400">
+              <a:sym typeface="+mn-ea"/>
+            </a:endParaRPr>
+          </a:p>
+        </p:txBody>
+      </p:sp>
+      <p:sp>
+        <p:nvSpPr>
+          <p:cNvPr id="84" name="文本框 83"/>
+          <p:cNvSpPr txBox="1"/>
+          <p:nvPr>
+            <p:custDataLst>
+              <p:tags r:id="rId33"/>
+            </p:custDataLst>
+          </p:nvPr>
+        </p:nvSpPr>
+        <p:spPr>
+          <a:xfrm>
+            <a:off x="7292340" y="5412105"/>
+            <a:ext cx="970280" cy="275590"/>
+          </a:xfrm>
+          <a:prstGeom prst="rect">
+            <a:avLst/>
+          </a:prstGeom>
+          <a:noFill/>
+        </p:spPr>
+        <p:txBody>
+          <a:bodyPr wrap="square" rtlCol="0">
+            <a:spAutoFit/>
+          </a:bodyPr>
+          <a:p>
+            <a:r>
+              <a:rPr lang="en-US" altLang="zh-CN" sz="1200"/>
+              <a:t>NER1+</a:t>
+            </a:r>
+            <a:r>
+              <a:rPr lang="zh-CN" altLang="en-US" sz="1200"/>
+              <a:t>策略</a:t>
+            </a:r>
+            <a:endParaRPr lang="zh-CN" altLang="en-US" sz="1200"/>
+          </a:p>
+        </p:txBody>
+      </p:sp>
+      <p:sp>
+        <p:nvSpPr>
+          <p:cNvPr id="86" name="矩形 85"/>
+          <p:cNvSpPr/>
+          <p:nvPr>
+            <p:custDataLst>
+              <p:tags r:id="rId34"/>
+            </p:custDataLst>
+          </p:nvPr>
+        </p:nvSpPr>
+        <p:spPr>
+          <a:xfrm>
+            <a:off x="9171940" y="5420360"/>
+            <a:ext cx="1174115" cy="462915"/>
+          </a:xfrm>
+          <a:prstGeom prst="rect">
+            <a:avLst/>
+          </a:prstGeom>
+        </p:spPr>
+        <p:style>
+          <a:lnRef idx="2">
+            <a:schemeClr val="accent1">
+              <a:lumMod val="75000"/>
+            </a:schemeClr>
+          </a:lnRef>
+          <a:fillRef idx="1">
+            <a:schemeClr val="accent1"/>
+          </a:fillRef>
+          <a:effectRef idx="0">
+            <a:srgbClr val="FFFFFF"/>
+          </a:effectRef>
+          <a:fontRef idx="minor">
+            <a:schemeClr val="lt1"/>
+          </a:fontRef>
+        </p:style>
+        <p:txBody>
+          <a:bodyPr rtlCol="0" anchor="ctr"/>
+          <a:p>
+            <a:pPr algn="ctr"/>
+            <a:r>
+              <a:rPr lang="zh-CN" altLang="en-US" sz="1200"/>
+              <a:t>违规类型</a:t>
+            </a:r>
+            <a:r>
+              <a:rPr lang="en-US" altLang="zh-CN" sz="1200"/>
+              <a:t>/</a:t>
+            </a:r>
+            <a:r>
+              <a:rPr lang="zh-CN" altLang="en-US" sz="1200"/>
+              <a:t>片段</a:t>
+            </a:r>
+            <a:endParaRPr lang="zh-CN" altLang="en-US" sz="1200"/>
+          </a:p>
+        </p:txBody>
+      </p:sp>
+      <p:cxnSp>
+        <p:nvCxnSpPr>
+          <p:cNvPr id="87" name="直接箭头连接符 86"/>
+          <p:cNvCxnSpPr>
+            <a:stCxn id="71" idx="2"/>
+            <a:endCxn id="86" idx="0"/>
+          </p:cNvCxnSpPr>
+          <p:nvPr>
+            <p:custDataLst>
+              <p:tags r:id="rId35"/>
+            </p:custDataLst>
+          </p:nvPr>
+        </p:nvCxnSpPr>
+        <p:spPr>
+          <a:xfrm flipH="1">
+            <a:off x="9759315" y="5039360"/>
+            <a:ext cx="13970" cy="381000"/>
+          </a:xfrm>
+          <a:prstGeom prst="straightConnector1">
+            <a:avLst/>
+          </a:prstGeom>
+          <a:ln>
+            <a:tailEnd type="arrow"/>
+          </a:ln>
+        </p:spPr>
+        <p:style>
+          <a:lnRef idx="2">
+            <a:schemeClr val="accent1"/>
+          </a:lnRef>
+          <a:fillRef idx="0">
+            <a:srgbClr val="FFFFFF"/>
+          </a:fillRef>
+          <a:effectRef idx="0">
+            <a:srgbClr val="FFFFFF"/>
+          </a:effectRef>
+          <a:fontRef idx="minor">
+            <a:schemeClr val="tx1"/>
+          </a:fontRef>
+        </p:style>
+      </p:cxnSp>
+    </p:spTree>
+  </p:cSld>
+  <p:clrMapOvr>
+    <a:masterClrMapping/>
+  </p:clrMapOvr>
+</p:sld>
+</file>
+
+<file path=ppt/slides/slide7.xml><?xml version="1.0" encoding="utf-8"?>
 <p:sld xmlns:a="http://schemas.openxmlformats.org/drawingml/2006/main" xmlns:r="http://schemas.openxmlformats.org/officeDocument/2006/relationships" xmlns:p="http://schemas.openxmlformats.org/presentationml/2006/main">
   <p:cSld>
     <p:spTree>
@@ -4700,7 +9215,7 @@
 </p:sld>
 </file>
 
-<file path=ppt/slides/slide3.xml><?xml version="1.0" encoding="utf-8"?>
+<file path=ppt/slides/slide8.xml><?xml version="1.0" encoding="utf-8"?>
 <p:sld xmlns:a="http://schemas.openxmlformats.org/drawingml/2006/main" xmlns:r="http://schemas.openxmlformats.org/officeDocument/2006/relationships" xmlns:p="http://schemas.openxmlformats.org/presentationml/2006/main">
   <p:cSld>
     <p:spTree>
@@ -4712,524 +9227,61 @@
       <p:grpSpPr/>
       <p:sp>
         <p:nvSpPr>
-          <p:cNvPr id="4" name="文本框 3"/>
-          <p:cNvSpPr txBox="1"/>
-          <p:nvPr/>
-        </p:nvSpPr>
-        <p:spPr>
-          <a:xfrm>
-            <a:off x="1191260" y="436880"/>
-            <a:ext cx="10137775" cy="5983605"/>
-          </a:xfrm>
-          <a:prstGeom prst="rect">
-            <a:avLst/>
-          </a:prstGeom>
-          <a:noFill/>
-        </p:spPr>
-        <p:txBody>
-          <a:bodyPr wrap="square" rtlCol="0">
-            <a:noAutofit/>
-          </a:bodyPr>
-          <a:p>
-            <a:pPr algn="just"/>
-            <a:r>
-              <a:rPr lang="zh-CN" altLang="en-US" b="1"/>
-              <a:t>任务一</a:t>
+          <p:cNvPr id="2" name="标题 1"/>
+          <p:cNvSpPr>
+            <a:spLocks noGrp="1"/>
+          </p:cNvSpPr>
+          <p:nvPr>
+            <p:ph type="title"/>
+          </p:nvPr>
+        </p:nvSpPr>
+        <p:spPr>
+          <a:xfrm>
+            <a:off x="838200" y="365125"/>
+            <a:ext cx="4705985" cy="937895"/>
+          </a:xfrm>
+        </p:spPr>
+        <p:txBody>
+          <a:bodyPr/>
+          <a:p>
+            <a:r>
+              <a:rPr lang="zh-CN" altLang="en-US" sz="3600"/>
+              <a:t>不良片段抽取方式：</a:t>
+            </a:r>
+            <a:endParaRPr lang="zh-CN" altLang="en-US" sz="3600"/>
+          </a:p>
+        </p:txBody>
+      </p:sp>
+      <p:sp>
+        <p:nvSpPr>
+          <p:cNvPr id="3" name="内容占位符 2"/>
+          <p:cNvSpPr>
+            <a:spLocks noGrp="1"/>
+          </p:cNvSpPr>
+          <p:nvPr>
+            <p:ph idx="1"/>
+          </p:nvPr>
+        </p:nvSpPr>
+        <p:spPr>
+          <a:xfrm>
+            <a:off x="838200" y="1825625"/>
+            <a:ext cx="6301105" cy="1193800"/>
+          </a:xfrm>
+        </p:spPr>
+        <p:txBody>
+          <a:bodyPr/>
+          <a:p>
+            <a:r>
+              <a:rPr lang="en-US" altLang="zh-CN"/>
+              <a:t>bert-crf</a:t>
             </a:r>
             <a:r>
               <a:rPr lang="zh-CN" altLang="en-US"/>
-              <a:t>：基于</a:t>
-            </a:r>
-            <a:r>
-              <a:rPr lang="en-US" altLang="zh-CN">
-                <a:solidFill>
-                  <a:schemeClr val="tx1"/>
-                </a:solidFill>
-              </a:rPr>
-              <a:t>streamlit</a:t>
+              <a:t>：</a:t>
             </a:r>
             <a:r>
               <a:rPr lang="zh-CN" altLang="en-US"/>
-              <a:t>框架构建</a:t>
-            </a:r>
-            <a:r>
-              <a:rPr lang="en-US" altLang="zh-CN"/>
-              <a:t>web</a:t>
-            </a:r>
-            <a:r>
-              <a:rPr lang="zh-CN" altLang="en-US"/>
-              <a:t>界面实现如下功能：</a:t>
-            </a:r>
-            <a:r>
-              <a:rPr lang="en-US" altLang="zh-CN">
-                <a:solidFill>
-                  <a:srgbClr val="FF0000"/>
-                </a:solidFill>
-              </a:rPr>
-              <a:t> </a:t>
-            </a:r>
-            <a:r>
-              <a:rPr lang="zh-CN" altLang="en-US">
-                <a:solidFill>
-                  <a:schemeClr val="accent2">
-                    <a:lumMod val="75000"/>
-                  </a:schemeClr>
-                </a:solidFill>
-              </a:rPr>
-              <a:t>陈文舟</a:t>
-            </a:r>
-            <a:endParaRPr lang="zh-CN" altLang="en-US"/>
-          </a:p>
-          <a:p>
-            <a:pPr indent="457200" algn="just"/>
-            <a:r>
-              <a:rPr lang="en-US" altLang="zh-CN"/>
-              <a:t>1.</a:t>
-            </a:r>
-            <a:r>
-              <a:rPr lang="zh-CN" altLang="en-US"/>
-              <a:t>读取图片</a:t>
-            </a:r>
-            <a:r>
-              <a:rPr lang="en-US" altLang="zh-CN"/>
-              <a:t>jpg/png</a:t>
-            </a:r>
-            <a:r>
-              <a:rPr lang="zh-CN" altLang="en-US"/>
-              <a:t>，</a:t>
-            </a:r>
-            <a:r>
-              <a:rPr lang="zh-CN" altLang="en-US"/>
-              <a:t>并展示；</a:t>
-            </a:r>
-            <a:endParaRPr lang="zh-CN" altLang="en-US"/>
-          </a:p>
-          <a:p>
-            <a:pPr indent="457200" algn="just"/>
-            <a:r>
-              <a:rPr lang="en-US" altLang="zh-CN"/>
-              <a:t>2.</a:t>
-            </a:r>
-            <a:r>
-              <a:rPr lang="zh-CN" altLang="en-US"/>
-              <a:t>读取</a:t>
-            </a:r>
-            <a:r>
-              <a:rPr lang="en-US" altLang="zh-CN"/>
-              <a:t>word</a:t>
-            </a:r>
-            <a:r>
-              <a:rPr lang="zh-CN" altLang="en-US"/>
-              <a:t>、</a:t>
-            </a:r>
-            <a:r>
-              <a:rPr lang="en-US" altLang="zh-CN"/>
-              <a:t>txt </a:t>
-            </a:r>
-            <a:r>
-              <a:rPr lang="zh-CN" altLang="en-US"/>
-              <a:t>，清洗空字符串等、句切分，</a:t>
-            </a:r>
-            <a:r>
-              <a:rPr lang="zh-CN" altLang="en-US">
-                <a:sym typeface="+mn-ea"/>
-              </a:rPr>
-              <a:t>并展示</a:t>
-            </a:r>
-            <a:r>
-              <a:rPr lang="zh-CN" altLang="en-US"/>
-              <a:t>；</a:t>
-            </a:r>
-            <a:endParaRPr lang="zh-CN" altLang="en-US"/>
-          </a:p>
-          <a:p>
-            <a:pPr indent="457200" algn="just"/>
-            <a:r>
-              <a:rPr lang="en-US" altLang="zh-CN"/>
-              <a:t>3.</a:t>
-            </a:r>
-            <a:r>
-              <a:rPr lang="zh-CN" altLang="en-US"/>
-              <a:t>实现部分文字高亮</a:t>
-            </a:r>
-            <a:r>
-              <a:rPr lang="zh-CN" altLang="en-US"/>
-              <a:t>功能；</a:t>
-            </a:r>
-            <a:endParaRPr lang="zh-CN" altLang="en-US"/>
-          </a:p>
-          <a:p>
-            <a:pPr indent="457200" algn="just"/>
-            <a:r>
-              <a:rPr lang="en-US" altLang="zh-CN"/>
-              <a:t>4.</a:t>
-            </a:r>
-            <a:r>
-              <a:rPr lang="zh-CN" altLang="en-US"/>
-              <a:t>实现风险提示</a:t>
-            </a:r>
-            <a:r>
-              <a:rPr lang="zh-CN" altLang="en-US"/>
-              <a:t>返回信息（</a:t>
-            </a:r>
-            <a:r>
-              <a:rPr lang="zh-CN" altLang="en-US"/>
-              <a:t>如：该条信息疑似广告/xx信息/包含个人敏感信息，请谨慎操作）</a:t>
-            </a:r>
-            <a:endParaRPr lang="zh-CN" altLang="en-US"/>
-          </a:p>
-          <a:p>
-            <a:pPr indent="457200" algn="just"/>
-            <a:endParaRPr lang="zh-CN" altLang="en-US"/>
-          </a:p>
-          <a:p>
-            <a:pPr indent="0" algn="just"/>
-            <a:r>
-              <a:rPr lang="zh-CN" altLang="en-US" b="1">
-                <a:sym typeface="+mn-ea"/>
-              </a:rPr>
-              <a:t>任务二</a:t>
-            </a:r>
-            <a:r>
-              <a:rPr lang="zh-CN" altLang="en-US">
-                <a:sym typeface="+mn-ea"/>
-              </a:rPr>
-              <a:t>：</a:t>
-            </a:r>
-            <a:r>
-              <a:rPr lang="en-US" altLang="zh-CN">
-                <a:sym typeface="+mn-ea"/>
-              </a:rPr>
-              <a:t>pdf</a:t>
-            </a:r>
-            <a:r>
-              <a:rPr lang="zh-CN" altLang="en-US">
-                <a:sym typeface="+mn-ea"/>
-              </a:rPr>
-              <a:t>、图片的解析：</a:t>
-            </a:r>
-            <a:r>
-              <a:rPr lang="zh-CN" altLang="en-US">
-                <a:solidFill>
-                  <a:schemeClr val="accent2">
-                    <a:lumMod val="75000"/>
-                  </a:schemeClr>
-                </a:solidFill>
-                <a:sym typeface="+mn-ea"/>
-              </a:rPr>
-              <a:t>李忻原</a:t>
-            </a:r>
-            <a:endParaRPr lang="zh-CN" altLang="en-US"/>
-          </a:p>
-          <a:p>
-            <a:pPr indent="457200" algn="just"/>
-            <a:r>
-              <a:rPr lang="en-US" altLang="zh-CN"/>
-              <a:t>1.paddleOCR</a:t>
-            </a:r>
-            <a:r>
-              <a:rPr lang="zh-CN" altLang="en-US"/>
-              <a:t>解析文字图片</a:t>
-            </a:r>
-            <a:r>
-              <a:rPr lang="zh-CN" altLang="en-US">
-                <a:sym typeface="+mn-ea"/>
-              </a:rPr>
-              <a:t>（</a:t>
-            </a:r>
-            <a:r>
-              <a:rPr lang="en-US" altLang="zh-CN">
-                <a:sym typeface="+mn-ea"/>
-              </a:rPr>
-              <a:t>paddle</a:t>
-            </a:r>
-            <a:r>
-              <a:rPr lang="zh-CN" altLang="en-US">
-                <a:sym typeface="+mn-ea"/>
-              </a:rPr>
-              <a:t>框架）</a:t>
-            </a:r>
-            <a:r>
-              <a:rPr lang="zh-CN" altLang="en-US"/>
-              <a:t>；</a:t>
-            </a:r>
-            <a:endParaRPr lang="zh-CN" altLang="en-US"/>
-          </a:p>
-          <a:p>
-            <a:pPr indent="457200" algn="just"/>
-            <a:r>
-              <a:rPr lang="en-US" altLang="zh-CN"/>
-              <a:t>2.pdf</a:t>
-            </a:r>
-            <a:r>
-              <a:rPr lang="zh-CN" altLang="en-US"/>
-              <a:t>解析；</a:t>
-            </a:r>
-            <a:endParaRPr lang="zh-CN" altLang="en-US"/>
-          </a:p>
-          <a:p>
-            <a:pPr indent="457200" algn="just"/>
-            <a:endParaRPr lang="zh-CN" altLang="en-US"/>
-          </a:p>
-          <a:p>
-            <a:pPr indent="0" algn="just"/>
-            <a:r>
-              <a:rPr lang="zh-CN" altLang="en-US" b="1">
-                <a:sym typeface="+mn-ea"/>
-              </a:rPr>
-              <a:t>任务三</a:t>
-            </a:r>
-            <a:r>
-              <a:rPr lang="zh-CN" altLang="en-US">
-                <a:sym typeface="+mn-ea"/>
-              </a:rPr>
-              <a:t>：敏感消息流式识别（</a:t>
-            </a:r>
-            <a:r>
-              <a:rPr lang="en-US" altLang="zh-CN">
-                <a:sym typeface="+mn-ea"/>
-              </a:rPr>
-              <a:t>paddle</a:t>
-            </a:r>
-            <a:r>
-              <a:rPr lang="zh-CN" altLang="en-US">
-                <a:sym typeface="+mn-ea"/>
-              </a:rPr>
-              <a:t>框架）：</a:t>
-            </a:r>
-            <a:r>
-              <a:rPr lang="zh-CN" altLang="en-US">
-                <a:solidFill>
-                  <a:schemeClr val="accent2">
-                    <a:lumMod val="75000"/>
-                  </a:schemeClr>
-                </a:solidFill>
-                <a:sym typeface="+mn-ea"/>
-              </a:rPr>
-              <a:t>黄凯</a:t>
-            </a:r>
-            <a:endParaRPr lang="zh-CN" altLang="en-US"/>
-          </a:p>
-          <a:p>
-            <a:pPr indent="457200" algn="just"/>
-            <a:r>
-              <a:rPr lang="en-US" altLang="zh-CN"/>
-              <a:t>1. 消息包含敏感信息</a:t>
-            </a:r>
-            <a:r>
-              <a:rPr lang="zh-CN" altLang="en-US"/>
-              <a:t>及类型</a:t>
-            </a:r>
-            <a:r>
-              <a:rPr lang="en-US" altLang="zh-CN"/>
-              <a:t>：二分类 ernie2.0/3.0 +nn</a:t>
-            </a:r>
-            <a:endParaRPr lang="en-US" altLang="zh-CN"/>
-          </a:p>
-          <a:p>
-            <a:pPr indent="457200" algn="just"/>
-            <a:r>
-              <a:rPr lang="en-US" altLang="zh-CN"/>
-              <a:t>2. 敏感信息的类型：多</a:t>
-            </a:r>
-            <a:r>
-              <a:rPr lang="zh-CN" altLang="en-US"/>
-              <a:t>标签</a:t>
-            </a:r>
-            <a:r>
-              <a:rPr lang="en-US" altLang="zh-CN"/>
-              <a:t>分类 ernie2.0/3.0 +nn</a:t>
-            </a:r>
-            <a:endParaRPr lang="en-US" altLang="zh-CN"/>
-          </a:p>
-          <a:p>
-            <a:pPr indent="457200" algn="just"/>
-            <a:endParaRPr lang="en-US" altLang="zh-CN"/>
-          </a:p>
-          <a:p>
-            <a:pPr indent="0" algn="just"/>
-            <a:r>
-              <a:rPr lang="en-US" altLang="zh-CN" b="1">
-                <a:sym typeface="+mn-ea"/>
-              </a:rPr>
-              <a:t>任务四</a:t>
-            </a:r>
-            <a:r>
-              <a:rPr lang="en-US" altLang="zh-CN">
-                <a:sym typeface="+mn-ea"/>
-              </a:rPr>
-              <a:t>：个人隐私抽取</a:t>
-            </a:r>
-            <a:r>
-              <a:rPr lang="zh-CN" altLang="en-US">
-                <a:sym typeface="+mn-ea"/>
-              </a:rPr>
-              <a:t>（</a:t>
-            </a:r>
-            <a:r>
-              <a:rPr lang="en-US" altLang="zh-CN">
-                <a:sym typeface="+mn-ea"/>
-              </a:rPr>
-              <a:t>paddle</a:t>
-            </a:r>
-            <a:r>
-              <a:rPr lang="zh-CN" altLang="en-US">
-                <a:sym typeface="+mn-ea"/>
-              </a:rPr>
-              <a:t>框架）</a:t>
-            </a:r>
-            <a:r>
-              <a:rPr lang="en-US" altLang="zh-CN">
-                <a:sym typeface="+mn-ea"/>
-              </a:rPr>
-              <a:t>：</a:t>
-            </a:r>
-            <a:r>
-              <a:rPr lang="zh-CN" altLang="en-US">
-                <a:solidFill>
-                  <a:schemeClr val="accent2">
-                    <a:lumMod val="75000"/>
-                  </a:schemeClr>
-                </a:solidFill>
-                <a:sym typeface="+mn-ea"/>
-              </a:rPr>
-              <a:t>张宁</a:t>
-            </a:r>
-            <a:endParaRPr lang="en-US" altLang="zh-CN"/>
-          </a:p>
-          <a:p>
-            <a:pPr indent="457200" algn="just"/>
-            <a:r>
-              <a:rPr lang="zh-CN" altLang="en-US">
-                <a:sym typeface="+mn-ea"/>
-              </a:rPr>
-              <a:t>个人地址、身份证、银行卡号</a:t>
-            </a:r>
-            <a:r>
-              <a:rPr lang="en-US" altLang="zh-CN">
-                <a:sym typeface="+mn-ea"/>
-              </a:rPr>
-              <a:t>  </a:t>
-            </a:r>
-            <a:r>
-              <a:rPr lang="zh-CN" altLang="en-US">
-                <a:sym typeface="+mn-ea"/>
-              </a:rPr>
-              <a:t>（实体抽取</a:t>
-            </a:r>
-            <a:r>
-              <a:rPr lang="en-US" altLang="zh-CN">
-                <a:sym typeface="+mn-ea"/>
-              </a:rPr>
-              <a:t>+</a:t>
-            </a:r>
-            <a:r>
-              <a:rPr lang="zh-CN" altLang="en-US">
-                <a:sym typeface="+mn-ea"/>
-              </a:rPr>
-              <a:t>正则）</a:t>
-            </a:r>
-            <a:endParaRPr lang="zh-CN" altLang="en-US">
-              <a:sym typeface="+mn-ea"/>
-            </a:endParaRPr>
-          </a:p>
-          <a:p>
-            <a:pPr indent="457200" algn="just"/>
-            <a:endParaRPr lang="zh-CN" altLang="en-US">
-              <a:solidFill>
-                <a:schemeClr val="accent2">
-                  <a:lumMod val="75000"/>
-                </a:schemeClr>
-              </a:solidFill>
-            </a:endParaRPr>
-          </a:p>
-          <a:p>
-            <a:pPr indent="0" algn="just"/>
-            <a:r>
-              <a:rPr lang="zh-CN" altLang="en-US" b="1"/>
-              <a:t>任务五</a:t>
-            </a:r>
-            <a:r>
-              <a:rPr lang="zh-CN" altLang="en-US"/>
-              <a:t>：不良信息片段抽取：</a:t>
-            </a:r>
-            <a:r>
-              <a:rPr lang="zh-CN" altLang="en-US">
-                <a:solidFill>
-                  <a:schemeClr val="accent2">
-                    <a:lumMod val="75000"/>
-                  </a:schemeClr>
-                </a:solidFill>
-              </a:rPr>
-              <a:t>许力</a:t>
-            </a:r>
-            <a:endParaRPr lang="zh-CN" altLang="en-US"/>
-          </a:p>
-          <a:p>
-            <a:pPr indent="457200" algn="just"/>
-            <a:r>
-              <a:rPr lang="en-US" altLang="zh-CN"/>
-              <a:t>1.</a:t>
-            </a:r>
-            <a:r>
-              <a:rPr lang="zh-CN" altLang="en-US"/>
-              <a:t>检索框架</a:t>
-            </a:r>
-            <a:r>
-              <a:rPr lang="en-US" altLang="zh-CN"/>
-              <a:t>elastic search </a:t>
-            </a:r>
-            <a:r>
-              <a:rPr lang="zh-CN" altLang="en-US"/>
-              <a:t>、</a:t>
-            </a:r>
-            <a:r>
-              <a:rPr lang="en-US" altLang="zh-CN"/>
-              <a:t>meilisearch</a:t>
-            </a:r>
-            <a:r>
-              <a:rPr lang="zh-CN" altLang="en-US"/>
-              <a:t>、离线检索等</a:t>
-            </a:r>
-            <a:r>
-              <a:rPr lang="zh-CN" altLang="en-US"/>
-              <a:t>皆可；</a:t>
-            </a:r>
-            <a:endParaRPr lang="zh-CN" altLang="en-US"/>
-          </a:p>
-          <a:p>
-            <a:pPr indent="457200" algn="just"/>
-            <a:r>
-              <a:rPr lang="en-US" altLang="zh-CN"/>
-              <a:t>2.</a:t>
-            </a:r>
-            <a:r>
-              <a:rPr lang="zh-CN" altLang="en-US"/>
-              <a:t>检索方法关键词检索--&gt;消息切分检索（切分策略）</a:t>
-            </a:r>
-            <a:endParaRPr lang="zh-CN" altLang="en-US"/>
-          </a:p>
-          <a:p>
-            <a:pPr indent="457200" algn="just"/>
-            <a:r>
-              <a:rPr lang="en-US" altLang="zh-CN"/>
-              <a:t>3.</a:t>
-            </a:r>
-            <a:r>
-              <a:rPr lang="zh-CN" altLang="en-US"/>
-              <a:t>检索方法：</a:t>
-            </a:r>
-            <a:r>
-              <a:rPr lang="en-US" altLang="zh-CN"/>
-              <a:t>bm25</a:t>
-            </a:r>
-            <a:r>
-              <a:rPr lang="zh-CN" altLang="en-US"/>
-              <a:t>、</a:t>
-            </a:r>
-            <a:r>
-              <a:rPr lang="zh-CN" altLang="en-US"/>
-              <a:t>向量检索</a:t>
+              <a:t>敏感信息</a:t>
             </a:r>
             <a:endParaRPr lang="zh-CN" altLang="en-US"/>
           </a:p>
@@ -5243,738 +9295,7 @@
 </p:sld>
 </file>
 
-<file path=ppt/slides/slide4.xml><?xml version="1.0" encoding="utf-8"?>
-<p:sld xmlns:a="http://schemas.openxmlformats.org/drawingml/2006/main" xmlns:r="http://schemas.openxmlformats.org/officeDocument/2006/relationships" xmlns:p="http://schemas.openxmlformats.org/presentationml/2006/main">
-  <p:cSld>
-    <p:spTree>
-      <p:nvGrpSpPr>
-        <p:cNvPr id="1" name=""/>
-        <p:cNvGrpSpPr/>
-        <p:nvPr/>
-      </p:nvGrpSpPr>
-      <p:grpSpPr/>
-      <p:sp>
-        <p:nvSpPr>
-          <p:cNvPr id="4" name="文本框 3"/>
-          <p:cNvSpPr txBox="1"/>
-          <p:nvPr>
-            <p:custDataLst>
-              <p:tags r:id="rId1"/>
-            </p:custDataLst>
-          </p:nvPr>
-        </p:nvSpPr>
-        <p:spPr>
-          <a:xfrm>
-            <a:off x="1191260" y="436880"/>
-            <a:ext cx="10137775" cy="5983605"/>
-          </a:xfrm>
-          <a:prstGeom prst="rect">
-            <a:avLst/>
-          </a:prstGeom>
-          <a:noFill/>
-        </p:spPr>
-        <p:txBody>
-          <a:bodyPr wrap="square" rtlCol="0">
-            <a:noAutofit/>
-          </a:bodyPr>
-          <a:p>
-            <a:pPr algn="just"/>
-            <a:r>
-              <a:rPr lang="zh-CN" altLang="en-US" b="1"/>
-              <a:t>任务一</a:t>
-            </a:r>
-            <a:r>
-              <a:rPr lang="zh-CN" altLang="en-US"/>
-              <a:t>：基于</a:t>
-            </a:r>
-            <a:r>
-              <a:rPr lang="en-US" altLang="zh-CN">
-                <a:solidFill>
-                  <a:schemeClr val="tx1"/>
-                </a:solidFill>
-              </a:rPr>
-              <a:t>streamlit</a:t>
-            </a:r>
-            <a:r>
-              <a:rPr lang="zh-CN" altLang="en-US"/>
-              <a:t>框架构建</a:t>
-            </a:r>
-            <a:r>
-              <a:rPr lang="en-US" altLang="zh-CN"/>
-              <a:t>web</a:t>
-            </a:r>
-            <a:r>
-              <a:rPr lang="zh-CN" altLang="en-US"/>
-              <a:t>界面实现如下功能：</a:t>
-            </a:r>
-            <a:r>
-              <a:rPr lang="en-US" altLang="zh-CN">
-                <a:solidFill>
-                  <a:srgbClr val="FF0000"/>
-                </a:solidFill>
-              </a:rPr>
-              <a:t> </a:t>
-            </a:r>
-            <a:r>
-              <a:rPr lang="zh-CN" altLang="en-US">
-                <a:solidFill>
-                  <a:schemeClr val="accent2">
-                    <a:lumMod val="75000"/>
-                  </a:schemeClr>
-                </a:solidFill>
-              </a:rPr>
-              <a:t>陈文舟</a:t>
-            </a:r>
-            <a:endParaRPr lang="zh-CN" altLang="en-US"/>
-          </a:p>
-          <a:p>
-            <a:pPr indent="457200" algn="just"/>
-            <a:r>
-              <a:rPr lang="en-US" altLang="zh-CN"/>
-              <a:t>1.</a:t>
-            </a:r>
-            <a:r>
-              <a:rPr lang="zh-CN" altLang="en-US"/>
-              <a:t>读取图片</a:t>
-            </a:r>
-            <a:r>
-              <a:rPr lang="en-US" altLang="zh-CN"/>
-              <a:t>jpg/png</a:t>
-            </a:r>
-            <a:r>
-              <a:rPr lang="zh-CN" altLang="en-US"/>
-              <a:t>，</a:t>
-            </a:r>
-            <a:r>
-              <a:rPr lang="zh-CN" altLang="en-US"/>
-              <a:t>并展示；</a:t>
-            </a:r>
-            <a:endParaRPr lang="zh-CN" altLang="en-US"/>
-          </a:p>
-          <a:p>
-            <a:pPr indent="457200" algn="just"/>
-            <a:r>
-              <a:rPr lang="en-US" altLang="zh-CN"/>
-              <a:t>2.</a:t>
-            </a:r>
-            <a:r>
-              <a:rPr lang="zh-CN" altLang="en-US"/>
-              <a:t>读取</a:t>
-            </a:r>
-            <a:r>
-              <a:rPr lang="en-US" altLang="zh-CN"/>
-              <a:t>word</a:t>
-            </a:r>
-            <a:r>
-              <a:rPr lang="zh-CN" altLang="en-US"/>
-              <a:t>、</a:t>
-            </a:r>
-            <a:r>
-              <a:rPr lang="en-US" altLang="zh-CN"/>
-              <a:t>txt </a:t>
-            </a:r>
-            <a:r>
-              <a:rPr lang="zh-CN" altLang="en-US"/>
-              <a:t>，清洗空字符串等、句切分，</a:t>
-            </a:r>
-            <a:r>
-              <a:rPr lang="zh-CN" altLang="en-US">
-                <a:sym typeface="+mn-ea"/>
-              </a:rPr>
-              <a:t>并展示</a:t>
-            </a:r>
-            <a:r>
-              <a:rPr lang="zh-CN" altLang="en-US"/>
-              <a:t>；</a:t>
-            </a:r>
-            <a:endParaRPr lang="zh-CN" altLang="en-US"/>
-          </a:p>
-          <a:p>
-            <a:pPr indent="457200" algn="just"/>
-            <a:r>
-              <a:rPr lang="en-US" altLang="zh-CN"/>
-              <a:t>3.</a:t>
-            </a:r>
-            <a:r>
-              <a:rPr lang="zh-CN" altLang="en-US"/>
-              <a:t>实现部分文字高亮</a:t>
-            </a:r>
-            <a:r>
-              <a:rPr lang="zh-CN" altLang="en-US"/>
-              <a:t>功能；</a:t>
-            </a:r>
-            <a:endParaRPr lang="zh-CN" altLang="en-US"/>
-          </a:p>
-          <a:p>
-            <a:pPr indent="457200" algn="just"/>
-            <a:r>
-              <a:rPr lang="en-US" altLang="zh-CN"/>
-              <a:t>4.</a:t>
-            </a:r>
-            <a:r>
-              <a:rPr lang="zh-CN" altLang="en-US"/>
-              <a:t>实现风险提示</a:t>
-            </a:r>
-            <a:r>
-              <a:rPr lang="zh-CN" altLang="en-US"/>
-              <a:t>返回信息（</a:t>
-            </a:r>
-            <a:r>
-              <a:rPr lang="zh-CN" altLang="en-US"/>
-              <a:t>如：该条信息疑似广告/xx信息/包含个人敏感信息，请谨慎操作）</a:t>
-            </a:r>
-            <a:endParaRPr lang="zh-CN" altLang="en-US"/>
-          </a:p>
-          <a:p>
-            <a:pPr indent="457200" algn="just"/>
-            <a:endParaRPr lang="zh-CN" altLang="en-US"/>
-          </a:p>
-          <a:p>
-            <a:pPr indent="0" algn="just"/>
-            <a:r>
-              <a:rPr lang="zh-CN" altLang="en-US" b="1">
-                <a:sym typeface="+mn-ea"/>
-              </a:rPr>
-              <a:t>任务二</a:t>
-            </a:r>
-            <a:r>
-              <a:rPr lang="zh-CN" altLang="en-US">
-                <a:sym typeface="+mn-ea"/>
-              </a:rPr>
-              <a:t>：</a:t>
-            </a:r>
-            <a:r>
-              <a:rPr lang="en-US" altLang="zh-CN">
-                <a:sym typeface="+mn-ea"/>
-              </a:rPr>
-              <a:t>pdf</a:t>
-            </a:r>
-            <a:r>
-              <a:rPr lang="zh-CN" altLang="en-US">
-                <a:sym typeface="+mn-ea"/>
-              </a:rPr>
-              <a:t>、图片的解析：</a:t>
-            </a:r>
-            <a:r>
-              <a:rPr lang="zh-CN" altLang="en-US">
-                <a:solidFill>
-                  <a:schemeClr val="accent2">
-                    <a:lumMod val="75000"/>
-                  </a:schemeClr>
-                </a:solidFill>
-                <a:sym typeface="+mn-ea"/>
-              </a:rPr>
-              <a:t>李忻原</a:t>
-            </a:r>
-            <a:endParaRPr lang="zh-CN" altLang="en-US"/>
-          </a:p>
-          <a:p>
-            <a:pPr indent="457200" algn="just"/>
-            <a:r>
-              <a:rPr lang="en-US" altLang="zh-CN"/>
-              <a:t>1.paddleOCR</a:t>
-            </a:r>
-            <a:r>
-              <a:rPr lang="zh-CN" altLang="en-US"/>
-              <a:t>解析文字图片</a:t>
-            </a:r>
-            <a:r>
-              <a:rPr lang="zh-CN" altLang="en-US">
-                <a:sym typeface="+mn-ea"/>
-              </a:rPr>
-              <a:t>（</a:t>
-            </a:r>
-            <a:r>
-              <a:rPr lang="en-US" altLang="zh-CN">
-                <a:sym typeface="+mn-ea"/>
-              </a:rPr>
-              <a:t>paddle</a:t>
-            </a:r>
-            <a:r>
-              <a:rPr lang="zh-CN" altLang="en-US">
-                <a:sym typeface="+mn-ea"/>
-              </a:rPr>
-              <a:t>框架）</a:t>
-            </a:r>
-            <a:r>
-              <a:rPr lang="zh-CN" altLang="en-US"/>
-              <a:t>；</a:t>
-            </a:r>
-            <a:endParaRPr lang="zh-CN" altLang="en-US"/>
-          </a:p>
-          <a:p>
-            <a:pPr indent="457200" algn="just"/>
-            <a:r>
-              <a:rPr lang="en-US" altLang="zh-CN"/>
-              <a:t>2.pdf</a:t>
-            </a:r>
-            <a:r>
-              <a:rPr lang="zh-CN" altLang="en-US"/>
-              <a:t>解析；</a:t>
-            </a:r>
-            <a:endParaRPr lang="zh-CN" altLang="en-US"/>
-          </a:p>
-          <a:p>
-            <a:pPr indent="457200" algn="just"/>
-            <a:endParaRPr lang="zh-CN" altLang="en-US"/>
-          </a:p>
-          <a:p>
-            <a:pPr indent="0" algn="just"/>
-            <a:r>
-              <a:rPr lang="zh-CN" altLang="en-US" b="1">
-                <a:sym typeface="+mn-ea"/>
-              </a:rPr>
-              <a:t>任务三</a:t>
-            </a:r>
-            <a:r>
-              <a:rPr lang="zh-CN" altLang="en-US">
-                <a:sym typeface="+mn-ea"/>
-              </a:rPr>
-              <a:t>：敏感消息流式识别（</a:t>
-            </a:r>
-            <a:r>
-              <a:rPr lang="en-US" altLang="zh-CN">
-                <a:sym typeface="+mn-ea"/>
-              </a:rPr>
-              <a:t>paddle</a:t>
-            </a:r>
-            <a:r>
-              <a:rPr lang="zh-CN" altLang="en-US">
-                <a:sym typeface="+mn-ea"/>
-              </a:rPr>
-              <a:t>框架）：</a:t>
-            </a:r>
-            <a:r>
-              <a:rPr lang="zh-CN" altLang="en-US">
-                <a:solidFill>
-                  <a:schemeClr val="accent2">
-                    <a:lumMod val="75000"/>
-                  </a:schemeClr>
-                </a:solidFill>
-                <a:sym typeface="+mn-ea"/>
-              </a:rPr>
-              <a:t>黄凯</a:t>
-            </a:r>
-            <a:endParaRPr lang="zh-CN" altLang="en-US"/>
-          </a:p>
-          <a:p>
-            <a:pPr indent="457200" algn="just"/>
-            <a:r>
-              <a:rPr lang="en-US" altLang="zh-CN"/>
-              <a:t>1. 消息包含敏感信息</a:t>
-            </a:r>
-            <a:r>
-              <a:rPr lang="zh-CN" altLang="en-US"/>
-              <a:t>及类型</a:t>
-            </a:r>
-            <a:r>
-              <a:rPr lang="en-US" altLang="zh-CN"/>
-              <a:t>：二分类 ernie2.0/3.0 +nn</a:t>
-            </a:r>
-            <a:endParaRPr lang="en-US" altLang="zh-CN"/>
-          </a:p>
-          <a:p>
-            <a:pPr indent="457200" algn="just"/>
-            <a:r>
-              <a:rPr lang="en-US" altLang="zh-CN"/>
-              <a:t>2. 敏感信息的类型：多</a:t>
-            </a:r>
-            <a:r>
-              <a:rPr lang="zh-CN" altLang="en-US"/>
-              <a:t>标签</a:t>
-            </a:r>
-            <a:r>
-              <a:rPr lang="en-US" altLang="zh-CN"/>
-              <a:t>分类 ernie2.0/3.0 +nn</a:t>
-            </a:r>
-            <a:endParaRPr lang="en-US" altLang="zh-CN"/>
-          </a:p>
-          <a:p>
-            <a:pPr indent="457200" algn="just"/>
-            <a:endParaRPr lang="en-US" altLang="zh-CN"/>
-          </a:p>
-          <a:p>
-            <a:pPr indent="0" algn="just"/>
-            <a:r>
-              <a:rPr lang="en-US" altLang="zh-CN" b="1">
-                <a:sym typeface="+mn-ea"/>
-              </a:rPr>
-              <a:t>任务四</a:t>
-            </a:r>
-            <a:r>
-              <a:rPr lang="en-US" altLang="zh-CN">
-                <a:sym typeface="+mn-ea"/>
-              </a:rPr>
-              <a:t>：个人隐私抽取</a:t>
-            </a:r>
-            <a:r>
-              <a:rPr lang="zh-CN" altLang="en-US">
-                <a:sym typeface="+mn-ea"/>
-              </a:rPr>
-              <a:t>（</a:t>
-            </a:r>
-            <a:r>
-              <a:rPr lang="en-US" altLang="zh-CN">
-                <a:sym typeface="+mn-ea"/>
-              </a:rPr>
-              <a:t>paddle</a:t>
-            </a:r>
-            <a:r>
-              <a:rPr lang="zh-CN" altLang="en-US">
-                <a:sym typeface="+mn-ea"/>
-              </a:rPr>
-              <a:t>框架）</a:t>
-            </a:r>
-            <a:r>
-              <a:rPr lang="en-US" altLang="zh-CN">
-                <a:sym typeface="+mn-ea"/>
-              </a:rPr>
-              <a:t>：</a:t>
-            </a:r>
-            <a:r>
-              <a:rPr lang="zh-CN" altLang="en-US">
-                <a:solidFill>
-                  <a:schemeClr val="accent2">
-                    <a:lumMod val="75000"/>
-                  </a:schemeClr>
-                </a:solidFill>
-                <a:sym typeface="+mn-ea"/>
-              </a:rPr>
-              <a:t>张宁</a:t>
-            </a:r>
-            <a:endParaRPr lang="en-US" altLang="zh-CN"/>
-          </a:p>
-          <a:p>
-            <a:pPr indent="457200" algn="just"/>
-            <a:r>
-              <a:rPr lang="zh-CN" altLang="en-US">
-                <a:sym typeface="+mn-ea"/>
-              </a:rPr>
-              <a:t>个人地址、身份证、银行卡号</a:t>
-            </a:r>
-            <a:r>
-              <a:rPr lang="en-US" altLang="zh-CN">
-                <a:sym typeface="+mn-ea"/>
-              </a:rPr>
-              <a:t>  </a:t>
-            </a:r>
-            <a:r>
-              <a:rPr lang="zh-CN" altLang="en-US">
-                <a:sym typeface="+mn-ea"/>
-              </a:rPr>
-              <a:t>（实体抽取</a:t>
-            </a:r>
-            <a:r>
-              <a:rPr lang="en-US" altLang="zh-CN">
-                <a:sym typeface="+mn-ea"/>
-              </a:rPr>
-              <a:t>+</a:t>
-            </a:r>
-            <a:r>
-              <a:rPr lang="zh-CN" altLang="en-US">
-                <a:sym typeface="+mn-ea"/>
-              </a:rPr>
-              <a:t>正则）</a:t>
-            </a:r>
-            <a:endParaRPr lang="zh-CN" altLang="en-US">
-              <a:sym typeface="+mn-ea"/>
-            </a:endParaRPr>
-          </a:p>
-          <a:p>
-            <a:pPr indent="457200" algn="just"/>
-            <a:endParaRPr lang="zh-CN" altLang="en-US">
-              <a:solidFill>
-                <a:schemeClr val="accent2">
-                  <a:lumMod val="75000"/>
-                </a:schemeClr>
-              </a:solidFill>
-            </a:endParaRPr>
-          </a:p>
-          <a:p>
-            <a:pPr indent="0" algn="just"/>
-            <a:r>
-              <a:rPr lang="zh-CN" altLang="en-US" b="1"/>
-              <a:t>任务五</a:t>
-            </a:r>
-            <a:r>
-              <a:rPr lang="zh-CN" altLang="en-US"/>
-              <a:t>：不良信息片段抽取：</a:t>
-            </a:r>
-            <a:r>
-              <a:rPr lang="zh-CN" altLang="en-US">
-                <a:solidFill>
-                  <a:schemeClr val="accent2">
-                    <a:lumMod val="75000"/>
-                  </a:schemeClr>
-                </a:solidFill>
-              </a:rPr>
-              <a:t>黄凯</a:t>
-            </a:r>
-            <a:endParaRPr lang="zh-CN" altLang="en-US"/>
-          </a:p>
-          <a:p>
-            <a:pPr indent="457200" algn="just"/>
-            <a:r>
-              <a:rPr lang="en-US" altLang="zh-CN"/>
-              <a:t>1.</a:t>
-            </a:r>
-            <a:r>
-              <a:rPr lang="zh-CN" altLang="en-US"/>
-              <a:t>检索框架</a:t>
-            </a:r>
-            <a:r>
-              <a:rPr lang="en-US"/>
-              <a:t>AC</a:t>
-            </a:r>
-            <a:r>
-              <a:rPr lang="zh-CN" altLang="en-US"/>
-              <a:t>机</a:t>
-            </a:r>
-            <a:endParaRPr lang="zh-CN" altLang="en-US"/>
-          </a:p>
-          <a:p>
-            <a:pPr indent="457200" algn="just"/>
-            <a:r>
-              <a:rPr lang="en-US" altLang="zh-CN"/>
-              <a:t>2.</a:t>
-            </a:r>
-            <a:r>
-              <a:rPr lang="zh-CN" altLang="en-US"/>
-              <a:t>序列标注</a:t>
-            </a:r>
-            <a:endParaRPr lang="zh-CN" altLang="en-US"/>
-          </a:p>
-          <a:p>
-            <a:pPr indent="457200" algn="just"/>
-            <a:endParaRPr lang="zh-CN" altLang="en-US"/>
-          </a:p>
-        </p:txBody>
-      </p:sp>
-      <p:sp>
-        <p:nvSpPr>
-          <p:cNvPr id="6" name="右大括号 5"/>
-          <p:cNvSpPr/>
-          <p:nvPr/>
-        </p:nvSpPr>
-        <p:spPr>
-          <a:xfrm>
-            <a:off x="7139305" y="3318510"/>
-            <a:ext cx="547370" cy="2556510"/>
-          </a:xfrm>
-          <a:prstGeom prst="rightBrace">
-            <a:avLst/>
-          </a:prstGeom>
-        </p:spPr>
-        <p:style>
-          <a:lnRef idx="3">
-            <a:schemeClr val="accent1"/>
-          </a:lnRef>
-          <a:fillRef idx="0">
-            <a:srgbClr val="FFFFFF"/>
-          </a:fillRef>
-          <a:effectRef idx="0">
-            <a:srgbClr val="FFFFFF"/>
-          </a:effectRef>
-          <a:fontRef idx="minor">
-            <a:schemeClr val="tx1"/>
-          </a:fontRef>
-        </p:style>
-        <p:txBody>
-          <a:bodyPr rtlCol="0" anchor="ctr"/>
-          <a:p>
-            <a:pPr algn="ctr"/>
-            <a:endParaRPr lang="zh-CN" altLang="en-US"/>
-          </a:p>
-        </p:txBody>
-      </p:sp>
-      <p:sp>
-        <p:nvSpPr>
-          <p:cNvPr id="7" name="文本框 6"/>
-          <p:cNvSpPr txBox="1"/>
-          <p:nvPr/>
-        </p:nvSpPr>
-        <p:spPr>
-          <a:xfrm>
-            <a:off x="8074025" y="4305935"/>
-            <a:ext cx="1374140" cy="368300"/>
-          </a:xfrm>
-          <a:prstGeom prst="rect">
-            <a:avLst/>
-          </a:prstGeom>
-          <a:noFill/>
-        </p:spPr>
-        <p:txBody>
-          <a:bodyPr wrap="square" rtlCol="0">
-            <a:spAutoFit/>
-          </a:bodyPr>
-          <a:p>
-            <a:r>
-              <a:rPr lang="en-US" altLang="zh-CN"/>
-              <a:t>UIE</a:t>
-            </a:r>
-            <a:r>
-              <a:rPr lang="zh-CN" altLang="en-US"/>
-              <a:t>框架</a:t>
-            </a:r>
-            <a:endParaRPr lang="zh-CN" altLang="en-US"/>
-          </a:p>
-        </p:txBody>
-      </p:sp>
-    </p:spTree>
-  </p:cSld>
-  <p:clrMapOvr>
-    <a:masterClrMapping/>
-  </p:clrMapOvr>
-</p:sld>
-</file>
-
-<file path=ppt/slides/slide5.xml><?xml version="1.0" encoding="utf-8"?>
-<p:sld xmlns:a="http://schemas.openxmlformats.org/drawingml/2006/main" xmlns:r="http://schemas.openxmlformats.org/officeDocument/2006/relationships" xmlns:p="http://schemas.openxmlformats.org/presentationml/2006/main">
-  <p:cSld>
-    <p:spTree>
-      <p:nvGrpSpPr>
-        <p:cNvPr id="1" name=""/>
-        <p:cNvGrpSpPr/>
-        <p:nvPr/>
-      </p:nvGrpSpPr>
-      <p:grpSpPr/>
-      <p:pic>
-        <p:nvPicPr>
-          <p:cNvPr id="5" name="图片 4"/>
-          <p:cNvPicPr>
-            <a:picLocks noChangeAspect="1"/>
-          </p:cNvPicPr>
-          <p:nvPr/>
-        </p:nvPicPr>
-        <p:blipFill>
-          <a:blip r:embed="rId1"/>
-          <a:stretch>
-            <a:fillRect/>
-          </a:stretch>
-        </p:blipFill>
-        <p:spPr>
-          <a:xfrm rot="16200000">
-            <a:off x="6588760" y="-652780"/>
-            <a:ext cx="3799840" cy="5681980"/>
-          </a:xfrm>
-          <a:prstGeom prst="rect">
-            <a:avLst/>
-          </a:prstGeom>
-        </p:spPr>
-      </p:pic>
-      <p:pic>
-        <p:nvPicPr>
-          <p:cNvPr id="2" name="图片 1"/>
-          <p:cNvPicPr>
-            <a:picLocks noChangeAspect="1"/>
-          </p:cNvPicPr>
-          <p:nvPr/>
-        </p:nvPicPr>
-        <p:blipFill>
-          <a:blip r:embed="rId2"/>
-          <a:stretch>
-            <a:fillRect/>
-          </a:stretch>
-        </p:blipFill>
-        <p:spPr>
-          <a:xfrm>
-            <a:off x="0" y="0"/>
-            <a:ext cx="4528185" cy="6858635"/>
-          </a:xfrm>
-          <a:prstGeom prst="rect">
-            <a:avLst/>
-          </a:prstGeom>
-        </p:spPr>
-      </p:pic>
-    </p:spTree>
-  </p:cSld>
-  <p:clrMapOvr>
-    <a:masterClrMapping/>
-  </p:clrMapOvr>
-</p:sld>
-</file>
-
-<file path=ppt/slides/slide6.xml><?xml version="1.0" encoding="utf-8"?>
-<p:sld xmlns:a="http://schemas.openxmlformats.org/drawingml/2006/main" xmlns:r="http://schemas.openxmlformats.org/officeDocument/2006/relationships" xmlns:p="http://schemas.openxmlformats.org/presentationml/2006/main">
-  <p:cSld>
-    <p:spTree>
-      <p:nvGrpSpPr>
-        <p:cNvPr id="1" name=""/>
-        <p:cNvGrpSpPr/>
-        <p:nvPr/>
-      </p:nvGrpSpPr>
-      <p:grpSpPr/>
-      <p:sp>
-        <p:nvSpPr>
-          <p:cNvPr id="2" name="标题 1"/>
-          <p:cNvSpPr>
-            <a:spLocks noGrp="1"/>
-          </p:cNvSpPr>
-          <p:nvPr>
-            <p:ph type="title"/>
-          </p:nvPr>
-        </p:nvSpPr>
-        <p:spPr>
-          <a:xfrm>
-            <a:off x="838200" y="365125"/>
-            <a:ext cx="4705985" cy="937895"/>
-          </a:xfrm>
-        </p:spPr>
-        <p:txBody>
-          <a:bodyPr/>
-          <a:p>
-            <a:r>
-              <a:rPr lang="zh-CN" altLang="en-US" sz="3600"/>
-              <a:t>不良片段抽取方式：</a:t>
-            </a:r>
-            <a:endParaRPr lang="zh-CN" altLang="en-US" sz="3600"/>
-          </a:p>
-        </p:txBody>
-      </p:sp>
-      <p:sp>
-        <p:nvSpPr>
-          <p:cNvPr id="3" name="内容占位符 2"/>
-          <p:cNvSpPr>
-            <a:spLocks noGrp="1"/>
-          </p:cNvSpPr>
-          <p:nvPr>
-            <p:ph idx="1"/>
-          </p:nvPr>
-        </p:nvSpPr>
-        <p:spPr>
-          <a:xfrm>
-            <a:off x="838200" y="1825625"/>
-            <a:ext cx="6301105" cy="1193800"/>
-          </a:xfrm>
-        </p:spPr>
-        <p:txBody>
-          <a:bodyPr/>
-          <a:p>
-            <a:r>
-              <a:rPr lang="en-US" altLang="zh-CN"/>
-              <a:t>bert-crf</a:t>
-            </a:r>
-            <a:r>
-              <a:rPr lang="zh-CN" altLang="en-US"/>
-              <a:t>：</a:t>
-            </a:r>
-            <a:r>
-              <a:rPr lang="zh-CN" altLang="en-US"/>
-              <a:t>敏感信息</a:t>
-            </a:r>
-            <a:endParaRPr lang="zh-CN" altLang="en-US"/>
-          </a:p>
-        </p:txBody>
-      </p:sp>
-    </p:spTree>
-  </p:cSld>
-  <p:clrMapOvr>
-    <a:masterClrMapping/>
-  </p:clrMapOvr>
-</p:sld>
-</file>
-
-<file path=ppt/slides/slide7.xml><?xml version="1.0" encoding="utf-8"?>
+<file path=ppt/slides/slide9.xml><?xml version="1.0" encoding="utf-8"?>
 <p:sld xmlns:a="http://schemas.openxmlformats.org/drawingml/2006/main" xmlns:r="http://schemas.openxmlformats.org/officeDocument/2006/relationships" xmlns:p="http://schemas.openxmlformats.org/presentationml/2006/main">
   <p:cSld>
     <p:spTree>
@@ -6126,8 +9447,67 @@
 
 <file path=ppt/tags/tag1.xml><?xml version="1.0" encoding="utf-8"?>
 <p:tagLst xmlns:p="http://schemas.openxmlformats.org/presentationml/2006/main">
-  <p:tag name="TABLE_ENDDRAG_ORIGIN_RECT" val="783*223"/>
-  <p:tag name="TABLE_ENDDRAG_RECT" val="130*81*783*223"/>
+  <p:tag name="KSO_WM_BEAUTIFY_FLAG" val=""/>
+</p:tagLst>
+</file>
+
+<file path=ppt/tags/tag10.xml><?xml version="1.0" encoding="utf-8"?>
+<p:tagLst xmlns:p="http://schemas.openxmlformats.org/presentationml/2006/main">
+  <p:tag name="KSO_WM_BEAUTIFY_FLAG" val=""/>
+</p:tagLst>
+</file>
+
+<file path=ppt/tags/tag11.xml><?xml version="1.0" encoding="utf-8"?>
+<p:tagLst xmlns:p="http://schemas.openxmlformats.org/presentationml/2006/main">
+  <p:tag name="KSO_WM_BEAUTIFY_FLAG" val=""/>
+</p:tagLst>
+</file>
+
+<file path=ppt/tags/tag12.xml><?xml version="1.0" encoding="utf-8"?>
+<p:tagLst xmlns:p="http://schemas.openxmlformats.org/presentationml/2006/main">
+  <p:tag name="KSO_WM_BEAUTIFY_FLAG" val=""/>
+</p:tagLst>
+</file>
+
+<file path=ppt/tags/tag13.xml><?xml version="1.0" encoding="utf-8"?>
+<p:tagLst xmlns:p="http://schemas.openxmlformats.org/presentationml/2006/main">
+  <p:tag name="KSO_WM_BEAUTIFY_FLAG" val=""/>
+</p:tagLst>
+</file>
+
+<file path=ppt/tags/tag14.xml><?xml version="1.0" encoding="utf-8"?>
+<p:tagLst xmlns:p="http://schemas.openxmlformats.org/presentationml/2006/main">
+  <p:tag name="KSO_WM_BEAUTIFY_FLAG" val=""/>
+</p:tagLst>
+</file>
+
+<file path=ppt/tags/tag15.xml><?xml version="1.0" encoding="utf-8"?>
+<p:tagLst xmlns:p="http://schemas.openxmlformats.org/presentationml/2006/main">
+  <p:tag name="KSO_WM_BEAUTIFY_FLAG" val=""/>
+</p:tagLst>
+</file>
+
+<file path=ppt/tags/tag16.xml><?xml version="1.0" encoding="utf-8"?>
+<p:tagLst xmlns:p="http://schemas.openxmlformats.org/presentationml/2006/main">
+  <p:tag name="KSO_WM_BEAUTIFY_FLAG" val=""/>
+</p:tagLst>
+</file>
+
+<file path=ppt/tags/tag17.xml><?xml version="1.0" encoding="utf-8"?>
+<p:tagLst xmlns:p="http://schemas.openxmlformats.org/presentationml/2006/main">
+  <p:tag name="KSO_WM_BEAUTIFY_FLAG" val=""/>
+</p:tagLst>
+</file>
+
+<file path=ppt/tags/tag18.xml><?xml version="1.0" encoding="utf-8"?>
+<p:tagLst xmlns:p="http://schemas.openxmlformats.org/presentationml/2006/main">
+  <p:tag name="KSO_WM_BEAUTIFY_FLAG" val=""/>
+</p:tagLst>
+</file>
+
+<file path=ppt/tags/tag19.xml><?xml version="1.0" encoding="utf-8"?>
+<p:tagLst xmlns:p="http://schemas.openxmlformats.org/presentationml/2006/main">
+  <p:tag name="KSO_WM_BEAUTIFY_FLAG" val=""/>
 </p:tagLst>
 </file>
 
@@ -6137,9 +9517,250 @@
 </p:tagLst>
 </file>
 
+<file path=ppt/tags/tag20.xml><?xml version="1.0" encoding="utf-8"?>
+<p:tagLst xmlns:p="http://schemas.openxmlformats.org/presentationml/2006/main">
+  <p:tag name="KSO_WM_BEAUTIFY_FLAG" val=""/>
+</p:tagLst>
+</file>
+
+<file path=ppt/tags/tag21.xml><?xml version="1.0" encoding="utf-8"?>
+<p:tagLst xmlns:p="http://schemas.openxmlformats.org/presentationml/2006/main">
+  <p:tag name="KSO_WM_BEAUTIFY_FLAG" val=""/>
+</p:tagLst>
+</file>
+
+<file path=ppt/tags/tag22.xml><?xml version="1.0" encoding="utf-8"?>
+<p:tagLst xmlns:p="http://schemas.openxmlformats.org/presentationml/2006/main">
+  <p:tag name="KSO_WM_BEAUTIFY_FLAG" val=""/>
+</p:tagLst>
+</file>
+
+<file path=ppt/tags/tag23.xml><?xml version="1.0" encoding="utf-8"?>
+<p:tagLst xmlns:p="http://schemas.openxmlformats.org/presentationml/2006/main">
+  <p:tag name="KSO_WM_BEAUTIFY_FLAG" val=""/>
+</p:tagLst>
+</file>
+
+<file path=ppt/tags/tag24.xml><?xml version="1.0" encoding="utf-8"?>
+<p:tagLst xmlns:p="http://schemas.openxmlformats.org/presentationml/2006/main">
+  <p:tag name="KSO_WM_BEAUTIFY_FLAG" val=""/>
+</p:tagLst>
+</file>
+
+<file path=ppt/tags/tag25.xml><?xml version="1.0" encoding="utf-8"?>
+<p:tagLst xmlns:p="http://schemas.openxmlformats.org/presentationml/2006/main">
+  <p:tag name="KSO_WM_BEAUTIFY_FLAG" val=""/>
+</p:tagLst>
+</file>
+
+<file path=ppt/tags/tag26.xml><?xml version="1.0" encoding="utf-8"?>
+<p:tagLst xmlns:p="http://schemas.openxmlformats.org/presentationml/2006/main">
+  <p:tag name="KSO_WM_BEAUTIFY_FLAG" val=""/>
+</p:tagLst>
+</file>
+
+<file path=ppt/tags/tag27.xml><?xml version="1.0" encoding="utf-8"?>
+<p:tagLst xmlns:p="http://schemas.openxmlformats.org/presentationml/2006/main">
+  <p:tag name="KSO_WM_BEAUTIFY_FLAG" val=""/>
+</p:tagLst>
+</file>
+
+<file path=ppt/tags/tag28.xml><?xml version="1.0" encoding="utf-8"?>
+<p:tagLst xmlns:p="http://schemas.openxmlformats.org/presentationml/2006/main">
+  <p:tag name="KSO_WM_BEAUTIFY_FLAG" val=""/>
+</p:tagLst>
+</file>
+
+<file path=ppt/tags/tag29.xml><?xml version="1.0" encoding="utf-8"?>
+<p:tagLst xmlns:p="http://schemas.openxmlformats.org/presentationml/2006/main">
+  <p:tag name="KSO_WM_BEAUTIFY_FLAG" val=""/>
+</p:tagLst>
+</file>
+
 <file path=ppt/tags/tag3.xml><?xml version="1.0" encoding="utf-8"?>
 <p:tagLst xmlns:p="http://schemas.openxmlformats.org/presentationml/2006/main">
+  <p:tag name="KSO_WM_BEAUTIFY_FLAG" val=""/>
+</p:tagLst>
+</file>
+
+<file path=ppt/tags/tag30.xml><?xml version="1.0" encoding="utf-8"?>
+<p:tagLst xmlns:p="http://schemas.openxmlformats.org/presentationml/2006/main">
+  <p:tag name="KSO_WM_BEAUTIFY_FLAG" val=""/>
+</p:tagLst>
+</file>
+
+<file path=ppt/tags/tag31.xml><?xml version="1.0" encoding="utf-8"?>
+<p:tagLst xmlns:p="http://schemas.openxmlformats.org/presentationml/2006/main">
+  <p:tag name="KSO_WM_BEAUTIFY_FLAG" val=""/>
+</p:tagLst>
+</file>
+
+<file path=ppt/tags/tag32.xml><?xml version="1.0" encoding="utf-8"?>
+<p:tagLst xmlns:p="http://schemas.openxmlformats.org/presentationml/2006/main">
+  <p:tag name="KSO_WM_BEAUTIFY_FLAG" val=""/>
+</p:tagLst>
+</file>
+
+<file path=ppt/tags/tag33.xml><?xml version="1.0" encoding="utf-8"?>
+<p:tagLst xmlns:p="http://schemas.openxmlformats.org/presentationml/2006/main">
+  <p:tag name="KSO_WM_BEAUTIFY_FLAG" val=""/>
+</p:tagLst>
+</file>
+
+<file path=ppt/tags/tag34.xml><?xml version="1.0" encoding="utf-8"?>
+<p:tagLst xmlns:p="http://schemas.openxmlformats.org/presentationml/2006/main">
+  <p:tag name="KSO_WM_BEAUTIFY_FLAG" val=""/>
+</p:tagLst>
+</file>
+
+<file path=ppt/tags/tag35.xml><?xml version="1.0" encoding="utf-8"?>
+<p:tagLst xmlns:p="http://schemas.openxmlformats.org/presentationml/2006/main">
+  <p:tag name="KSO_WM_BEAUTIFY_FLAG" val=""/>
+</p:tagLst>
+</file>
+
+<file path=ppt/tags/tag36.xml><?xml version="1.0" encoding="utf-8"?>
+<p:tagLst xmlns:p="http://schemas.openxmlformats.org/presentationml/2006/main">
+  <p:tag name="KSO_WM_BEAUTIFY_FLAG" val=""/>
+</p:tagLst>
+</file>
+
+<file path=ppt/tags/tag37.xml><?xml version="1.0" encoding="utf-8"?>
+<p:tagLst xmlns:p="http://schemas.openxmlformats.org/presentationml/2006/main">
+  <p:tag name="KSO_WM_BEAUTIFY_FLAG" val=""/>
+</p:tagLst>
+</file>
+
+<file path=ppt/tags/tag38.xml><?xml version="1.0" encoding="utf-8"?>
+<p:tagLst xmlns:p="http://schemas.openxmlformats.org/presentationml/2006/main">
+  <p:tag name="KSO_WM_BEAUTIFY_FLAG" val=""/>
+</p:tagLst>
+</file>
+
+<file path=ppt/tags/tag39.xml><?xml version="1.0" encoding="utf-8"?>
+<p:tagLst xmlns:p="http://schemas.openxmlformats.org/presentationml/2006/main">
+  <p:tag name="KSO_WM_BEAUTIFY_FLAG" val=""/>
+</p:tagLst>
+</file>
+
+<file path=ppt/tags/tag4.xml><?xml version="1.0" encoding="utf-8"?>
+<p:tagLst xmlns:p="http://schemas.openxmlformats.org/presentationml/2006/main">
+  <p:tag name="KSO_WM_BEAUTIFY_FLAG" val=""/>
+</p:tagLst>
+</file>
+
+<file path=ppt/tags/tag40.xml><?xml version="1.0" encoding="utf-8"?>
+<p:tagLst xmlns:p="http://schemas.openxmlformats.org/presentationml/2006/main">
+  <p:tag name="KSO_WM_BEAUTIFY_FLAG" val=""/>
+</p:tagLst>
+</file>
+
+<file path=ppt/tags/tag41.xml><?xml version="1.0" encoding="utf-8"?>
+<p:tagLst xmlns:p="http://schemas.openxmlformats.org/presentationml/2006/main">
+  <p:tag name="KSO_WM_BEAUTIFY_FLAG" val=""/>
+</p:tagLst>
+</file>
+
+<file path=ppt/tags/tag42.xml><?xml version="1.0" encoding="utf-8"?>
+<p:tagLst xmlns:p="http://schemas.openxmlformats.org/presentationml/2006/main">
+  <p:tag name="KSO_WM_BEAUTIFY_FLAG" val=""/>
+</p:tagLst>
+</file>
+
+<file path=ppt/tags/tag43.xml><?xml version="1.0" encoding="utf-8"?>
+<p:tagLst xmlns:p="http://schemas.openxmlformats.org/presentationml/2006/main">
+  <p:tag name="KSO_WM_BEAUTIFY_FLAG" val=""/>
+</p:tagLst>
+</file>
+
+<file path=ppt/tags/tag44.xml><?xml version="1.0" encoding="utf-8"?>
+<p:tagLst xmlns:p="http://schemas.openxmlformats.org/presentationml/2006/main">
+  <p:tag name="KSO_WM_BEAUTIFY_FLAG" val=""/>
+</p:tagLst>
+</file>
+
+<file path=ppt/tags/tag45.xml><?xml version="1.0" encoding="utf-8"?>
+<p:tagLst xmlns:p="http://schemas.openxmlformats.org/presentationml/2006/main">
+  <p:tag name="KSO_WM_BEAUTIFY_FLAG" val=""/>
+</p:tagLst>
+</file>
+
+<file path=ppt/tags/tag46.xml><?xml version="1.0" encoding="utf-8"?>
+<p:tagLst xmlns:p="http://schemas.openxmlformats.org/presentationml/2006/main">
+  <p:tag name="KSO_WM_BEAUTIFY_FLAG" val=""/>
+</p:tagLst>
+</file>
+
+<file path=ppt/tags/tag47.xml><?xml version="1.0" encoding="utf-8"?>
+<p:tagLst xmlns:p="http://schemas.openxmlformats.org/presentationml/2006/main">
+  <p:tag name="KSO_WM_BEAUTIFY_FLAG" val=""/>
+</p:tagLst>
+</file>
+
+<file path=ppt/tags/tag48.xml><?xml version="1.0" encoding="utf-8"?>
+<p:tagLst xmlns:p="http://schemas.openxmlformats.org/presentationml/2006/main">
+  <p:tag name="KSO_WM_BEAUTIFY_FLAG" val=""/>
+</p:tagLst>
+</file>
+
+<file path=ppt/tags/tag49.xml><?xml version="1.0" encoding="utf-8"?>
+<p:tagLst xmlns:p="http://schemas.openxmlformats.org/presentationml/2006/main">
+  <p:tag name="KSO_WM_BEAUTIFY_FLAG" val=""/>
+</p:tagLst>
+</file>
+
+<file path=ppt/tags/tag5.xml><?xml version="1.0" encoding="utf-8"?>
+<p:tagLst xmlns:p="http://schemas.openxmlformats.org/presentationml/2006/main">
+  <p:tag name="KSO_WM_BEAUTIFY_FLAG" val=""/>
+</p:tagLst>
+</file>
+
+<file path=ppt/tags/tag50.xml><?xml version="1.0" encoding="utf-8"?>
+<p:tagLst xmlns:p="http://schemas.openxmlformats.org/presentationml/2006/main">
+  <p:tag name="KSO_WM_BEAUTIFY_FLAG" val=""/>
+</p:tagLst>
+</file>
+
+<file path=ppt/tags/tag51.xml><?xml version="1.0" encoding="utf-8"?>
+<p:tagLst xmlns:p="http://schemas.openxmlformats.org/presentationml/2006/main">
+  <p:tag name="KSO_WM_BEAUTIFY_FLAG" val=""/>
+</p:tagLst>
+</file>
+
+<file path=ppt/tags/tag52.xml><?xml version="1.0" encoding="utf-8"?>
+<p:tagLst xmlns:p="http://schemas.openxmlformats.org/presentationml/2006/main">
+  <p:tag name="TABLE_ENDDRAG_ORIGIN_RECT" val="783*223"/>
+  <p:tag name="TABLE_ENDDRAG_RECT" val="130*81*783*223"/>
+</p:tagLst>
+</file>
+
+<file path=ppt/tags/tag53.xml><?xml version="1.0" encoding="utf-8"?>
+<p:tagLst xmlns:p="http://schemas.openxmlformats.org/presentationml/2006/main">
   <p:tag name="commondata" val="eyJoZGlkIjoiMDNjNzVkZmI2OWJiY2Y0NTEwZTUwMzdjMjA2MjM5NWMifQ=="/>
+</p:tagLst>
+</file>
+
+<file path=ppt/tags/tag6.xml><?xml version="1.0" encoding="utf-8"?>
+<p:tagLst xmlns:p="http://schemas.openxmlformats.org/presentationml/2006/main">
+  <p:tag name="KSO_WM_BEAUTIFY_FLAG" val=""/>
+</p:tagLst>
+</file>
+
+<file path=ppt/tags/tag7.xml><?xml version="1.0" encoding="utf-8"?>
+<p:tagLst xmlns:p="http://schemas.openxmlformats.org/presentationml/2006/main">
+  <p:tag name="KSO_WM_BEAUTIFY_FLAG" val=""/>
+</p:tagLst>
+</file>
+
+<file path=ppt/tags/tag8.xml><?xml version="1.0" encoding="utf-8"?>
+<p:tagLst xmlns:p="http://schemas.openxmlformats.org/presentationml/2006/main">
+  <p:tag name="KSO_WM_BEAUTIFY_FLAG" val=""/>
+</p:tagLst>
+</file>
+
+<file path=ppt/tags/tag9.xml><?xml version="1.0" encoding="utf-8"?>
+<p:tagLst xmlns:p="http://schemas.openxmlformats.org/presentationml/2006/main">
+  <p:tag name="KSO_WM_BEAUTIFY_FLAG" val=""/>
 </p:tagLst>
 </file>
 

--- a/流程图.pptx
+++ b/流程图.pptx
@@ -11,14 +11,15 @@
     <p:sldId id="264" r:id="rId6"/>
     <p:sldId id="267" r:id="rId7"/>
     <p:sldId id="268" r:id="rId8"/>
-    <p:sldId id="257" r:id="rId9"/>
-    <p:sldId id="261" r:id="rId10"/>
-    <p:sldId id="260" r:id="rId11"/>
+    <p:sldId id="272" r:id="rId9"/>
+    <p:sldId id="257" r:id="rId10"/>
+    <p:sldId id="261" r:id="rId11"/>
+    <p:sldId id="260" r:id="rId12"/>
   </p:sldIdLst>
   <p:sldSz cx="12192000" cy="6858000"/>
   <p:notesSz cx="6858000" cy="9144000"/>
   <p:custDataLst>
-    <p:tags r:id="rId15"/>
+    <p:tags r:id="rId16"/>
   </p:custDataLst>
   <p:defaultTextStyle>
     <a:defPPr>
@@ -4263,6 +4264,156 @@
 </p:sld>
 </file>
 
+<file path=ppt/slides/slide10.xml><?xml version="1.0" encoding="utf-8"?>
+<p:sld xmlns:a="http://schemas.openxmlformats.org/drawingml/2006/main" xmlns:r="http://schemas.openxmlformats.org/officeDocument/2006/relationships" xmlns:p="http://schemas.openxmlformats.org/presentationml/2006/main">
+  <p:cSld>
+    <p:spTree>
+      <p:nvGrpSpPr>
+        <p:cNvPr id="1" name=""/>
+        <p:cNvGrpSpPr/>
+        <p:nvPr/>
+      </p:nvGrpSpPr>
+      <p:grpSpPr/>
+      <p:sp>
+        <p:nvSpPr>
+          <p:cNvPr id="100" name="文本框 99"/>
+          <p:cNvSpPr txBox="1"/>
+          <p:nvPr/>
+        </p:nvSpPr>
+        <p:spPr>
+          <a:xfrm>
+            <a:off x="1572895" y="1164590"/>
+            <a:ext cx="7481570" cy="2306955"/>
+          </a:xfrm>
+          <a:prstGeom prst="rect">
+            <a:avLst/>
+          </a:prstGeom>
+          <a:noFill/>
+          <a:ln w="9525">
+            <a:noFill/>
+          </a:ln>
+        </p:spPr>
+        <p:txBody>
+          <a:bodyPr wrap="square">
+            <a:spAutoFit/>
+          </a:bodyPr>
+          <a:p>
+            <a:pPr indent="0"/>
+            <a:r>
+              <a:rPr lang="zh-CN" altLang="en-US" b="0">
+                <a:latin typeface="+mn-ea"/>
+                <a:cs typeface="+mn-ea"/>
+              </a:rPr>
+              <a:t>本方案</a:t>
+            </a:r>
+            <a:r>
+              <a:rPr lang="en-US" altLang="zh-CN" b="0">
+                <a:latin typeface="+mn-ea"/>
+                <a:cs typeface="+mn-ea"/>
+              </a:rPr>
+              <a:t> vs </a:t>
+            </a:r>
+            <a:r>
+              <a:rPr lang="zh-CN" b="0">
+                <a:latin typeface="+mn-ea"/>
+                <a:cs typeface="+mn-ea"/>
+              </a:rPr>
+              <a:t>大模型框架</a:t>
+            </a:r>
+            <a:r>
+              <a:rPr lang="en-US" b="0">
+                <a:latin typeface="+mn-ea"/>
+                <a:cs typeface="+mn-ea"/>
+              </a:rPr>
+              <a:t>+1. </a:t>
+            </a:r>
+            <a:r>
+              <a:rPr lang="zh-CN" b="0">
+                <a:latin typeface="+mn-ea"/>
+                <a:cs typeface="+mn-ea"/>
+              </a:rPr>
+              <a:t>资源占用小</a:t>
+            </a:r>
+            <a:r>
+              <a:rPr lang="en-US" b="0">
+                <a:latin typeface="+mn-ea"/>
+                <a:cs typeface="+mn-ea"/>
+              </a:rPr>
+              <a:t>+2. </a:t>
+            </a:r>
+            <a:r>
+              <a:rPr lang="zh-CN" b="0">
+                <a:latin typeface="+mn-ea"/>
+                <a:cs typeface="+mn-ea"/>
+              </a:rPr>
+              <a:t>较高实时性</a:t>
+            </a:r>
+            <a:endParaRPr lang="en-US" b="0">
+              <a:latin typeface="+mn-ea"/>
+              <a:cs typeface="+mn-ea"/>
+            </a:endParaRPr>
+          </a:p>
+          <a:p>
+            <a:pPr indent="0"/>
+            <a:r>
+              <a:rPr lang="en-US" altLang="zh-CN" b="0">
+                <a:latin typeface="+mn-ea"/>
+                <a:cs typeface="+mn-ea"/>
+              </a:rPr>
+              <a:t>       </a:t>
+            </a:r>
+            <a:r>
+              <a:rPr lang="zh-CN" b="0">
+                <a:latin typeface="+mn-ea"/>
+                <a:cs typeface="+mn-ea"/>
+              </a:rPr>
+              <a:t>考虑可落地性，在保证准确性的前提下，使用了轻量级的推理模型和检索框架。与大模型框架相比响应时间短，具有较高的实时性。</a:t>
+            </a:r>
+            <a:endParaRPr lang="zh-CN" b="0">
+              <a:latin typeface="+mn-ea"/>
+              <a:cs typeface="+mn-ea"/>
+            </a:endParaRPr>
+          </a:p>
+          <a:p>
+            <a:pPr indent="0"/>
+            <a:endParaRPr lang="zh-CN" altLang="en-US" b="0">
+              <a:latin typeface="+mn-ea"/>
+              <a:cs typeface="+mn-ea"/>
+            </a:endParaRPr>
+          </a:p>
+          <a:p>
+            <a:pPr indent="0"/>
+            <a:r>
+              <a:rPr lang="zh-CN" altLang="en-US" b="0">
+                <a:latin typeface="+mn-ea"/>
+                <a:cs typeface="+mn-ea"/>
+              </a:rPr>
+              <a:t>图：</a:t>
+            </a:r>
+            <a:endParaRPr lang="zh-CN" altLang="en-US" b="0">
+              <a:latin typeface="+mn-ea"/>
+              <a:cs typeface="+mn-ea"/>
+            </a:endParaRPr>
+          </a:p>
+          <a:p>
+            <a:pPr indent="0"/>
+            <a:endParaRPr lang="en-US" altLang="zh-CN" b="0">
+              <a:latin typeface="+mn-ea"/>
+              <a:cs typeface="+mn-ea"/>
+            </a:endParaRPr>
+          </a:p>
+        </p:txBody>
+      </p:sp>
+    </p:spTree>
+  </p:cSld>
+  <p:clrMapOvr>
+    <a:masterClrMapping/>
+  </p:clrMapOvr>
+</p:sld>
+</file>
+
 <file path=ppt/slides/slide2.xml><?xml version="1.0" encoding="utf-8"?>
 <p:sld xmlns:a="http://schemas.openxmlformats.org/drawingml/2006/main" xmlns:r="http://schemas.openxmlformats.org/officeDocument/2006/relationships" xmlns:p="http://schemas.openxmlformats.org/presentationml/2006/main">
   <p:cSld>
@@ -6066,7 +6217,7 @@
             <a:pPr algn="ctr"/>
             <a:r>
               <a:rPr lang="en-US" altLang="zh-CN"/>
-              <a:t>fasttext</a:t>
+              <a:t>textcnn</a:t>
             </a:r>
             <a:endParaRPr lang="en-US" altLang="zh-CN"/>
           </a:p>
@@ -7938,7 +8089,7 @@
             <a:pPr algn="ctr"/>
             <a:r>
               <a:rPr lang="en-US" altLang="zh-CN"/>
-              <a:t>fasttext</a:t>
+              <a:t>textcnn</a:t>
             </a:r>
             <a:endParaRPr lang="en-US" altLang="zh-CN"/>
           </a:p>
@@ -8777,6 +8928,1688 @@
 </file>
 
 <file path=ppt/slides/slide7.xml><?xml version="1.0" encoding="utf-8"?>
+<p:sld xmlns:a="http://schemas.openxmlformats.org/drawingml/2006/main" xmlns:r="http://schemas.openxmlformats.org/officeDocument/2006/relationships" xmlns:p="http://schemas.openxmlformats.org/presentationml/2006/main">
+  <p:cSld>
+    <p:spTree>
+      <p:nvGrpSpPr>
+        <p:cNvPr id="1" name=""/>
+        <p:cNvGrpSpPr/>
+        <p:nvPr/>
+      </p:nvGrpSpPr>
+      <p:grpSpPr/>
+      <p:sp>
+        <p:nvSpPr>
+          <p:cNvPr id="17" name="矩形 16"/>
+          <p:cNvSpPr/>
+          <p:nvPr/>
+        </p:nvSpPr>
+        <p:spPr>
+          <a:xfrm>
+            <a:off x="3550920" y="4484370"/>
+            <a:ext cx="2870200" cy="1659255"/>
+          </a:xfrm>
+          <a:prstGeom prst="rect">
+            <a:avLst/>
+          </a:prstGeom>
+          <a:noFill/>
+          <a:ln w="28575" cmpd="sng">
+            <a:solidFill>
+              <a:schemeClr val="accent1">
+                <a:shade val="50000"/>
+              </a:schemeClr>
+            </a:solidFill>
+            <a:prstDash val="sysDash"/>
+          </a:ln>
+        </p:spPr>
+        <p:style>
+          <a:lnRef idx="2">
+            <a:schemeClr val="accent1">
+              <a:shade val="50000"/>
+            </a:schemeClr>
+          </a:lnRef>
+          <a:fillRef idx="1">
+            <a:schemeClr val="accent1"/>
+          </a:fillRef>
+          <a:effectRef idx="0">
+            <a:schemeClr val="accent1"/>
+          </a:effectRef>
+          <a:fontRef idx="minor">
+            <a:schemeClr val="lt1"/>
+          </a:fontRef>
+        </p:style>
+        <p:txBody>
+          <a:bodyPr rtlCol="0" anchor="ctr"/>
+          <a:p>
+            <a:pPr algn="ctr"/>
+            <a:endParaRPr lang="zh-CN" altLang="en-US"/>
+          </a:p>
+        </p:txBody>
+      </p:sp>
+      <p:sp>
+        <p:nvSpPr>
+          <p:cNvPr id="13" name="圆柱形 12"/>
+          <p:cNvSpPr/>
+          <p:nvPr>
+            <p:custDataLst>
+              <p:tags r:id="rId1"/>
+            </p:custDataLst>
+          </p:nvPr>
+        </p:nvSpPr>
+        <p:spPr>
+          <a:xfrm>
+            <a:off x="1877695" y="340360"/>
+            <a:ext cx="914400" cy="822960"/>
+          </a:xfrm>
+          <a:prstGeom prst="can">
+            <a:avLst/>
+          </a:prstGeom>
+        </p:spPr>
+        <p:style>
+          <a:lnRef idx="2">
+            <a:schemeClr val="accent1">
+              <a:lumMod val="75000"/>
+            </a:schemeClr>
+          </a:lnRef>
+          <a:fillRef idx="1">
+            <a:schemeClr val="accent1"/>
+          </a:fillRef>
+          <a:effectRef idx="0">
+            <a:srgbClr val="FFFFFF"/>
+          </a:effectRef>
+          <a:fontRef idx="minor">
+            <a:schemeClr val="lt1"/>
+          </a:fontRef>
+        </p:style>
+        <p:txBody>
+          <a:bodyPr rtlCol="0" anchor="ctr"/>
+          <a:p>
+            <a:pPr algn="ctr"/>
+            <a:r>
+              <a:rPr lang="zh-CN" altLang="en-US" sz="1200"/>
+              <a:t>文档</a:t>
+            </a:r>
+            <a:endParaRPr lang="zh-CN" altLang="en-US" sz="1200"/>
+          </a:p>
+          <a:p>
+            <a:pPr algn="ctr"/>
+            <a:r>
+              <a:rPr lang="zh-CN" altLang="en-US" sz="1200"/>
+              <a:t>图片</a:t>
+            </a:r>
+            <a:endParaRPr lang="zh-CN" altLang="en-US" sz="1200"/>
+          </a:p>
+          <a:p>
+            <a:pPr algn="ctr"/>
+            <a:r>
+              <a:rPr lang="zh-CN" altLang="en-US" sz="1200"/>
+              <a:t>文本</a:t>
+            </a:r>
+            <a:endParaRPr lang="zh-CN" altLang="en-US" sz="1200"/>
+          </a:p>
+        </p:txBody>
+      </p:sp>
+      <p:sp>
+        <p:nvSpPr>
+          <p:cNvPr id="29" name="矩形 28"/>
+          <p:cNvSpPr/>
+          <p:nvPr>
+            <p:custDataLst>
+              <p:tags r:id="rId2"/>
+            </p:custDataLst>
+          </p:nvPr>
+        </p:nvSpPr>
+        <p:spPr>
+          <a:xfrm>
+            <a:off x="4236085" y="567690"/>
+            <a:ext cx="1311275" cy="354330"/>
+          </a:xfrm>
+          <a:prstGeom prst="rect">
+            <a:avLst/>
+          </a:prstGeom>
+        </p:spPr>
+        <p:style>
+          <a:lnRef idx="2">
+            <a:schemeClr val="accent1">
+              <a:lumMod val="75000"/>
+            </a:schemeClr>
+          </a:lnRef>
+          <a:fillRef idx="1">
+            <a:schemeClr val="accent1"/>
+          </a:fillRef>
+          <a:effectRef idx="0">
+            <a:srgbClr val="FFFFFF"/>
+          </a:effectRef>
+          <a:fontRef idx="minor">
+            <a:schemeClr val="lt1"/>
+          </a:fontRef>
+        </p:style>
+        <p:txBody>
+          <a:bodyPr rtlCol="0" anchor="ctr"/>
+          <a:p>
+            <a:pPr algn="ctr"/>
+            <a:r>
+              <a:rPr lang="zh-CN" altLang="en-US" sz="1400"/>
+              <a:t>文本</a:t>
+            </a:r>
+            <a:r>
+              <a:rPr lang="en-US" altLang="zh-CN" sz="1400"/>
+              <a:t>/</a:t>
+            </a:r>
+            <a:r>
+              <a:rPr lang="zh-CN" altLang="en-US" sz="1400"/>
+              <a:t>文本集</a:t>
+            </a:r>
+            <a:endParaRPr lang="zh-CN" altLang="en-US" sz="1400"/>
+          </a:p>
+        </p:txBody>
+      </p:sp>
+      <p:cxnSp>
+        <p:nvCxnSpPr>
+          <p:cNvPr id="39" name="直接箭头连接符 38"/>
+          <p:cNvCxnSpPr>
+            <a:stCxn id="13" idx="4"/>
+            <a:endCxn id="29" idx="1"/>
+          </p:cNvCxnSpPr>
+          <p:nvPr>
+            <p:custDataLst>
+              <p:tags r:id="rId3"/>
+            </p:custDataLst>
+          </p:nvPr>
+        </p:nvCxnSpPr>
+        <p:spPr>
+          <a:xfrm flipV="1">
+            <a:off x="2792095" y="744855"/>
+            <a:ext cx="1443990" cy="6985"/>
+          </a:xfrm>
+          <a:prstGeom prst="straightConnector1">
+            <a:avLst/>
+          </a:prstGeom>
+          <a:ln>
+            <a:tailEnd type="arrow"/>
+          </a:ln>
+        </p:spPr>
+        <p:style>
+          <a:lnRef idx="2">
+            <a:schemeClr val="accent1"/>
+          </a:lnRef>
+          <a:fillRef idx="0">
+            <a:srgbClr val="FFFFFF"/>
+          </a:fillRef>
+          <a:effectRef idx="0">
+            <a:srgbClr val="FFFFFF"/>
+          </a:effectRef>
+          <a:fontRef idx="minor">
+            <a:schemeClr val="tx1"/>
+          </a:fontRef>
+        </p:style>
+      </p:cxnSp>
+      <p:sp>
+        <p:nvSpPr>
+          <p:cNvPr id="52" name="文本框 51"/>
+          <p:cNvSpPr txBox="1"/>
+          <p:nvPr>
+            <p:custDataLst>
+              <p:tags r:id="rId4"/>
+            </p:custDataLst>
+          </p:nvPr>
+        </p:nvSpPr>
+        <p:spPr>
+          <a:xfrm>
+            <a:off x="3049905" y="445135"/>
+            <a:ext cx="928370" cy="306705"/>
+          </a:xfrm>
+          <a:prstGeom prst="rect">
+            <a:avLst/>
+          </a:prstGeom>
+          <a:noFill/>
+        </p:spPr>
+        <p:txBody>
+          <a:bodyPr wrap="square" rtlCol="0">
+            <a:spAutoFit/>
+          </a:bodyPr>
+          <a:p>
+            <a:r>
+              <a:rPr lang="zh-CN" altLang="en-US" sz="1400"/>
+              <a:t>文本处理</a:t>
+            </a:r>
+            <a:endParaRPr lang="zh-CN" altLang="en-US" sz="1400"/>
+          </a:p>
+        </p:txBody>
+      </p:sp>
+      <p:sp>
+        <p:nvSpPr>
+          <p:cNvPr id="53" name="下箭头 52"/>
+          <p:cNvSpPr/>
+          <p:nvPr>
+            <p:custDataLst>
+              <p:tags r:id="rId5"/>
+            </p:custDataLst>
+          </p:nvPr>
+        </p:nvSpPr>
+        <p:spPr>
+          <a:xfrm>
+            <a:off x="4853305" y="942975"/>
+            <a:ext cx="76200" cy="267970"/>
+          </a:xfrm>
+          <a:prstGeom prst="downArrow">
+            <a:avLst/>
+          </a:prstGeom>
+        </p:spPr>
+        <p:style>
+          <a:lnRef idx="2">
+            <a:schemeClr val="accent1">
+              <a:lumMod val="75000"/>
+            </a:schemeClr>
+          </a:lnRef>
+          <a:fillRef idx="1">
+            <a:schemeClr val="accent1"/>
+          </a:fillRef>
+          <a:effectRef idx="0">
+            <a:srgbClr val="FFFFFF"/>
+          </a:effectRef>
+          <a:fontRef idx="minor">
+            <a:schemeClr val="lt1"/>
+          </a:fontRef>
+        </p:style>
+        <p:txBody>
+          <a:bodyPr rtlCol="0" anchor="ctr"/>
+          <a:p>
+            <a:pPr algn="ctr"/>
+            <a:endParaRPr lang="zh-CN" altLang="en-US"/>
+          </a:p>
+        </p:txBody>
+      </p:sp>
+      <p:sp>
+        <p:nvSpPr>
+          <p:cNvPr id="54" name="菱形 53"/>
+          <p:cNvSpPr/>
+          <p:nvPr>
+            <p:custDataLst>
+              <p:tags r:id="rId6"/>
+            </p:custDataLst>
+          </p:nvPr>
+        </p:nvSpPr>
+        <p:spPr>
+          <a:xfrm>
+            <a:off x="4433570" y="1264285"/>
+            <a:ext cx="914400" cy="914400"/>
+          </a:xfrm>
+          <a:prstGeom prst="diamond">
+            <a:avLst/>
+          </a:prstGeom>
+        </p:spPr>
+        <p:style>
+          <a:lnRef idx="2">
+            <a:schemeClr val="accent1">
+              <a:lumMod val="75000"/>
+            </a:schemeClr>
+          </a:lnRef>
+          <a:fillRef idx="1">
+            <a:schemeClr val="accent1"/>
+          </a:fillRef>
+          <a:effectRef idx="0">
+            <a:srgbClr val="FFFFFF"/>
+          </a:effectRef>
+          <a:fontRef idx="minor">
+            <a:schemeClr val="lt1"/>
+          </a:fontRef>
+        </p:style>
+        <p:txBody>
+          <a:bodyPr rtlCol="0" anchor="ctr"/>
+          <a:p>
+            <a:pPr algn="ctr"/>
+            <a:r>
+              <a:rPr lang="zh-CN" altLang="en-US" sz="900"/>
+              <a:t>是否包含关键词</a:t>
+            </a:r>
+            <a:endParaRPr lang="zh-CN" altLang="en-US" sz="900"/>
+          </a:p>
+        </p:txBody>
+      </p:sp>
+      <p:sp>
+        <p:nvSpPr>
+          <p:cNvPr id="55" name="文本框 54"/>
+          <p:cNvSpPr txBox="1"/>
+          <p:nvPr>
+            <p:custDataLst>
+              <p:tags r:id="rId7"/>
+            </p:custDataLst>
+          </p:nvPr>
+        </p:nvSpPr>
+        <p:spPr>
+          <a:xfrm>
+            <a:off x="5231130" y="1003935"/>
+            <a:ext cx="766445" cy="337185"/>
+          </a:xfrm>
+          <a:prstGeom prst="rect">
+            <a:avLst/>
+          </a:prstGeom>
+          <a:noFill/>
+          <a:ln>
+            <a:solidFill>
+              <a:schemeClr val="accent1"/>
+            </a:solidFill>
+          </a:ln>
+        </p:spPr>
+        <p:txBody>
+          <a:bodyPr wrap="square" rtlCol="0">
+            <a:spAutoFit/>
+          </a:bodyPr>
+          <a:p>
+            <a:pPr algn="ctr"/>
+            <a:r>
+              <a:rPr lang="en-US" altLang="zh-CN" sz="1600"/>
+              <a:t>AC</a:t>
+            </a:r>
+            <a:r>
+              <a:rPr lang="zh-CN" altLang="en-US" sz="1600"/>
+              <a:t>机</a:t>
+            </a:r>
+            <a:endParaRPr lang="zh-CN" altLang="en-US" sz="1600"/>
+          </a:p>
+        </p:txBody>
+      </p:sp>
+      <p:sp>
+        <p:nvSpPr>
+          <p:cNvPr id="56" name="圆柱形 55"/>
+          <p:cNvSpPr/>
+          <p:nvPr>
+            <p:custDataLst>
+              <p:tags r:id="rId8"/>
+            </p:custDataLst>
+          </p:nvPr>
+        </p:nvSpPr>
+        <p:spPr>
+          <a:xfrm>
+            <a:off x="6735445" y="695325"/>
+            <a:ext cx="887095" cy="763270"/>
+          </a:xfrm>
+          <a:prstGeom prst="can">
+            <a:avLst/>
+          </a:prstGeom>
+        </p:spPr>
+        <p:style>
+          <a:lnRef idx="2">
+            <a:schemeClr val="accent1">
+              <a:lumMod val="75000"/>
+            </a:schemeClr>
+          </a:lnRef>
+          <a:fillRef idx="1">
+            <a:schemeClr val="accent1"/>
+          </a:fillRef>
+          <a:effectRef idx="0">
+            <a:srgbClr val="FFFFFF"/>
+          </a:effectRef>
+          <a:fontRef idx="minor">
+            <a:schemeClr val="lt1"/>
+          </a:fontRef>
+        </p:style>
+        <p:txBody>
+          <a:bodyPr rtlCol="0" anchor="ctr"/>
+          <a:p>
+            <a:pPr algn="ctr"/>
+            <a:r>
+              <a:rPr lang="zh-CN" altLang="en-US" sz="1200"/>
+              <a:t>关键词库</a:t>
+            </a:r>
+            <a:endParaRPr lang="zh-CN" altLang="en-US" sz="1200"/>
+          </a:p>
+        </p:txBody>
+      </p:sp>
+      <p:sp>
+        <p:nvSpPr>
+          <p:cNvPr id="57" name="左箭头 56"/>
+          <p:cNvSpPr/>
+          <p:nvPr>
+            <p:custDataLst>
+              <p:tags r:id="rId9"/>
+            </p:custDataLst>
+          </p:nvPr>
+        </p:nvSpPr>
+        <p:spPr>
+          <a:xfrm>
+            <a:off x="6103620" y="922020"/>
+            <a:ext cx="485140" cy="435610"/>
+          </a:xfrm>
+          <a:prstGeom prst="leftArrow">
+            <a:avLst/>
+          </a:prstGeom>
+        </p:spPr>
+        <p:style>
+          <a:lnRef idx="2">
+            <a:schemeClr val="accent1">
+              <a:lumMod val="75000"/>
+            </a:schemeClr>
+          </a:lnRef>
+          <a:fillRef idx="1">
+            <a:schemeClr val="accent1"/>
+          </a:fillRef>
+          <a:effectRef idx="0">
+            <a:srgbClr val="FFFFFF"/>
+          </a:effectRef>
+          <a:fontRef idx="minor">
+            <a:schemeClr val="lt1"/>
+          </a:fontRef>
+        </p:style>
+        <p:txBody>
+          <a:bodyPr rtlCol="0" anchor="ctr"/>
+          <a:p>
+            <a:pPr algn="ctr"/>
+            <a:endParaRPr lang="zh-CN" altLang="en-US"/>
+          </a:p>
+        </p:txBody>
+      </p:sp>
+      <p:cxnSp>
+        <p:nvCxnSpPr>
+          <p:cNvPr id="58" name="肘形连接符 57"/>
+          <p:cNvCxnSpPr/>
+          <p:nvPr>
+            <p:custDataLst>
+              <p:tags r:id="rId10"/>
+            </p:custDataLst>
+          </p:nvPr>
+        </p:nvCxnSpPr>
+        <p:spPr>
+          <a:xfrm rot="10800000" flipV="1">
+            <a:off x="3647440" y="1720850"/>
+            <a:ext cx="785495" cy="6350"/>
+          </a:xfrm>
+          <a:prstGeom prst="bentConnector3">
+            <a:avLst>
+              <a:gd name="adj1" fmla="val 49960"/>
+            </a:avLst>
+          </a:prstGeom>
+          <a:ln>
+            <a:tailEnd type="arrow"/>
+          </a:ln>
+        </p:spPr>
+        <p:style>
+          <a:lnRef idx="2">
+            <a:schemeClr val="accent1"/>
+          </a:lnRef>
+          <a:fillRef idx="0">
+            <a:srgbClr val="FFFFFF"/>
+          </a:fillRef>
+          <a:effectRef idx="0">
+            <a:srgbClr val="FFFFFF"/>
+          </a:effectRef>
+          <a:fontRef idx="minor">
+            <a:schemeClr val="tx1"/>
+          </a:fontRef>
+        </p:style>
+      </p:cxnSp>
+      <p:sp>
+        <p:nvSpPr>
+          <p:cNvPr id="59" name="矩形 58"/>
+          <p:cNvSpPr/>
+          <p:nvPr>
+            <p:custDataLst>
+              <p:tags r:id="rId11"/>
+            </p:custDataLst>
+          </p:nvPr>
+        </p:nvSpPr>
+        <p:spPr>
+          <a:xfrm>
+            <a:off x="2482215" y="1489710"/>
+            <a:ext cx="1174115" cy="462915"/>
+          </a:xfrm>
+          <a:prstGeom prst="rect">
+            <a:avLst/>
+          </a:prstGeom>
+        </p:spPr>
+        <p:style>
+          <a:lnRef idx="2">
+            <a:schemeClr val="accent1">
+              <a:lumMod val="75000"/>
+            </a:schemeClr>
+          </a:lnRef>
+          <a:fillRef idx="1">
+            <a:schemeClr val="accent1"/>
+          </a:fillRef>
+          <a:effectRef idx="0">
+            <a:srgbClr val="FFFFFF"/>
+          </a:effectRef>
+          <a:fontRef idx="minor">
+            <a:schemeClr val="lt1"/>
+          </a:fontRef>
+        </p:style>
+        <p:txBody>
+          <a:bodyPr rtlCol="0" anchor="ctr"/>
+          <a:p>
+            <a:pPr algn="ctr"/>
+            <a:r>
+              <a:rPr lang="zh-CN" altLang="en-US" sz="1200"/>
+              <a:t>违规类型</a:t>
+            </a:r>
+            <a:r>
+              <a:rPr lang="en-US" altLang="zh-CN" sz="1200"/>
+              <a:t>/</a:t>
+            </a:r>
+            <a:r>
+              <a:rPr lang="zh-CN" altLang="en-US" sz="1200"/>
+              <a:t>片段</a:t>
+            </a:r>
+            <a:endParaRPr lang="zh-CN" altLang="en-US" sz="1200"/>
+          </a:p>
+        </p:txBody>
+      </p:sp>
+      <p:sp>
+        <p:nvSpPr>
+          <p:cNvPr id="60" name="文本框 59"/>
+          <p:cNvSpPr txBox="1"/>
+          <p:nvPr>
+            <p:custDataLst>
+              <p:tags r:id="rId12"/>
+            </p:custDataLst>
+          </p:nvPr>
+        </p:nvSpPr>
+        <p:spPr>
+          <a:xfrm>
+            <a:off x="3927475" y="1308100"/>
+            <a:ext cx="368300" cy="275590"/>
+          </a:xfrm>
+          <a:prstGeom prst="rect">
+            <a:avLst/>
+          </a:prstGeom>
+          <a:noFill/>
+        </p:spPr>
+        <p:txBody>
+          <a:bodyPr wrap="square" rtlCol="0">
+            <a:spAutoFit/>
+          </a:bodyPr>
+          <a:p>
+            <a:r>
+              <a:rPr lang="en-US" altLang="zh-CN" sz="1200"/>
+              <a:t>y</a:t>
+            </a:r>
+            <a:endParaRPr lang="en-US" altLang="zh-CN" sz="1200"/>
+          </a:p>
+        </p:txBody>
+      </p:sp>
+      <p:sp>
+        <p:nvSpPr>
+          <p:cNvPr id="61" name="文本框 60"/>
+          <p:cNvSpPr txBox="1"/>
+          <p:nvPr>
+            <p:custDataLst>
+              <p:tags r:id="rId13"/>
+            </p:custDataLst>
+          </p:nvPr>
+        </p:nvSpPr>
+        <p:spPr>
+          <a:xfrm>
+            <a:off x="4488180" y="2178050"/>
+            <a:ext cx="365125" cy="275590"/>
+          </a:xfrm>
+          <a:prstGeom prst="rect">
+            <a:avLst/>
+          </a:prstGeom>
+          <a:noFill/>
+        </p:spPr>
+        <p:txBody>
+          <a:bodyPr wrap="square" rtlCol="0" anchor="t">
+            <a:spAutoFit/>
+          </a:bodyPr>
+          <a:p>
+            <a:r>
+              <a:rPr lang="en-US" altLang="zh-CN" sz="1200">
+                <a:sym typeface="+mn-ea"/>
+              </a:rPr>
+              <a:t>n</a:t>
+            </a:r>
+            <a:endParaRPr lang="en-US" altLang="zh-CN" sz="1200">
+              <a:sym typeface="+mn-ea"/>
+            </a:endParaRPr>
+          </a:p>
+        </p:txBody>
+      </p:sp>
+      <p:sp>
+        <p:nvSpPr>
+          <p:cNvPr id="4" name="矩形 3"/>
+          <p:cNvSpPr/>
+          <p:nvPr/>
+        </p:nvSpPr>
+        <p:spPr>
+          <a:xfrm>
+            <a:off x="4106545" y="2654300"/>
+            <a:ext cx="1568450" cy="606425"/>
+          </a:xfrm>
+          <a:prstGeom prst="rect">
+            <a:avLst/>
+          </a:prstGeom>
+        </p:spPr>
+        <p:style>
+          <a:lnRef idx="2">
+            <a:schemeClr val="accent1">
+              <a:shade val="50000"/>
+            </a:schemeClr>
+          </a:lnRef>
+          <a:fillRef idx="1">
+            <a:schemeClr val="accent1"/>
+          </a:fillRef>
+          <a:effectRef idx="0">
+            <a:schemeClr val="accent1"/>
+          </a:effectRef>
+          <a:fontRef idx="minor">
+            <a:schemeClr val="lt1"/>
+          </a:fontRef>
+        </p:style>
+        <p:txBody>
+          <a:bodyPr rtlCol="0" anchor="ctr"/>
+          <a:p>
+            <a:pPr algn="ctr"/>
+            <a:r>
+              <a:rPr lang="zh-CN" altLang="en-US" sz="1600"/>
+              <a:t>向量检索</a:t>
+            </a:r>
+            <a:endParaRPr lang="zh-CN" altLang="en-US" sz="1600"/>
+          </a:p>
+          <a:p>
+            <a:pPr algn="ctr"/>
+            <a:r>
+              <a:rPr lang="zh-CN" altLang="en-US" sz="1600"/>
+              <a:t>（多路召回）</a:t>
+            </a:r>
+            <a:endParaRPr lang="zh-CN" altLang="en-US" sz="1600"/>
+          </a:p>
+        </p:txBody>
+      </p:sp>
+      <p:cxnSp>
+        <p:nvCxnSpPr>
+          <p:cNvPr id="5" name="直接箭头连接符 4"/>
+          <p:cNvCxnSpPr>
+            <a:endCxn id="4" idx="0"/>
+          </p:cNvCxnSpPr>
+          <p:nvPr/>
+        </p:nvCxnSpPr>
+        <p:spPr>
+          <a:xfrm>
+            <a:off x="4888230" y="2173605"/>
+            <a:ext cx="2540" cy="480695"/>
+          </a:xfrm>
+          <a:prstGeom prst="straightConnector1">
+            <a:avLst/>
+          </a:prstGeom>
+          <a:ln>
+            <a:tailEnd type="arrow"/>
+          </a:ln>
+        </p:spPr>
+        <p:style>
+          <a:lnRef idx="1">
+            <a:schemeClr val="accent1"/>
+          </a:lnRef>
+          <a:fillRef idx="0">
+            <a:schemeClr val="accent1"/>
+          </a:fillRef>
+          <a:effectRef idx="0">
+            <a:schemeClr val="accent1"/>
+          </a:effectRef>
+          <a:fontRef idx="minor">
+            <a:schemeClr val="tx1"/>
+          </a:fontRef>
+        </p:style>
+      </p:cxnSp>
+      <p:sp>
+        <p:nvSpPr>
+          <p:cNvPr id="6" name="圆柱形 5"/>
+          <p:cNvSpPr/>
+          <p:nvPr>
+            <p:custDataLst>
+              <p:tags r:id="rId14"/>
+            </p:custDataLst>
+          </p:nvPr>
+        </p:nvSpPr>
+        <p:spPr>
+          <a:xfrm>
+            <a:off x="6588760" y="2497455"/>
+            <a:ext cx="887095" cy="763270"/>
+          </a:xfrm>
+          <a:prstGeom prst="can">
+            <a:avLst/>
+          </a:prstGeom>
+        </p:spPr>
+        <p:style>
+          <a:lnRef idx="2">
+            <a:schemeClr val="accent1">
+              <a:lumMod val="75000"/>
+            </a:schemeClr>
+          </a:lnRef>
+          <a:fillRef idx="1">
+            <a:schemeClr val="accent1"/>
+          </a:fillRef>
+          <a:effectRef idx="0">
+            <a:srgbClr val="FFFFFF"/>
+          </a:effectRef>
+          <a:fontRef idx="minor">
+            <a:schemeClr val="lt1"/>
+          </a:fontRef>
+        </p:style>
+        <p:txBody>
+          <a:bodyPr rtlCol="0" anchor="ctr"/>
+          <a:p>
+            <a:pPr algn="ctr"/>
+            <a:r>
+              <a:rPr lang="zh-CN" altLang="en-US" sz="1400"/>
+              <a:t>语料库</a:t>
+            </a:r>
+            <a:endParaRPr lang="zh-CN" altLang="en-US" sz="1400"/>
+          </a:p>
+        </p:txBody>
+      </p:sp>
+      <p:sp>
+        <p:nvSpPr>
+          <p:cNvPr id="7" name="左箭头 6"/>
+          <p:cNvSpPr/>
+          <p:nvPr>
+            <p:custDataLst>
+              <p:tags r:id="rId15"/>
+            </p:custDataLst>
+          </p:nvPr>
+        </p:nvSpPr>
+        <p:spPr>
+          <a:xfrm>
+            <a:off x="5956935" y="2724150"/>
+            <a:ext cx="485140" cy="435610"/>
+          </a:xfrm>
+          <a:prstGeom prst="leftArrow">
+            <a:avLst/>
+          </a:prstGeom>
+        </p:spPr>
+        <p:style>
+          <a:lnRef idx="2">
+            <a:schemeClr val="accent1">
+              <a:lumMod val="75000"/>
+            </a:schemeClr>
+          </a:lnRef>
+          <a:fillRef idx="1">
+            <a:schemeClr val="accent1"/>
+          </a:fillRef>
+          <a:effectRef idx="0">
+            <a:srgbClr val="FFFFFF"/>
+          </a:effectRef>
+          <a:fontRef idx="minor">
+            <a:schemeClr val="lt1"/>
+          </a:fontRef>
+        </p:style>
+        <p:txBody>
+          <a:bodyPr rtlCol="0" anchor="ctr"/>
+          <a:p>
+            <a:pPr algn="ctr"/>
+            <a:endParaRPr lang="zh-CN" altLang="en-US"/>
+          </a:p>
+        </p:txBody>
+      </p:sp>
+      <p:sp>
+        <p:nvSpPr>
+          <p:cNvPr id="8" name="矩形 7"/>
+          <p:cNvSpPr/>
+          <p:nvPr/>
+        </p:nvSpPr>
+        <p:spPr>
+          <a:xfrm>
+            <a:off x="3848100" y="3709670"/>
+            <a:ext cx="2082800" cy="465455"/>
+          </a:xfrm>
+          <a:prstGeom prst="rect">
+            <a:avLst/>
+          </a:prstGeom>
+        </p:spPr>
+        <p:style>
+          <a:lnRef idx="2">
+            <a:schemeClr val="accent1">
+              <a:shade val="50000"/>
+            </a:schemeClr>
+          </a:lnRef>
+          <a:fillRef idx="1">
+            <a:schemeClr val="accent1"/>
+          </a:fillRef>
+          <a:effectRef idx="0">
+            <a:schemeClr val="accent1"/>
+          </a:effectRef>
+          <a:fontRef idx="minor">
+            <a:schemeClr val="lt1"/>
+          </a:fontRef>
+        </p:style>
+        <p:txBody>
+          <a:bodyPr rtlCol="0" anchor="ctr"/>
+          <a:p>
+            <a:pPr algn="ctr"/>
+            <a:r>
+              <a:rPr lang="zh-CN" altLang="en-US" sz="1600"/>
+              <a:t>类别确定</a:t>
+            </a:r>
+            <a:endParaRPr lang="zh-CN" altLang="en-US" sz="1600"/>
+          </a:p>
+        </p:txBody>
+      </p:sp>
+      <p:cxnSp>
+        <p:nvCxnSpPr>
+          <p:cNvPr id="9" name="直接箭头连接符 8"/>
+          <p:cNvCxnSpPr>
+            <a:stCxn id="4" idx="2"/>
+            <a:endCxn id="8" idx="0"/>
+          </p:cNvCxnSpPr>
+          <p:nvPr/>
+        </p:nvCxnSpPr>
+        <p:spPr>
+          <a:xfrm flipH="1">
+            <a:off x="4889500" y="3260725"/>
+            <a:ext cx="1270" cy="448945"/>
+          </a:xfrm>
+          <a:prstGeom prst="straightConnector1">
+            <a:avLst/>
+          </a:prstGeom>
+          <a:ln>
+            <a:tailEnd type="arrow"/>
+          </a:ln>
+        </p:spPr>
+        <p:style>
+          <a:lnRef idx="1">
+            <a:schemeClr val="accent1"/>
+          </a:lnRef>
+          <a:fillRef idx="0">
+            <a:schemeClr val="accent1"/>
+          </a:fillRef>
+          <a:effectRef idx="0">
+            <a:schemeClr val="accent1"/>
+          </a:effectRef>
+          <a:fontRef idx="minor">
+            <a:schemeClr val="tx1"/>
+          </a:fontRef>
+        </p:style>
+      </p:cxnSp>
+      <p:sp>
+        <p:nvSpPr>
+          <p:cNvPr id="10" name="文本框 9"/>
+          <p:cNvSpPr txBox="1"/>
+          <p:nvPr>
+            <p:custDataLst>
+              <p:tags r:id="rId16"/>
+            </p:custDataLst>
+          </p:nvPr>
+        </p:nvSpPr>
+        <p:spPr>
+          <a:xfrm>
+            <a:off x="4915535" y="3395345"/>
+            <a:ext cx="1381125" cy="275590"/>
+          </a:xfrm>
+          <a:prstGeom prst="rect">
+            <a:avLst/>
+          </a:prstGeom>
+          <a:noFill/>
+        </p:spPr>
+        <p:txBody>
+          <a:bodyPr wrap="square" rtlCol="0" anchor="t">
+            <a:spAutoFit/>
+          </a:bodyPr>
+          <a:p>
+            <a:r>
+              <a:rPr lang="zh-CN" altLang="en-US" sz="1200">
+                <a:sym typeface="+mn-ea"/>
+              </a:rPr>
+              <a:t>后处理策略</a:t>
+            </a:r>
+            <a:endParaRPr lang="zh-CN" altLang="en-US" sz="1200">
+              <a:sym typeface="+mn-ea"/>
+            </a:endParaRPr>
+          </a:p>
+        </p:txBody>
+      </p:sp>
+      <p:cxnSp>
+        <p:nvCxnSpPr>
+          <p:cNvPr id="11" name="直接箭头连接符 10"/>
+          <p:cNvCxnSpPr>
+            <a:stCxn id="8" idx="2"/>
+            <a:endCxn id="12" idx="0"/>
+          </p:cNvCxnSpPr>
+          <p:nvPr/>
+        </p:nvCxnSpPr>
+        <p:spPr>
+          <a:xfrm>
+            <a:off x="4889500" y="4175125"/>
+            <a:ext cx="2540" cy="448945"/>
+          </a:xfrm>
+          <a:prstGeom prst="straightConnector1">
+            <a:avLst/>
+          </a:prstGeom>
+          <a:ln>
+            <a:tailEnd type="arrow"/>
+          </a:ln>
+        </p:spPr>
+        <p:style>
+          <a:lnRef idx="1">
+            <a:schemeClr val="accent1"/>
+          </a:lnRef>
+          <a:fillRef idx="0">
+            <a:schemeClr val="accent1"/>
+          </a:fillRef>
+          <a:effectRef idx="0">
+            <a:schemeClr val="accent1"/>
+          </a:effectRef>
+          <a:fontRef idx="minor">
+            <a:schemeClr val="tx1"/>
+          </a:fontRef>
+        </p:style>
+      </p:cxnSp>
+      <p:sp>
+        <p:nvSpPr>
+          <p:cNvPr id="12" name="矩形 11"/>
+          <p:cNvSpPr/>
+          <p:nvPr/>
+        </p:nvSpPr>
+        <p:spPr>
+          <a:xfrm>
+            <a:off x="4257040" y="4624070"/>
+            <a:ext cx="1270000" cy="465455"/>
+          </a:xfrm>
+          <a:prstGeom prst="rect">
+            <a:avLst/>
+          </a:prstGeom>
+        </p:spPr>
+        <p:style>
+          <a:lnRef idx="2">
+            <a:schemeClr val="accent1">
+              <a:shade val="50000"/>
+            </a:schemeClr>
+          </a:lnRef>
+          <a:fillRef idx="1">
+            <a:schemeClr val="accent1"/>
+          </a:fillRef>
+          <a:effectRef idx="0">
+            <a:schemeClr val="accent1"/>
+          </a:effectRef>
+          <a:fontRef idx="minor">
+            <a:schemeClr val="lt1"/>
+          </a:fontRef>
+        </p:style>
+        <p:txBody>
+          <a:bodyPr rtlCol="0" anchor="ctr"/>
+          <a:p>
+            <a:pPr algn="ctr"/>
+            <a:r>
+              <a:rPr lang="zh-CN" altLang="en-US" sz="1600"/>
+              <a:t>片段抽取</a:t>
+            </a:r>
+            <a:endParaRPr lang="zh-CN" altLang="en-US" sz="1600"/>
+          </a:p>
+        </p:txBody>
+      </p:sp>
+      <p:sp>
+        <p:nvSpPr>
+          <p:cNvPr id="14" name="文本框 13"/>
+          <p:cNvSpPr txBox="1"/>
+          <p:nvPr/>
+        </p:nvSpPr>
+        <p:spPr>
+          <a:xfrm>
+            <a:off x="4929505" y="4215130"/>
+            <a:ext cx="847725" cy="306705"/>
+          </a:xfrm>
+          <a:prstGeom prst="rect">
+            <a:avLst/>
+          </a:prstGeom>
+          <a:noFill/>
+        </p:spPr>
+        <p:txBody>
+          <a:bodyPr wrap="square" rtlCol="0" anchor="t">
+            <a:spAutoFit/>
+          </a:bodyPr>
+          <a:p>
+            <a:pPr algn="ctr"/>
+            <a:r>
+              <a:rPr lang="en-US" altLang="zh-CN" sz="1400">
+                <a:sym typeface="+mn-ea"/>
+              </a:rPr>
+              <a:t>UIE</a:t>
+            </a:r>
+            <a:endParaRPr lang="en-US" altLang="zh-CN" sz="1400">
+              <a:sym typeface="+mn-ea"/>
+            </a:endParaRPr>
+          </a:p>
+        </p:txBody>
+      </p:sp>
+      <p:sp>
+        <p:nvSpPr>
+          <p:cNvPr id="15" name="矩形 14"/>
+          <p:cNvSpPr/>
+          <p:nvPr/>
+        </p:nvSpPr>
+        <p:spPr>
+          <a:xfrm>
+            <a:off x="4083685" y="5559425"/>
+            <a:ext cx="1693545" cy="448945"/>
+          </a:xfrm>
+          <a:prstGeom prst="rect">
+            <a:avLst/>
+          </a:prstGeom>
+        </p:spPr>
+        <p:style>
+          <a:lnRef idx="2">
+            <a:schemeClr val="accent1">
+              <a:shade val="50000"/>
+            </a:schemeClr>
+          </a:lnRef>
+          <a:fillRef idx="1">
+            <a:schemeClr val="accent1"/>
+          </a:fillRef>
+          <a:effectRef idx="0">
+            <a:schemeClr val="accent1"/>
+          </a:effectRef>
+          <a:fontRef idx="minor">
+            <a:schemeClr val="lt1"/>
+          </a:fontRef>
+        </p:style>
+        <p:txBody>
+          <a:bodyPr rtlCol="0" anchor="ctr"/>
+          <a:p>
+            <a:pPr algn="ctr"/>
+            <a:r>
+              <a:rPr lang="zh-CN" altLang="en-US"/>
+              <a:t>返回结果</a:t>
+            </a:r>
+            <a:endParaRPr lang="zh-CN" altLang="en-US"/>
+          </a:p>
+        </p:txBody>
+      </p:sp>
+      <p:cxnSp>
+        <p:nvCxnSpPr>
+          <p:cNvPr id="16" name="直接箭头连接符 15"/>
+          <p:cNvCxnSpPr/>
+          <p:nvPr/>
+        </p:nvCxnSpPr>
+        <p:spPr>
+          <a:xfrm>
+            <a:off x="4892040" y="5089525"/>
+            <a:ext cx="2540" cy="480695"/>
+          </a:xfrm>
+          <a:prstGeom prst="straightConnector1">
+            <a:avLst/>
+          </a:prstGeom>
+          <a:ln>
+            <a:tailEnd type="arrow"/>
+          </a:ln>
+        </p:spPr>
+        <p:style>
+          <a:lnRef idx="1">
+            <a:schemeClr val="accent1"/>
+          </a:lnRef>
+          <a:fillRef idx="0">
+            <a:schemeClr val="accent1"/>
+          </a:fillRef>
+          <a:effectRef idx="0">
+            <a:schemeClr val="accent1"/>
+          </a:effectRef>
+          <a:fontRef idx="minor">
+            <a:schemeClr val="tx1"/>
+          </a:fontRef>
+        </p:style>
+      </p:cxnSp>
+      <p:sp>
+        <p:nvSpPr>
+          <p:cNvPr id="38" name="矩形 37"/>
+          <p:cNvSpPr/>
+          <p:nvPr>
+            <p:custDataLst>
+              <p:tags r:id="rId17"/>
+            </p:custDataLst>
+          </p:nvPr>
+        </p:nvSpPr>
+        <p:spPr>
+          <a:xfrm>
+            <a:off x="7456805" y="5091430"/>
+            <a:ext cx="1013460" cy="401955"/>
+          </a:xfrm>
+          <a:prstGeom prst="rect">
+            <a:avLst/>
+          </a:prstGeom>
+        </p:spPr>
+        <p:style>
+          <a:lnRef idx="2">
+            <a:schemeClr val="accent1">
+              <a:lumMod val="75000"/>
+            </a:schemeClr>
+          </a:lnRef>
+          <a:fillRef idx="1">
+            <a:schemeClr val="accent1"/>
+          </a:fillRef>
+          <a:effectRef idx="0">
+            <a:srgbClr val="FFFFFF"/>
+          </a:effectRef>
+          <a:fontRef idx="minor">
+            <a:schemeClr val="lt1"/>
+          </a:fontRef>
+        </p:style>
+        <p:txBody>
+          <a:bodyPr rtlCol="0" anchor="ctr"/>
+          <a:p>
+            <a:pPr algn="ctr"/>
+            <a:r>
+              <a:rPr lang="zh-CN" altLang="en-US" sz="1400"/>
+              <a:t>敏感片段</a:t>
+            </a:r>
+            <a:endParaRPr lang="zh-CN" altLang="en-US" sz="1400"/>
+          </a:p>
+        </p:txBody>
+      </p:sp>
+      <p:sp>
+        <p:nvSpPr>
+          <p:cNvPr id="41" name="矩形 40"/>
+          <p:cNvSpPr/>
+          <p:nvPr>
+            <p:custDataLst>
+              <p:tags r:id="rId18"/>
+            </p:custDataLst>
+          </p:nvPr>
+        </p:nvSpPr>
+        <p:spPr>
+          <a:xfrm>
+            <a:off x="10013950" y="5091430"/>
+            <a:ext cx="847725" cy="401955"/>
+          </a:xfrm>
+          <a:prstGeom prst="rect">
+            <a:avLst/>
+          </a:prstGeom>
+        </p:spPr>
+        <p:style>
+          <a:lnRef idx="2">
+            <a:schemeClr val="accent1">
+              <a:lumMod val="75000"/>
+            </a:schemeClr>
+          </a:lnRef>
+          <a:fillRef idx="1">
+            <a:schemeClr val="accent1"/>
+          </a:fillRef>
+          <a:effectRef idx="0">
+            <a:srgbClr val="FFFFFF"/>
+          </a:effectRef>
+          <a:fontRef idx="minor">
+            <a:schemeClr val="lt1"/>
+          </a:fontRef>
+        </p:style>
+        <p:txBody>
+          <a:bodyPr rtlCol="0" anchor="ctr"/>
+          <a:p>
+            <a:pPr algn="ctr"/>
+            <a:r>
+              <a:rPr lang="zh-CN" altLang="en-US" sz="1400"/>
+              <a:t>隐私</a:t>
+            </a:r>
+            <a:r>
+              <a:rPr lang="zh-CN" altLang="en-US" sz="1400"/>
+              <a:t>片段</a:t>
+            </a:r>
+            <a:endParaRPr lang="zh-CN" altLang="en-US" sz="1400"/>
+          </a:p>
+        </p:txBody>
+      </p:sp>
+      <p:sp>
+        <p:nvSpPr>
+          <p:cNvPr id="43" name="文本框 42"/>
+          <p:cNvSpPr txBox="1"/>
+          <p:nvPr/>
+        </p:nvSpPr>
+        <p:spPr>
+          <a:xfrm>
+            <a:off x="7012305" y="4759960"/>
+            <a:ext cx="970280" cy="275590"/>
+          </a:xfrm>
+          <a:prstGeom prst="rect">
+            <a:avLst/>
+          </a:prstGeom>
+          <a:noFill/>
+        </p:spPr>
+        <p:txBody>
+          <a:bodyPr wrap="square" rtlCol="0">
+            <a:spAutoFit/>
+          </a:bodyPr>
+          <a:p>
+            <a:r>
+              <a:rPr lang="en-US" altLang="zh-CN" sz="1200"/>
+              <a:t>NER1+</a:t>
+            </a:r>
+            <a:r>
+              <a:rPr lang="zh-CN" altLang="en-US" sz="1200"/>
+              <a:t>策略</a:t>
+            </a:r>
+            <a:endParaRPr lang="zh-CN" altLang="en-US" sz="1200"/>
+          </a:p>
+        </p:txBody>
+      </p:sp>
+      <p:sp>
+        <p:nvSpPr>
+          <p:cNvPr id="44" name="文本框 43"/>
+          <p:cNvSpPr txBox="1"/>
+          <p:nvPr>
+            <p:custDataLst>
+              <p:tags r:id="rId19"/>
+            </p:custDataLst>
+          </p:nvPr>
+        </p:nvSpPr>
+        <p:spPr>
+          <a:xfrm>
+            <a:off x="9326245" y="4759960"/>
+            <a:ext cx="1031240" cy="275590"/>
+          </a:xfrm>
+          <a:prstGeom prst="rect">
+            <a:avLst/>
+          </a:prstGeom>
+          <a:noFill/>
+        </p:spPr>
+        <p:txBody>
+          <a:bodyPr wrap="square" rtlCol="0">
+            <a:spAutoFit/>
+          </a:bodyPr>
+          <a:p>
+            <a:r>
+              <a:rPr lang="en-US" altLang="zh-CN" sz="1200"/>
+              <a:t>NER2+</a:t>
+            </a:r>
+            <a:r>
+              <a:rPr lang="zh-CN" altLang="en-US" sz="1200"/>
+              <a:t>策略</a:t>
+            </a:r>
+            <a:endParaRPr lang="zh-CN" altLang="en-US" sz="1200"/>
+          </a:p>
+        </p:txBody>
+      </p:sp>
+      <p:sp>
+        <p:nvSpPr>
+          <p:cNvPr id="45" name="矩形 44"/>
+          <p:cNvSpPr/>
+          <p:nvPr>
+            <p:custDataLst>
+              <p:tags r:id="rId20"/>
+            </p:custDataLst>
+          </p:nvPr>
+        </p:nvSpPr>
+        <p:spPr>
+          <a:xfrm>
+            <a:off x="8616315" y="5622925"/>
+            <a:ext cx="1174115" cy="462915"/>
+          </a:xfrm>
+          <a:prstGeom prst="rect">
+            <a:avLst/>
+          </a:prstGeom>
+        </p:spPr>
+        <p:style>
+          <a:lnRef idx="2">
+            <a:schemeClr val="accent1">
+              <a:lumMod val="75000"/>
+            </a:schemeClr>
+          </a:lnRef>
+          <a:fillRef idx="1">
+            <a:schemeClr val="accent1"/>
+          </a:fillRef>
+          <a:effectRef idx="0">
+            <a:srgbClr val="FFFFFF"/>
+          </a:effectRef>
+          <a:fontRef idx="minor">
+            <a:schemeClr val="lt1"/>
+          </a:fontRef>
+        </p:style>
+        <p:txBody>
+          <a:bodyPr rtlCol="0" anchor="ctr"/>
+          <a:p>
+            <a:pPr algn="ctr"/>
+            <a:r>
+              <a:rPr lang="zh-CN" altLang="en-US" sz="1200"/>
+              <a:t>违规类型</a:t>
+            </a:r>
+            <a:r>
+              <a:rPr lang="en-US" altLang="zh-CN" sz="1200"/>
+              <a:t>/</a:t>
+            </a:r>
+            <a:r>
+              <a:rPr lang="zh-CN" altLang="en-US" sz="1200"/>
+              <a:t>片段</a:t>
+            </a:r>
+            <a:endParaRPr lang="zh-CN" altLang="en-US" sz="1200"/>
+          </a:p>
+        </p:txBody>
+      </p:sp>
+      <p:sp>
+        <p:nvSpPr>
+          <p:cNvPr id="47" name="文本框 46"/>
+          <p:cNvSpPr txBox="1"/>
+          <p:nvPr/>
+        </p:nvSpPr>
+        <p:spPr>
+          <a:xfrm>
+            <a:off x="9267825" y="5217795"/>
+            <a:ext cx="631190" cy="275590"/>
+          </a:xfrm>
+          <a:prstGeom prst="rect">
+            <a:avLst/>
+          </a:prstGeom>
+          <a:noFill/>
+        </p:spPr>
+        <p:txBody>
+          <a:bodyPr wrap="square" rtlCol="0">
+            <a:spAutoFit/>
+          </a:bodyPr>
+          <a:p>
+            <a:r>
+              <a:rPr lang="zh-CN" altLang="en-US" sz="1200"/>
+              <a:t>输出</a:t>
+            </a:r>
+            <a:endParaRPr lang="zh-CN" altLang="en-US" sz="1200"/>
+          </a:p>
+        </p:txBody>
+      </p:sp>
+      <p:cxnSp>
+        <p:nvCxnSpPr>
+          <p:cNvPr id="48" name="直接箭头连接符 47"/>
+          <p:cNvCxnSpPr>
+            <a:stCxn id="38" idx="3"/>
+          </p:cNvCxnSpPr>
+          <p:nvPr/>
+        </p:nvCxnSpPr>
+        <p:spPr>
+          <a:xfrm>
+            <a:off x="8470265" y="5292725"/>
+            <a:ext cx="916940" cy="344170"/>
+          </a:xfrm>
+          <a:prstGeom prst="straightConnector1">
+            <a:avLst/>
+          </a:prstGeom>
+          <a:ln>
+            <a:prstDash val="lgDash"/>
+            <a:tailEnd type="arrow"/>
+          </a:ln>
+        </p:spPr>
+        <p:style>
+          <a:lnRef idx="2">
+            <a:schemeClr val="accent1"/>
+          </a:lnRef>
+          <a:fillRef idx="0">
+            <a:srgbClr val="FFFFFF"/>
+          </a:fillRef>
+          <a:effectRef idx="0">
+            <a:srgbClr val="FFFFFF"/>
+          </a:effectRef>
+          <a:fontRef idx="minor">
+            <a:schemeClr val="tx1"/>
+          </a:fontRef>
+        </p:style>
+      </p:cxnSp>
+      <p:cxnSp>
+        <p:nvCxnSpPr>
+          <p:cNvPr id="49" name="直接箭头连接符 48"/>
+          <p:cNvCxnSpPr>
+            <a:stCxn id="41" idx="1"/>
+            <a:endCxn id="45" idx="0"/>
+          </p:cNvCxnSpPr>
+          <p:nvPr>
+            <p:custDataLst>
+              <p:tags r:id="rId21"/>
+            </p:custDataLst>
+          </p:nvPr>
+        </p:nvCxnSpPr>
+        <p:spPr>
+          <a:xfrm flipH="1">
+            <a:off x="9203690" y="5292725"/>
+            <a:ext cx="810260" cy="330200"/>
+          </a:xfrm>
+          <a:prstGeom prst="straightConnector1">
+            <a:avLst/>
+          </a:prstGeom>
+          <a:ln>
+            <a:prstDash val="lgDash"/>
+            <a:tailEnd type="arrow"/>
+          </a:ln>
+        </p:spPr>
+        <p:style>
+          <a:lnRef idx="2">
+            <a:schemeClr val="accent1"/>
+          </a:lnRef>
+          <a:fillRef idx="0">
+            <a:srgbClr val="FFFFFF"/>
+          </a:fillRef>
+          <a:effectRef idx="0">
+            <a:srgbClr val="FFFFFF"/>
+          </a:effectRef>
+          <a:fontRef idx="minor">
+            <a:schemeClr val="tx1"/>
+          </a:fontRef>
+        </p:style>
+      </p:cxnSp>
+      <p:sp>
+        <p:nvSpPr>
+          <p:cNvPr id="50" name="文本框 49"/>
+          <p:cNvSpPr txBox="1"/>
+          <p:nvPr/>
+        </p:nvSpPr>
+        <p:spPr>
+          <a:xfrm>
+            <a:off x="7922895" y="4484370"/>
+            <a:ext cx="1111885" cy="275590"/>
+          </a:xfrm>
+          <a:prstGeom prst="rect">
+            <a:avLst/>
+          </a:prstGeom>
+          <a:noFill/>
+        </p:spPr>
+        <p:txBody>
+          <a:bodyPr wrap="square" rtlCol="0">
+            <a:spAutoFit/>
+          </a:bodyPr>
+          <a:p>
+            <a:r>
+              <a:rPr lang="zh-CN" altLang="en-US" sz="1200"/>
+              <a:t>广告</a:t>
+            </a:r>
+            <a:r>
+              <a:rPr lang="en-US" altLang="zh-CN" sz="1200"/>
+              <a:t>/</a:t>
+            </a:r>
+            <a:r>
+              <a:rPr lang="zh-CN" altLang="en-US" sz="1200"/>
+              <a:t>辱骂等</a:t>
+            </a:r>
+            <a:endParaRPr lang="zh-CN" altLang="en-US" sz="1200"/>
+          </a:p>
+        </p:txBody>
+      </p:sp>
+      <p:sp>
+        <p:nvSpPr>
+          <p:cNvPr id="51" name="文本框 50"/>
+          <p:cNvSpPr txBox="1"/>
+          <p:nvPr>
+            <p:custDataLst>
+              <p:tags r:id="rId22"/>
+            </p:custDataLst>
+          </p:nvPr>
+        </p:nvSpPr>
+        <p:spPr>
+          <a:xfrm>
+            <a:off x="9310370" y="4476750"/>
+            <a:ext cx="1111885" cy="275590"/>
+          </a:xfrm>
+          <a:prstGeom prst="rect">
+            <a:avLst/>
+          </a:prstGeom>
+          <a:noFill/>
+        </p:spPr>
+        <p:txBody>
+          <a:bodyPr wrap="square" rtlCol="0">
+            <a:spAutoFit/>
+          </a:bodyPr>
+          <a:p>
+            <a:r>
+              <a:rPr lang="zh-CN" altLang="en-US" sz="1200"/>
+              <a:t>个人隐私</a:t>
+            </a:r>
+            <a:endParaRPr lang="zh-CN" altLang="en-US" sz="1200"/>
+          </a:p>
+        </p:txBody>
+      </p:sp>
+      <p:sp>
+        <p:nvSpPr>
+          <p:cNvPr id="18" name="矩形 17"/>
+          <p:cNvSpPr/>
+          <p:nvPr/>
+        </p:nvSpPr>
+        <p:spPr>
+          <a:xfrm>
+            <a:off x="6920230" y="4484370"/>
+            <a:ext cx="4072890" cy="1659255"/>
+          </a:xfrm>
+          <a:prstGeom prst="rect">
+            <a:avLst/>
+          </a:prstGeom>
+          <a:noFill/>
+          <a:ln w="28575" cmpd="sng">
+            <a:solidFill>
+              <a:schemeClr val="accent1">
+                <a:shade val="50000"/>
+              </a:schemeClr>
+            </a:solidFill>
+            <a:prstDash val="sysDash"/>
+          </a:ln>
+        </p:spPr>
+        <p:style>
+          <a:lnRef idx="2">
+            <a:schemeClr val="accent1">
+              <a:shade val="50000"/>
+            </a:schemeClr>
+          </a:lnRef>
+          <a:fillRef idx="1">
+            <a:schemeClr val="accent1"/>
+          </a:fillRef>
+          <a:effectRef idx="0">
+            <a:schemeClr val="accent1"/>
+          </a:effectRef>
+          <a:fontRef idx="minor">
+            <a:schemeClr val="lt1"/>
+          </a:fontRef>
+        </p:style>
+        <p:txBody>
+          <a:bodyPr rtlCol="0" anchor="ctr"/>
+          <a:p>
+            <a:pPr algn="ctr"/>
+            <a:endParaRPr lang="zh-CN" altLang="en-US"/>
+          </a:p>
+        </p:txBody>
+      </p:sp>
+      <p:sp>
+        <p:nvSpPr>
+          <p:cNvPr id="19" name="右箭头 18"/>
+          <p:cNvSpPr/>
+          <p:nvPr/>
+        </p:nvSpPr>
+        <p:spPr>
+          <a:xfrm>
+            <a:off x="6567805" y="4951730"/>
+            <a:ext cx="236855" cy="720090"/>
+          </a:xfrm>
+          <a:prstGeom prst="rightArrow">
+            <a:avLst/>
+          </a:prstGeom>
+        </p:spPr>
+        <p:style>
+          <a:lnRef idx="2">
+            <a:schemeClr val="accent1">
+              <a:shade val="50000"/>
+            </a:schemeClr>
+          </a:lnRef>
+          <a:fillRef idx="1">
+            <a:schemeClr val="accent1"/>
+          </a:fillRef>
+          <a:effectRef idx="0">
+            <a:schemeClr val="accent1"/>
+          </a:effectRef>
+          <a:fontRef idx="minor">
+            <a:schemeClr val="lt1"/>
+          </a:fontRef>
+        </p:style>
+        <p:txBody>
+          <a:bodyPr rtlCol="0" anchor="ctr"/>
+          <a:p>
+            <a:pPr algn="ctr"/>
+            <a:endParaRPr lang="zh-CN" altLang="en-US"/>
+          </a:p>
+        </p:txBody>
+      </p:sp>
+      <p:cxnSp>
+        <p:nvCxnSpPr>
+          <p:cNvPr id="20" name="肘形连接符 19"/>
+          <p:cNvCxnSpPr>
+            <a:stCxn id="8" idx="3"/>
+            <a:endCxn id="38" idx="0"/>
+          </p:cNvCxnSpPr>
+          <p:nvPr/>
+        </p:nvCxnSpPr>
+        <p:spPr>
+          <a:xfrm>
+            <a:off x="5930900" y="3942715"/>
+            <a:ext cx="2032635" cy="1148715"/>
+          </a:xfrm>
+          <a:prstGeom prst="bentConnector2">
+            <a:avLst/>
+          </a:prstGeom>
+          <a:ln>
+            <a:tailEnd type="arrow"/>
+          </a:ln>
+        </p:spPr>
+        <p:style>
+          <a:lnRef idx="1">
+            <a:schemeClr val="accent1"/>
+          </a:lnRef>
+          <a:fillRef idx="0">
+            <a:schemeClr val="accent1"/>
+          </a:fillRef>
+          <a:effectRef idx="0">
+            <a:schemeClr val="accent1"/>
+          </a:effectRef>
+          <a:fontRef idx="minor">
+            <a:schemeClr val="tx1"/>
+          </a:fontRef>
+        </p:style>
+      </p:cxnSp>
+      <p:cxnSp>
+        <p:nvCxnSpPr>
+          <p:cNvPr id="22" name="肘形连接符 21"/>
+          <p:cNvCxnSpPr>
+            <a:endCxn id="41" idx="0"/>
+          </p:cNvCxnSpPr>
+          <p:nvPr/>
+        </p:nvCxnSpPr>
+        <p:spPr>
+          <a:xfrm>
+            <a:off x="5949315" y="3944620"/>
+            <a:ext cx="4488815" cy="1146810"/>
+          </a:xfrm>
+          <a:prstGeom prst="bentConnector2">
+            <a:avLst/>
+          </a:prstGeom>
+          <a:ln>
+            <a:tailEnd type="arrow"/>
+          </a:ln>
+        </p:spPr>
+        <p:style>
+          <a:lnRef idx="1">
+            <a:schemeClr val="accent1"/>
+          </a:lnRef>
+          <a:fillRef idx="0">
+            <a:schemeClr val="accent1"/>
+          </a:fillRef>
+          <a:effectRef idx="0">
+            <a:schemeClr val="accent1"/>
+          </a:effectRef>
+          <a:fontRef idx="minor">
+            <a:schemeClr val="tx1"/>
+          </a:fontRef>
+        </p:style>
+      </p:cxnSp>
+    </p:spTree>
+  </p:cSld>
+  <p:clrMapOvr>
+    <a:masterClrMapping/>
+  </p:clrMapOvr>
+</p:sld>
+</file>
+
+<file path=ppt/slides/slide8.xml><?xml version="1.0" encoding="utf-8"?>
 <p:sld xmlns:a="http://schemas.openxmlformats.org/drawingml/2006/main" xmlns:r="http://schemas.openxmlformats.org/officeDocument/2006/relationships" xmlns:p="http://schemas.openxmlformats.org/presentationml/2006/main">
   <p:cSld>
     <p:spTree>
@@ -9215,86 +11048,6 @@
 </p:sld>
 </file>
 
-<file path=ppt/slides/slide8.xml><?xml version="1.0" encoding="utf-8"?>
-<p:sld xmlns:a="http://schemas.openxmlformats.org/drawingml/2006/main" xmlns:r="http://schemas.openxmlformats.org/officeDocument/2006/relationships" xmlns:p="http://schemas.openxmlformats.org/presentationml/2006/main">
-  <p:cSld>
-    <p:spTree>
-      <p:nvGrpSpPr>
-        <p:cNvPr id="1" name=""/>
-        <p:cNvGrpSpPr/>
-        <p:nvPr/>
-      </p:nvGrpSpPr>
-      <p:grpSpPr/>
-      <p:sp>
-        <p:nvSpPr>
-          <p:cNvPr id="2" name="标题 1"/>
-          <p:cNvSpPr>
-            <a:spLocks noGrp="1"/>
-          </p:cNvSpPr>
-          <p:nvPr>
-            <p:ph type="title"/>
-          </p:nvPr>
-        </p:nvSpPr>
-        <p:spPr>
-          <a:xfrm>
-            <a:off x="838200" y="365125"/>
-            <a:ext cx="4705985" cy="937895"/>
-          </a:xfrm>
-        </p:spPr>
-        <p:txBody>
-          <a:bodyPr/>
-          <a:p>
-            <a:r>
-              <a:rPr lang="zh-CN" altLang="en-US" sz="3600"/>
-              <a:t>不良片段抽取方式：</a:t>
-            </a:r>
-            <a:endParaRPr lang="zh-CN" altLang="en-US" sz="3600"/>
-          </a:p>
-        </p:txBody>
-      </p:sp>
-      <p:sp>
-        <p:nvSpPr>
-          <p:cNvPr id="3" name="内容占位符 2"/>
-          <p:cNvSpPr>
-            <a:spLocks noGrp="1"/>
-          </p:cNvSpPr>
-          <p:nvPr>
-            <p:ph idx="1"/>
-          </p:nvPr>
-        </p:nvSpPr>
-        <p:spPr>
-          <a:xfrm>
-            <a:off x="838200" y="1825625"/>
-            <a:ext cx="6301105" cy="1193800"/>
-          </a:xfrm>
-        </p:spPr>
-        <p:txBody>
-          <a:bodyPr/>
-          <a:p>
-            <a:r>
-              <a:rPr lang="en-US" altLang="zh-CN"/>
-              <a:t>bert-crf</a:t>
-            </a:r>
-            <a:r>
-              <a:rPr lang="zh-CN" altLang="en-US"/>
-              <a:t>：</a:t>
-            </a:r>
-            <a:r>
-              <a:rPr lang="zh-CN" altLang="en-US"/>
-              <a:t>敏感信息</a:t>
-            </a:r>
-            <a:endParaRPr lang="zh-CN" altLang="en-US"/>
-          </a:p>
-        </p:txBody>
-      </p:sp>
-    </p:spTree>
-  </p:cSld>
-  <p:clrMapOvr>
-    <a:masterClrMapping/>
-  </p:clrMapOvr>
-</p:sld>
-</file>
-
 <file path=ppt/slides/slide9.xml><?xml version="1.0" encoding="utf-8"?>
 <p:sld xmlns:a="http://schemas.openxmlformats.org/drawingml/2006/main" xmlns:r="http://schemas.openxmlformats.org/officeDocument/2006/relationships" xmlns:p="http://schemas.openxmlformats.org/presentationml/2006/main">
   <p:cSld>
@@ -9307,133 +11060,63 @@
       <p:grpSpPr/>
       <p:sp>
         <p:nvSpPr>
-          <p:cNvPr id="100" name="文本框 99"/>
-          <p:cNvSpPr txBox="1"/>
-          <p:nvPr/>
-        </p:nvSpPr>
-        <p:spPr>
-          <a:xfrm>
-            <a:off x="1572895" y="1164590"/>
-            <a:ext cx="7481570" cy="2306955"/>
-          </a:xfrm>
-          <a:prstGeom prst="rect">
-            <a:avLst/>
-          </a:prstGeom>
-          <a:noFill/>
-          <a:ln w="9525">
-            <a:noFill/>
-          </a:ln>
-        </p:spPr>
-        <p:txBody>
-          <a:bodyPr wrap="square">
-            <a:spAutoFit/>
-          </a:bodyPr>
-          <a:p>
-            <a:pPr indent="0"/>
-            <a:r>
-              <a:rPr lang="zh-CN" altLang="en-US" b="0">
-                <a:latin typeface="+mn-ea"/>
-                <a:cs typeface="+mn-ea"/>
-              </a:rPr>
-              <a:t>本方案</a:t>
-            </a:r>
-            <a:r>
-              <a:rPr lang="en-US" altLang="zh-CN" b="0">
-                <a:latin typeface="+mn-ea"/>
-                <a:cs typeface="+mn-ea"/>
-              </a:rPr>
-              <a:t> vs </a:t>
-            </a:r>
-            <a:r>
-              <a:rPr lang="zh-CN" b="0">
-                <a:latin typeface="+mn-ea"/>
-                <a:cs typeface="+mn-ea"/>
-              </a:rPr>
-              <a:t>大模型框架</a:t>
-            </a:r>
-            <a:r>
-              <a:rPr lang="en-US" b="0">
-                <a:latin typeface="+mn-ea"/>
-                <a:cs typeface="+mn-ea"/>
-              </a:rPr>
-              <a:t>-1. </a:t>
-            </a:r>
-            <a:r>
-              <a:rPr lang="zh-CN" b="0">
-                <a:latin typeface="+mn-ea"/>
-                <a:cs typeface="+mn-ea"/>
-              </a:rPr>
-              <a:t>资源占用小</a:t>
-            </a:r>
-            <a:r>
-              <a:rPr lang="en-US" b="0">
-                <a:latin typeface="+mn-ea"/>
-                <a:cs typeface="+mn-ea"/>
-              </a:rPr>
-              <a:t>-2. </a:t>
-            </a:r>
-            <a:r>
-              <a:rPr lang="zh-CN" b="0">
-                <a:latin typeface="+mn-ea"/>
-                <a:cs typeface="+mn-ea"/>
-              </a:rPr>
-              <a:t>较高实时性</a:t>
-            </a:r>
-            <a:endParaRPr lang="en-US" b="0">
-              <a:latin typeface="+mn-ea"/>
-              <a:cs typeface="+mn-ea"/>
-            </a:endParaRPr>
-          </a:p>
-          <a:p>
-            <a:pPr indent="0"/>
-            <a:r>
-              <a:rPr lang="en-US" altLang="zh-CN" b="0">
-                <a:latin typeface="+mn-ea"/>
-                <a:cs typeface="+mn-ea"/>
-              </a:rPr>
-              <a:t>       </a:t>
-            </a:r>
-            <a:r>
-              <a:rPr lang="zh-CN" b="0">
-                <a:latin typeface="+mn-ea"/>
-                <a:cs typeface="+mn-ea"/>
-              </a:rPr>
-              <a:t>考虑可落地性，在保证准确性的前提下，使用了轻量级的推理模型和检索框架。与大模型框架相比响应时间短，具有较高的实时性。</a:t>
-            </a:r>
-            <a:endParaRPr lang="zh-CN" b="0">
-              <a:latin typeface="+mn-ea"/>
-              <a:cs typeface="+mn-ea"/>
-            </a:endParaRPr>
-          </a:p>
-          <a:p>
-            <a:pPr indent="0"/>
-            <a:endParaRPr lang="zh-CN" altLang="en-US" b="0">
-              <a:latin typeface="+mn-ea"/>
-              <a:cs typeface="+mn-ea"/>
-            </a:endParaRPr>
-          </a:p>
-          <a:p>
-            <a:pPr indent="0"/>
-            <a:r>
-              <a:rPr lang="zh-CN" altLang="en-US" b="0">
-                <a:latin typeface="+mn-ea"/>
-                <a:cs typeface="+mn-ea"/>
-              </a:rPr>
-              <a:t>图：</a:t>
-            </a:r>
-            <a:endParaRPr lang="zh-CN" altLang="en-US" b="0">
-              <a:latin typeface="+mn-ea"/>
-              <a:cs typeface="+mn-ea"/>
-            </a:endParaRPr>
-          </a:p>
-          <a:p>
-            <a:pPr indent="0"/>
-            <a:endParaRPr lang="en-US" altLang="zh-CN" b="0">
-              <a:latin typeface="+mn-ea"/>
-              <a:cs typeface="+mn-ea"/>
-            </a:endParaRPr>
+          <p:cNvPr id="2" name="标题 1"/>
+          <p:cNvSpPr>
+            <a:spLocks noGrp="1"/>
+          </p:cNvSpPr>
+          <p:nvPr>
+            <p:ph type="title"/>
+          </p:nvPr>
+        </p:nvSpPr>
+        <p:spPr>
+          <a:xfrm>
+            <a:off x="838200" y="365125"/>
+            <a:ext cx="4705985" cy="937895"/>
+          </a:xfrm>
+        </p:spPr>
+        <p:txBody>
+          <a:bodyPr/>
+          <a:p>
+            <a:r>
+              <a:rPr lang="zh-CN" altLang="en-US" sz="3600"/>
+              <a:t>不良片段抽取方式：</a:t>
+            </a:r>
+            <a:endParaRPr lang="zh-CN" altLang="en-US" sz="3600"/>
+          </a:p>
+        </p:txBody>
+      </p:sp>
+      <p:sp>
+        <p:nvSpPr>
+          <p:cNvPr id="3" name="内容占位符 2"/>
+          <p:cNvSpPr>
+            <a:spLocks noGrp="1"/>
+          </p:cNvSpPr>
+          <p:nvPr>
+            <p:ph idx="1"/>
+          </p:nvPr>
+        </p:nvSpPr>
+        <p:spPr>
+          <a:xfrm>
+            <a:off x="838200" y="1825625"/>
+            <a:ext cx="6301105" cy="1193800"/>
+          </a:xfrm>
+        </p:spPr>
+        <p:txBody>
+          <a:bodyPr/>
+          <a:p>
+            <a:r>
+              <a:rPr lang="en-US" altLang="zh-CN"/>
+              <a:t>bert-crf</a:t>
+            </a:r>
+            <a:r>
+              <a:rPr lang="zh-CN" altLang="en-US"/>
+              <a:t>：</a:t>
+            </a:r>
+            <a:r>
+              <a:rPr lang="zh-CN" altLang="en-US"/>
+              <a:t>敏感信息</a:t>
+            </a:r>
+            <a:endParaRPr lang="zh-CN" altLang="en-US"/>
           </a:p>
         </p:txBody>
       </p:sp>
@@ -9729,14 +11412,49 @@
 
 <file path=ppt/tags/tag52.xml><?xml version="1.0" encoding="utf-8"?>
 <p:tagLst xmlns:p="http://schemas.openxmlformats.org/presentationml/2006/main">
-  <p:tag name="TABLE_ENDDRAG_ORIGIN_RECT" val="783*223"/>
-  <p:tag name="TABLE_ENDDRAG_RECT" val="130*81*783*223"/>
+  <p:tag name="KSO_WM_BEAUTIFY_FLAG" val=""/>
 </p:tagLst>
 </file>
 
 <file path=ppt/tags/tag53.xml><?xml version="1.0" encoding="utf-8"?>
 <p:tagLst xmlns:p="http://schemas.openxmlformats.org/presentationml/2006/main">
-  <p:tag name="commondata" val="eyJoZGlkIjoiMDNjNzVkZmI2OWJiY2Y0NTEwZTUwMzdjMjA2MjM5NWMifQ=="/>
+  <p:tag name="KSO_WM_BEAUTIFY_FLAG" val=""/>
+</p:tagLst>
+</file>
+
+<file path=ppt/tags/tag54.xml><?xml version="1.0" encoding="utf-8"?>
+<p:tagLst xmlns:p="http://schemas.openxmlformats.org/presentationml/2006/main">
+  <p:tag name="KSO_WM_BEAUTIFY_FLAG" val=""/>
+</p:tagLst>
+</file>
+
+<file path=ppt/tags/tag55.xml><?xml version="1.0" encoding="utf-8"?>
+<p:tagLst xmlns:p="http://schemas.openxmlformats.org/presentationml/2006/main">
+  <p:tag name="KSO_WM_BEAUTIFY_FLAG" val=""/>
+</p:tagLst>
+</file>
+
+<file path=ppt/tags/tag56.xml><?xml version="1.0" encoding="utf-8"?>
+<p:tagLst xmlns:p="http://schemas.openxmlformats.org/presentationml/2006/main">
+  <p:tag name="KSO_WM_BEAUTIFY_FLAG" val=""/>
+</p:tagLst>
+</file>
+
+<file path=ppt/tags/tag57.xml><?xml version="1.0" encoding="utf-8"?>
+<p:tagLst xmlns:p="http://schemas.openxmlformats.org/presentationml/2006/main">
+  <p:tag name="KSO_WM_BEAUTIFY_FLAG" val=""/>
+</p:tagLst>
+</file>
+
+<file path=ppt/tags/tag58.xml><?xml version="1.0" encoding="utf-8"?>
+<p:tagLst xmlns:p="http://schemas.openxmlformats.org/presentationml/2006/main">
+  <p:tag name="KSO_WM_BEAUTIFY_FLAG" val=""/>
+</p:tagLst>
+</file>
+
+<file path=ppt/tags/tag59.xml><?xml version="1.0" encoding="utf-8"?>
+<p:tagLst xmlns:p="http://schemas.openxmlformats.org/presentationml/2006/main">
+  <p:tag name="KSO_WM_BEAUTIFY_FLAG" val=""/>
 </p:tagLst>
 </file>
 
@@ -9746,9 +11464,106 @@
 </p:tagLst>
 </file>
 
+<file path=ppt/tags/tag60.xml><?xml version="1.0" encoding="utf-8"?>
+<p:tagLst xmlns:p="http://schemas.openxmlformats.org/presentationml/2006/main">
+  <p:tag name="KSO_WM_BEAUTIFY_FLAG" val=""/>
+</p:tagLst>
+</file>
+
+<file path=ppt/tags/tag61.xml><?xml version="1.0" encoding="utf-8"?>
+<p:tagLst xmlns:p="http://schemas.openxmlformats.org/presentationml/2006/main">
+  <p:tag name="KSO_WM_BEAUTIFY_FLAG" val=""/>
+</p:tagLst>
+</file>
+
+<file path=ppt/tags/tag62.xml><?xml version="1.0" encoding="utf-8"?>
+<p:tagLst xmlns:p="http://schemas.openxmlformats.org/presentationml/2006/main">
+  <p:tag name="KSO_WM_BEAUTIFY_FLAG" val=""/>
+</p:tagLst>
+</file>
+
+<file path=ppt/tags/tag63.xml><?xml version="1.0" encoding="utf-8"?>
+<p:tagLst xmlns:p="http://schemas.openxmlformats.org/presentationml/2006/main">
+  <p:tag name="KSO_WM_BEAUTIFY_FLAG" val=""/>
+</p:tagLst>
+</file>
+
+<file path=ppt/tags/tag64.xml><?xml version="1.0" encoding="utf-8"?>
+<p:tagLst xmlns:p="http://schemas.openxmlformats.org/presentationml/2006/main">
+  <p:tag name="KSO_WM_BEAUTIFY_FLAG" val=""/>
+</p:tagLst>
+</file>
+
+<file path=ppt/tags/tag65.xml><?xml version="1.0" encoding="utf-8"?>
+<p:tagLst xmlns:p="http://schemas.openxmlformats.org/presentationml/2006/main">
+  <p:tag name="KSO_WM_BEAUTIFY_FLAG" val=""/>
+</p:tagLst>
+</file>
+
+<file path=ppt/tags/tag66.xml><?xml version="1.0" encoding="utf-8"?>
+<p:tagLst xmlns:p="http://schemas.openxmlformats.org/presentationml/2006/main">
+  <p:tag name="KSO_WM_BEAUTIFY_FLAG" val=""/>
+</p:tagLst>
+</file>
+
+<file path=ppt/tags/tag67.xml><?xml version="1.0" encoding="utf-8"?>
+<p:tagLst xmlns:p="http://schemas.openxmlformats.org/presentationml/2006/main">
+  <p:tag name="KSO_WM_BEAUTIFY_FLAG" val=""/>
+</p:tagLst>
+</file>
+
+<file path=ppt/tags/tag68.xml><?xml version="1.0" encoding="utf-8"?>
+<p:tagLst xmlns:p="http://schemas.openxmlformats.org/presentationml/2006/main">
+  <p:tag name="KSO_WM_BEAUTIFY_FLAG" val=""/>
+</p:tagLst>
+</file>
+
+<file path=ppt/tags/tag69.xml><?xml version="1.0" encoding="utf-8"?>
+<p:tagLst xmlns:p="http://schemas.openxmlformats.org/presentationml/2006/main">
+  <p:tag name="KSO_WM_BEAUTIFY_FLAG" val=""/>
+</p:tagLst>
+</file>
+
 <file path=ppt/tags/tag7.xml><?xml version="1.0" encoding="utf-8"?>
 <p:tagLst xmlns:p="http://schemas.openxmlformats.org/presentationml/2006/main">
   <p:tag name="KSO_WM_BEAUTIFY_FLAG" val=""/>
+</p:tagLst>
+</file>
+
+<file path=ppt/tags/tag70.xml><?xml version="1.0" encoding="utf-8"?>
+<p:tagLst xmlns:p="http://schemas.openxmlformats.org/presentationml/2006/main">
+  <p:tag name="KSO_WM_BEAUTIFY_FLAG" val=""/>
+</p:tagLst>
+</file>
+
+<file path=ppt/tags/tag71.xml><?xml version="1.0" encoding="utf-8"?>
+<p:tagLst xmlns:p="http://schemas.openxmlformats.org/presentationml/2006/main">
+  <p:tag name="KSO_WM_BEAUTIFY_FLAG" val=""/>
+</p:tagLst>
+</file>
+
+<file path=ppt/tags/tag72.xml><?xml version="1.0" encoding="utf-8"?>
+<p:tagLst xmlns:p="http://schemas.openxmlformats.org/presentationml/2006/main">
+  <p:tag name="KSO_WM_BEAUTIFY_FLAG" val=""/>
+</p:tagLst>
+</file>
+
+<file path=ppt/tags/tag73.xml><?xml version="1.0" encoding="utf-8"?>
+<p:tagLst xmlns:p="http://schemas.openxmlformats.org/presentationml/2006/main">
+  <p:tag name="KSO_WM_BEAUTIFY_FLAG" val=""/>
+</p:tagLst>
+</file>
+
+<file path=ppt/tags/tag74.xml><?xml version="1.0" encoding="utf-8"?>
+<p:tagLst xmlns:p="http://schemas.openxmlformats.org/presentationml/2006/main">
+  <p:tag name="TABLE_ENDDRAG_ORIGIN_RECT" val="783*223"/>
+  <p:tag name="TABLE_ENDDRAG_RECT" val="130*81*783*223"/>
+</p:tagLst>
+</file>
+
+<file path=ppt/tags/tag75.xml><?xml version="1.0" encoding="utf-8"?>
+<p:tagLst xmlns:p="http://schemas.openxmlformats.org/presentationml/2006/main">
+  <p:tag name="commondata" val="eyJoZGlkIjoiMDNjNzVkZmI2OWJiY2Y0NTEwZTUwMzdjMjA2MjM5NWMifQ=="/>
 </p:tagLst>
 </file>
 

--- a/流程图.pptx
+++ b/流程图.pptx
@@ -8945,7 +8945,7 @@
         </p:nvSpPr>
         <p:spPr>
           <a:xfrm>
-            <a:off x="3550920" y="4484370"/>
+            <a:off x="3550920" y="4244975"/>
             <a:ext cx="2870200" cy="1659255"/>
           </a:xfrm>
           <a:prstGeom prst="rect">
@@ -9231,8 +9231,8 @@
         </p:nvSpPr>
         <p:spPr>
           <a:xfrm>
-            <a:off x="4433570" y="1264285"/>
-            <a:ext cx="914400" cy="914400"/>
+            <a:off x="4256405" y="1264285"/>
+            <a:ext cx="1270635" cy="914400"/>
           </a:xfrm>
           <a:prstGeom prst="diamond">
             <a:avLst/>
@@ -9259,10 +9259,26 @@
           <a:p>
             <a:pPr algn="ctr"/>
             <a:r>
-              <a:rPr lang="zh-CN" altLang="en-US" sz="900"/>
+              <a:rPr lang="zh-CN" altLang="en-US" sz="900">
+                <a:solidFill>
+                  <a:schemeClr val="tx1"/>
+                </a:solidFill>
+              </a:rPr>
+              <a:t>硬匹配</a:t>
+            </a:r>
+            <a:endParaRPr lang="zh-CN" altLang="en-US" sz="900">
+              <a:solidFill>
+                <a:schemeClr val="tx1"/>
+              </a:solidFill>
+            </a:endParaRPr>
+          </a:p>
+          <a:p>
+            <a:pPr algn="ctr"/>
+            <a:r>
+              <a:rPr lang="zh-CN" altLang="en-US" sz="900" i="1"/>
               <a:t>是否包含关键词</a:t>
             </a:r>
-            <a:endParaRPr lang="zh-CN" altLang="en-US" sz="900"/>
+            <a:endParaRPr lang="zh-CN" altLang="en-US" sz="900" i="1"/>
           </a:p>
         </p:txBody>
       </p:sp>
@@ -9571,7 +9587,7 @@
         </p:nvSpPr>
         <p:spPr>
           <a:xfrm>
-            <a:off x="4106545" y="2654300"/>
+            <a:off x="4106545" y="2414905"/>
             <a:ext cx="1568450" cy="606425"/>
           </a:xfrm>
           <a:prstGeom prst="rect">
@@ -9599,18 +9615,26 @@
           <a:p>
             <a:pPr algn="ctr"/>
             <a:r>
-              <a:rPr lang="zh-CN" altLang="en-US" sz="1600"/>
+              <a:rPr lang="zh-CN" altLang="en-US" sz="1200">
+                <a:solidFill>
+                  <a:schemeClr val="tx1"/>
+                </a:solidFill>
+              </a:rPr>
+              <a:t>软匹配</a:t>
+            </a:r>
+            <a:endParaRPr lang="zh-CN" altLang="en-US" sz="1200">
+              <a:solidFill>
+                <a:schemeClr val="tx1"/>
+              </a:solidFill>
+            </a:endParaRPr>
+          </a:p>
+          <a:p>
+            <a:pPr algn="ctr"/>
+            <a:r>
+              <a:rPr lang="zh-CN" altLang="en-US" sz="1200" i="1"/>
               <a:t>向量检索</a:t>
             </a:r>
-            <a:endParaRPr lang="zh-CN" altLang="en-US" sz="1600"/>
-          </a:p>
-          <a:p>
-            <a:pPr algn="ctr"/>
-            <a:r>
-              <a:rPr lang="zh-CN" altLang="en-US" sz="1600"/>
-              <a:t>（多路召回）</a:t>
-            </a:r>
-            <a:endParaRPr lang="zh-CN" altLang="en-US" sz="1600"/>
+            <a:endParaRPr lang="zh-CN" altLang="en-US" sz="1200" i="1"/>
           </a:p>
         </p:txBody>
       </p:sp>
@@ -9624,7 +9648,7 @@
         </p:nvCxnSpPr>
         <p:spPr>
           <a:xfrm>
-            <a:off x="4888230" y="2173605"/>
+            <a:off x="4888230" y="1934210"/>
             <a:ext cx="2540" cy="480695"/>
           </a:xfrm>
           <a:prstGeom prst="straightConnector1">
@@ -9661,7 +9685,7 @@
         </p:nvSpPr>
         <p:spPr>
           <a:xfrm>
-            <a:off x="6588760" y="2497455"/>
+            <a:off x="6588760" y="2258060"/>
             <a:ext cx="887095" cy="763270"/>
           </a:xfrm>
           <a:prstGeom prst="can">
@@ -9708,7 +9732,7 @@
         </p:nvSpPr>
         <p:spPr>
           <a:xfrm>
-            <a:off x="5956935" y="2724150"/>
+            <a:off x="5956935" y="2484755"/>
             <a:ext cx="485140" cy="435610"/>
           </a:xfrm>
           <a:prstGeom prst="leftArrow">
@@ -9747,7 +9771,7 @@
         </p:nvSpPr>
         <p:spPr>
           <a:xfrm>
-            <a:off x="3848100" y="3709670"/>
+            <a:off x="3848100" y="3470275"/>
             <a:ext cx="2082800" cy="465455"/>
           </a:xfrm>
           <a:prstGeom prst="rect">
@@ -9793,7 +9817,7 @@
         </p:nvCxnSpPr>
         <p:spPr>
           <a:xfrm flipH="1">
-            <a:off x="4889500" y="3260725"/>
+            <a:off x="4889500" y="3021330"/>
             <a:ext cx="1270" cy="448945"/>
           </a:xfrm>
           <a:prstGeom prst="straightConnector1">
@@ -9830,7 +9854,7 @@
         </p:nvSpPr>
         <p:spPr>
           <a:xfrm>
-            <a:off x="4915535" y="3395345"/>
+            <a:off x="4915535" y="3155950"/>
             <a:ext cx="1381125" cy="275590"/>
           </a:xfrm>
           <a:prstGeom prst="rect">
@@ -9866,7 +9890,7 @@
         </p:nvCxnSpPr>
         <p:spPr>
           <a:xfrm>
-            <a:off x="4889500" y="4175125"/>
+            <a:off x="4889500" y="3935730"/>
             <a:ext cx="2540" cy="448945"/>
           </a:xfrm>
           <a:prstGeom prst="straightConnector1">
@@ -9899,7 +9923,7 @@
         </p:nvSpPr>
         <p:spPr>
           <a:xfrm>
-            <a:off x="4257040" y="4624070"/>
+            <a:off x="4257040" y="4384675"/>
             <a:ext cx="1270000" cy="465455"/>
           </a:xfrm>
           <a:prstGeom prst="rect">
@@ -9942,7 +9966,7 @@
         </p:nvSpPr>
         <p:spPr>
           <a:xfrm>
-            <a:off x="4929505" y="4215130"/>
+            <a:off x="4929505" y="3975735"/>
             <a:ext cx="847725" cy="306705"/>
           </a:xfrm>
           <a:prstGeom prst="rect">
@@ -9976,7 +10000,7 @@
         </p:nvSpPr>
         <p:spPr>
           <a:xfrm>
-            <a:off x="4083685" y="5559425"/>
+            <a:off x="4083685" y="5320030"/>
             <a:ext cx="1693545" cy="448945"/>
           </a:xfrm>
           <a:prstGeom prst="rect">
@@ -10019,7 +10043,7 @@
         </p:nvCxnSpPr>
         <p:spPr>
           <a:xfrm>
-            <a:off x="4892040" y="5089525"/>
+            <a:off x="4892040" y="4850130"/>
             <a:ext cx="2540" cy="480695"/>
           </a:xfrm>
           <a:prstGeom prst="straightConnector1">
@@ -10056,7 +10080,7 @@
         </p:nvSpPr>
         <p:spPr>
           <a:xfrm>
-            <a:off x="7456805" y="5091430"/>
+            <a:off x="7456805" y="4852035"/>
             <a:ext cx="1013460" cy="401955"/>
           </a:xfrm>
           <a:prstGeom prst="rect">
@@ -10103,7 +10127,7 @@
         </p:nvSpPr>
         <p:spPr>
           <a:xfrm>
-            <a:off x="10013950" y="5091430"/>
+            <a:off x="10013950" y="4852035"/>
             <a:ext cx="847725" cy="401955"/>
           </a:xfrm>
           <a:prstGeom prst="rect">
@@ -10150,7 +10174,7 @@
         </p:nvSpPr>
         <p:spPr>
           <a:xfrm>
-            <a:off x="7012305" y="4759960"/>
+            <a:off x="7012305" y="4520565"/>
             <a:ext cx="970280" cy="275590"/>
           </a:xfrm>
           <a:prstGeom prst="rect">
@@ -10187,7 +10211,7 @@
         </p:nvSpPr>
         <p:spPr>
           <a:xfrm>
-            <a:off x="9326245" y="4759960"/>
+            <a:off x="9326245" y="4520565"/>
             <a:ext cx="1031240" cy="275590"/>
           </a:xfrm>
           <a:prstGeom prst="rect">
@@ -10224,7 +10248,7 @@
         </p:nvSpPr>
         <p:spPr>
           <a:xfrm>
-            <a:off x="8616315" y="5622925"/>
+            <a:off x="8616315" y="5383530"/>
             <a:ext cx="1174115" cy="462915"/>
           </a:xfrm>
           <a:prstGeom prst="rect">
@@ -10275,7 +10299,7 @@
         </p:nvSpPr>
         <p:spPr>
           <a:xfrm>
-            <a:off x="9267825" y="5217795"/>
+            <a:off x="9267825" y="4978400"/>
             <a:ext cx="631190" cy="275590"/>
           </a:xfrm>
           <a:prstGeom prst="rect">
@@ -10306,7 +10330,7 @@
         </p:nvCxnSpPr>
         <p:spPr>
           <a:xfrm>
-            <a:off x="8470265" y="5292725"/>
+            <a:off x="8470265" y="5053330"/>
             <a:ext cx="916940" cy="344170"/>
           </a:xfrm>
           <a:prstGeom prst="straightConnector1">
@@ -10347,7 +10371,7 @@
         </p:nvCxnSpPr>
         <p:spPr>
           <a:xfrm flipH="1">
-            <a:off x="9203690" y="5292725"/>
+            <a:off x="9203690" y="5053330"/>
             <a:ext cx="810260" cy="330200"/>
           </a:xfrm>
           <a:prstGeom prst="straightConnector1">
@@ -10381,7 +10405,7 @@
         </p:nvSpPr>
         <p:spPr>
           <a:xfrm>
-            <a:off x="7922895" y="4484370"/>
+            <a:off x="7922895" y="4244975"/>
             <a:ext cx="1111885" cy="275590"/>
           </a:xfrm>
           <a:prstGeom prst="rect">
@@ -10422,7 +10446,7 @@
         </p:nvSpPr>
         <p:spPr>
           <a:xfrm>
-            <a:off x="9310370" y="4476750"/>
+            <a:off x="9310370" y="4237355"/>
             <a:ext cx="1111885" cy="275590"/>
           </a:xfrm>
           <a:prstGeom prst="rect">
@@ -10451,7 +10475,7 @@
         </p:nvSpPr>
         <p:spPr>
           <a:xfrm>
-            <a:off x="6920230" y="4484370"/>
+            <a:off x="6920230" y="4244975"/>
             <a:ext cx="4072890" cy="1659255"/>
           </a:xfrm>
           <a:prstGeom prst="rect">
@@ -10499,7 +10523,7 @@
         </p:nvSpPr>
         <p:spPr>
           <a:xfrm>
-            <a:off x="6567805" y="4951730"/>
+            <a:off x="6567805" y="4712335"/>
             <a:ext cx="236855" cy="720090"/>
           </a:xfrm>
           <a:prstGeom prst="rightArrow">
@@ -10541,13 +10565,13 @@
         </p:nvCxnSpPr>
         <p:spPr>
           <a:xfrm>
-            <a:off x="5930900" y="3942715"/>
+            <a:off x="5930900" y="3703320"/>
             <a:ext cx="2032635" cy="1148715"/>
           </a:xfrm>
           <a:prstGeom prst="bentConnector2">
             <a:avLst/>
           </a:prstGeom>
-          <a:ln>
+          <a:ln w="12700">
             <a:tailEnd type="arrow"/>
           </a:ln>
         </p:spPr>
@@ -10576,13 +10600,13 @@
         </p:nvCxnSpPr>
         <p:spPr>
           <a:xfrm>
-            <a:off x="5949315" y="3944620"/>
+            <a:off x="5949315" y="3705225"/>
             <a:ext cx="4488815" cy="1146810"/>
           </a:xfrm>
           <a:prstGeom prst="bentConnector2">
             <a:avLst/>
           </a:prstGeom>
-          <a:ln>
+          <a:ln w="12700">
             <a:tailEnd type="arrow"/>
           </a:ln>
         </p:spPr>

--- a/流程图.pptx
+++ b/流程图.pptx
@@ -8945,7 +8945,7 @@
         </p:nvSpPr>
         <p:spPr>
           <a:xfrm>
-            <a:off x="3550920" y="4244975"/>
+            <a:off x="4594225" y="4282440"/>
             <a:ext cx="2870200" cy="1659255"/>
           </a:xfrm>
           <a:prstGeom prst="rect">
@@ -8997,7 +8997,7 @@
         </p:nvSpPr>
         <p:spPr>
           <a:xfrm>
-            <a:off x="1877695" y="340360"/>
+            <a:off x="2921000" y="377825"/>
             <a:ext cx="914400" cy="822960"/>
           </a:xfrm>
           <a:prstGeom prst="can">
@@ -9060,7 +9060,7 @@
         </p:nvSpPr>
         <p:spPr>
           <a:xfrm>
-            <a:off x="4236085" y="567690"/>
+            <a:off x="5279390" y="605155"/>
             <a:ext cx="1311275" cy="354330"/>
           </a:xfrm>
           <a:prstGeom prst="rect">
@@ -9118,7 +9118,7 @@
         </p:nvCxnSpPr>
         <p:spPr>
           <a:xfrm flipV="1">
-            <a:off x="2792095" y="744855"/>
+            <a:off x="3835400" y="782320"/>
             <a:ext cx="1443990" cy="6985"/>
           </a:xfrm>
           <a:prstGeom prst="straightConnector1">
@@ -9155,7 +9155,7 @@
         </p:nvSpPr>
         <p:spPr>
           <a:xfrm>
-            <a:off x="3049905" y="445135"/>
+            <a:off x="4093210" y="482600"/>
             <a:ext cx="928370" cy="306705"/>
           </a:xfrm>
           <a:prstGeom prst="rect">
@@ -9188,7 +9188,7 @@
         </p:nvSpPr>
         <p:spPr>
           <a:xfrm>
-            <a:off x="4853305" y="942975"/>
+            <a:off x="5896610" y="980440"/>
             <a:ext cx="76200" cy="267970"/>
           </a:xfrm>
           <a:prstGeom prst="downArrow">
@@ -9231,7 +9231,7 @@
         </p:nvSpPr>
         <p:spPr>
           <a:xfrm>
-            <a:off x="4256405" y="1264285"/>
+            <a:off x="5299710" y="1301750"/>
             <a:ext cx="1270635" cy="914400"/>
           </a:xfrm>
           <a:prstGeom prst="diamond">
@@ -9294,7 +9294,7 @@
         </p:nvSpPr>
         <p:spPr>
           <a:xfrm>
-            <a:off x="5231130" y="1003935"/>
+            <a:off x="6274435" y="1041400"/>
             <a:ext cx="766445" cy="337185"/>
           </a:xfrm>
           <a:prstGeom prst="rect">
@@ -9337,7 +9337,7 @@
         </p:nvSpPr>
         <p:spPr>
           <a:xfrm>
-            <a:off x="6735445" y="695325"/>
+            <a:off x="7778750" y="732790"/>
             <a:ext cx="887095" cy="763270"/>
           </a:xfrm>
           <a:prstGeom prst="can">
@@ -9384,7 +9384,7 @@
         </p:nvSpPr>
         <p:spPr>
           <a:xfrm>
-            <a:off x="6103620" y="922020"/>
+            <a:off x="7146925" y="959485"/>
             <a:ext cx="485140" cy="435610"/>
           </a:xfrm>
           <a:prstGeom prst="leftArrow">
@@ -9427,7 +9427,7 @@
         </p:nvCxnSpPr>
         <p:spPr>
           <a:xfrm rot="10800000" flipV="1">
-            <a:off x="3647440" y="1720850"/>
+            <a:off x="4690745" y="1758315"/>
             <a:ext cx="785495" cy="6350"/>
           </a:xfrm>
           <a:prstGeom prst="bentConnector3">
@@ -9466,7 +9466,7 @@
         </p:nvSpPr>
         <p:spPr>
           <a:xfrm>
-            <a:off x="2482215" y="1489710"/>
+            <a:off x="3525520" y="1527175"/>
             <a:ext cx="1174115" cy="462915"/>
           </a:xfrm>
           <a:prstGeom prst="rect">
@@ -9521,7 +9521,7 @@
         </p:nvSpPr>
         <p:spPr>
           <a:xfrm>
-            <a:off x="3927475" y="1308100"/>
+            <a:off x="4970780" y="1345565"/>
             <a:ext cx="368300" cy="275590"/>
           </a:xfrm>
           <a:prstGeom prst="rect">
@@ -9554,7 +9554,7 @@
         </p:nvSpPr>
         <p:spPr>
           <a:xfrm>
-            <a:off x="4488180" y="2178050"/>
+            <a:off x="5531485" y="2215515"/>
             <a:ext cx="365125" cy="275590"/>
           </a:xfrm>
           <a:prstGeom prst="rect">
@@ -9587,7 +9587,7 @@
         </p:nvSpPr>
         <p:spPr>
           <a:xfrm>
-            <a:off x="4106545" y="2414905"/>
+            <a:off x="5149850" y="2452370"/>
             <a:ext cx="1568450" cy="606425"/>
           </a:xfrm>
           <a:prstGeom prst="rect">
@@ -9648,7 +9648,7 @@
         </p:nvCxnSpPr>
         <p:spPr>
           <a:xfrm>
-            <a:off x="4888230" y="1934210"/>
+            <a:off x="5931535" y="1971675"/>
             <a:ext cx="2540" cy="480695"/>
           </a:xfrm>
           <a:prstGeom prst="straightConnector1">
@@ -9685,7 +9685,7 @@
         </p:nvSpPr>
         <p:spPr>
           <a:xfrm>
-            <a:off x="6588760" y="2258060"/>
+            <a:off x="7632065" y="2295525"/>
             <a:ext cx="887095" cy="763270"/>
           </a:xfrm>
           <a:prstGeom prst="can">
@@ -9732,7 +9732,7 @@
         </p:nvSpPr>
         <p:spPr>
           <a:xfrm>
-            <a:off x="5956935" y="2484755"/>
+            <a:off x="7000240" y="2522220"/>
             <a:ext cx="485140" cy="435610"/>
           </a:xfrm>
           <a:prstGeom prst="leftArrow">
@@ -9771,7 +9771,7 @@
         </p:nvSpPr>
         <p:spPr>
           <a:xfrm>
-            <a:off x="3848100" y="3470275"/>
+            <a:off x="4891405" y="3507740"/>
             <a:ext cx="2082800" cy="465455"/>
           </a:xfrm>
           <a:prstGeom prst="rect">
@@ -9817,7 +9817,7 @@
         </p:nvCxnSpPr>
         <p:spPr>
           <a:xfrm flipH="1">
-            <a:off x="4889500" y="3021330"/>
+            <a:off x="5932805" y="3058795"/>
             <a:ext cx="1270" cy="448945"/>
           </a:xfrm>
           <a:prstGeom prst="straightConnector1">
@@ -9854,7 +9854,7 @@
         </p:nvSpPr>
         <p:spPr>
           <a:xfrm>
-            <a:off x="4915535" y="3155950"/>
+            <a:off x="5958840" y="3193415"/>
             <a:ext cx="1381125" cy="275590"/>
           </a:xfrm>
           <a:prstGeom prst="rect">
@@ -9890,7 +9890,7 @@
         </p:nvCxnSpPr>
         <p:spPr>
           <a:xfrm>
-            <a:off x="4889500" y="3935730"/>
+            <a:off x="5932805" y="3973195"/>
             <a:ext cx="2540" cy="448945"/>
           </a:xfrm>
           <a:prstGeom prst="straightConnector1">
@@ -9923,7 +9923,7 @@
         </p:nvSpPr>
         <p:spPr>
           <a:xfrm>
-            <a:off x="4257040" y="4384675"/>
+            <a:off x="5300345" y="4422140"/>
             <a:ext cx="1270000" cy="465455"/>
           </a:xfrm>
           <a:prstGeom prst="rect">
@@ -9966,7 +9966,7 @@
         </p:nvSpPr>
         <p:spPr>
           <a:xfrm>
-            <a:off x="4929505" y="3975735"/>
+            <a:off x="5972810" y="4013200"/>
             <a:ext cx="847725" cy="306705"/>
           </a:xfrm>
           <a:prstGeom prst="rect">
@@ -10000,7 +10000,7 @@
         </p:nvSpPr>
         <p:spPr>
           <a:xfrm>
-            <a:off x="4083685" y="5320030"/>
+            <a:off x="5126990" y="5357495"/>
             <a:ext cx="1693545" cy="448945"/>
           </a:xfrm>
           <a:prstGeom prst="rect">
@@ -10043,7 +10043,7 @@
         </p:nvCxnSpPr>
         <p:spPr>
           <a:xfrm>
-            <a:off x="4892040" y="4850130"/>
+            <a:off x="5935345" y="4887595"/>
             <a:ext cx="2540" cy="480695"/>
           </a:xfrm>
           <a:prstGeom prst="straightConnector1">
@@ -10080,7 +10080,7 @@
         </p:nvSpPr>
         <p:spPr>
           <a:xfrm>
-            <a:off x="7456805" y="4852035"/>
+            <a:off x="8500110" y="4889500"/>
             <a:ext cx="1013460" cy="401955"/>
           </a:xfrm>
           <a:prstGeom prst="rect">
@@ -10127,7 +10127,7 @@
         </p:nvSpPr>
         <p:spPr>
           <a:xfrm>
-            <a:off x="10013950" y="4852035"/>
+            <a:off x="11057255" y="4889500"/>
             <a:ext cx="847725" cy="401955"/>
           </a:xfrm>
           <a:prstGeom prst="rect">
@@ -10174,7 +10174,7 @@
         </p:nvSpPr>
         <p:spPr>
           <a:xfrm>
-            <a:off x="7012305" y="4520565"/>
+            <a:off x="8055610" y="4558030"/>
             <a:ext cx="970280" cy="275590"/>
           </a:xfrm>
           <a:prstGeom prst="rect">
@@ -10211,7 +10211,7 @@
         </p:nvSpPr>
         <p:spPr>
           <a:xfrm>
-            <a:off x="9326245" y="4520565"/>
+            <a:off x="10369550" y="4558030"/>
             <a:ext cx="1031240" cy="275590"/>
           </a:xfrm>
           <a:prstGeom prst="rect">
@@ -10248,7 +10248,7 @@
         </p:nvSpPr>
         <p:spPr>
           <a:xfrm>
-            <a:off x="8616315" y="5383530"/>
+            <a:off x="9659620" y="5420995"/>
             <a:ext cx="1174115" cy="462915"/>
           </a:xfrm>
           <a:prstGeom prst="rect">
@@ -10299,7 +10299,7 @@
         </p:nvSpPr>
         <p:spPr>
           <a:xfrm>
-            <a:off x="9267825" y="4978400"/>
+            <a:off x="10311130" y="5015865"/>
             <a:ext cx="631190" cy="275590"/>
           </a:xfrm>
           <a:prstGeom prst="rect">
@@ -10330,7 +10330,7 @@
         </p:nvCxnSpPr>
         <p:spPr>
           <a:xfrm>
-            <a:off x="8470265" y="5053330"/>
+            <a:off x="9513570" y="5090795"/>
             <a:ext cx="916940" cy="344170"/>
           </a:xfrm>
           <a:prstGeom prst="straightConnector1">
@@ -10371,7 +10371,7 @@
         </p:nvCxnSpPr>
         <p:spPr>
           <a:xfrm flipH="1">
-            <a:off x="9203690" y="5053330"/>
+            <a:off x="10246995" y="5090795"/>
             <a:ext cx="810260" cy="330200"/>
           </a:xfrm>
           <a:prstGeom prst="straightConnector1">
@@ -10405,7 +10405,7 @@
         </p:nvSpPr>
         <p:spPr>
           <a:xfrm>
-            <a:off x="7922895" y="4244975"/>
+            <a:off x="8966200" y="4282440"/>
             <a:ext cx="1111885" cy="275590"/>
           </a:xfrm>
           <a:prstGeom prst="rect">
@@ -10446,7 +10446,7 @@
         </p:nvSpPr>
         <p:spPr>
           <a:xfrm>
-            <a:off x="9310370" y="4237355"/>
+            <a:off x="10353675" y="4274820"/>
             <a:ext cx="1111885" cy="275590"/>
           </a:xfrm>
           <a:prstGeom prst="rect">
@@ -10475,7 +10475,7 @@
         </p:nvSpPr>
         <p:spPr>
           <a:xfrm>
-            <a:off x="6920230" y="4244975"/>
+            <a:off x="7963535" y="4282440"/>
             <a:ext cx="4072890" cy="1659255"/>
           </a:xfrm>
           <a:prstGeom prst="rect">
@@ -10523,7 +10523,7 @@
         </p:nvSpPr>
         <p:spPr>
           <a:xfrm>
-            <a:off x="6567805" y="4712335"/>
+            <a:off x="7611110" y="4749800"/>
             <a:ext cx="236855" cy="720090"/>
           </a:xfrm>
           <a:prstGeom prst="rightArrow">
@@ -10565,7 +10565,7 @@
         </p:nvCxnSpPr>
         <p:spPr>
           <a:xfrm>
-            <a:off x="5930900" y="3703320"/>
+            <a:off x="6974205" y="3740785"/>
             <a:ext cx="2032635" cy="1148715"/>
           </a:xfrm>
           <a:prstGeom prst="bentConnector2">
@@ -10600,8 +10600,554 @@
         </p:nvCxnSpPr>
         <p:spPr>
           <a:xfrm>
-            <a:off x="5949315" y="3705225"/>
+            <a:off x="6992620" y="3742690"/>
             <a:ext cx="4488815" cy="1146810"/>
+          </a:xfrm>
+          <a:prstGeom prst="bentConnector2">
+            <a:avLst/>
+          </a:prstGeom>
+          <a:ln w="12700">
+            <a:tailEnd type="arrow"/>
+          </a:ln>
+        </p:spPr>
+        <p:style>
+          <a:lnRef idx="1">
+            <a:schemeClr val="accent1"/>
+          </a:lnRef>
+          <a:fillRef idx="0">
+            <a:schemeClr val="accent1"/>
+          </a:fillRef>
+          <a:effectRef idx="0">
+            <a:schemeClr val="accent1"/>
+          </a:effectRef>
+          <a:fontRef idx="minor">
+            <a:schemeClr val="tx1"/>
+          </a:fontRef>
+        </p:style>
+      </p:cxnSp>
+      <p:sp>
+        <p:nvSpPr>
+          <p:cNvPr id="32" name="矩形 31"/>
+          <p:cNvSpPr/>
+          <p:nvPr>
+            <p:custDataLst>
+              <p:tags r:id="rId23"/>
+            </p:custDataLst>
+          </p:nvPr>
+        </p:nvSpPr>
+        <p:spPr>
+          <a:xfrm>
+            <a:off x="626110" y="4881880"/>
+            <a:ext cx="1013460" cy="401955"/>
+          </a:xfrm>
+          <a:prstGeom prst="rect">
+            <a:avLst/>
+          </a:prstGeom>
+        </p:spPr>
+        <p:style>
+          <a:lnRef idx="2">
+            <a:schemeClr val="accent1">
+              <a:lumMod val="75000"/>
+            </a:schemeClr>
+          </a:lnRef>
+          <a:fillRef idx="1">
+            <a:schemeClr val="accent1"/>
+          </a:fillRef>
+          <a:effectRef idx="0">
+            <a:srgbClr val="FFFFFF"/>
+          </a:effectRef>
+          <a:fontRef idx="minor">
+            <a:schemeClr val="lt1"/>
+          </a:fontRef>
+        </p:style>
+        <p:txBody>
+          <a:bodyPr rtlCol="0" anchor="ctr"/>
+          <a:p>
+            <a:pPr algn="ctr"/>
+            <a:r>
+              <a:rPr lang="zh-CN" altLang="en-US" sz="1400"/>
+              <a:t>敏感片段</a:t>
+            </a:r>
+            <a:endParaRPr lang="zh-CN" altLang="en-US" sz="1400"/>
+          </a:p>
+        </p:txBody>
+      </p:sp>
+      <p:sp>
+        <p:nvSpPr>
+          <p:cNvPr id="33" name="矩形 32"/>
+          <p:cNvSpPr/>
+          <p:nvPr>
+            <p:custDataLst>
+              <p:tags r:id="rId24"/>
+            </p:custDataLst>
+          </p:nvPr>
+        </p:nvSpPr>
+        <p:spPr>
+          <a:xfrm>
+            <a:off x="3183255" y="4881880"/>
+            <a:ext cx="847725" cy="401955"/>
+          </a:xfrm>
+          <a:prstGeom prst="rect">
+            <a:avLst/>
+          </a:prstGeom>
+        </p:spPr>
+        <p:style>
+          <a:lnRef idx="2">
+            <a:schemeClr val="accent1">
+              <a:lumMod val="75000"/>
+            </a:schemeClr>
+          </a:lnRef>
+          <a:fillRef idx="1">
+            <a:schemeClr val="accent1"/>
+          </a:fillRef>
+          <a:effectRef idx="0">
+            <a:srgbClr val="FFFFFF"/>
+          </a:effectRef>
+          <a:fontRef idx="minor">
+            <a:schemeClr val="lt1"/>
+          </a:fontRef>
+        </p:style>
+        <p:txBody>
+          <a:bodyPr rtlCol="0" anchor="ctr"/>
+          <a:p>
+            <a:pPr algn="ctr"/>
+            <a:r>
+              <a:rPr lang="zh-CN" altLang="en-US" sz="1400"/>
+              <a:t>隐私</a:t>
+            </a:r>
+            <a:r>
+              <a:rPr lang="zh-CN" altLang="en-US" sz="1400"/>
+              <a:t>片段</a:t>
+            </a:r>
+            <a:endParaRPr lang="zh-CN" altLang="en-US" sz="1400"/>
+          </a:p>
+        </p:txBody>
+      </p:sp>
+      <p:sp>
+        <p:nvSpPr>
+          <p:cNvPr id="34" name="文本框 33"/>
+          <p:cNvSpPr txBox="1"/>
+          <p:nvPr>
+            <p:custDataLst>
+              <p:tags r:id="rId25"/>
+            </p:custDataLst>
+          </p:nvPr>
+        </p:nvSpPr>
+        <p:spPr>
+          <a:xfrm>
+            <a:off x="89535" y="4550410"/>
+            <a:ext cx="1076960" cy="275590"/>
+          </a:xfrm>
+          <a:prstGeom prst="rect">
+            <a:avLst/>
+          </a:prstGeom>
+          <a:noFill/>
+        </p:spPr>
+        <p:txBody>
+          <a:bodyPr wrap="square" rtlCol="0">
+            <a:spAutoFit/>
+          </a:bodyPr>
+          <a:p>
+            <a:r>
+              <a:rPr lang="en-US" altLang="zh-CN" sz="1200"/>
+              <a:t>KeyBert+</a:t>
+            </a:r>
+            <a:r>
+              <a:rPr lang="zh-CN" altLang="en-US" sz="1200"/>
+              <a:t>策略</a:t>
+            </a:r>
+            <a:endParaRPr lang="zh-CN" altLang="en-US" sz="1200"/>
+          </a:p>
+        </p:txBody>
+      </p:sp>
+      <p:sp>
+        <p:nvSpPr>
+          <p:cNvPr id="35" name="文本框 34"/>
+          <p:cNvSpPr txBox="1"/>
+          <p:nvPr>
+            <p:custDataLst>
+              <p:tags r:id="rId26"/>
+            </p:custDataLst>
+          </p:nvPr>
+        </p:nvSpPr>
+        <p:spPr>
+          <a:xfrm>
+            <a:off x="2495550" y="4550410"/>
+            <a:ext cx="1031240" cy="275590"/>
+          </a:xfrm>
+          <a:prstGeom prst="rect">
+            <a:avLst/>
+          </a:prstGeom>
+          <a:noFill/>
+        </p:spPr>
+        <p:txBody>
+          <a:bodyPr wrap="square" rtlCol="0">
+            <a:spAutoFit/>
+          </a:bodyPr>
+          <a:p>
+            <a:r>
+              <a:rPr lang="en-US" altLang="zh-CN" sz="1200"/>
+              <a:t>NER2+</a:t>
+            </a:r>
+            <a:r>
+              <a:rPr lang="zh-CN" altLang="en-US" sz="1200"/>
+              <a:t>策略</a:t>
+            </a:r>
+            <a:endParaRPr lang="zh-CN" altLang="en-US" sz="1200"/>
+          </a:p>
+        </p:txBody>
+      </p:sp>
+      <p:sp>
+        <p:nvSpPr>
+          <p:cNvPr id="36" name="矩形 35"/>
+          <p:cNvSpPr/>
+          <p:nvPr>
+            <p:custDataLst>
+              <p:tags r:id="rId27"/>
+            </p:custDataLst>
+          </p:nvPr>
+        </p:nvSpPr>
+        <p:spPr>
+          <a:xfrm>
+            <a:off x="1785620" y="5413375"/>
+            <a:ext cx="1174115" cy="462915"/>
+          </a:xfrm>
+          <a:prstGeom prst="rect">
+            <a:avLst/>
+          </a:prstGeom>
+        </p:spPr>
+        <p:style>
+          <a:lnRef idx="2">
+            <a:schemeClr val="accent1">
+              <a:lumMod val="75000"/>
+            </a:schemeClr>
+          </a:lnRef>
+          <a:fillRef idx="1">
+            <a:schemeClr val="accent1"/>
+          </a:fillRef>
+          <a:effectRef idx="0">
+            <a:srgbClr val="FFFFFF"/>
+          </a:effectRef>
+          <a:fontRef idx="minor">
+            <a:schemeClr val="lt1"/>
+          </a:fontRef>
+        </p:style>
+        <p:txBody>
+          <a:bodyPr rtlCol="0" anchor="ctr"/>
+          <a:p>
+            <a:pPr algn="ctr"/>
+            <a:r>
+              <a:rPr lang="zh-CN" altLang="en-US" sz="1200"/>
+              <a:t>违规类型</a:t>
+            </a:r>
+            <a:r>
+              <a:rPr lang="en-US" altLang="zh-CN" sz="1200"/>
+              <a:t>/</a:t>
+            </a:r>
+            <a:r>
+              <a:rPr lang="zh-CN" altLang="en-US" sz="1200"/>
+              <a:t>片段</a:t>
+            </a:r>
+            <a:endParaRPr lang="zh-CN" altLang="en-US" sz="1200"/>
+          </a:p>
+        </p:txBody>
+      </p:sp>
+      <p:sp>
+        <p:nvSpPr>
+          <p:cNvPr id="37" name="文本框 36"/>
+          <p:cNvSpPr txBox="1"/>
+          <p:nvPr>
+            <p:custDataLst>
+              <p:tags r:id="rId28"/>
+            </p:custDataLst>
+          </p:nvPr>
+        </p:nvSpPr>
+        <p:spPr>
+          <a:xfrm>
+            <a:off x="2437130" y="5008245"/>
+            <a:ext cx="631190" cy="275590"/>
+          </a:xfrm>
+          <a:prstGeom prst="rect">
+            <a:avLst/>
+          </a:prstGeom>
+          <a:noFill/>
+        </p:spPr>
+        <p:txBody>
+          <a:bodyPr wrap="square" rtlCol="0">
+            <a:spAutoFit/>
+          </a:bodyPr>
+          <a:p>
+            <a:r>
+              <a:rPr lang="zh-CN" altLang="en-US" sz="1200"/>
+              <a:t>输出</a:t>
+            </a:r>
+            <a:endParaRPr lang="zh-CN" altLang="en-US" sz="1200"/>
+          </a:p>
+        </p:txBody>
+      </p:sp>
+      <p:cxnSp>
+        <p:nvCxnSpPr>
+          <p:cNvPr id="40" name="直接箭头连接符 39"/>
+          <p:cNvCxnSpPr>
+            <a:stCxn id="32" idx="3"/>
+          </p:cNvCxnSpPr>
+          <p:nvPr>
+            <p:custDataLst>
+              <p:tags r:id="rId29"/>
+            </p:custDataLst>
+          </p:nvPr>
+        </p:nvCxnSpPr>
+        <p:spPr>
+          <a:xfrm>
+            <a:off x="1639570" y="5083175"/>
+            <a:ext cx="916940" cy="344170"/>
+          </a:xfrm>
+          <a:prstGeom prst="straightConnector1">
+            <a:avLst/>
+          </a:prstGeom>
+          <a:ln>
+            <a:prstDash val="lgDash"/>
+            <a:tailEnd type="arrow"/>
+          </a:ln>
+        </p:spPr>
+        <p:style>
+          <a:lnRef idx="2">
+            <a:schemeClr val="accent1"/>
+          </a:lnRef>
+          <a:fillRef idx="0">
+            <a:srgbClr val="FFFFFF"/>
+          </a:fillRef>
+          <a:effectRef idx="0">
+            <a:srgbClr val="FFFFFF"/>
+          </a:effectRef>
+          <a:fontRef idx="minor">
+            <a:schemeClr val="tx1"/>
+          </a:fontRef>
+        </p:style>
+      </p:cxnSp>
+      <p:cxnSp>
+        <p:nvCxnSpPr>
+          <p:cNvPr id="42" name="直接箭头连接符 41"/>
+          <p:cNvCxnSpPr>
+            <a:stCxn id="33" idx="1"/>
+            <a:endCxn id="36" idx="0"/>
+          </p:cNvCxnSpPr>
+          <p:nvPr>
+            <p:custDataLst>
+              <p:tags r:id="rId30"/>
+            </p:custDataLst>
+          </p:nvPr>
+        </p:nvCxnSpPr>
+        <p:spPr>
+          <a:xfrm flipH="1">
+            <a:off x="2372995" y="5083175"/>
+            <a:ext cx="810260" cy="330200"/>
+          </a:xfrm>
+          <a:prstGeom prst="straightConnector1">
+            <a:avLst/>
+          </a:prstGeom>
+          <a:ln>
+            <a:prstDash val="lgDash"/>
+            <a:tailEnd type="arrow"/>
+          </a:ln>
+        </p:spPr>
+        <p:style>
+          <a:lnRef idx="2">
+            <a:schemeClr val="accent1"/>
+          </a:lnRef>
+          <a:fillRef idx="0">
+            <a:srgbClr val="FFFFFF"/>
+          </a:fillRef>
+          <a:effectRef idx="0">
+            <a:srgbClr val="FFFFFF"/>
+          </a:effectRef>
+          <a:fontRef idx="minor">
+            <a:schemeClr val="tx1"/>
+          </a:fontRef>
+        </p:style>
+      </p:cxnSp>
+      <p:sp>
+        <p:nvSpPr>
+          <p:cNvPr id="46" name="文本框 45"/>
+          <p:cNvSpPr txBox="1"/>
+          <p:nvPr>
+            <p:custDataLst>
+              <p:tags r:id="rId31"/>
+            </p:custDataLst>
+          </p:nvPr>
+        </p:nvSpPr>
+        <p:spPr>
+          <a:xfrm>
+            <a:off x="1092200" y="4274820"/>
+            <a:ext cx="1111885" cy="275590"/>
+          </a:xfrm>
+          <a:prstGeom prst="rect">
+            <a:avLst/>
+          </a:prstGeom>
+          <a:noFill/>
+        </p:spPr>
+        <p:txBody>
+          <a:bodyPr wrap="square" rtlCol="0">
+            <a:spAutoFit/>
+          </a:bodyPr>
+          <a:p>
+            <a:r>
+              <a:rPr lang="zh-CN" altLang="en-US" sz="1200"/>
+              <a:t>广告</a:t>
+            </a:r>
+            <a:r>
+              <a:rPr lang="en-US" altLang="zh-CN" sz="1200"/>
+              <a:t>/</a:t>
+            </a:r>
+            <a:r>
+              <a:rPr lang="zh-CN" altLang="en-US" sz="1200"/>
+              <a:t>辱骂等</a:t>
+            </a:r>
+            <a:endParaRPr lang="zh-CN" altLang="en-US" sz="1200"/>
+          </a:p>
+        </p:txBody>
+      </p:sp>
+      <p:sp>
+        <p:nvSpPr>
+          <p:cNvPr id="62" name="文本框 61"/>
+          <p:cNvSpPr txBox="1"/>
+          <p:nvPr>
+            <p:custDataLst>
+              <p:tags r:id="rId32"/>
+            </p:custDataLst>
+          </p:nvPr>
+        </p:nvSpPr>
+        <p:spPr>
+          <a:xfrm>
+            <a:off x="2479675" y="4267200"/>
+            <a:ext cx="1111885" cy="275590"/>
+          </a:xfrm>
+          <a:prstGeom prst="rect">
+            <a:avLst/>
+          </a:prstGeom>
+          <a:noFill/>
+        </p:spPr>
+        <p:txBody>
+          <a:bodyPr wrap="square" rtlCol="0">
+            <a:spAutoFit/>
+          </a:bodyPr>
+          <a:p>
+            <a:r>
+              <a:rPr lang="zh-CN" altLang="en-US" sz="1200"/>
+              <a:t>个人隐私</a:t>
+            </a:r>
+            <a:endParaRPr lang="zh-CN" altLang="en-US" sz="1200"/>
+          </a:p>
+        </p:txBody>
+      </p:sp>
+      <p:sp>
+        <p:nvSpPr>
+          <p:cNvPr id="63" name="矩形 62"/>
+          <p:cNvSpPr/>
+          <p:nvPr>
+            <p:custDataLst>
+              <p:tags r:id="rId33"/>
+            </p:custDataLst>
+          </p:nvPr>
+        </p:nvSpPr>
+        <p:spPr>
+          <a:xfrm>
+            <a:off x="89535" y="4274820"/>
+            <a:ext cx="4072890" cy="1659255"/>
+          </a:xfrm>
+          <a:prstGeom prst="rect">
+            <a:avLst/>
+          </a:prstGeom>
+          <a:noFill/>
+          <a:ln w="28575" cmpd="sng">
+            <a:solidFill>
+              <a:schemeClr val="accent1">
+                <a:shade val="50000"/>
+              </a:schemeClr>
+            </a:solidFill>
+            <a:prstDash val="sysDash"/>
+          </a:ln>
+        </p:spPr>
+        <p:style>
+          <a:lnRef idx="2">
+            <a:schemeClr val="accent1">
+              <a:shade val="50000"/>
+            </a:schemeClr>
+          </a:lnRef>
+          <a:fillRef idx="1">
+            <a:schemeClr val="accent1"/>
+          </a:fillRef>
+          <a:effectRef idx="0">
+            <a:schemeClr val="accent1"/>
+          </a:effectRef>
+          <a:fontRef idx="minor">
+            <a:schemeClr val="lt1"/>
+          </a:fontRef>
+        </p:style>
+        <p:txBody>
+          <a:bodyPr rtlCol="0" anchor="ctr"/>
+          <a:p>
+            <a:pPr algn="ctr"/>
+            <a:endParaRPr lang="zh-CN" altLang="en-US"/>
+          </a:p>
+        </p:txBody>
+      </p:sp>
+      <p:cxnSp>
+        <p:nvCxnSpPr>
+          <p:cNvPr id="64" name="肘形连接符 63"/>
+          <p:cNvCxnSpPr>
+            <a:stCxn id="8" idx="1"/>
+            <a:endCxn id="32" idx="0"/>
+          </p:cNvCxnSpPr>
+          <p:nvPr>
+            <p:custDataLst>
+              <p:tags r:id="rId34"/>
+            </p:custDataLst>
+          </p:nvPr>
+        </p:nvCxnSpPr>
+        <p:spPr>
+          <a:xfrm rot="10800000" flipV="1">
+            <a:off x="1132205" y="3740150"/>
+            <a:ext cx="3758565" cy="1141095"/>
+          </a:xfrm>
+          <a:prstGeom prst="bentConnector2">
+            <a:avLst/>
+          </a:prstGeom>
+          <a:ln w="12700">
+            <a:tailEnd type="arrow"/>
+          </a:ln>
+        </p:spPr>
+        <p:style>
+          <a:lnRef idx="1">
+            <a:schemeClr val="accent1"/>
+          </a:lnRef>
+          <a:fillRef idx="0">
+            <a:schemeClr val="accent1"/>
+          </a:fillRef>
+          <a:effectRef idx="0">
+            <a:schemeClr val="accent1"/>
+          </a:effectRef>
+          <a:fontRef idx="minor">
+            <a:schemeClr val="tx1"/>
+          </a:fontRef>
+        </p:style>
+      </p:cxnSp>
+      <p:cxnSp>
+        <p:nvCxnSpPr>
+          <p:cNvPr id="65" name="肘形连接符 64"/>
+          <p:cNvCxnSpPr>
+            <a:endCxn id="33" idx="0"/>
+          </p:cNvCxnSpPr>
+          <p:nvPr>
+            <p:custDataLst>
+              <p:tags r:id="rId35"/>
+            </p:custDataLst>
+          </p:nvPr>
+        </p:nvCxnSpPr>
+        <p:spPr>
+          <a:xfrm rot="10800000" flipV="1">
+            <a:off x="3607435" y="3742690"/>
+            <a:ext cx="1276350" cy="1138555"/>
           </a:xfrm>
           <a:prstGeom prst="bentConnector2">
             <a:avLst/>
@@ -11580,20 +12126,98 @@
 
 <file path=ppt/tags/tag74.xml><?xml version="1.0" encoding="utf-8"?>
 <p:tagLst xmlns:p="http://schemas.openxmlformats.org/presentationml/2006/main">
-  <p:tag name="TABLE_ENDDRAG_ORIGIN_RECT" val="783*223"/>
-  <p:tag name="TABLE_ENDDRAG_RECT" val="130*81*783*223"/>
+  <p:tag name="KSO_WM_BEAUTIFY_FLAG" val=""/>
 </p:tagLst>
 </file>
 
 <file path=ppt/tags/tag75.xml><?xml version="1.0" encoding="utf-8"?>
 <p:tagLst xmlns:p="http://schemas.openxmlformats.org/presentationml/2006/main">
-  <p:tag name="commondata" val="eyJoZGlkIjoiMDNjNzVkZmI2OWJiY2Y0NTEwZTUwMzdjMjA2MjM5NWMifQ=="/>
+  <p:tag name="KSO_WM_BEAUTIFY_FLAG" val=""/>
+</p:tagLst>
+</file>
+
+<file path=ppt/tags/tag76.xml><?xml version="1.0" encoding="utf-8"?>
+<p:tagLst xmlns:p="http://schemas.openxmlformats.org/presentationml/2006/main">
+  <p:tag name="KSO_WM_BEAUTIFY_FLAG" val=""/>
+</p:tagLst>
+</file>
+
+<file path=ppt/tags/tag77.xml><?xml version="1.0" encoding="utf-8"?>
+<p:tagLst xmlns:p="http://schemas.openxmlformats.org/presentationml/2006/main">
+  <p:tag name="KSO_WM_BEAUTIFY_FLAG" val=""/>
+</p:tagLst>
+</file>
+
+<file path=ppt/tags/tag78.xml><?xml version="1.0" encoding="utf-8"?>
+<p:tagLst xmlns:p="http://schemas.openxmlformats.org/presentationml/2006/main">
+  <p:tag name="KSO_WM_BEAUTIFY_FLAG" val=""/>
+</p:tagLst>
+</file>
+
+<file path=ppt/tags/tag79.xml><?xml version="1.0" encoding="utf-8"?>
+<p:tagLst xmlns:p="http://schemas.openxmlformats.org/presentationml/2006/main">
+  <p:tag name="KSO_WM_BEAUTIFY_FLAG" val=""/>
 </p:tagLst>
 </file>
 
 <file path=ppt/tags/tag8.xml><?xml version="1.0" encoding="utf-8"?>
 <p:tagLst xmlns:p="http://schemas.openxmlformats.org/presentationml/2006/main">
   <p:tag name="KSO_WM_BEAUTIFY_FLAG" val=""/>
+</p:tagLst>
+</file>
+
+<file path=ppt/tags/tag80.xml><?xml version="1.0" encoding="utf-8"?>
+<p:tagLst xmlns:p="http://schemas.openxmlformats.org/presentationml/2006/main">
+  <p:tag name="KSO_WM_BEAUTIFY_FLAG" val=""/>
+</p:tagLst>
+</file>
+
+<file path=ppt/tags/tag81.xml><?xml version="1.0" encoding="utf-8"?>
+<p:tagLst xmlns:p="http://schemas.openxmlformats.org/presentationml/2006/main">
+  <p:tag name="KSO_WM_BEAUTIFY_FLAG" val=""/>
+</p:tagLst>
+</file>
+
+<file path=ppt/tags/tag82.xml><?xml version="1.0" encoding="utf-8"?>
+<p:tagLst xmlns:p="http://schemas.openxmlformats.org/presentationml/2006/main">
+  <p:tag name="KSO_WM_BEAUTIFY_FLAG" val=""/>
+</p:tagLst>
+</file>
+
+<file path=ppt/tags/tag83.xml><?xml version="1.0" encoding="utf-8"?>
+<p:tagLst xmlns:p="http://schemas.openxmlformats.org/presentationml/2006/main">
+  <p:tag name="KSO_WM_BEAUTIFY_FLAG" val=""/>
+</p:tagLst>
+</file>
+
+<file path=ppt/tags/tag84.xml><?xml version="1.0" encoding="utf-8"?>
+<p:tagLst xmlns:p="http://schemas.openxmlformats.org/presentationml/2006/main">
+  <p:tag name="KSO_WM_BEAUTIFY_FLAG" val=""/>
+</p:tagLst>
+</file>
+
+<file path=ppt/tags/tag85.xml><?xml version="1.0" encoding="utf-8"?>
+<p:tagLst xmlns:p="http://schemas.openxmlformats.org/presentationml/2006/main">
+  <p:tag name="KSO_WM_BEAUTIFY_FLAG" val=""/>
+</p:tagLst>
+</file>
+
+<file path=ppt/tags/tag86.xml><?xml version="1.0" encoding="utf-8"?>
+<p:tagLst xmlns:p="http://schemas.openxmlformats.org/presentationml/2006/main">
+  <p:tag name="KSO_WM_BEAUTIFY_FLAG" val=""/>
+</p:tagLst>
+</file>
+
+<file path=ppt/tags/tag87.xml><?xml version="1.0" encoding="utf-8"?>
+<p:tagLst xmlns:p="http://schemas.openxmlformats.org/presentationml/2006/main">
+  <p:tag name="TABLE_ENDDRAG_ORIGIN_RECT" val="783*223"/>
+  <p:tag name="TABLE_ENDDRAG_RECT" val="130*81*783*223"/>
+</p:tagLst>
+</file>
+
+<file path=ppt/tags/tag88.xml><?xml version="1.0" encoding="utf-8"?>
+<p:tagLst xmlns:p="http://schemas.openxmlformats.org/presentationml/2006/main">
+  <p:tag name="commondata" val="eyJoZGlkIjoiMDNjNzVkZmI2OWJiY2Y0NTEwZTUwMzdjMjA2MjM5NWMifQ=="/>
 </p:tagLst>
 </file>
 

--- a/流程图.pptx
+++ b/流程图.pptx
@@ -11171,6 +11171,47 @@
           </a:fontRef>
         </p:style>
       </p:cxnSp>
+      <p:sp>
+        <p:nvSpPr>
+          <p:cNvPr id="2" name="文本框 1"/>
+          <p:cNvSpPr txBox="1"/>
+          <p:nvPr/>
+        </p:nvSpPr>
+        <p:spPr>
+          <a:xfrm>
+            <a:off x="1736090" y="6057265"/>
+            <a:ext cx="561340" cy="521970"/>
+          </a:xfrm>
+          <a:prstGeom prst="rect">
+            <a:avLst/>
+          </a:prstGeom>
+          <a:noFill/>
+        </p:spPr>
+        <p:txBody>
+          <a:bodyPr wrap="square" rtlCol="0">
+            <a:spAutoFit/>
+          </a:bodyPr>
+          <a:p>
+            <a:r>
+              <a:rPr lang="en-US" altLang="zh-CN" sz="2800" i="1">
+                <a:solidFill>
+                  <a:schemeClr val="accent6">
+                    <a:lumMod val="75000"/>
+                  </a:schemeClr>
+                </a:solidFill>
+              </a:rPr>
+              <a:t>√</a:t>
+            </a:r>
+            <a:endParaRPr lang="en-US" altLang="zh-CN" sz="2800" i="1">
+              <a:solidFill>
+                <a:schemeClr val="accent6">
+                  <a:lumMod val="75000"/>
+                </a:schemeClr>
+              </a:solidFill>
+            </a:endParaRPr>
+          </a:p>
+        </p:txBody>
+      </p:sp>
     </p:spTree>
   </p:cSld>
   <p:clrMapOvr>

--- a/流程图.pptx
+++ b/流程图.pptx
@@ -11179,21 +11179,33 @@
         </p:nvSpPr>
         <p:spPr>
           <a:xfrm>
-            <a:off x="1736090" y="6057265"/>
-            <a:ext cx="561340" cy="521970"/>
+            <a:off x="1785620" y="6151880"/>
+            <a:ext cx="400050" cy="506730"/>
           </a:xfrm>
           <a:prstGeom prst="rect">
             <a:avLst/>
           </a:prstGeom>
           <a:noFill/>
+          <a:ln>
+            <a:solidFill>
+              <a:schemeClr val="tx1"/>
+            </a:solidFill>
+          </a:ln>
         </p:spPr>
         <p:txBody>
           <a:bodyPr wrap="square" rtlCol="0">
-            <a:spAutoFit/>
+            <a:noAutofit/>
           </a:bodyPr>
           <a:p>
             <a:r>
               <a:rPr lang="en-US" altLang="zh-CN" sz="2800" i="1">
+                <a:ln>
+                  <a:solidFill>
+                    <a:schemeClr val="accent6">
+                      <a:lumMod val="75000"/>
+                    </a:schemeClr>
+                  </a:solidFill>
+                </a:ln>
                 <a:solidFill>
                   <a:schemeClr val="accent6">
                     <a:lumMod val="75000"/>
@@ -11203,6 +11215,13 @@
               <a:t>√</a:t>
             </a:r>
             <a:endParaRPr lang="en-US" altLang="zh-CN" sz="2800" i="1">
+              <a:ln>
+                <a:solidFill>
+                  <a:schemeClr val="accent6">
+                    <a:lumMod val="75000"/>
+                  </a:schemeClr>
+                </a:solidFill>
+              </a:ln>
               <a:solidFill>
                 <a:schemeClr val="accent6">
                   <a:lumMod val="75000"/>

--- a/流程图.pptx
+++ b/流程图.pptx
@@ -12,14 +12,15 @@
     <p:sldId id="267" r:id="rId7"/>
     <p:sldId id="268" r:id="rId8"/>
     <p:sldId id="272" r:id="rId9"/>
-    <p:sldId id="257" r:id="rId10"/>
-    <p:sldId id="261" r:id="rId11"/>
-    <p:sldId id="260" r:id="rId12"/>
+    <p:sldId id="276" r:id="rId10"/>
+    <p:sldId id="257" r:id="rId11"/>
+    <p:sldId id="261" r:id="rId12"/>
+    <p:sldId id="260" r:id="rId13"/>
   </p:sldIdLst>
   <p:sldSz cx="12192000" cy="6858000"/>
   <p:notesSz cx="6858000" cy="9144000"/>
   <p:custDataLst>
-    <p:tags r:id="rId16"/>
+    <p:tags r:id="rId17"/>
   </p:custDataLst>
   <p:defaultTextStyle>
     <a:defPPr>
@@ -4276,6 +4277,86 @@
       <p:grpSpPr/>
       <p:sp>
         <p:nvSpPr>
+          <p:cNvPr id="2" name="标题 1"/>
+          <p:cNvSpPr>
+            <a:spLocks noGrp="1"/>
+          </p:cNvSpPr>
+          <p:nvPr>
+            <p:ph type="title"/>
+          </p:nvPr>
+        </p:nvSpPr>
+        <p:spPr>
+          <a:xfrm>
+            <a:off x="838200" y="365125"/>
+            <a:ext cx="4705985" cy="937895"/>
+          </a:xfrm>
+        </p:spPr>
+        <p:txBody>
+          <a:bodyPr/>
+          <a:p>
+            <a:r>
+              <a:rPr lang="zh-CN" altLang="en-US" sz="3600"/>
+              <a:t>不良片段抽取方式：</a:t>
+            </a:r>
+            <a:endParaRPr lang="zh-CN" altLang="en-US" sz="3600"/>
+          </a:p>
+        </p:txBody>
+      </p:sp>
+      <p:sp>
+        <p:nvSpPr>
+          <p:cNvPr id="3" name="内容占位符 2"/>
+          <p:cNvSpPr>
+            <a:spLocks noGrp="1"/>
+          </p:cNvSpPr>
+          <p:nvPr>
+            <p:ph idx="1"/>
+          </p:nvPr>
+        </p:nvSpPr>
+        <p:spPr>
+          <a:xfrm>
+            <a:off x="838200" y="1825625"/>
+            <a:ext cx="6301105" cy="1193800"/>
+          </a:xfrm>
+        </p:spPr>
+        <p:txBody>
+          <a:bodyPr/>
+          <a:p>
+            <a:r>
+              <a:rPr lang="en-US" altLang="zh-CN"/>
+              <a:t>bert-crf</a:t>
+            </a:r>
+            <a:r>
+              <a:rPr lang="zh-CN" altLang="en-US"/>
+              <a:t>：</a:t>
+            </a:r>
+            <a:r>
+              <a:rPr lang="zh-CN" altLang="en-US"/>
+              <a:t>敏感信息</a:t>
+            </a:r>
+            <a:endParaRPr lang="zh-CN" altLang="en-US"/>
+          </a:p>
+        </p:txBody>
+      </p:sp>
+    </p:spTree>
+  </p:cSld>
+  <p:clrMapOvr>
+    <a:masterClrMapping/>
+  </p:clrMapOvr>
+</p:sld>
+</file>
+
+<file path=ppt/slides/slide11.xml><?xml version="1.0" encoding="utf-8"?>
+<p:sld xmlns:a="http://schemas.openxmlformats.org/drawingml/2006/main" xmlns:r="http://schemas.openxmlformats.org/officeDocument/2006/relationships" xmlns:p="http://schemas.openxmlformats.org/presentationml/2006/main">
+  <p:cSld>
+    <p:spTree>
+      <p:nvGrpSpPr>
+        <p:cNvPr id="1" name=""/>
+        <p:cNvGrpSpPr/>
+        <p:nvPr/>
+      </p:nvGrpSpPr>
+      <p:grpSpPr/>
+      <p:sp>
+        <p:nvSpPr>
           <p:cNvPr id="100" name="文本框 99"/>
           <p:cNvSpPr txBox="1"/>
           <p:nvPr/>
@@ -9337,7 +9418,7 @@
         </p:nvSpPr>
         <p:spPr>
           <a:xfrm>
-            <a:off x="7778750" y="732790"/>
+            <a:off x="7847965" y="789305"/>
             <a:ext cx="887095" cy="763270"/>
           </a:xfrm>
           <a:prstGeom prst="can">
@@ -11231,6 +11312,51 @@
           </a:p>
         </p:txBody>
       </p:sp>
+      <p:sp>
+        <p:nvSpPr>
+          <p:cNvPr id="3" name="下箭头 2"/>
+          <p:cNvSpPr/>
+          <p:nvPr/>
+        </p:nvSpPr>
+        <p:spPr>
+          <a:xfrm rot="1500000">
+            <a:off x="7979410" y="1645285"/>
+            <a:ext cx="485775" cy="574040"/>
+          </a:xfrm>
+          <a:prstGeom prst="downArrow">
+            <a:avLst/>
+          </a:prstGeom>
+          <a:ln w="28575" cmpd="sng">
+            <a:solidFill>
+              <a:schemeClr val="accent1">
+                <a:shade val="50000"/>
+              </a:schemeClr>
+            </a:solidFill>
+            <a:prstDash val="lgDash"/>
+          </a:ln>
+        </p:spPr>
+        <p:style>
+          <a:lnRef idx="2">
+            <a:schemeClr val="accent6"/>
+          </a:lnRef>
+          <a:fillRef idx="1">
+            <a:schemeClr val="lt1"/>
+          </a:fillRef>
+          <a:effectRef idx="0">
+            <a:schemeClr val="accent6"/>
+          </a:effectRef>
+          <a:fontRef idx="minor">
+            <a:schemeClr val="dk1"/>
+          </a:fontRef>
+        </p:style>
+        <p:txBody>
+          <a:bodyPr rtlCol="0" anchor="ctr"/>
+          <a:p>
+            <a:pPr algn="ctr"/>
+            <a:endParaRPr lang="zh-CN" altLang="en-US"/>
+          </a:p>
+        </p:txBody>
+      </p:sp>
     </p:spTree>
   </p:cSld>
   <p:clrMapOvr>
@@ -11240,6 +11366,1806 @@
 </file>
 
 <file path=ppt/slides/slide8.xml><?xml version="1.0" encoding="utf-8"?>
+<p:sld xmlns:a="http://schemas.openxmlformats.org/drawingml/2006/main" xmlns:r="http://schemas.openxmlformats.org/officeDocument/2006/relationships" xmlns:p="http://schemas.openxmlformats.org/presentationml/2006/main">
+  <p:cSld>
+    <p:spTree>
+      <p:nvGrpSpPr>
+        <p:cNvPr id="1" name=""/>
+        <p:cNvGrpSpPr/>
+        <p:nvPr/>
+      </p:nvGrpSpPr>
+      <p:grpSpPr/>
+      <p:sp>
+        <p:nvSpPr>
+          <p:cNvPr id="17" name="矩形 16"/>
+          <p:cNvSpPr/>
+          <p:nvPr/>
+        </p:nvSpPr>
+        <p:spPr>
+          <a:xfrm>
+            <a:off x="4594225" y="4282440"/>
+            <a:ext cx="2870200" cy="1659255"/>
+          </a:xfrm>
+          <a:prstGeom prst="rect">
+            <a:avLst/>
+          </a:prstGeom>
+          <a:noFill/>
+          <a:ln w="28575" cmpd="sng">
+            <a:solidFill>
+              <a:schemeClr val="accent1">
+                <a:shade val="50000"/>
+              </a:schemeClr>
+            </a:solidFill>
+            <a:prstDash val="sysDash"/>
+          </a:ln>
+        </p:spPr>
+        <p:style>
+          <a:lnRef idx="2">
+            <a:schemeClr val="accent1">
+              <a:shade val="50000"/>
+            </a:schemeClr>
+          </a:lnRef>
+          <a:fillRef idx="1">
+            <a:schemeClr val="accent1"/>
+          </a:fillRef>
+          <a:effectRef idx="0">
+            <a:schemeClr val="accent1"/>
+          </a:effectRef>
+          <a:fontRef idx="minor">
+            <a:schemeClr val="lt1"/>
+          </a:fontRef>
+        </p:style>
+        <p:txBody>
+          <a:bodyPr rtlCol="0" anchor="ctr"/>
+          <a:p>
+            <a:pPr algn="ctr"/>
+            <a:endParaRPr lang="zh-CN" altLang="en-US"/>
+          </a:p>
+        </p:txBody>
+      </p:sp>
+      <p:sp>
+        <p:nvSpPr>
+          <p:cNvPr id="13" name="圆柱形 12"/>
+          <p:cNvSpPr/>
+          <p:nvPr>
+            <p:custDataLst>
+              <p:tags r:id="rId1"/>
+            </p:custDataLst>
+          </p:nvPr>
+        </p:nvSpPr>
+        <p:spPr>
+          <a:xfrm>
+            <a:off x="2921000" y="377825"/>
+            <a:ext cx="914400" cy="822960"/>
+          </a:xfrm>
+          <a:prstGeom prst="can">
+            <a:avLst/>
+          </a:prstGeom>
+        </p:spPr>
+        <p:style>
+          <a:lnRef idx="2">
+            <a:schemeClr val="accent1">
+              <a:lumMod val="75000"/>
+            </a:schemeClr>
+          </a:lnRef>
+          <a:fillRef idx="1">
+            <a:schemeClr val="accent1"/>
+          </a:fillRef>
+          <a:effectRef idx="0">
+            <a:srgbClr val="FFFFFF"/>
+          </a:effectRef>
+          <a:fontRef idx="minor">
+            <a:schemeClr val="lt1"/>
+          </a:fontRef>
+        </p:style>
+        <p:txBody>
+          <a:bodyPr rtlCol="0" anchor="ctr"/>
+          <a:p>
+            <a:pPr algn="ctr"/>
+            <a:r>
+              <a:rPr lang="zh-CN" altLang="en-US" sz="1200"/>
+              <a:t>文档</a:t>
+            </a:r>
+            <a:endParaRPr lang="zh-CN" altLang="en-US" sz="1200"/>
+          </a:p>
+          <a:p>
+            <a:pPr algn="ctr"/>
+            <a:r>
+              <a:rPr lang="zh-CN" altLang="en-US" sz="1200"/>
+              <a:t>图片</a:t>
+            </a:r>
+            <a:endParaRPr lang="zh-CN" altLang="en-US" sz="1200"/>
+          </a:p>
+          <a:p>
+            <a:pPr algn="ctr"/>
+            <a:r>
+              <a:rPr lang="zh-CN" altLang="en-US" sz="1200"/>
+              <a:t>文本</a:t>
+            </a:r>
+            <a:endParaRPr lang="zh-CN" altLang="en-US" sz="1200"/>
+          </a:p>
+        </p:txBody>
+      </p:sp>
+      <p:sp>
+        <p:nvSpPr>
+          <p:cNvPr id="29" name="矩形 28"/>
+          <p:cNvSpPr/>
+          <p:nvPr>
+            <p:custDataLst>
+              <p:tags r:id="rId2"/>
+            </p:custDataLst>
+          </p:nvPr>
+        </p:nvSpPr>
+        <p:spPr>
+          <a:xfrm>
+            <a:off x="5279390" y="605155"/>
+            <a:ext cx="1311275" cy="354330"/>
+          </a:xfrm>
+          <a:prstGeom prst="rect">
+            <a:avLst/>
+          </a:prstGeom>
+        </p:spPr>
+        <p:style>
+          <a:lnRef idx="2">
+            <a:schemeClr val="accent1">
+              <a:lumMod val="75000"/>
+            </a:schemeClr>
+          </a:lnRef>
+          <a:fillRef idx="1">
+            <a:schemeClr val="accent1"/>
+          </a:fillRef>
+          <a:effectRef idx="0">
+            <a:srgbClr val="FFFFFF"/>
+          </a:effectRef>
+          <a:fontRef idx="minor">
+            <a:schemeClr val="lt1"/>
+          </a:fontRef>
+        </p:style>
+        <p:txBody>
+          <a:bodyPr rtlCol="0" anchor="ctr"/>
+          <a:p>
+            <a:pPr algn="ctr"/>
+            <a:r>
+              <a:rPr lang="zh-CN" altLang="en-US" sz="1400"/>
+              <a:t>文本</a:t>
+            </a:r>
+            <a:r>
+              <a:rPr lang="en-US" altLang="zh-CN" sz="1400"/>
+              <a:t>/</a:t>
+            </a:r>
+            <a:r>
+              <a:rPr lang="zh-CN" altLang="en-US" sz="1400"/>
+              <a:t>文本集</a:t>
+            </a:r>
+            <a:endParaRPr lang="zh-CN" altLang="en-US" sz="1400"/>
+          </a:p>
+        </p:txBody>
+      </p:sp>
+      <p:cxnSp>
+        <p:nvCxnSpPr>
+          <p:cNvPr id="39" name="直接箭头连接符 38"/>
+          <p:cNvCxnSpPr>
+            <a:stCxn id="13" idx="4"/>
+            <a:endCxn id="29" idx="1"/>
+          </p:cNvCxnSpPr>
+          <p:nvPr>
+            <p:custDataLst>
+              <p:tags r:id="rId3"/>
+            </p:custDataLst>
+          </p:nvPr>
+        </p:nvCxnSpPr>
+        <p:spPr>
+          <a:xfrm flipV="1">
+            <a:off x="3835400" y="782320"/>
+            <a:ext cx="1443990" cy="6985"/>
+          </a:xfrm>
+          <a:prstGeom prst="straightConnector1">
+            <a:avLst/>
+          </a:prstGeom>
+          <a:ln>
+            <a:tailEnd type="arrow"/>
+          </a:ln>
+        </p:spPr>
+        <p:style>
+          <a:lnRef idx="2">
+            <a:schemeClr val="accent1"/>
+          </a:lnRef>
+          <a:fillRef idx="0">
+            <a:srgbClr val="FFFFFF"/>
+          </a:fillRef>
+          <a:effectRef idx="0">
+            <a:srgbClr val="FFFFFF"/>
+          </a:effectRef>
+          <a:fontRef idx="minor">
+            <a:schemeClr val="tx1"/>
+          </a:fontRef>
+        </p:style>
+      </p:cxnSp>
+      <p:sp>
+        <p:nvSpPr>
+          <p:cNvPr id="52" name="文本框 51"/>
+          <p:cNvSpPr txBox="1"/>
+          <p:nvPr>
+            <p:custDataLst>
+              <p:tags r:id="rId4"/>
+            </p:custDataLst>
+          </p:nvPr>
+        </p:nvSpPr>
+        <p:spPr>
+          <a:xfrm>
+            <a:off x="4093210" y="482600"/>
+            <a:ext cx="928370" cy="306705"/>
+          </a:xfrm>
+          <a:prstGeom prst="rect">
+            <a:avLst/>
+          </a:prstGeom>
+          <a:noFill/>
+        </p:spPr>
+        <p:txBody>
+          <a:bodyPr wrap="square" rtlCol="0">
+            <a:spAutoFit/>
+          </a:bodyPr>
+          <a:p>
+            <a:r>
+              <a:rPr lang="zh-CN" altLang="en-US" sz="1400"/>
+              <a:t>文本处理</a:t>
+            </a:r>
+            <a:endParaRPr lang="zh-CN" altLang="en-US" sz="1400"/>
+          </a:p>
+        </p:txBody>
+      </p:sp>
+      <p:sp>
+        <p:nvSpPr>
+          <p:cNvPr id="53" name="下箭头 52"/>
+          <p:cNvSpPr/>
+          <p:nvPr>
+            <p:custDataLst>
+              <p:tags r:id="rId5"/>
+            </p:custDataLst>
+          </p:nvPr>
+        </p:nvSpPr>
+        <p:spPr>
+          <a:xfrm>
+            <a:off x="5896610" y="980440"/>
+            <a:ext cx="76200" cy="267970"/>
+          </a:xfrm>
+          <a:prstGeom prst="downArrow">
+            <a:avLst/>
+          </a:prstGeom>
+        </p:spPr>
+        <p:style>
+          <a:lnRef idx="2">
+            <a:schemeClr val="accent1">
+              <a:lumMod val="75000"/>
+            </a:schemeClr>
+          </a:lnRef>
+          <a:fillRef idx="1">
+            <a:schemeClr val="accent1"/>
+          </a:fillRef>
+          <a:effectRef idx="0">
+            <a:srgbClr val="FFFFFF"/>
+          </a:effectRef>
+          <a:fontRef idx="minor">
+            <a:schemeClr val="lt1"/>
+          </a:fontRef>
+        </p:style>
+        <p:txBody>
+          <a:bodyPr rtlCol="0" anchor="ctr"/>
+          <a:p>
+            <a:pPr algn="ctr"/>
+            <a:endParaRPr lang="zh-CN" altLang="en-US"/>
+          </a:p>
+        </p:txBody>
+      </p:sp>
+      <p:sp>
+        <p:nvSpPr>
+          <p:cNvPr id="54" name="菱形 53"/>
+          <p:cNvSpPr/>
+          <p:nvPr>
+            <p:custDataLst>
+              <p:tags r:id="rId6"/>
+            </p:custDataLst>
+          </p:nvPr>
+        </p:nvSpPr>
+        <p:spPr>
+          <a:xfrm>
+            <a:off x="5299710" y="1301750"/>
+            <a:ext cx="1270635" cy="914400"/>
+          </a:xfrm>
+          <a:prstGeom prst="diamond">
+            <a:avLst/>
+          </a:prstGeom>
+        </p:spPr>
+        <p:style>
+          <a:lnRef idx="2">
+            <a:schemeClr val="accent1">
+              <a:lumMod val="75000"/>
+            </a:schemeClr>
+          </a:lnRef>
+          <a:fillRef idx="1">
+            <a:schemeClr val="accent1"/>
+          </a:fillRef>
+          <a:effectRef idx="0">
+            <a:srgbClr val="FFFFFF"/>
+          </a:effectRef>
+          <a:fontRef idx="minor">
+            <a:schemeClr val="lt1"/>
+          </a:fontRef>
+        </p:style>
+        <p:txBody>
+          <a:bodyPr rtlCol="0" anchor="ctr"/>
+          <a:p>
+            <a:pPr algn="ctr"/>
+            <a:r>
+              <a:rPr lang="zh-CN" altLang="en-US" sz="900">
+                <a:solidFill>
+                  <a:schemeClr val="tx1"/>
+                </a:solidFill>
+              </a:rPr>
+              <a:t>硬匹配</a:t>
+            </a:r>
+            <a:endParaRPr lang="zh-CN" altLang="en-US" sz="900">
+              <a:solidFill>
+                <a:schemeClr val="tx1"/>
+              </a:solidFill>
+            </a:endParaRPr>
+          </a:p>
+          <a:p>
+            <a:pPr algn="ctr"/>
+            <a:r>
+              <a:rPr lang="zh-CN" altLang="en-US" sz="900" i="1"/>
+              <a:t>是否包含关键词</a:t>
+            </a:r>
+            <a:endParaRPr lang="zh-CN" altLang="en-US" sz="900" i="1"/>
+          </a:p>
+        </p:txBody>
+      </p:sp>
+      <p:sp>
+        <p:nvSpPr>
+          <p:cNvPr id="55" name="文本框 54"/>
+          <p:cNvSpPr txBox="1"/>
+          <p:nvPr>
+            <p:custDataLst>
+              <p:tags r:id="rId7"/>
+            </p:custDataLst>
+          </p:nvPr>
+        </p:nvSpPr>
+        <p:spPr>
+          <a:xfrm>
+            <a:off x="6274435" y="1041400"/>
+            <a:ext cx="766445" cy="337185"/>
+          </a:xfrm>
+          <a:prstGeom prst="rect">
+            <a:avLst/>
+          </a:prstGeom>
+          <a:noFill/>
+          <a:ln>
+            <a:solidFill>
+              <a:schemeClr val="accent1"/>
+            </a:solidFill>
+          </a:ln>
+        </p:spPr>
+        <p:txBody>
+          <a:bodyPr wrap="square" rtlCol="0">
+            <a:spAutoFit/>
+          </a:bodyPr>
+          <a:p>
+            <a:pPr algn="ctr"/>
+            <a:r>
+              <a:rPr lang="en-US" altLang="zh-CN" sz="1600"/>
+              <a:t>AC</a:t>
+            </a:r>
+            <a:r>
+              <a:rPr lang="zh-CN" altLang="en-US" sz="1600"/>
+              <a:t>机</a:t>
+            </a:r>
+            <a:endParaRPr lang="zh-CN" altLang="en-US" sz="1600"/>
+          </a:p>
+        </p:txBody>
+      </p:sp>
+      <p:sp>
+        <p:nvSpPr>
+          <p:cNvPr id="56" name="圆柱形 55"/>
+          <p:cNvSpPr/>
+          <p:nvPr>
+            <p:custDataLst>
+              <p:tags r:id="rId8"/>
+            </p:custDataLst>
+          </p:nvPr>
+        </p:nvSpPr>
+        <p:spPr>
+          <a:xfrm>
+            <a:off x="7847965" y="789305"/>
+            <a:ext cx="887095" cy="763270"/>
+          </a:xfrm>
+          <a:prstGeom prst="can">
+            <a:avLst/>
+          </a:prstGeom>
+        </p:spPr>
+        <p:style>
+          <a:lnRef idx="2">
+            <a:schemeClr val="accent1">
+              <a:lumMod val="75000"/>
+            </a:schemeClr>
+          </a:lnRef>
+          <a:fillRef idx="1">
+            <a:schemeClr val="accent1"/>
+          </a:fillRef>
+          <a:effectRef idx="0">
+            <a:srgbClr val="FFFFFF"/>
+          </a:effectRef>
+          <a:fontRef idx="minor">
+            <a:schemeClr val="lt1"/>
+          </a:fontRef>
+        </p:style>
+        <p:txBody>
+          <a:bodyPr rtlCol="0" anchor="ctr"/>
+          <a:p>
+            <a:pPr algn="ctr"/>
+            <a:r>
+              <a:rPr lang="zh-CN" altLang="en-US" sz="1200"/>
+              <a:t>关键词库</a:t>
+            </a:r>
+            <a:endParaRPr lang="zh-CN" altLang="en-US" sz="1200"/>
+          </a:p>
+        </p:txBody>
+      </p:sp>
+      <p:sp>
+        <p:nvSpPr>
+          <p:cNvPr id="57" name="左箭头 56"/>
+          <p:cNvSpPr/>
+          <p:nvPr>
+            <p:custDataLst>
+              <p:tags r:id="rId9"/>
+            </p:custDataLst>
+          </p:nvPr>
+        </p:nvSpPr>
+        <p:spPr>
+          <a:xfrm>
+            <a:off x="7146925" y="959485"/>
+            <a:ext cx="485140" cy="435610"/>
+          </a:xfrm>
+          <a:prstGeom prst="leftArrow">
+            <a:avLst/>
+          </a:prstGeom>
+        </p:spPr>
+        <p:style>
+          <a:lnRef idx="2">
+            <a:schemeClr val="accent1">
+              <a:lumMod val="75000"/>
+            </a:schemeClr>
+          </a:lnRef>
+          <a:fillRef idx="1">
+            <a:schemeClr val="accent1"/>
+          </a:fillRef>
+          <a:effectRef idx="0">
+            <a:srgbClr val="FFFFFF"/>
+          </a:effectRef>
+          <a:fontRef idx="minor">
+            <a:schemeClr val="lt1"/>
+          </a:fontRef>
+        </p:style>
+        <p:txBody>
+          <a:bodyPr rtlCol="0" anchor="ctr"/>
+          <a:p>
+            <a:pPr algn="ctr"/>
+            <a:endParaRPr lang="zh-CN" altLang="en-US"/>
+          </a:p>
+        </p:txBody>
+      </p:sp>
+      <p:cxnSp>
+        <p:nvCxnSpPr>
+          <p:cNvPr id="58" name="肘形连接符 57"/>
+          <p:cNvCxnSpPr/>
+          <p:nvPr>
+            <p:custDataLst>
+              <p:tags r:id="rId10"/>
+            </p:custDataLst>
+          </p:nvPr>
+        </p:nvCxnSpPr>
+        <p:spPr>
+          <a:xfrm rot="10800000" flipV="1">
+            <a:off x="4690745" y="1758315"/>
+            <a:ext cx="785495" cy="6350"/>
+          </a:xfrm>
+          <a:prstGeom prst="bentConnector3">
+            <a:avLst>
+              <a:gd name="adj1" fmla="val 49960"/>
+            </a:avLst>
+          </a:prstGeom>
+          <a:ln>
+            <a:tailEnd type="arrow"/>
+          </a:ln>
+        </p:spPr>
+        <p:style>
+          <a:lnRef idx="2">
+            <a:schemeClr val="accent1"/>
+          </a:lnRef>
+          <a:fillRef idx="0">
+            <a:srgbClr val="FFFFFF"/>
+          </a:fillRef>
+          <a:effectRef idx="0">
+            <a:srgbClr val="FFFFFF"/>
+          </a:effectRef>
+          <a:fontRef idx="minor">
+            <a:schemeClr val="tx1"/>
+          </a:fontRef>
+        </p:style>
+      </p:cxnSp>
+      <p:sp>
+        <p:nvSpPr>
+          <p:cNvPr id="59" name="矩形 58"/>
+          <p:cNvSpPr/>
+          <p:nvPr>
+            <p:custDataLst>
+              <p:tags r:id="rId11"/>
+            </p:custDataLst>
+          </p:nvPr>
+        </p:nvSpPr>
+        <p:spPr>
+          <a:xfrm>
+            <a:off x="3525520" y="1527175"/>
+            <a:ext cx="1174115" cy="462915"/>
+          </a:xfrm>
+          <a:prstGeom prst="rect">
+            <a:avLst/>
+          </a:prstGeom>
+        </p:spPr>
+        <p:style>
+          <a:lnRef idx="2">
+            <a:schemeClr val="accent1">
+              <a:lumMod val="75000"/>
+            </a:schemeClr>
+          </a:lnRef>
+          <a:fillRef idx="1">
+            <a:schemeClr val="accent1"/>
+          </a:fillRef>
+          <a:effectRef idx="0">
+            <a:srgbClr val="FFFFFF"/>
+          </a:effectRef>
+          <a:fontRef idx="minor">
+            <a:schemeClr val="lt1"/>
+          </a:fontRef>
+        </p:style>
+        <p:txBody>
+          <a:bodyPr rtlCol="0" anchor="ctr"/>
+          <a:p>
+            <a:pPr algn="ctr"/>
+            <a:r>
+              <a:rPr lang="zh-CN" altLang="en-US" sz="1200"/>
+              <a:t>违规类型</a:t>
+            </a:r>
+            <a:r>
+              <a:rPr lang="en-US" altLang="zh-CN" sz="1200"/>
+              <a:t>/</a:t>
+            </a:r>
+            <a:r>
+              <a:rPr lang="zh-CN" altLang="en-US" sz="1200"/>
+              <a:t>片段</a:t>
+            </a:r>
+            <a:endParaRPr lang="zh-CN" altLang="en-US" sz="1200"/>
+          </a:p>
+        </p:txBody>
+      </p:sp>
+      <p:sp>
+        <p:nvSpPr>
+          <p:cNvPr id="60" name="文本框 59"/>
+          <p:cNvSpPr txBox="1"/>
+          <p:nvPr>
+            <p:custDataLst>
+              <p:tags r:id="rId12"/>
+            </p:custDataLst>
+          </p:nvPr>
+        </p:nvSpPr>
+        <p:spPr>
+          <a:xfrm>
+            <a:off x="4970780" y="1345565"/>
+            <a:ext cx="368300" cy="275590"/>
+          </a:xfrm>
+          <a:prstGeom prst="rect">
+            <a:avLst/>
+          </a:prstGeom>
+          <a:noFill/>
+        </p:spPr>
+        <p:txBody>
+          <a:bodyPr wrap="square" rtlCol="0">
+            <a:spAutoFit/>
+          </a:bodyPr>
+          <a:p>
+            <a:r>
+              <a:rPr lang="en-US" altLang="zh-CN" sz="1200"/>
+              <a:t>y</a:t>
+            </a:r>
+            <a:endParaRPr lang="en-US" altLang="zh-CN" sz="1200"/>
+          </a:p>
+        </p:txBody>
+      </p:sp>
+      <p:sp>
+        <p:nvSpPr>
+          <p:cNvPr id="61" name="文本框 60"/>
+          <p:cNvSpPr txBox="1"/>
+          <p:nvPr>
+            <p:custDataLst>
+              <p:tags r:id="rId13"/>
+            </p:custDataLst>
+          </p:nvPr>
+        </p:nvSpPr>
+        <p:spPr>
+          <a:xfrm>
+            <a:off x="5531485" y="2215515"/>
+            <a:ext cx="365125" cy="275590"/>
+          </a:xfrm>
+          <a:prstGeom prst="rect">
+            <a:avLst/>
+          </a:prstGeom>
+          <a:noFill/>
+        </p:spPr>
+        <p:txBody>
+          <a:bodyPr wrap="square" rtlCol="0" anchor="t">
+            <a:spAutoFit/>
+          </a:bodyPr>
+          <a:p>
+            <a:r>
+              <a:rPr lang="en-US" altLang="zh-CN" sz="1200">
+                <a:sym typeface="+mn-ea"/>
+              </a:rPr>
+              <a:t>n</a:t>
+            </a:r>
+            <a:endParaRPr lang="en-US" altLang="zh-CN" sz="1200">
+              <a:sym typeface="+mn-ea"/>
+            </a:endParaRPr>
+          </a:p>
+        </p:txBody>
+      </p:sp>
+      <p:sp>
+        <p:nvSpPr>
+          <p:cNvPr id="4" name="矩形 3"/>
+          <p:cNvSpPr/>
+          <p:nvPr/>
+        </p:nvSpPr>
+        <p:spPr>
+          <a:xfrm>
+            <a:off x="5149850" y="2452370"/>
+            <a:ext cx="1568450" cy="606425"/>
+          </a:xfrm>
+          <a:prstGeom prst="rect">
+            <a:avLst/>
+          </a:prstGeom>
+        </p:spPr>
+        <p:style>
+          <a:lnRef idx="2">
+            <a:schemeClr val="accent1">
+              <a:shade val="50000"/>
+            </a:schemeClr>
+          </a:lnRef>
+          <a:fillRef idx="1">
+            <a:schemeClr val="accent1"/>
+          </a:fillRef>
+          <a:effectRef idx="0">
+            <a:schemeClr val="accent1"/>
+          </a:effectRef>
+          <a:fontRef idx="minor">
+            <a:schemeClr val="lt1"/>
+          </a:fontRef>
+        </p:style>
+        <p:txBody>
+          <a:bodyPr rtlCol="0" anchor="ctr"/>
+          <a:p>
+            <a:pPr algn="ctr"/>
+            <a:r>
+              <a:rPr lang="zh-CN" altLang="en-US" sz="1200">
+                <a:solidFill>
+                  <a:schemeClr val="tx1"/>
+                </a:solidFill>
+              </a:rPr>
+              <a:t>软匹配</a:t>
+            </a:r>
+            <a:endParaRPr lang="zh-CN" altLang="en-US" sz="1200">
+              <a:solidFill>
+                <a:schemeClr val="tx1"/>
+              </a:solidFill>
+            </a:endParaRPr>
+          </a:p>
+          <a:p>
+            <a:pPr algn="ctr"/>
+            <a:r>
+              <a:rPr lang="zh-CN" altLang="en-US" sz="1200" i="1"/>
+              <a:t>向量检索</a:t>
+            </a:r>
+            <a:endParaRPr lang="zh-CN" altLang="en-US" sz="1200" i="1"/>
+          </a:p>
+        </p:txBody>
+      </p:sp>
+      <p:cxnSp>
+        <p:nvCxnSpPr>
+          <p:cNvPr id="5" name="直接箭头连接符 4"/>
+          <p:cNvCxnSpPr>
+            <a:endCxn id="4" idx="0"/>
+          </p:cNvCxnSpPr>
+          <p:nvPr/>
+        </p:nvCxnSpPr>
+        <p:spPr>
+          <a:xfrm>
+            <a:off x="5931535" y="1971675"/>
+            <a:ext cx="2540" cy="480695"/>
+          </a:xfrm>
+          <a:prstGeom prst="straightConnector1">
+            <a:avLst/>
+          </a:prstGeom>
+          <a:ln>
+            <a:tailEnd type="arrow"/>
+          </a:ln>
+        </p:spPr>
+        <p:style>
+          <a:lnRef idx="1">
+            <a:schemeClr val="accent1"/>
+          </a:lnRef>
+          <a:fillRef idx="0">
+            <a:schemeClr val="accent1"/>
+          </a:fillRef>
+          <a:effectRef idx="0">
+            <a:schemeClr val="accent1"/>
+          </a:effectRef>
+          <a:fontRef idx="minor">
+            <a:schemeClr val="tx1"/>
+          </a:fontRef>
+        </p:style>
+      </p:cxnSp>
+      <p:sp>
+        <p:nvSpPr>
+          <p:cNvPr id="6" name="圆柱形 5"/>
+          <p:cNvSpPr/>
+          <p:nvPr>
+            <p:custDataLst>
+              <p:tags r:id="rId14"/>
+            </p:custDataLst>
+          </p:nvPr>
+        </p:nvSpPr>
+        <p:spPr>
+          <a:xfrm>
+            <a:off x="7632065" y="2295525"/>
+            <a:ext cx="887095" cy="763270"/>
+          </a:xfrm>
+          <a:prstGeom prst="can">
+            <a:avLst/>
+          </a:prstGeom>
+        </p:spPr>
+        <p:style>
+          <a:lnRef idx="2">
+            <a:schemeClr val="accent1">
+              <a:lumMod val="75000"/>
+            </a:schemeClr>
+          </a:lnRef>
+          <a:fillRef idx="1">
+            <a:schemeClr val="accent1"/>
+          </a:fillRef>
+          <a:effectRef idx="0">
+            <a:srgbClr val="FFFFFF"/>
+          </a:effectRef>
+          <a:fontRef idx="minor">
+            <a:schemeClr val="lt1"/>
+          </a:fontRef>
+        </p:style>
+        <p:txBody>
+          <a:bodyPr rtlCol="0" anchor="ctr"/>
+          <a:p>
+            <a:pPr algn="ctr"/>
+            <a:r>
+              <a:rPr lang="zh-CN" altLang="en-US" sz="1400"/>
+              <a:t>语料库</a:t>
+            </a:r>
+            <a:endParaRPr lang="zh-CN" altLang="en-US" sz="1400"/>
+          </a:p>
+        </p:txBody>
+      </p:sp>
+      <p:sp>
+        <p:nvSpPr>
+          <p:cNvPr id="7" name="左箭头 6"/>
+          <p:cNvSpPr/>
+          <p:nvPr>
+            <p:custDataLst>
+              <p:tags r:id="rId15"/>
+            </p:custDataLst>
+          </p:nvPr>
+        </p:nvSpPr>
+        <p:spPr>
+          <a:xfrm>
+            <a:off x="7000240" y="2522220"/>
+            <a:ext cx="485140" cy="435610"/>
+          </a:xfrm>
+          <a:prstGeom prst="leftArrow">
+            <a:avLst/>
+          </a:prstGeom>
+        </p:spPr>
+        <p:style>
+          <a:lnRef idx="2">
+            <a:schemeClr val="accent1">
+              <a:lumMod val="75000"/>
+            </a:schemeClr>
+          </a:lnRef>
+          <a:fillRef idx="1">
+            <a:schemeClr val="accent1"/>
+          </a:fillRef>
+          <a:effectRef idx="0">
+            <a:srgbClr val="FFFFFF"/>
+          </a:effectRef>
+          <a:fontRef idx="minor">
+            <a:schemeClr val="lt1"/>
+          </a:fontRef>
+        </p:style>
+        <p:txBody>
+          <a:bodyPr rtlCol="0" anchor="ctr"/>
+          <a:p>
+            <a:pPr algn="ctr"/>
+            <a:endParaRPr lang="zh-CN" altLang="en-US"/>
+          </a:p>
+        </p:txBody>
+      </p:sp>
+      <p:sp>
+        <p:nvSpPr>
+          <p:cNvPr id="8" name="矩形 7"/>
+          <p:cNvSpPr/>
+          <p:nvPr/>
+        </p:nvSpPr>
+        <p:spPr>
+          <a:xfrm>
+            <a:off x="4891405" y="3507740"/>
+            <a:ext cx="2082800" cy="465455"/>
+          </a:xfrm>
+          <a:prstGeom prst="rect">
+            <a:avLst/>
+          </a:prstGeom>
+        </p:spPr>
+        <p:style>
+          <a:lnRef idx="2">
+            <a:schemeClr val="accent1">
+              <a:shade val="50000"/>
+            </a:schemeClr>
+          </a:lnRef>
+          <a:fillRef idx="1">
+            <a:schemeClr val="accent1"/>
+          </a:fillRef>
+          <a:effectRef idx="0">
+            <a:schemeClr val="accent1"/>
+          </a:effectRef>
+          <a:fontRef idx="minor">
+            <a:schemeClr val="lt1"/>
+          </a:fontRef>
+        </p:style>
+        <p:txBody>
+          <a:bodyPr rtlCol="0" anchor="ctr"/>
+          <a:p>
+            <a:pPr algn="ctr"/>
+            <a:r>
+              <a:rPr lang="zh-CN" altLang="en-US" sz="1600"/>
+              <a:t>类别确定</a:t>
+            </a:r>
+            <a:endParaRPr lang="zh-CN" altLang="en-US" sz="1600"/>
+          </a:p>
+        </p:txBody>
+      </p:sp>
+      <p:cxnSp>
+        <p:nvCxnSpPr>
+          <p:cNvPr id="9" name="直接箭头连接符 8"/>
+          <p:cNvCxnSpPr>
+            <a:stCxn id="4" idx="2"/>
+            <a:endCxn id="8" idx="0"/>
+          </p:cNvCxnSpPr>
+          <p:nvPr/>
+        </p:nvCxnSpPr>
+        <p:spPr>
+          <a:xfrm flipH="1">
+            <a:off x="5932805" y="3058795"/>
+            <a:ext cx="1270" cy="448945"/>
+          </a:xfrm>
+          <a:prstGeom prst="straightConnector1">
+            <a:avLst/>
+          </a:prstGeom>
+          <a:ln>
+            <a:tailEnd type="arrow"/>
+          </a:ln>
+        </p:spPr>
+        <p:style>
+          <a:lnRef idx="1">
+            <a:schemeClr val="accent1"/>
+          </a:lnRef>
+          <a:fillRef idx="0">
+            <a:schemeClr val="accent1"/>
+          </a:fillRef>
+          <a:effectRef idx="0">
+            <a:schemeClr val="accent1"/>
+          </a:effectRef>
+          <a:fontRef idx="minor">
+            <a:schemeClr val="tx1"/>
+          </a:fontRef>
+        </p:style>
+      </p:cxnSp>
+      <p:sp>
+        <p:nvSpPr>
+          <p:cNvPr id="10" name="文本框 9"/>
+          <p:cNvSpPr txBox="1"/>
+          <p:nvPr>
+            <p:custDataLst>
+              <p:tags r:id="rId16"/>
+            </p:custDataLst>
+          </p:nvPr>
+        </p:nvSpPr>
+        <p:spPr>
+          <a:xfrm>
+            <a:off x="5958840" y="3193415"/>
+            <a:ext cx="1381125" cy="275590"/>
+          </a:xfrm>
+          <a:prstGeom prst="rect">
+            <a:avLst/>
+          </a:prstGeom>
+          <a:noFill/>
+        </p:spPr>
+        <p:txBody>
+          <a:bodyPr wrap="square" rtlCol="0" anchor="t">
+            <a:spAutoFit/>
+          </a:bodyPr>
+          <a:p>
+            <a:r>
+              <a:rPr lang="zh-CN" altLang="en-US" sz="1200">
+                <a:sym typeface="+mn-ea"/>
+              </a:rPr>
+              <a:t>后处理策略</a:t>
+            </a:r>
+            <a:endParaRPr lang="zh-CN" altLang="en-US" sz="1200">
+              <a:sym typeface="+mn-ea"/>
+            </a:endParaRPr>
+          </a:p>
+        </p:txBody>
+      </p:sp>
+      <p:cxnSp>
+        <p:nvCxnSpPr>
+          <p:cNvPr id="11" name="直接箭头连接符 10"/>
+          <p:cNvCxnSpPr>
+            <a:stCxn id="8" idx="2"/>
+            <a:endCxn id="12" idx="0"/>
+          </p:cNvCxnSpPr>
+          <p:nvPr/>
+        </p:nvCxnSpPr>
+        <p:spPr>
+          <a:xfrm>
+            <a:off x="5932805" y="3973195"/>
+            <a:ext cx="2540" cy="448945"/>
+          </a:xfrm>
+          <a:prstGeom prst="straightConnector1">
+            <a:avLst/>
+          </a:prstGeom>
+          <a:ln>
+            <a:tailEnd type="arrow"/>
+          </a:ln>
+        </p:spPr>
+        <p:style>
+          <a:lnRef idx="1">
+            <a:schemeClr val="accent1"/>
+          </a:lnRef>
+          <a:fillRef idx="0">
+            <a:schemeClr val="accent1"/>
+          </a:fillRef>
+          <a:effectRef idx="0">
+            <a:schemeClr val="accent1"/>
+          </a:effectRef>
+          <a:fontRef idx="minor">
+            <a:schemeClr val="tx1"/>
+          </a:fontRef>
+        </p:style>
+      </p:cxnSp>
+      <p:sp>
+        <p:nvSpPr>
+          <p:cNvPr id="12" name="矩形 11"/>
+          <p:cNvSpPr/>
+          <p:nvPr/>
+        </p:nvSpPr>
+        <p:spPr>
+          <a:xfrm>
+            <a:off x="5300345" y="4422140"/>
+            <a:ext cx="1270000" cy="465455"/>
+          </a:xfrm>
+          <a:prstGeom prst="rect">
+            <a:avLst/>
+          </a:prstGeom>
+        </p:spPr>
+        <p:style>
+          <a:lnRef idx="2">
+            <a:schemeClr val="accent1">
+              <a:shade val="50000"/>
+            </a:schemeClr>
+          </a:lnRef>
+          <a:fillRef idx="1">
+            <a:schemeClr val="accent1"/>
+          </a:fillRef>
+          <a:effectRef idx="0">
+            <a:schemeClr val="accent1"/>
+          </a:effectRef>
+          <a:fontRef idx="minor">
+            <a:schemeClr val="lt1"/>
+          </a:fontRef>
+        </p:style>
+        <p:txBody>
+          <a:bodyPr rtlCol="0" anchor="ctr"/>
+          <a:p>
+            <a:pPr algn="ctr"/>
+            <a:r>
+              <a:rPr lang="zh-CN" altLang="en-US" sz="1600"/>
+              <a:t>片段抽取</a:t>
+            </a:r>
+            <a:endParaRPr lang="zh-CN" altLang="en-US" sz="1600"/>
+          </a:p>
+        </p:txBody>
+      </p:sp>
+      <p:sp>
+        <p:nvSpPr>
+          <p:cNvPr id="14" name="文本框 13"/>
+          <p:cNvSpPr txBox="1"/>
+          <p:nvPr/>
+        </p:nvSpPr>
+        <p:spPr>
+          <a:xfrm>
+            <a:off x="5972810" y="4013200"/>
+            <a:ext cx="847725" cy="306705"/>
+          </a:xfrm>
+          <a:prstGeom prst="rect">
+            <a:avLst/>
+          </a:prstGeom>
+          <a:noFill/>
+        </p:spPr>
+        <p:txBody>
+          <a:bodyPr wrap="square" rtlCol="0" anchor="t">
+            <a:spAutoFit/>
+          </a:bodyPr>
+          <a:p>
+            <a:pPr algn="ctr"/>
+            <a:r>
+              <a:rPr lang="en-US" altLang="zh-CN" sz="1400">
+                <a:sym typeface="+mn-ea"/>
+              </a:rPr>
+              <a:t>UIE</a:t>
+            </a:r>
+            <a:endParaRPr lang="en-US" altLang="zh-CN" sz="1400">
+              <a:sym typeface="+mn-ea"/>
+            </a:endParaRPr>
+          </a:p>
+        </p:txBody>
+      </p:sp>
+      <p:sp>
+        <p:nvSpPr>
+          <p:cNvPr id="15" name="矩形 14"/>
+          <p:cNvSpPr/>
+          <p:nvPr/>
+        </p:nvSpPr>
+        <p:spPr>
+          <a:xfrm>
+            <a:off x="5126990" y="5357495"/>
+            <a:ext cx="1693545" cy="448945"/>
+          </a:xfrm>
+          <a:prstGeom prst="rect">
+            <a:avLst/>
+          </a:prstGeom>
+        </p:spPr>
+        <p:style>
+          <a:lnRef idx="2">
+            <a:schemeClr val="accent1">
+              <a:shade val="50000"/>
+            </a:schemeClr>
+          </a:lnRef>
+          <a:fillRef idx="1">
+            <a:schemeClr val="accent1"/>
+          </a:fillRef>
+          <a:effectRef idx="0">
+            <a:schemeClr val="accent1"/>
+          </a:effectRef>
+          <a:fontRef idx="minor">
+            <a:schemeClr val="lt1"/>
+          </a:fontRef>
+        </p:style>
+        <p:txBody>
+          <a:bodyPr rtlCol="0" anchor="ctr"/>
+          <a:p>
+            <a:pPr algn="ctr"/>
+            <a:r>
+              <a:rPr lang="zh-CN" altLang="en-US"/>
+              <a:t>返回结果</a:t>
+            </a:r>
+            <a:endParaRPr lang="zh-CN" altLang="en-US"/>
+          </a:p>
+        </p:txBody>
+      </p:sp>
+      <p:cxnSp>
+        <p:nvCxnSpPr>
+          <p:cNvPr id="16" name="直接箭头连接符 15"/>
+          <p:cNvCxnSpPr/>
+          <p:nvPr/>
+        </p:nvCxnSpPr>
+        <p:spPr>
+          <a:xfrm>
+            <a:off x="5935345" y="4887595"/>
+            <a:ext cx="2540" cy="480695"/>
+          </a:xfrm>
+          <a:prstGeom prst="straightConnector1">
+            <a:avLst/>
+          </a:prstGeom>
+          <a:ln>
+            <a:tailEnd type="arrow"/>
+          </a:ln>
+        </p:spPr>
+        <p:style>
+          <a:lnRef idx="1">
+            <a:schemeClr val="accent1"/>
+          </a:lnRef>
+          <a:fillRef idx="0">
+            <a:schemeClr val="accent1"/>
+          </a:fillRef>
+          <a:effectRef idx="0">
+            <a:schemeClr val="accent1"/>
+          </a:effectRef>
+          <a:fontRef idx="minor">
+            <a:schemeClr val="tx1"/>
+          </a:fontRef>
+        </p:style>
+      </p:cxnSp>
+      <p:sp>
+        <p:nvSpPr>
+          <p:cNvPr id="32" name="矩形 31"/>
+          <p:cNvSpPr/>
+          <p:nvPr>
+            <p:custDataLst>
+              <p:tags r:id="rId17"/>
+            </p:custDataLst>
+          </p:nvPr>
+        </p:nvSpPr>
+        <p:spPr>
+          <a:xfrm>
+            <a:off x="626110" y="4881880"/>
+            <a:ext cx="1013460" cy="401955"/>
+          </a:xfrm>
+          <a:prstGeom prst="rect">
+            <a:avLst/>
+          </a:prstGeom>
+        </p:spPr>
+        <p:style>
+          <a:lnRef idx="2">
+            <a:schemeClr val="accent1">
+              <a:lumMod val="75000"/>
+            </a:schemeClr>
+          </a:lnRef>
+          <a:fillRef idx="1">
+            <a:schemeClr val="accent1"/>
+          </a:fillRef>
+          <a:effectRef idx="0">
+            <a:srgbClr val="FFFFFF"/>
+          </a:effectRef>
+          <a:fontRef idx="minor">
+            <a:schemeClr val="lt1"/>
+          </a:fontRef>
+        </p:style>
+        <p:txBody>
+          <a:bodyPr rtlCol="0" anchor="ctr"/>
+          <a:p>
+            <a:pPr algn="ctr"/>
+            <a:r>
+              <a:rPr lang="zh-CN" altLang="en-US" sz="1400"/>
+              <a:t>敏感片段</a:t>
+            </a:r>
+            <a:endParaRPr lang="zh-CN" altLang="en-US" sz="1400"/>
+          </a:p>
+        </p:txBody>
+      </p:sp>
+      <p:sp>
+        <p:nvSpPr>
+          <p:cNvPr id="33" name="矩形 32"/>
+          <p:cNvSpPr/>
+          <p:nvPr>
+            <p:custDataLst>
+              <p:tags r:id="rId18"/>
+            </p:custDataLst>
+          </p:nvPr>
+        </p:nvSpPr>
+        <p:spPr>
+          <a:xfrm>
+            <a:off x="3183255" y="4881880"/>
+            <a:ext cx="847725" cy="401955"/>
+          </a:xfrm>
+          <a:prstGeom prst="rect">
+            <a:avLst/>
+          </a:prstGeom>
+        </p:spPr>
+        <p:style>
+          <a:lnRef idx="2">
+            <a:schemeClr val="accent1">
+              <a:lumMod val="75000"/>
+            </a:schemeClr>
+          </a:lnRef>
+          <a:fillRef idx="1">
+            <a:schemeClr val="accent1"/>
+          </a:fillRef>
+          <a:effectRef idx="0">
+            <a:srgbClr val="FFFFFF"/>
+          </a:effectRef>
+          <a:fontRef idx="minor">
+            <a:schemeClr val="lt1"/>
+          </a:fontRef>
+        </p:style>
+        <p:txBody>
+          <a:bodyPr rtlCol="0" anchor="ctr"/>
+          <a:p>
+            <a:pPr algn="ctr"/>
+            <a:r>
+              <a:rPr lang="zh-CN" altLang="en-US" sz="1400"/>
+              <a:t>隐私</a:t>
+            </a:r>
+            <a:r>
+              <a:rPr lang="zh-CN" altLang="en-US" sz="1400"/>
+              <a:t>片段</a:t>
+            </a:r>
+            <a:endParaRPr lang="zh-CN" altLang="en-US" sz="1400"/>
+          </a:p>
+        </p:txBody>
+      </p:sp>
+      <p:sp>
+        <p:nvSpPr>
+          <p:cNvPr id="34" name="文本框 33"/>
+          <p:cNvSpPr txBox="1"/>
+          <p:nvPr>
+            <p:custDataLst>
+              <p:tags r:id="rId19"/>
+            </p:custDataLst>
+          </p:nvPr>
+        </p:nvSpPr>
+        <p:spPr>
+          <a:xfrm>
+            <a:off x="89535" y="4550410"/>
+            <a:ext cx="1076960" cy="275590"/>
+          </a:xfrm>
+          <a:prstGeom prst="rect">
+            <a:avLst/>
+          </a:prstGeom>
+          <a:noFill/>
+        </p:spPr>
+        <p:txBody>
+          <a:bodyPr wrap="square" rtlCol="0">
+            <a:spAutoFit/>
+          </a:bodyPr>
+          <a:p>
+            <a:r>
+              <a:rPr lang="en-US" altLang="zh-CN" sz="1200"/>
+              <a:t>KeyBert+</a:t>
+            </a:r>
+            <a:r>
+              <a:rPr lang="zh-CN" altLang="en-US" sz="1200"/>
+              <a:t>策略</a:t>
+            </a:r>
+            <a:endParaRPr lang="zh-CN" altLang="en-US" sz="1200"/>
+          </a:p>
+        </p:txBody>
+      </p:sp>
+      <p:sp>
+        <p:nvSpPr>
+          <p:cNvPr id="35" name="文本框 34"/>
+          <p:cNvSpPr txBox="1"/>
+          <p:nvPr>
+            <p:custDataLst>
+              <p:tags r:id="rId20"/>
+            </p:custDataLst>
+          </p:nvPr>
+        </p:nvSpPr>
+        <p:spPr>
+          <a:xfrm>
+            <a:off x="2495550" y="4550410"/>
+            <a:ext cx="1031240" cy="275590"/>
+          </a:xfrm>
+          <a:prstGeom prst="rect">
+            <a:avLst/>
+          </a:prstGeom>
+          <a:noFill/>
+        </p:spPr>
+        <p:txBody>
+          <a:bodyPr wrap="square" rtlCol="0">
+            <a:spAutoFit/>
+          </a:bodyPr>
+          <a:p>
+            <a:r>
+              <a:rPr lang="en-US" altLang="zh-CN" sz="1200"/>
+              <a:t>NER2+</a:t>
+            </a:r>
+            <a:r>
+              <a:rPr lang="zh-CN" altLang="en-US" sz="1200"/>
+              <a:t>策略</a:t>
+            </a:r>
+            <a:endParaRPr lang="zh-CN" altLang="en-US" sz="1200"/>
+          </a:p>
+        </p:txBody>
+      </p:sp>
+      <p:sp>
+        <p:nvSpPr>
+          <p:cNvPr id="36" name="矩形 35"/>
+          <p:cNvSpPr/>
+          <p:nvPr>
+            <p:custDataLst>
+              <p:tags r:id="rId21"/>
+            </p:custDataLst>
+          </p:nvPr>
+        </p:nvSpPr>
+        <p:spPr>
+          <a:xfrm>
+            <a:off x="1785620" y="5413375"/>
+            <a:ext cx="1174115" cy="462915"/>
+          </a:xfrm>
+          <a:prstGeom prst="rect">
+            <a:avLst/>
+          </a:prstGeom>
+        </p:spPr>
+        <p:style>
+          <a:lnRef idx="2">
+            <a:schemeClr val="accent1">
+              <a:lumMod val="75000"/>
+            </a:schemeClr>
+          </a:lnRef>
+          <a:fillRef idx="1">
+            <a:schemeClr val="accent1"/>
+          </a:fillRef>
+          <a:effectRef idx="0">
+            <a:srgbClr val="FFFFFF"/>
+          </a:effectRef>
+          <a:fontRef idx="minor">
+            <a:schemeClr val="lt1"/>
+          </a:fontRef>
+        </p:style>
+        <p:txBody>
+          <a:bodyPr rtlCol="0" anchor="ctr"/>
+          <a:p>
+            <a:pPr algn="ctr"/>
+            <a:r>
+              <a:rPr lang="zh-CN" altLang="en-US" sz="1200"/>
+              <a:t>违规类型</a:t>
+            </a:r>
+            <a:r>
+              <a:rPr lang="en-US" altLang="zh-CN" sz="1200"/>
+              <a:t>/</a:t>
+            </a:r>
+            <a:r>
+              <a:rPr lang="zh-CN" altLang="en-US" sz="1200"/>
+              <a:t>片段</a:t>
+            </a:r>
+            <a:endParaRPr lang="zh-CN" altLang="en-US" sz="1200"/>
+          </a:p>
+        </p:txBody>
+      </p:sp>
+      <p:sp>
+        <p:nvSpPr>
+          <p:cNvPr id="37" name="文本框 36"/>
+          <p:cNvSpPr txBox="1"/>
+          <p:nvPr>
+            <p:custDataLst>
+              <p:tags r:id="rId22"/>
+            </p:custDataLst>
+          </p:nvPr>
+        </p:nvSpPr>
+        <p:spPr>
+          <a:xfrm>
+            <a:off x="2437130" y="5008245"/>
+            <a:ext cx="631190" cy="275590"/>
+          </a:xfrm>
+          <a:prstGeom prst="rect">
+            <a:avLst/>
+          </a:prstGeom>
+          <a:noFill/>
+        </p:spPr>
+        <p:txBody>
+          <a:bodyPr wrap="square" rtlCol="0">
+            <a:spAutoFit/>
+          </a:bodyPr>
+          <a:p>
+            <a:r>
+              <a:rPr lang="zh-CN" altLang="en-US" sz="1200"/>
+              <a:t>输出</a:t>
+            </a:r>
+            <a:endParaRPr lang="zh-CN" altLang="en-US" sz="1200"/>
+          </a:p>
+        </p:txBody>
+      </p:sp>
+      <p:cxnSp>
+        <p:nvCxnSpPr>
+          <p:cNvPr id="40" name="直接箭头连接符 39"/>
+          <p:cNvCxnSpPr>
+            <a:stCxn id="32" idx="3"/>
+          </p:cNvCxnSpPr>
+          <p:nvPr>
+            <p:custDataLst>
+              <p:tags r:id="rId23"/>
+            </p:custDataLst>
+          </p:nvPr>
+        </p:nvCxnSpPr>
+        <p:spPr>
+          <a:xfrm>
+            <a:off x="1639570" y="5083175"/>
+            <a:ext cx="916940" cy="344170"/>
+          </a:xfrm>
+          <a:prstGeom prst="straightConnector1">
+            <a:avLst/>
+          </a:prstGeom>
+          <a:ln>
+            <a:prstDash val="lgDash"/>
+            <a:tailEnd type="arrow"/>
+          </a:ln>
+        </p:spPr>
+        <p:style>
+          <a:lnRef idx="2">
+            <a:schemeClr val="accent1"/>
+          </a:lnRef>
+          <a:fillRef idx="0">
+            <a:srgbClr val="FFFFFF"/>
+          </a:fillRef>
+          <a:effectRef idx="0">
+            <a:srgbClr val="FFFFFF"/>
+          </a:effectRef>
+          <a:fontRef idx="minor">
+            <a:schemeClr val="tx1"/>
+          </a:fontRef>
+        </p:style>
+      </p:cxnSp>
+      <p:cxnSp>
+        <p:nvCxnSpPr>
+          <p:cNvPr id="42" name="直接箭头连接符 41"/>
+          <p:cNvCxnSpPr>
+            <a:stCxn id="33" idx="1"/>
+            <a:endCxn id="36" idx="0"/>
+          </p:cNvCxnSpPr>
+          <p:nvPr>
+            <p:custDataLst>
+              <p:tags r:id="rId24"/>
+            </p:custDataLst>
+          </p:nvPr>
+        </p:nvCxnSpPr>
+        <p:spPr>
+          <a:xfrm flipH="1">
+            <a:off x="2372995" y="5083175"/>
+            <a:ext cx="810260" cy="330200"/>
+          </a:xfrm>
+          <a:prstGeom prst="straightConnector1">
+            <a:avLst/>
+          </a:prstGeom>
+          <a:ln>
+            <a:prstDash val="lgDash"/>
+            <a:tailEnd type="arrow"/>
+          </a:ln>
+        </p:spPr>
+        <p:style>
+          <a:lnRef idx="2">
+            <a:schemeClr val="accent1"/>
+          </a:lnRef>
+          <a:fillRef idx="0">
+            <a:srgbClr val="FFFFFF"/>
+          </a:fillRef>
+          <a:effectRef idx="0">
+            <a:srgbClr val="FFFFFF"/>
+          </a:effectRef>
+          <a:fontRef idx="minor">
+            <a:schemeClr val="tx1"/>
+          </a:fontRef>
+        </p:style>
+      </p:cxnSp>
+      <p:sp>
+        <p:nvSpPr>
+          <p:cNvPr id="46" name="文本框 45"/>
+          <p:cNvSpPr txBox="1"/>
+          <p:nvPr>
+            <p:custDataLst>
+              <p:tags r:id="rId25"/>
+            </p:custDataLst>
+          </p:nvPr>
+        </p:nvSpPr>
+        <p:spPr>
+          <a:xfrm>
+            <a:off x="1092200" y="4274820"/>
+            <a:ext cx="1111885" cy="275590"/>
+          </a:xfrm>
+          <a:prstGeom prst="rect">
+            <a:avLst/>
+          </a:prstGeom>
+          <a:noFill/>
+        </p:spPr>
+        <p:txBody>
+          <a:bodyPr wrap="square" rtlCol="0">
+            <a:spAutoFit/>
+          </a:bodyPr>
+          <a:p>
+            <a:r>
+              <a:rPr lang="zh-CN" altLang="en-US" sz="1200"/>
+              <a:t>广告</a:t>
+            </a:r>
+            <a:r>
+              <a:rPr lang="en-US" altLang="zh-CN" sz="1200"/>
+              <a:t>/</a:t>
+            </a:r>
+            <a:r>
+              <a:rPr lang="zh-CN" altLang="en-US" sz="1200"/>
+              <a:t>辱骂等</a:t>
+            </a:r>
+            <a:endParaRPr lang="zh-CN" altLang="en-US" sz="1200"/>
+          </a:p>
+        </p:txBody>
+      </p:sp>
+      <p:sp>
+        <p:nvSpPr>
+          <p:cNvPr id="62" name="文本框 61"/>
+          <p:cNvSpPr txBox="1"/>
+          <p:nvPr>
+            <p:custDataLst>
+              <p:tags r:id="rId26"/>
+            </p:custDataLst>
+          </p:nvPr>
+        </p:nvSpPr>
+        <p:spPr>
+          <a:xfrm>
+            <a:off x="2479675" y="4267200"/>
+            <a:ext cx="1111885" cy="275590"/>
+          </a:xfrm>
+          <a:prstGeom prst="rect">
+            <a:avLst/>
+          </a:prstGeom>
+          <a:noFill/>
+        </p:spPr>
+        <p:txBody>
+          <a:bodyPr wrap="square" rtlCol="0">
+            <a:spAutoFit/>
+          </a:bodyPr>
+          <a:p>
+            <a:r>
+              <a:rPr lang="zh-CN" altLang="en-US" sz="1200"/>
+              <a:t>个人隐私</a:t>
+            </a:r>
+            <a:endParaRPr lang="zh-CN" altLang="en-US" sz="1200"/>
+          </a:p>
+        </p:txBody>
+      </p:sp>
+      <p:sp>
+        <p:nvSpPr>
+          <p:cNvPr id="63" name="矩形 62"/>
+          <p:cNvSpPr/>
+          <p:nvPr>
+            <p:custDataLst>
+              <p:tags r:id="rId27"/>
+            </p:custDataLst>
+          </p:nvPr>
+        </p:nvSpPr>
+        <p:spPr>
+          <a:xfrm>
+            <a:off x="89535" y="4274820"/>
+            <a:ext cx="4072890" cy="1659255"/>
+          </a:xfrm>
+          <a:prstGeom prst="rect">
+            <a:avLst/>
+          </a:prstGeom>
+          <a:noFill/>
+          <a:ln w="28575" cmpd="sng">
+            <a:solidFill>
+              <a:schemeClr val="accent1">
+                <a:shade val="50000"/>
+              </a:schemeClr>
+            </a:solidFill>
+            <a:prstDash val="sysDash"/>
+          </a:ln>
+        </p:spPr>
+        <p:style>
+          <a:lnRef idx="2">
+            <a:schemeClr val="accent1">
+              <a:shade val="50000"/>
+            </a:schemeClr>
+          </a:lnRef>
+          <a:fillRef idx="1">
+            <a:schemeClr val="accent1"/>
+          </a:fillRef>
+          <a:effectRef idx="0">
+            <a:schemeClr val="accent1"/>
+          </a:effectRef>
+          <a:fontRef idx="minor">
+            <a:schemeClr val="lt1"/>
+          </a:fontRef>
+        </p:style>
+        <p:txBody>
+          <a:bodyPr rtlCol="0" anchor="ctr"/>
+          <a:p>
+            <a:pPr algn="ctr"/>
+            <a:endParaRPr lang="zh-CN" altLang="en-US"/>
+          </a:p>
+        </p:txBody>
+      </p:sp>
+      <p:cxnSp>
+        <p:nvCxnSpPr>
+          <p:cNvPr id="64" name="肘形连接符 63"/>
+          <p:cNvCxnSpPr>
+            <a:stCxn id="8" idx="1"/>
+            <a:endCxn id="32" idx="0"/>
+          </p:cNvCxnSpPr>
+          <p:nvPr>
+            <p:custDataLst>
+              <p:tags r:id="rId28"/>
+            </p:custDataLst>
+          </p:nvPr>
+        </p:nvCxnSpPr>
+        <p:spPr>
+          <a:xfrm rot="10800000" flipV="1">
+            <a:off x="1132205" y="3740150"/>
+            <a:ext cx="3758565" cy="1141095"/>
+          </a:xfrm>
+          <a:prstGeom prst="bentConnector2">
+            <a:avLst/>
+          </a:prstGeom>
+          <a:ln w="12700">
+            <a:tailEnd type="arrow"/>
+          </a:ln>
+        </p:spPr>
+        <p:style>
+          <a:lnRef idx="1">
+            <a:schemeClr val="accent1"/>
+          </a:lnRef>
+          <a:fillRef idx="0">
+            <a:schemeClr val="accent1"/>
+          </a:fillRef>
+          <a:effectRef idx="0">
+            <a:schemeClr val="accent1"/>
+          </a:effectRef>
+          <a:fontRef idx="minor">
+            <a:schemeClr val="tx1"/>
+          </a:fontRef>
+        </p:style>
+      </p:cxnSp>
+      <p:cxnSp>
+        <p:nvCxnSpPr>
+          <p:cNvPr id="65" name="肘形连接符 64"/>
+          <p:cNvCxnSpPr>
+            <a:endCxn id="33" idx="0"/>
+          </p:cNvCxnSpPr>
+          <p:nvPr>
+            <p:custDataLst>
+              <p:tags r:id="rId29"/>
+            </p:custDataLst>
+          </p:nvPr>
+        </p:nvCxnSpPr>
+        <p:spPr>
+          <a:xfrm rot="10800000" flipV="1">
+            <a:off x="3607435" y="3742690"/>
+            <a:ext cx="1276350" cy="1138555"/>
+          </a:xfrm>
+          <a:prstGeom prst="bentConnector2">
+            <a:avLst/>
+          </a:prstGeom>
+          <a:ln w="12700">
+            <a:tailEnd type="arrow"/>
+          </a:ln>
+        </p:spPr>
+        <p:style>
+          <a:lnRef idx="1">
+            <a:schemeClr val="accent1"/>
+          </a:lnRef>
+          <a:fillRef idx="0">
+            <a:schemeClr val="accent1"/>
+          </a:fillRef>
+          <a:effectRef idx="0">
+            <a:schemeClr val="accent1"/>
+          </a:effectRef>
+          <a:fontRef idx="minor">
+            <a:schemeClr val="tx1"/>
+          </a:fontRef>
+        </p:style>
+      </p:cxnSp>
+      <p:sp>
+        <p:nvSpPr>
+          <p:cNvPr id="21" name="文本框 20"/>
+          <p:cNvSpPr txBox="1"/>
+          <p:nvPr/>
+        </p:nvSpPr>
+        <p:spPr>
+          <a:xfrm>
+            <a:off x="1785620" y="6151880"/>
+            <a:ext cx="400050" cy="506730"/>
+          </a:xfrm>
+          <a:prstGeom prst="rect">
+            <a:avLst/>
+          </a:prstGeom>
+          <a:noFill/>
+          <a:ln>
+            <a:solidFill>
+              <a:schemeClr val="tx1"/>
+            </a:solidFill>
+          </a:ln>
+        </p:spPr>
+        <p:txBody>
+          <a:bodyPr wrap="square" rtlCol="0">
+            <a:noAutofit/>
+          </a:bodyPr>
+          <a:p>
+            <a:r>
+              <a:rPr lang="en-US" altLang="zh-CN" sz="2800" i="1">
+                <a:ln>
+                  <a:solidFill>
+                    <a:schemeClr val="accent6">
+                      <a:lumMod val="75000"/>
+                    </a:schemeClr>
+                  </a:solidFill>
+                </a:ln>
+                <a:solidFill>
+                  <a:schemeClr val="accent6">
+                    <a:lumMod val="75000"/>
+                  </a:schemeClr>
+                </a:solidFill>
+              </a:rPr>
+              <a:t>√</a:t>
+            </a:r>
+            <a:endParaRPr lang="en-US" altLang="zh-CN" sz="2800" i="1">
+              <a:ln>
+                <a:solidFill>
+                  <a:schemeClr val="accent6">
+                    <a:lumMod val="75000"/>
+                  </a:schemeClr>
+                </a:solidFill>
+              </a:ln>
+              <a:solidFill>
+                <a:schemeClr val="accent6">
+                  <a:lumMod val="75000"/>
+                </a:schemeClr>
+              </a:solidFill>
+            </a:endParaRPr>
+          </a:p>
+        </p:txBody>
+      </p:sp>
+      <p:sp>
+        <p:nvSpPr>
+          <p:cNvPr id="23" name="下箭头 22"/>
+          <p:cNvSpPr/>
+          <p:nvPr/>
+        </p:nvSpPr>
+        <p:spPr>
+          <a:xfrm rot="1500000">
+            <a:off x="7979410" y="1645285"/>
+            <a:ext cx="485775" cy="574040"/>
+          </a:xfrm>
+          <a:prstGeom prst="downArrow">
+            <a:avLst/>
+          </a:prstGeom>
+          <a:ln w="28575" cmpd="sng">
+            <a:solidFill>
+              <a:schemeClr val="accent1">
+                <a:shade val="50000"/>
+              </a:schemeClr>
+            </a:solidFill>
+            <a:prstDash val="lgDash"/>
+          </a:ln>
+        </p:spPr>
+        <p:style>
+          <a:lnRef idx="2">
+            <a:schemeClr val="accent6"/>
+          </a:lnRef>
+          <a:fillRef idx="1">
+            <a:schemeClr val="lt1"/>
+          </a:fillRef>
+          <a:effectRef idx="0">
+            <a:schemeClr val="accent6"/>
+          </a:effectRef>
+          <a:fontRef idx="minor">
+            <a:schemeClr val="dk1"/>
+          </a:fontRef>
+        </p:style>
+        <p:txBody>
+          <a:bodyPr rtlCol="0" anchor="ctr"/>
+          <a:p>
+            <a:pPr algn="ctr"/>
+            <a:endParaRPr lang="zh-CN" altLang="en-US"/>
+          </a:p>
+        </p:txBody>
+      </p:sp>
+    </p:spTree>
+  </p:cSld>
+  <p:clrMapOvr>
+    <a:masterClrMapping/>
+  </p:clrMapOvr>
+</p:sld>
+</file>
+
+<file path=ppt/slides/slide9.xml><?xml version="1.0" encoding="utf-8"?>
 <p:sld xmlns:a="http://schemas.openxmlformats.org/drawingml/2006/main" xmlns:r="http://schemas.openxmlformats.org/officeDocument/2006/relationships" xmlns:p="http://schemas.openxmlformats.org/presentationml/2006/main">
   <p:cSld>
     <p:spTree>
@@ -11678,86 +13604,6 @@
 </p:sld>
 </file>
 
-<file path=ppt/slides/slide9.xml><?xml version="1.0" encoding="utf-8"?>
-<p:sld xmlns:a="http://schemas.openxmlformats.org/drawingml/2006/main" xmlns:r="http://schemas.openxmlformats.org/officeDocument/2006/relationships" xmlns:p="http://schemas.openxmlformats.org/presentationml/2006/main">
-  <p:cSld>
-    <p:spTree>
-      <p:nvGrpSpPr>
-        <p:cNvPr id="1" name=""/>
-        <p:cNvGrpSpPr/>
-        <p:nvPr/>
-      </p:nvGrpSpPr>
-      <p:grpSpPr/>
-      <p:sp>
-        <p:nvSpPr>
-          <p:cNvPr id="2" name="标题 1"/>
-          <p:cNvSpPr>
-            <a:spLocks noGrp="1"/>
-          </p:cNvSpPr>
-          <p:nvPr>
-            <p:ph type="title"/>
-          </p:nvPr>
-        </p:nvSpPr>
-        <p:spPr>
-          <a:xfrm>
-            <a:off x="838200" y="365125"/>
-            <a:ext cx="4705985" cy="937895"/>
-          </a:xfrm>
-        </p:spPr>
-        <p:txBody>
-          <a:bodyPr/>
-          <a:p>
-            <a:r>
-              <a:rPr lang="zh-CN" altLang="en-US" sz="3600"/>
-              <a:t>不良片段抽取方式：</a:t>
-            </a:r>
-            <a:endParaRPr lang="zh-CN" altLang="en-US" sz="3600"/>
-          </a:p>
-        </p:txBody>
-      </p:sp>
-      <p:sp>
-        <p:nvSpPr>
-          <p:cNvPr id="3" name="内容占位符 2"/>
-          <p:cNvSpPr>
-            <a:spLocks noGrp="1"/>
-          </p:cNvSpPr>
-          <p:nvPr>
-            <p:ph idx="1"/>
-          </p:nvPr>
-        </p:nvSpPr>
-        <p:spPr>
-          <a:xfrm>
-            <a:off x="838200" y="1825625"/>
-            <a:ext cx="6301105" cy="1193800"/>
-          </a:xfrm>
-        </p:spPr>
-        <p:txBody>
-          <a:bodyPr/>
-          <a:p>
-            <a:r>
-              <a:rPr lang="en-US" altLang="zh-CN"/>
-              <a:t>bert-crf</a:t>
-            </a:r>
-            <a:r>
-              <a:rPr lang="zh-CN" altLang="en-US"/>
-              <a:t>：</a:t>
-            </a:r>
-            <a:r>
-              <a:rPr lang="zh-CN" altLang="en-US"/>
-              <a:t>敏感信息</a:t>
-            </a:r>
-            <a:endParaRPr lang="zh-CN" altLang="en-US"/>
-          </a:p>
-        </p:txBody>
-      </p:sp>
-    </p:spTree>
-  </p:cSld>
-  <p:clrMapOvr>
-    <a:masterClrMapping/>
-  </p:clrMapOvr>
-</p:sld>
-</file>
-
 <file path=ppt/tags/tag1.xml><?xml version="1.0" encoding="utf-8"?>
 <p:tagLst xmlns:p="http://schemas.openxmlformats.org/presentationml/2006/main">
   <p:tag name="KSO_WM_BEAUTIFY_FLAG" val=""/>
@@ -11770,9 +13616,118 @@
 </p:tagLst>
 </file>
 
+<file path=ppt/tags/tag100.xml><?xml version="1.0" encoding="utf-8"?>
+<p:tagLst xmlns:p="http://schemas.openxmlformats.org/presentationml/2006/main">
+  <p:tag name="KSO_WM_BEAUTIFY_FLAG" val=""/>
+</p:tagLst>
+</file>
+
+<file path=ppt/tags/tag101.xml><?xml version="1.0" encoding="utf-8"?>
+<p:tagLst xmlns:p="http://schemas.openxmlformats.org/presentationml/2006/main">
+  <p:tag name="KSO_WM_BEAUTIFY_FLAG" val=""/>
+</p:tagLst>
+</file>
+
+<file path=ppt/tags/tag102.xml><?xml version="1.0" encoding="utf-8"?>
+<p:tagLst xmlns:p="http://schemas.openxmlformats.org/presentationml/2006/main">
+  <p:tag name="KSO_WM_BEAUTIFY_FLAG" val=""/>
+</p:tagLst>
+</file>
+
+<file path=ppt/tags/tag103.xml><?xml version="1.0" encoding="utf-8"?>
+<p:tagLst xmlns:p="http://schemas.openxmlformats.org/presentationml/2006/main">
+  <p:tag name="KSO_WM_BEAUTIFY_FLAG" val=""/>
+</p:tagLst>
+</file>
+
+<file path=ppt/tags/tag104.xml><?xml version="1.0" encoding="utf-8"?>
+<p:tagLst xmlns:p="http://schemas.openxmlformats.org/presentationml/2006/main">
+  <p:tag name="KSO_WM_BEAUTIFY_FLAG" val=""/>
+</p:tagLst>
+</file>
+
+<file path=ppt/tags/tag105.xml><?xml version="1.0" encoding="utf-8"?>
+<p:tagLst xmlns:p="http://schemas.openxmlformats.org/presentationml/2006/main">
+  <p:tag name="KSO_WM_BEAUTIFY_FLAG" val=""/>
+</p:tagLst>
+</file>
+
+<file path=ppt/tags/tag106.xml><?xml version="1.0" encoding="utf-8"?>
+<p:tagLst xmlns:p="http://schemas.openxmlformats.org/presentationml/2006/main">
+  <p:tag name="KSO_WM_BEAUTIFY_FLAG" val=""/>
+</p:tagLst>
+</file>
+
+<file path=ppt/tags/tag107.xml><?xml version="1.0" encoding="utf-8"?>
+<p:tagLst xmlns:p="http://schemas.openxmlformats.org/presentationml/2006/main">
+  <p:tag name="KSO_WM_BEAUTIFY_FLAG" val=""/>
+</p:tagLst>
+</file>
+
+<file path=ppt/tags/tag108.xml><?xml version="1.0" encoding="utf-8"?>
+<p:tagLst xmlns:p="http://schemas.openxmlformats.org/presentationml/2006/main">
+  <p:tag name="KSO_WM_BEAUTIFY_FLAG" val=""/>
+</p:tagLst>
+</file>
+
+<file path=ppt/tags/tag109.xml><?xml version="1.0" encoding="utf-8"?>
+<p:tagLst xmlns:p="http://schemas.openxmlformats.org/presentationml/2006/main">
+  <p:tag name="KSO_WM_BEAUTIFY_FLAG" val=""/>
+</p:tagLst>
+</file>
+
 <file path=ppt/tags/tag11.xml><?xml version="1.0" encoding="utf-8"?>
 <p:tagLst xmlns:p="http://schemas.openxmlformats.org/presentationml/2006/main">
   <p:tag name="KSO_WM_BEAUTIFY_FLAG" val=""/>
+</p:tagLst>
+</file>
+
+<file path=ppt/tags/tag110.xml><?xml version="1.0" encoding="utf-8"?>
+<p:tagLst xmlns:p="http://schemas.openxmlformats.org/presentationml/2006/main">
+  <p:tag name="KSO_WM_BEAUTIFY_FLAG" val=""/>
+</p:tagLst>
+</file>
+
+<file path=ppt/tags/tag111.xml><?xml version="1.0" encoding="utf-8"?>
+<p:tagLst xmlns:p="http://schemas.openxmlformats.org/presentationml/2006/main">
+  <p:tag name="KSO_WM_BEAUTIFY_FLAG" val=""/>
+</p:tagLst>
+</file>
+
+<file path=ppt/tags/tag112.xml><?xml version="1.0" encoding="utf-8"?>
+<p:tagLst xmlns:p="http://schemas.openxmlformats.org/presentationml/2006/main">
+  <p:tag name="KSO_WM_BEAUTIFY_FLAG" val=""/>
+</p:tagLst>
+</file>
+
+<file path=ppt/tags/tag113.xml><?xml version="1.0" encoding="utf-8"?>
+<p:tagLst xmlns:p="http://schemas.openxmlformats.org/presentationml/2006/main">
+  <p:tag name="KSO_WM_BEAUTIFY_FLAG" val=""/>
+</p:tagLst>
+</file>
+
+<file path=ppt/tags/tag114.xml><?xml version="1.0" encoding="utf-8"?>
+<p:tagLst xmlns:p="http://schemas.openxmlformats.org/presentationml/2006/main">
+  <p:tag name="KSO_WM_BEAUTIFY_FLAG" val=""/>
+</p:tagLst>
+</file>
+
+<file path=ppt/tags/tag115.xml><?xml version="1.0" encoding="utf-8"?>
+<p:tagLst xmlns:p="http://schemas.openxmlformats.org/presentationml/2006/main">
+  <p:tag name="KSO_WM_BEAUTIFY_FLAG" val=""/>
+</p:tagLst>
+</file>
+
+<file path=ppt/tags/tag116.xml><?xml version="1.0" encoding="utf-8"?>
+<p:tagLst xmlns:p="http://schemas.openxmlformats.org/presentationml/2006/main">
+  <p:tag name="TABLE_ENDDRAG_ORIGIN_RECT" val="783*223"/>
+  <p:tag name="TABLE_ENDDRAG_RECT" val="130*81*783*223"/>
+</p:tagLst>
+</file>
+
+<file path=ppt/tags/tag117.xml><?xml version="1.0" encoding="utf-8"?>
+<p:tagLst xmlns:p="http://schemas.openxmlformats.org/presentationml/2006/main">
+  <p:tag name="commondata" val="eyJoZGlkIjoiMDNjNzVkZmI2OWJiY2Y0NTEwZTUwMzdjMjA2MjM5NWMifQ=="/>
 </p:tagLst>
 </file>
 
@@ -12270,18 +14225,83 @@
 
 <file path=ppt/tags/tag87.xml><?xml version="1.0" encoding="utf-8"?>
 <p:tagLst xmlns:p="http://schemas.openxmlformats.org/presentationml/2006/main">
-  <p:tag name="TABLE_ENDDRAG_ORIGIN_RECT" val="783*223"/>
-  <p:tag name="TABLE_ENDDRAG_RECT" val="130*81*783*223"/>
+  <p:tag name="KSO_WM_BEAUTIFY_FLAG" val=""/>
 </p:tagLst>
 </file>
 
 <file path=ppt/tags/tag88.xml><?xml version="1.0" encoding="utf-8"?>
 <p:tagLst xmlns:p="http://schemas.openxmlformats.org/presentationml/2006/main">
-  <p:tag name="commondata" val="eyJoZGlkIjoiMDNjNzVkZmI2OWJiY2Y0NTEwZTUwMzdjMjA2MjM5NWMifQ=="/>
+  <p:tag name="KSO_WM_BEAUTIFY_FLAG" val=""/>
+</p:tagLst>
+</file>
+
+<file path=ppt/tags/tag89.xml><?xml version="1.0" encoding="utf-8"?>
+<p:tagLst xmlns:p="http://schemas.openxmlformats.org/presentationml/2006/main">
+  <p:tag name="KSO_WM_BEAUTIFY_FLAG" val=""/>
 </p:tagLst>
 </file>
 
 <file path=ppt/tags/tag9.xml><?xml version="1.0" encoding="utf-8"?>
+<p:tagLst xmlns:p="http://schemas.openxmlformats.org/presentationml/2006/main">
+  <p:tag name="KSO_WM_BEAUTIFY_FLAG" val=""/>
+</p:tagLst>
+</file>
+
+<file path=ppt/tags/tag90.xml><?xml version="1.0" encoding="utf-8"?>
+<p:tagLst xmlns:p="http://schemas.openxmlformats.org/presentationml/2006/main">
+  <p:tag name="KSO_WM_BEAUTIFY_FLAG" val=""/>
+</p:tagLst>
+</file>
+
+<file path=ppt/tags/tag91.xml><?xml version="1.0" encoding="utf-8"?>
+<p:tagLst xmlns:p="http://schemas.openxmlformats.org/presentationml/2006/main">
+  <p:tag name="KSO_WM_BEAUTIFY_FLAG" val=""/>
+</p:tagLst>
+</file>
+
+<file path=ppt/tags/tag92.xml><?xml version="1.0" encoding="utf-8"?>
+<p:tagLst xmlns:p="http://schemas.openxmlformats.org/presentationml/2006/main">
+  <p:tag name="KSO_WM_BEAUTIFY_FLAG" val=""/>
+</p:tagLst>
+</file>
+
+<file path=ppt/tags/tag93.xml><?xml version="1.0" encoding="utf-8"?>
+<p:tagLst xmlns:p="http://schemas.openxmlformats.org/presentationml/2006/main">
+  <p:tag name="KSO_WM_BEAUTIFY_FLAG" val=""/>
+</p:tagLst>
+</file>
+
+<file path=ppt/tags/tag94.xml><?xml version="1.0" encoding="utf-8"?>
+<p:tagLst xmlns:p="http://schemas.openxmlformats.org/presentationml/2006/main">
+  <p:tag name="KSO_WM_BEAUTIFY_FLAG" val=""/>
+</p:tagLst>
+</file>
+
+<file path=ppt/tags/tag95.xml><?xml version="1.0" encoding="utf-8"?>
+<p:tagLst xmlns:p="http://schemas.openxmlformats.org/presentationml/2006/main">
+  <p:tag name="KSO_WM_BEAUTIFY_FLAG" val=""/>
+</p:tagLst>
+</file>
+
+<file path=ppt/tags/tag96.xml><?xml version="1.0" encoding="utf-8"?>
+<p:tagLst xmlns:p="http://schemas.openxmlformats.org/presentationml/2006/main">
+  <p:tag name="KSO_WM_BEAUTIFY_FLAG" val=""/>
+</p:tagLst>
+</file>
+
+<file path=ppt/tags/tag97.xml><?xml version="1.0" encoding="utf-8"?>
+<p:tagLst xmlns:p="http://schemas.openxmlformats.org/presentationml/2006/main">
+  <p:tag name="KSO_WM_BEAUTIFY_FLAG" val=""/>
+</p:tagLst>
+</file>
+
+<file path=ppt/tags/tag98.xml><?xml version="1.0" encoding="utf-8"?>
+<p:tagLst xmlns:p="http://schemas.openxmlformats.org/presentationml/2006/main">
+  <p:tag name="KSO_WM_BEAUTIFY_FLAG" val=""/>
+</p:tagLst>
+</file>
+
+<file path=ppt/tags/tag99.xml><?xml version="1.0" encoding="utf-8"?>
 <p:tagLst xmlns:p="http://schemas.openxmlformats.org/presentationml/2006/main">
   <p:tag name="KSO_WM_BEAUTIFY_FLAG" val=""/>
 </p:tagLst>

--- a/流程图.pptx
+++ b/流程图.pptx
@@ -11377,14 +11377,1318 @@
       <p:grpSpPr/>
       <p:sp>
         <p:nvSpPr>
-          <p:cNvPr id="17" name="矩形 16"/>
+          <p:cNvPr id="13" name="圆柱形 12"/>
+          <p:cNvSpPr/>
+          <p:nvPr>
+            <p:custDataLst>
+              <p:tags r:id="rId1"/>
+            </p:custDataLst>
+          </p:nvPr>
+        </p:nvSpPr>
+        <p:spPr>
+          <a:xfrm>
+            <a:off x="1288415" y="220345"/>
+            <a:ext cx="914400" cy="1027430"/>
+          </a:xfrm>
+          <a:prstGeom prst="can">
+            <a:avLst/>
+          </a:prstGeom>
+        </p:spPr>
+        <p:style>
+          <a:lnRef idx="2">
+            <a:schemeClr val="accent1">
+              <a:lumMod val="75000"/>
+            </a:schemeClr>
+          </a:lnRef>
+          <a:fillRef idx="1">
+            <a:schemeClr val="accent1"/>
+          </a:fillRef>
+          <a:effectRef idx="0">
+            <a:srgbClr val="FFFFFF"/>
+          </a:effectRef>
+          <a:fontRef idx="minor">
+            <a:schemeClr val="lt1"/>
+          </a:fontRef>
+        </p:style>
+        <p:txBody>
+          <a:bodyPr rtlCol="0" anchor="ctr"/>
+          <a:p>
+            <a:pPr algn="ctr"/>
+            <a:r>
+              <a:rPr lang="zh-CN" altLang="en-US" sz="1200"/>
+              <a:t>文档</a:t>
+            </a:r>
+            <a:endParaRPr lang="zh-CN" altLang="en-US" sz="1200"/>
+          </a:p>
+          <a:p>
+            <a:pPr algn="ctr"/>
+            <a:r>
+              <a:rPr lang="zh-CN" altLang="en-US" sz="1200"/>
+              <a:t>图片</a:t>
+            </a:r>
+            <a:endParaRPr lang="zh-CN" altLang="en-US" sz="1200"/>
+          </a:p>
+          <a:p>
+            <a:pPr algn="ctr"/>
+            <a:r>
+              <a:rPr lang="zh-CN" altLang="en-US" sz="1200"/>
+              <a:t>文本</a:t>
+            </a:r>
+            <a:endParaRPr lang="zh-CN" altLang="en-US" sz="1200"/>
+          </a:p>
+        </p:txBody>
+      </p:sp>
+      <p:sp>
+        <p:nvSpPr>
+          <p:cNvPr id="29" name="矩形 28"/>
+          <p:cNvSpPr/>
+          <p:nvPr>
+            <p:custDataLst>
+              <p:tags r:id="rId2"/>
+            </p:custDataLst>
+          </p:nvPr>
+        </p:nvSpPr>
+        <p:spPr>
+          <a:xfrm>
+            <a:off x="4600575" y="551180"/>
+            <a:ext cx="1311275" cy="354330"/>
+          </a:xfrm>
+          <a:prstGeom prst="rect">
+            <a:avLst/>
+          </a:prstGeom>
+        </p:spPr>
+        <p:style>
+          <a:lnRef idx="2">
+            <a:schemeClr val="accent1">
+              <a:lumMod val="75000"/>
+            </a:schemeClr>
+          </a:lnRef>
+          <a:fillRef idx="1">
+            <a:schemeClr val="accent1"/>
+          </a:fillRef>
+          <a:effectRef idx="0">
+            <a:srgbClr val="FFFFFF"/>
+          </a:effectRef>
+          <a:fontRef idx="minor">
+            <a:schemeClr val="lt1"/>
+          </a:fontRef>
+        </p:style>
+        <p:txBody>
+          <a:bodyPr rtlCol="0" anchor="ctr"/>
+          <a:p>
+            <a:pPr algn="ctr"/>
+            <a:r>
+              <a:rPr lang="zh-CN" altLang="en-US" sz="1400"/>
+              <a:t>文本</a:t>
+            </a:r>
+            <a:r>
+              <a:rPr lang="en-US" altLang="zh-CN" sz="1400"/>
+              <a:t>/</a:t>
+            </a:r>
+            <a:r>
+              <a:rPr lang="zh-CN" altLang="en-US" sz="1400"/>
+              <a:t>文本集</a:t>
+            </a:r>
+            <a:endParaRPr lang="zh-CN" altLang="en-US" sz="1400"/>
+          </a:p>
+        </p:txBody>
+      </p:sp>
+      <p:cxnSp>
+        <p:nvCxnSpPr>
+          <p:cNvPr id="39" name="直接箭头连接符 38"/>
+          <p:cNvCxnSpPr>
+            <a:stCxn id="13" idx="4"/>
+            <a:endCxn id="29" idx="1"/>
+          </p:cNvCxnSpPr>
+          <p:nvPr>
+            <p:custDataLst>
+              <p:tags r:id="rId3"/>
+            </p:custDataLst>
+          </p:nvPr>
+        </p:nvCxnSpPr>
+        <p:spPr>
+          <a:xfrm flipV="1">
+            <a:off x="2202815" y="728345"/>
+            <a:ext cx="2397760" cy="5715"/>
+          </a:xfrm>
+          <a:prstGeom prst="straightConnector1">
+            <a:avLst/>
+          </a:prstGeom>
+          <a:ln>
+            <a:tailEnd type="arrow"/>
+          </a:ln>
+        </p:spPr>
+        <p:style>
+          <a:lnRef idx="2">
+            <a:schemeClr val="accent1"/>
+          </a:lnRef>
+          <a:fillRef idx="0">
+            <a:srgbClr val="FFFFFF"/>
+          </a:fillRef>
+          <a:effectRef idx="0">
+            <a:srgbClr val="FFFFFF"/>
+          </a:effectRef>
+          <a:fontRef idx="minor">
+            <a:schemeClr val="tx1"/>
+          </a:fontRef>
+        </p:style>
+      </p:cxnSp>
+      <p:sp>
+        <p:nvSpPr>
+          <p:cNvPr id="52" name="文本框 51"/>
+          <p:cNvSpPr txBox="1"/>
+          <p:nvPr>
+            <p:custDataLst>
+              <p:tags r:id="rId4"/>
+            </p:custDataLst>
+          </p:nvPr>
+        </p:nvSpPr>
+        <p:spPr>
+          <a:xfrm>
+            <a:off x="3414395" y="428625"/>
+            <a:ext cx="928370" cy="306705"/>
+          </a:xfrm>
+          <a:prstGeom prst="rect">
+            <a:avLst/>
+          </a:prstGeom>
+          <a:noFill/>
+        </p:spPr>
+        <p:txBody>
+          <a:bodyPr wrap="square" rtlCol="0">
+            <a:spAutoFit/>
+          </a:bodyPr>
+          <a:p>
+            <a:r>
+              <a:rPr lang="zh-CN" altLang="en-US" sz="1400"/>
+              <a:t>文本处理</a:t>
+            </a:r>
+            <a:endParaRPr lang="zh-CN" altLang="en-US" sz="1400"/>
+          </a:p>
+        </p:txBody>
+      </p:sp>
+      <p:sp>
+        <p:nvSpPr>
+          <p:cNvPr id="53" name="下箭头 52"/>
+          <p:cNvSpPr/>
+          <p:nvPr>
+            <p:custDataLst>
+              <p:tags r:id="rId5"/>
+            </p:custDataLst>
+          </p:nvPr>
+        </p:nvSpPr>
+        <p:spPr>
+          <a:xfrm>
+            <a:off x="5217795" y="926465"/>
+            <a:ext cx="76200" cy="267970"/>
+          </a:xfrm>
+          <a:prstGeom prst="downArrow">
+            <a:avLst/>
+          </a:prstGeom>
+        </p:spPr>
+        <p:style>
+          <a:lnRef idx="2">
+            <a:schemeClr val="accent1">
+              <a:lumMod val="75000"/>
+            </a:schemeClr>
+          </a:lnRef>
+          <a:fillRef idx="1">
+            <a:schemeClr val="accent1"/>
+          </a:fillRef>
+          <a:effectRef idx="0">
+            <a:srgbClr val="FFFFFF"/>
+          </a:effectRef>
+          <a:fontRef idx="minor">
+            <a:schemeClr val="lt1"/>
+          </a:fontRef>
+        </p:style>
+        <p:txBody>
+          <a:bodyPr rtlCol="0" anchor="ctr"/>
+          <a:p>
+            <a:pPr algn="ctr"/>
+            <a:endParaRPr lang="zh-CN" altLang="en-US"/>
+          </a:p>
+        </p:txBody>
+      </p:sp>
+      <p:sp>
+        <p:nvSpPr>
+          <p:cNvPr id="54" name="菱形 53"/>
+          <p:cNvSpPr/>
+          <p:nvPr>
+            <p:custDataLst>
+              <p:tags r:id="rId6"/>
+            </p:custDataLst>
+          </p:nvPr>
+        </p:nvSpPr>
+        <p:spPr>
+          <a:xfrm>
+            <a:off x="4620895" y="1247775"/>
+            <a:ext cx="1270635" cy="914400"/>
+          </a:xfrm>
+          <a:prstGeom prst="diamond">
+            <a:avLst/>
+          </a:prstGeom>
+        </p:spPr>
+        <p:style>
+          <a:lnRef idx="2">
+            <a:schemeClr val="accent1">
+              <a:lumMod val="75000"/>
+            </a:schemeClr>
+          </a:lnRef>
+          <a:fillRef idx="1">
+            <a:schemeClr val="accent1"/>
+          </a:fillRef>
+          <a:effectRef idx="0">
+            <a:srgbClr val="FFFFFF"/>
+          </a:effectRef>
+          <a:fontRef idx="minor">
+            <a:schemeClr val="lt1"/>
+          </a:fontRef>
+        </p:style>
+        <p:txBody>
+          <a:bodyPr rtlCol="0" anchor="ctr"/>
+          <a:p>
+            <a:pPr algn="ctr"/>
+            <a:r>
+              <a:rPr lang="zh-CN" altLang="en-US" sz="900">
+                <a:solidFill>
+                  <a:schemeClr val="tx1"/>
+                </a:solidFill>
+              </a:rPr>
+              <a:t>硬匹配</a:t>
+            </a:r>
+            <a:endParaRPr lang="zh-CN" altLang="en-US" sz="900">
+              <a:solidFill>
+                <a:schemeClr val="tx1"/>
+              </a:solidFill>
+            </a:endParaRPr>
+          </a:p>
+          <a:p>
+            <a:pPr algn="ctr"/>
+            <a:r>
+              <a:rPr lang="zh-CN" altLang="en-US" sz="900" i="1"/>
+              <a:t>是否包含关键词</a:t>
+            </a:r>
+            <a:endParaRPr lang="zh-CN" altLang="en-US" sz="900" i="1"/>
+          </a:p>
+        </p:txBody>
+      </p:sp>
+      <p:sp>
+        <p:nvSpPr>
+          <p:cNvPr id="55" name="文本框 54"/>
+          <p:cNvSpPr txBox="1"/>
+          <p:nvPr>
+            <p:custDataLst>
+              <p:tags r:id="rId7"/>
+            </p:custDataLst>
+          </p:nvPr>
+        </p:nvSpPr>
+        <p:spPr>
+          <a:xfrm>
+            <a:off x="5293995" y="926465"/>
+            <a:ext cx="766445" cy="337185"/>
+          </a:xfrm>
+          <a:prstGeom prst="rect">
+            <a:avLst/>
+          </a:prstGeom>
+          <a:noFill/>
+          <a:ln>
+            <a:noFill/>
+          </a:ln>
+        </p:spPr>
+        <p:txBody>
+          <a:bodyPr wrap="square" rtlCol="0">
+            <a:spAutoFit/>
+          </a:bodyPr>
+          <a:p>
+            <a:pPr algn="ctr"/>
+            <a:r>
+              <a:rPr lang="en-US" sz="1600"/>
+              <a:t>DFA</a:t>
+            </a:r>
+            <a:endParaRPr lang="en-US" sz="1600"/>
+          </a:p>
+        </p:txBody>
+      </p:sp>
+      <p:sp>
+        <p:nvSpPr>
+          <p:cNvPr id="56" name="圆柱形 55"/>
+          <p:cNvSpPr/>
+          <p:nvPr>
+            <p:custDataLst>
+              <p:tags r:id="rId8"/>
+            </p:custDataLst>
+          </p:nvPr>
+        </p:nvSpPr>
+        <p:spPr>
+          <a:xfrm>
+            <a:off x="6169660" y="741680"/>
+            <a:ext cx="887095" cy="763270"/>
+          </a:xfrm>
+          <a:prstGeom prst="can">
+            <a:avLst/>
+          </a:prstGeom>
+        </p:spPr>
+        <p:style>
+          <a:lnRef idx="2">
+            <a:schemeClr val="accent1">
+              <a:lumMod val="75000"/>
+            </a:schemeClr>
+          </a:lnRef>
+          <a:fillRef idx="1">
+            <a:schemeClr val="accent1"/>
+          </a:fillRef>
+          <a:effectRef idx="0">
+            <a:srgbClr val="FFFFFF"/>
+          </a:effectRef>
+          <a:fontRef idx="minor">
+            <a:schemeClr val="lt1"/>
+          </a:fontRef>
+        </p:style>
+        <p:txBody>
+          <a:bodyPr rtlCol="0" anchor="ctr"/>
+          <a:p>
+            <a:pPr algn="ctr"/>
+            <a:r>
+              <a:rPr lang="zh-CN" altLang="en-US" sz="1200"/>
+              <a:t>关键词库</a:t>
+            </a:r>
+            <a:endParaRPr lang="zh-CN" altLang="en-US" sz="1200"/>
+          </a:p>
+        </p:txBody>
+      </p:sp>
+      <p:sp>
+        <p:nvSpPr>
+          <p:cNvPr id="57" name="左箭头 56"/>
+          <p:cNvSpPr/>
+          <p:nvPr>
+            <p:custDataLst>
+              <p:tags r:id="rId9"/>
+            </p:custDataLst>
+          </p:nvPr>
+        </p:nvSpPr>
+        <p:spPr>
+          <a:xfrm rot="19620000">
+            <a:off x="5586730" y="1146810"/>
+            <a:ext cx="485140" cy="187325"/>
+          </a:xfrm>
+          <a:prstGeom prst="leftArrow">
+            <a:avLst/>
+          </a:prstGeom>
+        </p:spPr>
+        <p:style>
+          <a:lnRef idx="2">
+            <a:schemeClr val="accent1">
+              <a:lumMod val="75000"/>
+            </a:schemeClr>
+          </a:lnRef>
+          <a:fillRef idx="1">
+            <a:schemeClr val="accent1"/>
+          </a:fillRef>
+          <a:effectRef idx="0">
+            <a:srgbClr val="FFFFFF"/>
+          </a:effectRef>
+          <a:fontRef idx="minor">
+            <a:schemeClr val="lt1"/>
+          </a:fontRef>
+        </p:style>
+        <p:txBody>
+          <a:bodyPr rtlCol="0" anchor="ctr"/>
+          <a:p>
+            <a:pPr algn="ctr"/>
+            <a:endParaRPr lang="zh-CN" altLang="en-US"/>
+          </a:p>
+        </p:txBody>
+      </p:sp>
+      <p:cxnSp>
+        <p:nvCxnSpPr>
+          <p:cNvPr id="58" name="肘形连接符 57"/>
+          <p:cNvCxnSpPr/>
+          <p:nvPr>
+            <p:custDataLst>
+              <p:tags r:id="rId10"/>
+            </p:custDataLst>
+          </p:nvPr>
+        </p:nvCxnSpPr>
+        <p:spPr>
+          <a:xfrm rot="10800000" flipV="1">
+            <a:off x="4011930" y="1704340"/>
+            <a:ext cx="785495" cy="6350"/>
+          </a:xfrm>
+          <a:prstGeom prst="bentConnector3">
+            <a:avLst>
+              <a:gd name="adj1" fmla="val 49960"/>
+            </a:avLst>
+          </a:prstGeom>
+          <a:ln>
+            <a:tailEnd type="arrow"/>
+          </a:ln>
+        </p:spPr>
+        <p:style>
+          <a:lnRef idx="2">
+            <a:schemeClr val="accent1"/>
+          </a:lnRef>
+          <a:fillRef idx="0">
+            <a:srgbClr val="FFFFFF"/>
+          </a:fillRef>
+          <a:effectRef idx="0">
+            <a:srgbClr val="FFFFFF"/>
+          </a:effectRef>
+          <a:fontRef idx="minor">
+            <a:schemeClr val="tx1"/>
+          </a:fontRef>
+        </p:style>
+      </p:cxnSp>
+      <p:sp>
+        <p:nvSpPr>
+          <p:cNvPr id="59" name="矩形 58"/>
+          <p:cNvSpPr/>
+          <p:nvPr>
+            <p:custDataLst>
+              <p:tags r:id="rId11"/>
+            </p:custDataLst>
+          </p:nvPr>
+        </p:nvSpPr>
+        <p:spPr>
+          <a:xfrm>
+            <a:off x="2846705" y="1473200"/>
+            <a:ext cx="1174115" cy="462915"/>
+          </a:xfrm>
+          <a:prstGeom prst="rect">
+            <a:avLst/>
+          </a:prstGeom>
+        </p:spPr>
+        <p:style>
+          <a:lnRef idx="2">
+            <a:schemeClr val="accent1">
+              <a:lumMod val="75000"/>
+            </a:schemeClr>
+          </a:lnRef>
+          <a:fillRef idx="1">
+            <a:schemeClr val="accent1"/>
+          </a:fillRef>
+          <a:effectRef idx="0">
+            <a:srgbClr val="FFFFFF"/>
+          </a:effectRef>
+          <a:fontRef idx="minor">
+            <a:schemeClr val="lt1"/>
+          </a:fontRef>
+        </p:style>
+        <p:txBody>
+          <a:bodyPr rtlCol="0" anchor="ctr"/>
+          <a:p>
+            <a:pPr algn="ctr"/>
+            <a:r>
+              <a:rPr lang="zh-CN" altLang="en-US" sz="1200"/>
+              <a:t>违规类型</a:t>
+            </a:r>
+            <a:r>
+              <a:rPr lang="en-US" altLang="zh-CN" sz="1200"/>
+              <a:t>/</a:t>
+            </a:r>
+            <a:r>
+              <a:rPr lang="zh-CN" altLang="en-US" sz="1200"/>
+              <a:t>片段</a:t>
+            </a:r>
+            <a:endParaRPr lang="zh-CN" altLang="en-US" sz="1200"/>
+          </a:p>
+        </p:txBody>
+      </p:sp>
+      <p:sp>
+        <p:nvSpPr>
+          <p:cNvPr id="60" name="文本框 59"/>
+          <p:cNvSpPr txBox="1"/>
+          <p:nvPr>
+            <p:custDataLst>
+              <p:tags r:id="rId12"/>
+            </p:custDataLst>
+          </p:nvPr>
+        </p:nvSpPr>
+        <p:spPr>
+          <a:xfrm>
+            <a:off x="4291965" y="1291590"/>
+            <a:ext cx="368300" cy="275590"/>
+          </a:xfrm>
+          <a:prstGeom prst="rect">
+            <a:avLst/>
+          </a:prstGeom>
+          <a:noFill/>
+        </p:spPr>
+        <p:txBody>
+          <a:bodyPr wrap="square" rtlCol="0">
+            <a:spAutoFit/>
+          </a:bodyPr>
+          <a:p>
+            <a:r>
+              <a:rPr lang="en-US" altLang="zh-CN" sz="1200"/>
+              <a:t>y</a:t>
+            </a:r>
+            <a:endParaRPr lang="en-US" altLang="zh-CN" sz="1200"/>
+          </a:p>
+        </p:txBody>
+      </p:sp>
+      <p:sp>
+        <p:nvSpPr>
+          <p:cNvPr id="61" name="文本框 60"/>
+          <p:cNvSpPr txBox="1"/>
+          <p:nvPr>
+            <p:custDataLst>
+              <p:tags r:id="rId13"/>
+            </p:custDataLst>
+          </p:nvPr>
+        </p:nvSpPr>
+        <p:spPr>
+          <a:xfrm>
+            <a:off x="4852670" y="2161540"/>
+            <a:ext cx="365125" cy="275590"/>
+          </a:xfrm>
+          <a:prstGeom prst="rect">
+            <a:avLst/>
+          </a:prstGeom>
+          <a:noFill/>
+        </p:spPr>
+        <p:txBody>
+          <a:bodyPr wrap="square" rtlCol="0" anchor="t">
+            <a:spAutoFit/>
+          </a:bodyPr>
+          <a:p>
+            <a:r>
+              <a:rPr lang="en-US" altLang="zh-CN" sz="1200">
+                <a:sym typeface="+mn-ea"/>
+              </a:rPr>
+              <a:t>n</a:t>
+            </a:r>
+            <a:endParaRPr lang="en-US" altLang="zh-CN" sz="1200">
+              <a:sym typeface="+mn-ea"/>
+            </a:endParaRPr>
+          </a:p>
+        </p:txBody>
+      </p:sp>
+      <p:sp>
+        <p:nvSpPr>
+          <p:cNvPr id="4" name="矩形 3"/>
           <p:cNvSpPr/>
           <p:nvPr/>
         </p:nvSpPr>
         <p:spPr>
           <a:xfrm>
-            <a:off x="4594225" y="4282440"/>
-            <a:ext cx="2870200" cy="1659255"/>
+            <a:off x="4471035" y="2398395"/>
+            <a:ext cx="1568450" cy="606425"/>
+          </a:xfrm>
+          <a:prstGeom prst="rect">
+            <a:avLst/>
+          </a:prstGeom>
+        </p:spPr>
+        <p:style>
+          <a:lnRef idx="2">
+            <a:schemeClr val="accent1">
+              <a:shade val="50000"/>
+            </a:schemeClr>
+          </a:lnRef>
+          <a:fillRef idx="1">
+            <a:schemeClr val="accent1"/>
+          </a:fillRef>
+          <a:effectRef idx="0">
+            <a:schemeClr val="accent1"/>
+          </a:effectRef>
+          <a:fontRef idx="minor">
+            <a:schemeClr val="lt1"/>
+          </a:fontRef>
+        </p:style>
+        <p:txBody>
+          <a:bodyPr rtlCol="0" anchor="ctr"/>
+          <a:p>
+            <a:pPr algn="ctr"/>
+            <a:r>
+              <a:rPr lang="zh-CN" altLang="en-US" sz="1200">
+                <a:solidFill>
+                  <a:schemeClr val="tx1"/>
+                </a:solidFill>
+              </a:rPr>
+              <a:t>软匹配</a:t>
+            </a:r>
+            <a:endParaRPr lang="zh-CN" altLang="en-US" sz="1200">
+              <a:solidFill>
+                <a:schemeClr val="tx1"/>
+              </a:solidFill>
+            </a:endParaRPr>
+          </a:p>
+          <a:p>
+            <a:pPr algn="ctr"/>
+            <a:r>
+              <a:rPr lang="zh-CN" altLang="en-US" sz="1200" i="1"/>
+              <a:t>向量检索</a:t>
+            </a:r>
+            <a:endParaRPr lang="zh-CN" altLang="en-US" sz="1200" i="1"/>
+          </a:p>
+        </p:txBody>
+      </p:sp>
+      <p:cxnSp>
+        <p:nvCxnSpPr>
+          <p:cNvPr id="5" name="直接箭头连接符 4"/>
+          <p:cNvCxnSpPr>
+            <a:endCxn id="4" idx="0"/>
+          </p:cNvCxnSpPr>
+          <p:nvPr/>
+        </p:nvCxnSpPr>
+        <p:spPr>
+          <a:xfrm>
+            <a:off x="5252720" y="1917700"/>
+            <a:ext cx="2540" cy="480695"/>
+          </a:xfrm>
+          <a:prstGeom prst="straightConnector1">
+            <a:avLst/>
+          </a:prstGeom>
+          <a:ln>
+            <a:tailEnd type="arrow"/>
+          </a:ln>
+        </p:spPr>
+        <p:style>
+          <a:lnRef idx="1">
+            <a:schemeClr val="accent1"/>
+          </a:lnRef>
+          <a:fillRef idx="0">
+            <a:schemeClr val="accent1"/>
+          </a:fillRef>
+          <a:effectRef idx="0">
+            <a:schemeClr val="accent1"/>
+          </a:effectRef>
+          <a:fontRef idx="minor">
+            <a:schemeClr val="tx1"/>
+          </a:fontRef>
+        </p:style>
+      </p:cxnSp>
+      <p:sp>
+        <p:nvSpPr>
+          <p:cNvPr id="6" name="圆柱形 5"/>
+          <p:cNvSpPr/>
+          <p:nvPr>
+            <p:custDataLst>
+              <p:tags r:id="rId14"/>
+            </p:custDataLst>
+          </p:nvPr>
+        </p:nvSpPr>
+        <p:spPr>
+          <a:xfrm>
+            <a:off x="7932420" y="687705"/>
+            <a:ext cx="887095" cy="763270"/>
+          </a:xfrm>
+          <a:prstGeom prst="can">
+            <a:avLst/>
+          </a:prstGeom>
+        </p:spPr>
+        <p:style>
+          <a:lnRef idx="2">
+            <a:schemeClr val="accent1">
+              <a:lumMod val="75000"/>
+            </a:schemeClr>
+          </a:lnRef>
+          <a:fillRef idx="1">
+            <a:schemeClr val="accent1"/>
+          </a:fillRef>
+          <a:effectRef idx="0">
+            <a:srgbClr val="FFFFFF"/>
+          </a:effectRef>
+          <a:fontRef idx="minor">
+            <a:schemeClr val="lt1"/>
+          </a:fontRef>
+        </p:style>
+        <p:txBody>
+          <a:bodyPr rtlCol="0" anchor="ctr"/>
+          <a:p>
+            <a:pPr algn="ctr"/>
+            <a:r>
+              <a:rPr lang="zh-CN" altLang="en-US" sz="1400"/>
+              <a:t>语料库</a:t>
+            </a:r>
+            <a:endParaRPr lang="zh-CN" altLang="en-US" sz="1400"/>
+          </a:p>
+        </p:txBody>
+      </p:sp>
+      <p:sp>
+        <p:nvSpPr>
+          <p:cNvPr id="7" name="左箭头 6"/>
+          <p:cNvSpPr/>
+          <p:nvPr>
+            <p:custDataLst>
+              <p:tags r:id="rId15"/>
+            </p:custDataLst>
+          </p:nvPr>
+        </p:nvSpPr>
+        <p:spPr>
+          <a:xfrm>
+            <a:off x="6321425" y="2468245"/>
+            <a:ext cx="485140" cy="435610"/>
+          </a:xfrm>
+          <a:prstGeom prst="leftArrow">
+            <a:avLst/>
+          </a:prstGeom>
+        </p:spPr>
+        <p:style>
+          <a:lnRef idx="2">
+            <a:schemeClr val="accent1">
+              <a:lumMod val="75000"/>
+            </a:schemeClr>
+          </a:lnRef>
+          <a:fillRef idx="1">
+            <a:schemeClr val="accent1"/>
+          </a:fillRef>
+          <a:effectRef idx="0">
+            <a:srgbClr val="FFFFFF"/>
+          </a:effectRef>
+          <a:fontRef idx="minor">
+            <a:schemeClr val="lt1"/>
+          </a:fontRef>
+        </p:style>
+        <p:txBody>
+          <a:bodyPr rtlCol="0" anchor="ctr"/>
+          <a:p>
+            <a:pPr algn="ctr"/>
+            <a:endParaRPr lang="zh-CN" altLang="en-US"/>
+          </a:p>
+        </p:txBody>
+      </p:sp>
+      <p:sp>
+        <p:nvSpPr>
+          <p:cNvPr id="8" name="矩形 7"/>
+          <p:cNvSpPr/>
+          <p:nvPr/>
+        </p:nvSpPr>
+        <p:spPr>
+          <a:xfrm>
+            <a:off x="4212590" y="3453765"/>
+            <a:ext cx="2082800" cy="465455"/>
+          </a:xfrm>
+          <a:prstGeom prst="rect">
+            <a:avLst/>
+          </a:prstGeom>
+        </p:spPr>
+        <p:style>
+          <a:lnRef idx="2">
+            <a:schemeClr val="accent1">
+              <a:shade val="50000"/>
+            </a:schemeClr>
+          </a:lnRef>
+          <a:fillRef idx="1">
+            <a:schemeClr val="accent1"/>
+          </a:fillRef>
+          <a:effectRef idx="0">
+            <a:schemeClr val="accent1"/>
+          </a:effectRef>
+          <a:fontRef idx="minor">
+            <a:schemeClr val="lt1"/>
+          </a:fontRef>
+        </p:style>
+        <p:txBody>
+          <a:bodyPr rtlCol="0" anchor="ctr"/>
+          <a:p>
+            <a:pPr algn="ctr"/>
+            <a:r>
+              <a:rPr lang="zh-CN" altLang="en-US" sz="1600"/>
+              <a:t>类别确定</a:t>
+            </a:r>
+            <a:endParaRPr lang="zh-CN" altLang="en-US" sz="1600"/>
+          </a:p>
+        </p:txBody>
+      </p:sp>
+      <p:cxnSp>
+        <p:nvCxnSpPr>
+          <p:cNvPr id="9" name="直接箭头连接符 8"/>
+          <p:cNvCxnSpPr/>
+          <p:nvPr/>
+        </p:nvCxnSpPr>
+        <p:spPr>
+          <a:xfrm flipH="1">
+            <a:off x="5253990" y="3004820"/>
+            <a:ext cx="1270" cy="448945"/>
+          </a:xfrm>
+          <a:prstGeom prst="straightConnector1">
+            <a:avLst/>
+          </a:prstGeom>
+          <a:ln>
+            <a:tailEnd type="arrow"/>
+          </a:ln>
+        </p:spPr>
+        <p:style>
+          <a:lnRef idx="1">
+            <a:schemeClr val="accent1"/>
+          </a:lnRef>
+          <a:fillRef idx="0">
+            <a:schemeClr val="accent1"/>
+          </a:fillRef>
+          <a:effectRef idx="0">
+            <a:schemeClr val="accent1"/>
+          </a:effectRef>
+          <a:fontRef idx="minor">
+            <a:schemeClr val="tx1"/>
+          </a:fontRef>
+        </p:style>
+      </p:cxnSp>
+      <p:sp>
+        <p:nvSpPr>
+          <p:cNvPr id="10" name="文本框 9"/>
+          <p:cNvSpPr txBox="1"/>
+          <p:nvPr>
+            <p:custDataLst>
+              <p:tags r:id="rId16"/>
+            </p:custDataLst>
+          </p:nvPr>
+        </p:nvSpPr>
+        <p:spPr>
+          <a:xfrm>
+            <a:off x="5280025" y="3139440"/>
+            <a:ext cx="1381125" cy="275590"/>
+          </a:xfrm>
+          <a:prstGeom prst="rect">
+            <a:avLst/>
+          </a:prstGeom>
+          <a:noFill/>
+        </p:spPr>
+        <p:txBody>
+          <a:bodyPr wrap="square" rtlCol="0" anchor="t">
+            <a:spAutoFit/>
+          </a:bodyPr>
+          <a:p>
+            <a:r>
+              <a:rPr lang="zh-CN" altLang="en-US" sz="1200">
+                <a:sym typeface="+mn-ea"/>
+              </a:rPr>
+              <a:t>后处理策略</a:t>
+            </a:r>
+            <a:endParaRPr lang="zh-CN" altLang="en-US" sz="1200">
+              <a:sym typeface="+mn-ea"/>
+            </a:endParaRPr>
+          </a:p>
+        </p:txBody>
+      </p:sp>
+      <p:sp>
+        <p:nvSpPr>
+          <p:cNvPr id="32" name="矩形 31"/>
+          <p:cNvSpPr/>
+          <p:nvPr>
+            <p:custDataLst>
+              <p:tags r:id="rId17"/>
+            </p:custDataLst>
+          </p:nvPr>
+        </p:nvSpPr>
+        <p:spPr>
+          <a:xfrm>
+            <a:off x="3601085" y="5434330"/>
+            <a:ext cx="1013460" cy="401955"/>
+          </a:xfrm>
+          <a:prstGeom prst="rect">
+            <a:avLst/>
+          </a:prstGeom>
+        </p:spPr>
+        <p:style>
+          <a:lnRef idx="2">
+            <a:schemeClr val="accent1">
+              <a:lumMod val="75000"/>
+            </a:schemeClr>
+          </a:lnRef>
+          <a:fillRef idx="1">
+            <a:schemeClr val="accent1"/>
+          </a:fillRef>
+          <a:effectRef idx="0">
+            <a:srgbClr val="FFFFFF"/>
+          </a:effectRef>
+          <a:fontRef idx="minor">
+            <a:schemeClr val="lt1"/>
+          </a:fontRef>
+        </p:style>
+        <p:txBody>
+          <a:bodyPr rtlCol="0" anchor="ctr"/>
+          <a:p>
+            <a:pPr algn="ctr"/>
+            <a:r>
+              <a:rPr lang="zh-CN" altLang="en-US" sz="1400"/>
+              <a:t>敏感片段</a:t>
+            </a:r>
+            <a:endParaRPr lang="zh-CN" altLang="en-US" sz="1400"/>
+          </a:p>
+        </p:txBody>
+      </p:sp>
+      <p:sp>
+        <p:nvSpPr>
+          <p:cNvPr id="33" name="矩形 32"/>
+          <p:cNvSpPr/>
+          <p:nvPr>
+            <p:custDataLst>
+              <p:tags r:id="rId18"/>
+            </p:custDataLst>
+          </p:nvPr>
+        </p:nvSpPr>
+        <p:spPr>
+          <a:xfrm>
+            <a:off x="6158230" y="5434330"/>
+            <a:ext cx="1106805" cy="401955"/>
+          </a:xfrm>
+          <a:prstGeom prst="rect">
+            <a:avLst/>
+          </a:prstGeom>
+        </p:spPr>
+        <p:style>
+          <a:lnRef idx="2">
+            <a:schemeClr val="accent1">
+              <a:lumMod val="75000"/>
+            </a:schemeClr>
+          </a:lnRef>
+          <a:fillRef idx="1">
+            <a:schemeClr val="accent1"/>
+          </a:fillRef>
+          <a:effectRef idx="0">
+            <a:srgbClr val="FFFFFF"/>
+          </a:effectRef>
+          <a:fontRef idx="minor">
+            <a:schemeClr val="lt1"/>
+          </a:fontRef>
+        </p:style>
+        <p:txBody>
+          <a:bodyPr rtlCol="0" anchor="ctr"/>
+          <a:p>
+            <a:pPr algn="ctr"/>
+            <a:r>
+              <a:rPr lang="zh-CN" altLang="en-US" sz="1400"/>
+              <a:t>隐私</a:t>
+            </a:r>
+            <a:r>
+              <a:rPr lang="zh-CN" altLang="en-US" sz="1400"/>
+              <a:t>片段</a:t>
+            </a:r>
+            <a:endParaRPr lang="zh-CN" altLang="en-US" sz="1400"/>
+          </a:p>
+        </p:txBody>
+      </p:sp>
+      <p:sp>
+        <p:nvSpPr>
+          <p:cNvPr id="34" name="文本框 33"/>
+          <p:cNvSpPr txBox="1"/>
+          <p:nvPr>
+            <p:custDataLst>
+              <p:tags r:id="rId19"/>
+            </p:custDataLst>
+          </p:nvPr>
+        </p:nvSpPr>
+        <p:spPr>
+          <a:xfrm>
+            <a:off x="3064510" y="5102860"/>
+            <a:ext cx="1076960" cy="275590"/>
+          </a:xfrm>
+          <a:prstGeom prst="rect">
+            <a:avLst/>
+          </a:prstGeom>
+          <a:noFill/>
+        </p:spPr>
+        <p:txBody>
+          <a:bodyPr wrap="square" rtlCol="0">
+            <a:spAutoFit/>
+          </a:bodyPr>
+          <a:p>
+            <a:r>
+              <a:rPr lang="en-US" altLang="zh-CN" sz="1200"/>
+              <a:t>KeyBert+</a:t>
+            </a:r>
+            <a:r>
+              <a:rPr lang="zh-CN" altLang="en-US" sz="1200"/>
+              <a:t>策略</a:t>
+            </a:r>
+            <a:endParaRPr lang="zh-CN" altLang="en-US" sz="1200"/>
+          </a:p>
+        </p:txBody>
+      </p:sp>
+      <p:sp>
+        <p:nvSpPr>
+          <p:cNvPr id="35" name="文本框 34"/>
+          <p:cNvSpPr txBox="1"/>
+          <p:nvPr>
+            <p:custDataLst>
+              <p:tags r:id="rId20"/>
+            </p:custDataLst>
+          </p:nvPr>
+        </p:nvSpPr>
+        <p:spPr>
+          <a:xfrm>
+            <a:off x="5470525" y="5102860"/>
+            <a:ext cx="1031240" cy="275590"/>
+          </a:xfrm>
+          <a:prstGeom prst="rect">
+            <a:avLst/>
+          </a:prstGeom>
+          <a:noFill/>
+        </p:spPr>
+        <p:txBody>
+          <a:bodyPr wrap="square" rtlCol="0">
+            <a:spAutoFit/>
+          </a:bodyPr>
+          <a:p>
+            <a:r>
+              <a:rPr lang="en-US" altLang="zh-CN" sz="1200"/>
+              <a:t>NER2+</a:t>
+            </a:r>
+            <a:r>
+              <a:rPr lang="zh-CN" altLang="en-US" sz="1200"/>
+              <a:t>策略</a:t>
+            </a:r>
+            <a:endParaRPr lang="zh-CN" altLang="en-US" sz="1200"/>
+          </a:p>
+        </p:txBody>
+      </p:sp>
+      <p:sp>
+        <p:nvSpPr>
+          <p:cNvPr id="36" name="矩形 35"/>
+          <p:cNvSpPr/>
+          <p:nvPr>
+            <p:custDataLst>
+              <p:tags r:id="rId21"/>
+            </p:custDataLst>
+          </p:nvPr>
+        </p:nvSpPr>
+        <p:spPr>
+          <a:xfrm>
+            <a:off x="4760595" y="5965825"/>
+            <a:ext cx="1174115" cy="462915"/>
+          </a:xfrm>
+          <a:prstGeom prst="rect">
+            <a:avLst/>
+          </a:prstGeom>
+        </p:spPr>
+        <p:style>
+          <a:lnRef idx="2">
+            <a:schemeClr val="accent1">
+              <a:lumMod val="75000"/>
+            </a:schemeClr>
+          </a:lnRef>
+          <a:fillRef idx="1">
+            <a:schemeClr val="accent1"/>
+          </a:fillRef>
+          <a:effectRef idx="0">
+            <a:srgbClr val="FFFFFF"/>
+          </a:effectRef>
+          <a:fontRef idx="minor">
+            <a:schemeClr val="lt1"/>
+          </a:fontRef>
+        </p:style>
+        <p:txBody>
+          <a:bodyPr rtlCol="0" anchor="ctr"/>
+          <a:p>
+            <a:pPr algn="ctr"/>
+            <a:r>
+              <a:rPr lang="zh-CN" altLang="en-US" sz="1200"/>
+              <a:t>违规类型</a:t>
+            </a:r>
+            <a:r>
+              <a:rPr lang="en-US" altLang="zh-CN" sz="1200"/>
+              <a:t>/</a:t>
+            </a:r>
+            <a:r>
+              <a:rPr lang="zh-CN" altLang="en-US" sz="1200"/>
+              <a:t>片段</a:t>
+            </a:r>
+            <a:endParaRPr lang="zh-CN" altLang="en-US" sz="1200"/>
+          </a:p>
+        </p:txBody>
+      </p:sp>
+      <p:sp>
+        <p:nvSpPr>
+          <p:cNvPr id="37" name="文本框 36"/>
+          <p:cNvSpPr txBox="1"/>
+          <p:nvPr>
+            <p:custDataLst>
+              <p:tags r:id="rId22"/>
+            </p:custDataLst>
+          </p:nvPr>
+        </p:nvSpPr>
+        <p:spPr>
+          <a:xfrm>
+            <a:off x="5412105" y="5560695"/>
+            <a:ext cx="631190" cy="275590"/>
+          </a:xfrm>
+          <a:prstGeom prst="rect">
+            <a:avLst/>
+          </a:prstGeom>
+          <a:noFill/>
+        </p:spPr>
+        <p:txBody>
+          <a:bodyPr wrap="square" rtlCol="0">
+            <a:spAutoFit/>
+          </a:bodyPr>
+          <a:p>
+            <a:r>
+              <a:rPr lang="zh-CN" altLang="en-US" sz="1200"/>
+              <a:t>输出</a:t>
+            </a:r>
+            <a:endParaRPr lang="zh-CN" altLang="en-US" sz="1200"/>
+          </a:p>
+        </p:txBody>
+      </p:sp>
+      <p:cxnSp>
+        <p:nvCxnSpPr>
+          <p:cNvPr id="40" name="直接箭头连接符 39"/>
+          <p:cNvCxnSpPr>
+            <a:stCxn id="32" idx="3"/>
+          </p:cNvCxnSpPr>
+          <p:nvPr>
+            <p:custDataLst>
+              <p:tags r:id="rId23"/>
+            </p:custDataLst>
+          </p:nvPr>
+        </p:nvCxnSpPr>
+        <p:spPr>
+          <a:xfrm>
+            <a:off x="4614545" y="5635625"/>
+            <a:ext cx="916940" cy="344170"/>
+          </a:xfrm>
+          <a:prstGeom prst="straightConnector1">
+            <a:avLst/>
+          </a:prstGeom>
+          <a:ln>
+            <a:prstDash val="lgDash"/>
+            <a:tailEnd type="arrow"/>
+          </a:ln>
+        </p:spPr>
+        <p:style>
+          <a:lnRef idx="2">
+            <a:schemeClr val="accent1"/>
+          </a:lnRef>
+          <a:fillRef idx="0">
+            <a:srgbClr val="FFFFFF"/>
+          </a:fillRef>
+          <a:effectRef idx="0">
+            <a:srgbClr val="FFFFFF"/>
+          </a:effectRef>
+          <a:fontRef idx="minor">
+            <a:schemeClr val="tx1"/>
+          </a:fontRef>
+        </p:style>
+      </p:cxnSp>
+      <p:cxnSp>
+        <p:nvCxnSpPr>
+          <p:cNvPr id="42" name="直接箭头连接符 41"/>
+          <p:cNvCxnSpPr>
+            <a:stCxn id="33" idx="1"/>
+            <a:endCxn id="36" idx="0"/>
+          </p:cNvCxnSpPr>
+          <p:nvPr>
+            <p:custDataLst>
+              <p:tags r:id="rId24"/>
+            </p:custDataLst>
+          </p:nvPr>
+        </p:nvCxnSpPr>
+        <p:spPr>
+          <a:xfrm flipH="1">
+            <a:off x="5347970" y="5635625"/>
+            <a:ext cx="810260" cy="330200"/>
+          </a:xfrm>
+          <a:prstGeom prst="straightConnector1">
+            <a:avLst/>
+          </a:prstGeom>
+          <a:ln>
+            <a:prstDash val="lgDash"/>
+            <a:tailEnd type="arrow"/>
+          </a:ln>
+        </p:spPr>
+        <p:style>
+          <a:lnRef idx="2">
+            <a:schemeClr val="accent1"/>
+          </a:lnRef>
+          <a:fillRef idx="0">
+            <a:srgbClr val="FFFFFF"/>
+          </a:fillRef>
+          <a:effectRef idx="0">
+            <a:srgbClr val="FFFFFF"/>
+          </a:effectRef>
+          <a:fontRef idx="minor">
+            <a:schemeClr val="tx1"/>
+          </a:fontRef>
+        </p:style>
+      </p:cxnSp>
+      <p:sp>
+        <p:nvSpPr>
+          <p:cNvPr id="46" name="文本框 45"/>
+          <p:cNvSpPr txBox="1"/>
+          <p:nvPr>
+            <p:custDataLst>
+              <p:tags r:id="rId25"/>
+            </p:custDataLst>
+          </p:nvPr>
+        </p:nvSpPr>
+        <p:spPr>
+          <a:xfrm>
+            <a:off x="4067175" y="4827270"/>
+            <a:ext cx="1111885" cy="275590"/>
+          </a:xfrm>
+          <a:prstGeom prst="rect">
+            <a:avLst/>
+          </a:prstGeom>
+          <a:noFill/>
+        </p:spPr>
+        <p:txBody>
+          <a:bodyPr wrap="square" rtlCol="0">
+            <a:spAutoFit/>
+          </a:bodyPr>
+          <a:p>
+            <a:r>
+              <a:rPr lang="zh-CN" altLang="en-US" sz="1200"/>
+              <a:t>广告</a:t>
+            </a:r>
+            <a:r>
+              <a:rPr lang="en-US" altLang="zh-CN" sz="1200"/>
+              <a:t>/</a:t>
+            </a:r>
+            <a:r>
+              <a:rPr lang="zh-CN" altLang="en-US" sz="1200"/>
+              <a:t>辱骂等</a:t>
+            </a:r>
+            <a:endParaRPr lang="zh-CN" altLang="en-US" sz="1200"/>
+          </a:p>
+        </p:txBody>
+      </p:sp>
+      <p:sp>
+        <p:nvSpPr>
+          <p:cNvPr id="62" name="文本框 61"/>
+          <p:cNvSpPr txBox="1"/>
+          <p:nvPr>
+            <p:custDataLst>
+              <p:tags r:id="rId26"/>
+            </p:custDataLst>
+          </p:nvPr>
+        </p:nvSpPr>
+        <p:spPr>
+          <a:xfrm>
+            <a:off x="5454650" y="4819650"/>
+            <a:ext cx="1111885" cy="275590"/>
+          </a:xfrm>
+          <a:prstGeom prst="rect">
+            <a:avLst/>
+          </a:prstGeom>
+          <a:noFill/>
+        </p:spPr>
+        <p:txBody>
+          <a:bodyPr wrap="square" rtlCol="0">
+            <a:spAutoFit/>
+          </a:bodyPr>
+          <a:p>
+            <a:r>
+              <a:rPr lang="zh-CN" altLang="en-US" sz="1200"/>
+              <a:t>个人隐私</a:t>
+            </a:r>
+            <a:endParaRPr lang="zh-CN" altLang="en-US" sz="1200"/>
+          </a:p>
+        </p:txBody>
+      </p:sp>
+      <p:sp>
+        <p:nvSpPr>
+          <p:cNvPr id="63" name="矩形 62"/>
+          <p:cNvSpPr/>
+          <p:nvPr>
+            <p:custDataLst>
+              <p:tags r:id="rId27"/>
+            </p:custDataLst>
+          </p:nvPr>
+        </p:nvSpPr>
+        <p:spPr>
+          <a:xfrm>
+            <a:off x="2934970" y="4827270"/>
+            <a:ext cx="4892040" cy="1659255"/>
           </a:xfrm>
           <a:prstGeom prst="rect">
             <a:avLst/>
@@ -11423,1383 +12727,42 @@
           </a:p>
         </p:txBody>
       </p:sp>
-      <p:sp>
-        <p:nvSpPr>
-          <p:cNvPr id="13" name="圆柱形 12"/>
-          <p:cNvSpPr/>
-          <p:nvPr>
-            <p:custDataLst>
-              <p:tags r:id="rId1"/>
-            </p:custDataLst>
-          </p:nvPr>
-        </p:nvSpPr>
-        <p:spPr>
-          <a:xfrm>
-            <a:off x="2921000" y="377825"/>
-            <a:ext cx="914400" cy="822960"/>
-          </a:xfrm>
-          <a:prstGeom prst="can">
-            <a:avLst/>
-          </a:prstGeom>
-        </p:spPr>
-        <p:style>
-          <a:lnRef idx="2">
-            <a:schemeClr val="accent1">
-              <a:lumMod val="75000"/>
-            </a:schemeClr>
-          </a:lnRef>
-          <a:fillRef idx="1">
-            <a:schemeClr val="accent1"/>
-          </a:fillRef>
-          <a:effectRef idx="0">
-            <a:srgbClr val="FFFFFF"/>
-          </a:effectRef>
-          <a:fontRef idx="minor">
-            <a:schemeClr val="lt1"/>
-          </a:fontRef>
-        </p:style>
-        <p:txBody>
-          <a:bodyPr rtlCol="0" anchor="ctr"/>
-          <a:p>
-            <a:pPr algn="ctr"/>
-            <a:r>
-              <a:rPr lang="zh-CN" altLang="en-US" sz="1200"/>
-              <a:t>文档</a:t>
-            </a:r>
-            <a:endParaRPr lang="zh-CN" altLang="en-US" sz="1200"/>
-          </a:p>
-          <a:p>
-            <a:pPr algn="ctr"/>
-            <a:r>
-              <a:rPr lang="zh-CN" altLang="en-US" sz="1200"/>
-              <a:t>图片</a:t>
-            </a:r>
-            <a:endParaRPr lang="zh-CN" altLang="en-US" sz="1200"/>
-          </a:p>
-          <a:p>
-            <a:pPr algn="ctr"/>
-            <a:r>
-              <a:rPr lang="zh-CN" altLang="en-US" sz="1200"/>
-              <a:t>文本</a:t>
-            </a:r>
-            <a:endParaRPr lang="zh-CN" altLang="en-US" sz="1200"/>
-          </a:p>
-        </p:txBody>
-      </p:sp>
-      <p:sp>
-        <p:nvSpPr>
-          <p:cNvPr id="29" name="矩形 28"/>
-          <p:cNvSpPr/>
-          <p:nvPr>
-            <p:custDataLst>
-              <p:tags r:id="rId2"/>
-            </p:custDataLst>
-          </p:nvPr>
-        </p:nvSpPr>
-        <p:spPr>
-          <a:xfrm>
-            <a:off x="5279390" y="605155"/>
-            <a:ext cx="1311275" cy="354330"/>
-          </a:xfrm>
-          <a:prstGeom prst="rect">
-            <a:avLst/>
-          </a:prstGeom>
-        </p:spPr>
-        <p:style>
-          <a:lnRef idx="2">
-            <a:schemeClr val="accent1">
-              <a:lumMod val="75000"/>
-            </a:schemeClr>
-          </a:lnRef>
-          <a:fillRef idx="1">
-            <a:schemeClr val="accent1"/>
-          </a:fillRef>
-          <a:effectRef idx="0">
-            <a:srgbClr val="FFFFFF"/>
-          </a:effectRef>
-          <a:fontRef idx="minor">
-            <a:schemeClr val="lt1"/>
-          </a:fontRef>
-        </p:style>
-        <p:txBody>
-          <a:bodyPr rtlCol="0" anchor="ctr"/>
-          <a:p>
-            <a:pPr algn="ctr"/>
-            <a:r>
-              <a:rPr lang="zh-CN" altLang="en-US" sz="1400"/>
-              <a:t>文本</a:t>
-            </a:r>
-            <a:r>
-              <a:rPr lang="en-US" altLang="zh-CN" sz="1400"/>
-              <a:t>/</a:t>
-            </a:r>
-            <a:r>
-              <a:rPr lang="zh-CN" altLang="en-US" sz="1400"/>
-              <a:t>文本集</a:t>
-            </a:r>
-            <a:endParaRPr lang="zh-CN" altLang="en-US" sz="1400"/>
-          </a:p>
-        </p:txBody>
-      </p:sp>
       <p:cxnSp>
         <p:nvCxnSpPr>
-          <p:cNvPr id="39" name="直接箭头连接符 38"/>
+          <p:cNvPr id="64" name="肘形连接符 63"/>
           <p:cNvCxnSpPr>
-            <a:stCxn id="13" idx="4"/>
-            <a:endCxn id="29" idx="1"/>
+            <a:stCxn id="8" idx="2"/>
+            <a:endCxn id="32" idx="0"/>
           </p:cNvCxnSpPr>
           <p:nvPr>
             <p:custDataLst>
-              <p:tags r:id="rId3"/>
+              <p:tags r:id="rId28"/>
             </p:custDataLst>
           </p:nvPr>
         </p:nvCxnSpPr>
         <p:spPr>
-          <a:xfrm flipV="1">
-            <a:off x="3835400" y="782320"/>
-            <a:ext cx="1443990" cy="6985"/>
-          </a:xfrm>
-          <a:prstGeom prst="straightConnector1">
-            <a:avLst/>
-          </a:prstGeom>
-          <a:ln>
+          <a:xfrm rot="5400000">
+            <a:off x="3923348" y="4103688"/>
+            <a:ext cx="1515110" cy="1146175"/>
+          </a:xfrm>
+          <a:prstGeom prst="bentConnector3">
+            <a:avLst>
+              <a:gd name="adj1" fmla="val 49979"/>
+            </a:avLst>
+          </a:prstGeom>
+          <a:ln w="12700">
             <a:tailEnd type="arrow"/>
           </a:ln>
         </p:spPr>
         <p:style>
-          <a:lnRef idx="2">
+          <a:lnRef idx="1">
             <a:schemeClr val="accent1"/>
           </a:lnRef>
           <a:fillRef idx="0">
-            <a:srgbClr val="FFFFFF"/>
-          </a:fillRef>
-          <a:effectRef idx="0">
-            <a:srgbClr val="FFFFFF"/>
-          </a:effectRef>
-          <a:fontRef idx="minor">
-            <a:schemeClr val="tx1"/>
-          </a:fontRef>
-        </p:style>
-      </p:cxnSp>
-      <p:sp>
-        <p:nvSpPr>
-          <p:cNvPr id="52" name="文本框 51"/>
-          <p:cNvSpPr txBox="1"/>
-          <p:nvPr>
-            <p:custDataLst>
-              <p:tags r:id="rId4"/>
-            </p:custDataLst>
-          </p:nvPr>
-        </p:nvSpPr>
-        <p:spPr>
-          <a:xfrm>
-            <a:off x="4093210" y="482600"/>
-            <a:ext cx="928370" cy="306705"/>
-          </a:xfrm>
-          <a:prstGeom prst="rect">
-            <a:avLst/>
-          </a:prstGeom>
-          <a:noFill/>
-        </p:spPr>
-        <p:txBody>
-          <a:bodyPr wrap="square" rtlCol="0">
-            <a:spAutoFit/>
-          </a:bodyPr>
-          <a:p>
-            <a:r>
-              <a:rPr lang="zh-CN" altLang="en-US" sz="1400"/>
-              <a:t>文本处理</a:t>
-            </a:r>
-            <a:endParaRPr lang="zh-CN" altLang="en-US" sz="1400"/>
-          </a:p>
-        </p:txBody>
-      </p:sp>
-      <p:sp>
-        <p:nvSpPr>
-          <p:cNvPr id="53" name="下箭头 52"/>
-          <p:cNvSpPr/>
-          <p:nvPr>
-            <p:custDataLst>
-              <p:tags r:id="rId5"/>
-            </p:custDataLst>
-          </p:nvPr>
-        </p:nvSpPr>
-        <p:spPr>
-          <a:xfrm>
-            <a:off x="5896610" y="980440"/>
-            <a:ext cx="76200" cy="267970"/>
-          </a:xfrm>
-          <a:prstGeom prst="downArrow">
-            <a:avLst/>
-          </a:prstGeom>
-        </p:spPr>
-        <p:style>
-          <a:lnRef idx="2">
-            <a:schemeClr val="accent1">
-              <a:lumMod val="75000"/>
-            </a:schemeClr>
-          </a:lnRef>
-          <a:fillRef idx="1">
-            <a:schemeClr val="accent1"/>
-          </a:fillRef>
-          <a:effectRef idx="0">
-            <a:srgbClr val="FFFFFF"/>
-          </a:effectRef>
-          <a:fontRef idx="minor">
-            <a:schemeClr val="lt1"/>
-          </a:fontRef>
-        </p:style>
-        <p:txBody>
-          <a:bodyPr rtlCol="0" anchor="ctr"/>
-          <a:p>
-            <a:pPr algn="ctr"/>
-            <a:endParaRPr lang="zh-CN" altLang="en-US"/>
-          </a:p>
-        </p:txBody>
-      </p:sp>
-      <p:sp>
-        <p:nvSpPr>
-          <p:cNvPr id="54" name="菱形 53"/>
-          <p:cNvSpPr/>
-          <p:nvPr>
-            <p:custDataLst>
-              <p:tags r:id="rId6"/>
-            </p:custDataLst>
-          </p:nvPr>
-        </p:nvSpPr>
-        <p:spPr>
-          <a:xfrm>
-            <a:off x="5299710" y="1301750"/>
-            <a:ext cx="1270635" cy="914400"/>
-          </a:xfrm>
-          <a:prstGeom prst="diamond">
-            <a:avLst/>
-          </a:prstGeom>
-        </p:spPr>
-        <p:style>
-          <a:lnRef idx="2">
-            <a:schemeClr val="accent1">
-              <a:lumMod val="75000"/>
-            </a:schemeClr>
-          </a:lnRef>
-          <a:fillRef idx="1">
-            <a:schemeClr val="accent1"/>
-          </a:fillRef>
-          <a:effectRef idx="0">
-            <a:srgbClr val="FFFFFF"/>
-          </a:effectRef>
-          <a:fontRef idx="minor">
-            <a:schemeClr val="lt1"/>
-          </a:fontRef>
-        </p:style>
-        <p:txBody>
-          <a:bodyPr rtlCol="0" anchor="ctr"/>
-          <a:p>
-            <a:pPr algn="ctr"/>
-            <a:r>
-              <a:rPr lang="zh-CN" altLang="en-US" sz="900">
-                <a:solidFill>
-                  <a:schemeClr val="tx1"/>
-                </a:solidFill>
-              </a:rPr>
-              <a:t>硬匹配</a:t>
-            </a:r>
-            <a:endParaRPr lang="zh-CN" altLang="en-US" sz="900">
-              <a:solidFill>
-                <a:schemeClr val="tx1"/>
-              </a:solidFill>
-            </a:endParaRPr>
-          </a:p>
-          <a:p>
-            <a:pPr algn="ctr"/>
-            <a:r>
-              <a:rPr lang="zh-CN" altLang="en-US" sz="900" i="1"/>
-              <a:t>是否包含关键词</a:t>
-            </a:r>
-            <a:endParaRPr lang="zh-CN" altLang="en-US" sz="900" i="1"/>
-          </a:p>
-        </p:txBody>
-      </p:sp>
-      <p:sp>
-        <p:nvSpPr>
-          <p:cNvPr id="55" name="文本框 54"/>
-          <p:cNvSpPr txBox="1"/>
-          <p:nvPr>
-            <p:custDataLst>
-              <p:tags r:id="rId7"/>
-            </p:custDataLst>
-          </p:nvPr>
-        </p:nvSpPr>
-        <p:spPr>
-          <a:xfrm>
-            <a:off x="6274435" y="1041400"/>
-            <a:ext cx="766445" cy="337185"/>
-          </a:xfrm>
-          <a:prstGeom prst="rect">
-            <a:avLst/>
-          </a:prstGeom>
-          <a:noFill/>
-          <a:ln>
-            <a:solidFill>
-              <a:schemeClr val="accent1"/>
-            </a:solidFill>
-          </a:ln>
-        </p:spPr>
-        <p:txBody>
-          <a:bodyPr wrap="square" rtlCol="0">
-            <a:spAutoFit/>
-          </a:bodyPr>
-          <a:p>
-            <a:pPr algn="ctr"/>
-            <a:r>
-              <a:rPr lang="en-US" altLang="zh-CN" sz="1600"/>
-              <a:t>AC</a:t>
-            </a:r>
-            <a:r>
-              <a:rPr lang="zh-CN" altLang="en-US" sz="1600"/>
-              <a:t>机</a:t>
-            </a:r>
-            <a:endParaRPr lang="zh-CN" altLang="en-US" sz="1600"/>
-          </a:p>
-        </p:txBody>
-      </p:sp>
-      <p:sp>
-        <p:nvSpPr>
-          <p:cNvPr id="56" name="圆柱形 55"/>
-          <p:cNvSpPr/>
-          <p:nvPr>
-            <p:custDataLst>
-              <p:tags r:id="rId8"/>
-            </p:custDataLst>
-          </p:nvPr>
-        </p:nvSpPr>
-        <p:spPr>
-          <a:xfrm>
-            <a:off x="7847965" y="789305"/>
-            <a:ext cx="887095" cy="763270"/>
-          </a:xfrm>
-          <a:prstGeom prst="can">
-            <a:avLst/>
-          </a:prstGeom>
-        </p:spPr>
-        <p:style>
-          <a:lnRef idx="2">
-            <a:schemeClr val="accent1">
-              <a:lumMod val="75000"/>
-            </a:schemeClr>
-          </a:lnRef>
-          <a:fillRef idx="1">
-            <a:schemeClr val="accent1"/>
-          </a:fillRef>
-          <a:effectRef idx="0">
-            <a:srgbClr val="FFFFFF"/>
-          </a:effectRef>
-          <a:fontRef idx="minor">
-            <a:schemeClr val="lt1"/>
-          </a:fontRef>
-        </p:style>
-        <p:txBody>
-          <a:bodyPr rtlCol="0" anchor="ctr"/>
-          <a:p>
-            <a:pPr algn="ctr"/>
-            <a:r>
-              <a:rPr lang="zh-CN" altLang="en-US" sz="1200"/>
-              <a:t>关键词库</a:t>
-            </a:r>
-            <a:endParaRPr lang="zh-CN" altLang="en-US" sz="1200"/>
-          </a:p>
-        </p:txBody>
-      </p:sp>
-      <p:sp>
-        <p:nvSpPr>
-          <p:cNvPr id="57" name="左箭头 56"/>
-          <p:cNvSpPr/>
-          <p:nvPr>
-            <p:custDataLst>
-              <p:tags r:id="rId9"/>
-            </p:custDataLst>
-          </p:nvPr>
-        </p:nvSpPr>
-        <p:spPr>
-          <a:xfrm>
-            <a:off x="7146925" y="959485"/>
-            <a:ext cx="485140" cy="435610"/>
-          </a:xfrm>
-          <a:prstGeom prst="leftArrow">
-            <a:avLst/>
-          </a:prstGeom>
-        </p:spPr>
-        <p:style>
-          <a:lnRef idx="2">
-            <a:schemeClr val="accent1">
-              <a:lumMod val="75000"/>
-            </a:schemeClr>
-          </a:lnRef>
-          <a:fillRef idx="1">
-            <a:schemeClr val="accent1"/>
-          </a:fillRef>
-          <a:effectRef idx="0">
-            <a:srgbClr val="FFFFFF"/>
-          </a:effectRef>
-          <a:fontRef idx="minor">
-            <a:schemeClr val="lt1"/>
-          </a:fontRef>
-        </p:style>
-        <p:txBody>
-          <a:bodyPr rtlCol="0" anchor="ctr"/>
-          <a:p>
-            <a:pPr algn="ctr"/>
-            <a:endParaRPr lang="zh-CN" altLang="en-US"/>
-          </a:p>
-        </p:txBody>
-      </p:sp>
-      <p:cxnSp>
-        <p:nvCxnSpPr>
-          <p:cNvPr id="58" name="肘形连接符 57"/>
-          <p:cNvCxnSpPr/>
-          <p:nvPr>
-            <p:custDataLst>
-              <p:tags r:id="rId10"/>
-            </p:custDataLst>
-          </p:nvPr>
-        </p:nvCxnSpPr>
-        <p:spPr>
-          <a:xfrm rot="10800000" flipV="1">
-            <a:off x="4690745" y="1758315"/>
-            <a:ext cx="785495" cy="6350"/>
-          </a:xfrm>
-          <a:prstGeom prst="bentConnector3">
-            <a:avLst>
-              <a:gd name="adj1" fmla="val 49960"/>
-            </a:avLst>
-          </a:prstGeom>
-          <a:ln>
-            <a:tailEnd type="arrow"/>
-          </a:ln>
-        </p:spPr>
-        <p:style>
-          <a:lnRef idx="2">
-            <a:schemeClr val="accent1"/>
-          </a:lnRef>
-          <a:fillRef idx="0">
-            <a:srgbClr val="FFFFFF"/>
-          </a:fillRef>
-          <a:effectRef idx="0">
-            <a:srgbClr val="FFFFFF"/>
-          </a:effectRef>
-          <a:fontRef idx="minor">
-            <a:schemeClr val="tx1"/>
-          </a:fontRef>
-        </p:style>
-      </p:cxnSp>
-      <p:sp>
-        <p:nvSpPr>
-          <p:cNvPr id="59" name="矩形 58"/>
-          <p:cNvSpPr/>
-          <p:nvPr>
-            <p:custDataLst>
-              <p:tags r:id="rId11"/>
-            </p:custDataLst>
-          </p:nvPr>
-        </p:nvSpPr>
-        <p:spPr>
-          <a:xfrm>
-            <a:off x="3525520" y="1527175"/>
-            <a:ext cx="1174115" cy="462915"/>
-          </a:xfrm>
-          <a:prstGeom prst="rect">
-            <a:avLst/>
-          </a:prstGeom>
-        </p:spPr>
-        <p:style>
-          <a:lnRef idx="2">
-            <a:schemeClr val="accent1">
-              <a:lumMod val="75000"/>
-            </a:schemeClr>
-          </a:lnRef>
-          <a:fillRef idx="1">
-            <a:schemeClr val="accent1"/>
-          </a:fillRef>
-          <a:effectRef idx="0">
-            <a:srgbClr val="FFFFFF"/>
-          </a:effectRef>
-          <a:fontRef idx="minor">
-            <a:schemeClr val="lt1"/>
-          </a:fontRef>
-        </p:style>
-        <p:txBody>
-          <a:bodyPr rtlCol="0" anchor="ctr"/>
-          <a:p>
-            <a:pPr algn="ctr"/>
-            <a:r>
-              <a:rPr lang="zh-CN" altLang="en-US" sz="1200"/>
-              <a:t>违规类型</a:t>
-            </a:r>
-            <a:r>
-              <a:rPr lang="en-US" altLang="zh-CN" sz="1200"/>
-              <a:t>/</a:t>
-            </a:r>
-            <a:r>
-              <a:rPr lang="zh-CN" altLang="en-US" sz="1200"/>
-              <a:t>片段</a:t>
-            </a:r>
-            <a:endParaRPr lang="zh-CN" altLang="en-US" sz="1200"/>
-          </a:p>
-        </p:txBody>
-      </p:sp>
-      <p:sp>
-        <p:nvSpPr>
-          <p:cNvPr id="60" name="文本框 59"/>
-          <p:cNvSpPr txBox="1"/>
-          <p:nvPr>
-            <p:custDataLst>
-              <p:tags r:id="rId12"/>
-            </p:custDataLst>
-          </p:nvPr>
-        </p:nvSpPr>
-        <p:spPr>
-          <a:xfrm>
-            <a:off x="4970780" y="1345565"/>
-            <a:ext cx="368300" cy="275590"/>
-          </a:xfrm>
-          <a:prstGeom prst="rect">
-            <a:avLst/>
-          </a:prstGeom>
-          <a:noFill/>
-        </p:spPr>
-        <p:txBody>
-          <a:bodyPr wrap="square" rtlCol="0">
-            <a:spAutoFit/>
-          </a:bodyPr>
-          <a:p>
-            <a:r>
-              <a:rPr lang="en-US" altLang="zh-CN" sz="1200"/>
-              <a:t>y</a:t>
-            </a:r>
-            <a:endParaRPr lang="en-US" altLang="zh-CN" sz="1200"/>
-          </a:p>
-        </p:txBody>
-      </p:sp>
-      <p:sp>
-        <p:nvSpPr>
-          <p:cNvPr id="61" name="文本框 60"/>
-          <p:cNvSpPr txBox="1"/>
-          <p:nvPr>
-            <p:custDataLst>
-              <p:tags r:id="rId13"/>
-            </p:custDataLst>
-          </p:nvPr>
-        </p:nvSpPr>
-        <p:spPr>
-          <a:xfrm>
-            <a:off x="5531485" y="2215515"/>
-            <a:ext cx="365125" cy="275590"/>
-          </a:xfrm>
-          <a:prstGeom prst="rect">
-            <a:avLst/>
-          </a:prstGeom>
-          <a:noFill/>
-        </p:spPr>
-        <p:txBody>
-          <a:bodyPr wrap="square" rtlCol="0" anchor="t">
-            <a:spAutoFit/>
-          </a:bodyPr>
-          <a:p>
-            <a:r>
-              <a:rPr lang="en-US" altLang="zh-CN" sz="1200">
-                <a:sym typeface="+mn-ea"/>
-              </a:rPr>
-              <a:t>n</a:t>
-            </a:r>
-            <a:endParaRPr lang="en-US" altLang="zh-CN" sz="1200">
-              <a:sym typeface="+mn-ea"/>
-            </a:endParaRPr>
-          </a:p>
-        </p:txBody>
-      </p:sp>
-      <p:sp>
-        <p:nvSpPr>
-          <p:cNvPr id="4" name="矩形 3"/>
-          <p:cNvSpPr/>
-          <p:nvPr/>
-        </p:nvSpPr>
-        <p:spPr>
-          <a:xfrm>
-            <a:off x="5149850" y="2452370"/>
-            <a:ext cx="1568450" cy="606425"/>
-          </a:xfrm>
-          <a:prstGeom prst="rect">
-            <a:avLst/>
-          </a:prstGeom>
-        </p:spPr>
-        <p:style>
-          <a:lnRef idx="2">
-            <a:schemeClr val="accent1">
-              <a:shade val="50000"/>
-            </a:schemeClr>
-          </a:lnRef>
-          <a:fillRef idx="1">
-            <a:schemeClr val="accent1"/>
-          </a:fillRef>
-          <a:effectRef idx="0">
-            <a:schemeClr val="accent1"/>
-          </a:effectRef>
-          <a:fontRef idx="minor">
-            <a:schemeClr val="lt1"/>
-          </a:fontRef>
-        </p:style>
-        <p:txBody>
-          <a:bodyPr rtlCol="0" anchor="ctr"/>
-          <a:p>
-            <a:pPr algn="ctr"/>
-            <a:r>
-              <a:rPr lang="zh-CN" altLang="en-US" sz="1200">
-                <a:solidFill>
-                  <a:schemeClr val="tx1"/>
-                </a:solidFill>
-              </a:rPr>
-              <a:t>软匹配</a:t>
-            </a:r>
-            <a:endParaRPr lang="zh-CN" altLang="en-US" sz="1200">
-              <a:solidFill>
-                <a:schemeClr val="tx1"/>
-              </a:solidFill>
-            </a:endParaRPr>
-          </a:p>
-          <a:p>
-            <a:pPr algn="ctr"/>
-            <a:r>
-              <a:rPr lang="zh-CN" altLang="en-US" sz="1200" i="1"/>
-              <a:t>向量检索</a:t>
-            </a:r>
-            <a:endParaRPr lang="zh-CN" altLang="en-US" sz="1200" i="1"/>
-          </a:p>
-        </p:txBody>
-      </p:sp>
-      <p:cxnSp>
-        <p:nvCxnSpPr>
-          <p:cNvPr id="5" name="直接箭头连接符 4"/>
-          <p:cNvCxnSpPr>
-            <a:endCxn id="4" idx="0"/>
-          </p:cNvCxnSpPr>
-          <p:nvPr/>
-        </p:nvCxnSpPr>
-        <p:spPr>
-          <a:xfrm>
-            <a:off x="5931535" y="1971675"/>
-            <a:ext cx="2540" cy="480695"/>
-          </a:xfrm>
-          <a:prstGeom prst="straightConnector1">
-            <a:avLst/>
-          </a:prstGeom>
-          <a:ln>
-            <a:tailEnd type="arrow"/>
-          </a:ln>
-        </p:spPr>
-        <p:style>
-          <a:lnRef idx="1">
-            <a:schemeClr val="accent1"/>
-          </a:lnRef>
-          <a:fillRef idx="0">
-            <a:schemeClr val="accent1"/>
-          </a:fillRef>
-          <a:effectRef idx="0">
-            <a:schemeClr val="accent1"/>
-          </a:effectRef>
-          <a:fontRef idx="minor">
-            <a:schemeClr val="tx1"/>
-          </a:fontRef>
-        </p:style>
-      </p:cxnSp>
-      <p:sp>
-        <p:nvSpPr>
-          <p:cNvPr id="6" name="圆柱形 5"/>
-          <p:cNvSpPr/>
-          <p:nvPr>
-            <p:custDataLst>
-              <p:tags r:id="rId14"/>
-            </p:custDataLst>
-          </p:nvPr>
-        </p:nvSpPr>
-        <p:spPr>
-          <a:xfrm>
-            <a:off x="7632065" y="2295525"/>
-            <a:ext cx="887095" cy="763270"/>
-          </a:xfrm>
-          <a:prstGeom prst="can">
-            <a:avLst/>
-          </a:prstGeom>
-        </p:spPr>
-        <p:style>
-          <a:lnRef idx="2">
-            <a:schemeClr val="accent1">
-              <a:lumMod val="75000"/>
-            </a:schemeClr>
-          </a:lnRef>
-          <a:fillRef idx="1">
-            <a:schemeClr val="accent1"/>
-          </a:fillRef>
-          <a:effectRef idx="0">
-            <a:srgbClr val="FFFFFF"/>
-          </a:effectRef>
-          <a:fontRef idx="minor">
-            <a:schemeClr val="lt1"/>
-          </a:fontRef>
-        </p:style>
-        <p:txBody>
-          <a:bodyPr rtlCol="0" anchor="ctr"/>
-          <a:p>
-            <a:pPr algn="ctr"/>
-            <a:r>
-              <a:rPr lang="zh-CN" altLang="en-US" sz="1400"/>
-              <a:t>语料库</a:t>
-            </a:r>
-            <a:endParaRPr lang="zh-CN" altLang="en-US" sz="1400"/>
-          </a:p>
-        </p:txBody>
-      </p:sp>
-      <p:sp>
-        <p:nvSpPr>
-          <p:cNvPr id="7" name="左箭头 6"/>
-          <p:cNvSpPr/>
-          <p:nvPr>
-            <p:custDataLst>
-              <p:tags r:id="rId15"/>
-            </p:custDataLst>
-          </p:nvPr>
-        </p:nvSpPr>
-        <p:spPr>
-          <a:xfrm>
-            <a:off x="7000240" y="2522220"/>
-            <a:ext cx="485140" cy="435610"/>
-          </a:xfrm>
-          <a:prstGeom prst="leftArrow">
-            <a:avLst/>
-          </a:prstGeom>
-        </p:spPr>
-        <p:style>
-          <a:lnRef idx="2">
-            <a:schemeClr val="accent1">
-              <a:lumMod val="75000"/>
-            </a:schemeClr>
-          </a:lnRef>
-          <a:fillRef idx="1">
-            <a:schemeClr val="accent1"/>
-          </a:fillRef>
-          <a:effectRef idx="0">
-            <a:srgbClr val="FFFFFF"/>
-          </a:effectRef>
-          <a:fontRef idx="minor">
-            <a:schemeClr val="lt1"/>
-          </a:fontRef>
-        </p:style>
-        <p:txBody>
-          <a:bodyPr rtlCol="0" anchor="ctr"/>
-          <a:p>
-            <a:pPr algn="ctr"/>
-            <a:endParaRPr lang="zh-CN" altLang="en-US"/>
-          </a:p>
-        </p:txBody>
-      </p:sp>
-      <p:sp>
-        <p:nvSpPr>
-          <p:cNvPr id="8" name="矩形 7"/>
-          <p:cNvSpPr/>
-          <p:nvPr/>
-        </p:nvSpPr>
-        <p:spPr>
-          <a:xfrm>
-            <a:off x="4891405" y="3507740"/>
-            <a:ext cx="2082800" cy="465455"/>
-          </a:xfrm>
-          <a:prstGeom prst="rect">
-            <a:avLst/>
-          </a:prstGeom>
-        </p:spPr>
-        <p:style>
-          <a:lnRef idx="2">
-            <a:schemeClr val="accent1">
-              <a:shade val="50000"/>
-            </a:schemeClr>
-          </a:lnRef>
-          <a:fillRef idx="1">
-            <a:schemeClr val="accent1"/>
-          </a:fillRef>
-          <a:effectRef idx="0">
-            <a:schemeClr val="accent1"/>
-          </a:effectRef>
-          <a:fontRef idx="minor">
-            <a:schemeClr val="lt1"/>
-          </a:fontRef>
-        </p:style>
-        <p:txBody>
-          <a:bodyPr rtlCol="0" anchor="ctr"/>
-          <a:p>
-            <a:pPr algn="ctr"/>
-            <a:r>
-              <a:rPr lang="zh-CN" altLang="en-US" sz="1600"/>
-              <a:t>类别确定</a:t>
-            </a:r>
-            <a:endParaRPr lang="zh-CN" altLang="en-US" sz="1600"/>
-          </a:p>
-        </p:txBody>
-      </p:sp>
-      <p:cxnSp>
-        <p:nvCxnSpPr>
-          <p:cNvPr id="9" name="直接箭头连接符 8"/>
-          <p:cNvCxnSpPr>
-            <a:stCxn id="4" idx="2"/>
-            <a:endCxn id="8" idx="0"/>
-          </p:cNvCxnSpPr>
-          <p:nvPr/>
-        </p:nvCxnSpPr>
-        <p:spPr>
-          <a:xfrm flipH="1">
-            <a:off x="5932805" y="3058795"/>
-            <a:ext cx="1270" cy="448945"/>
-          </a:xfrm>
-          <a:prstGeom prst="straightConnector1">
-            <a:avLst/>
-          </a:prstGeom>
-          <a:ln>
-            <a:tailEnd type="arrow"/>
-          </a:ln>
-        </p:spPr>
-        <p:style>
-          <a:lnRef idx="1">
-            <a:schemeClr val="accent1"/>
-          </a:lnRef>
-          <a:fillRef idx="0">
-            <a:schemeClr val="accent1"/>
-          </a:fillRef>
-          <a:effectRef idx="0">
-            <a:schemeClr val="accent1"/>
-          </a:effectRef>
-          <a:fontRef idx="minor">
-            <a:schemeClr val="tx1"/>
-          </a:fontRef>
-        </p:style>
-      </p:cxnSp>
-      <p:sp>
-        <p:nvSpPr>
-          <p:cNvPr id="10" name="文本框 9"/>
-          <p:cNvSpPr txBox="1"/>
-          <p:nvPr>
-            <p:custDataLst>
-              <p:tags r:id="rId16"/>
-            </p:custDataLst>
-          </p:nvPr>
-        </p:nvSpPr>
-        <p:spPr>
-          <a:xfrm>
-            <a:off x="5958840" y="3193415"/>
-            <a:ext cx="1381125" cy="275590"/>
-          </a:xfrm>
-          <a:prstGeom prst="rect">
-            <a:avLst/>
-          </a:prstGeom>
-          <a:noFill/>
-        </p:spPr>
-        <p:txBody>
-          <a:bodyPr wrap="square" rtlCol="0" anchor="t">
-            <a:spAutoFit/>
-          </a:bodyPr>
-          <a:p>
-            <a:r>
-              <a:rPr lang="zh-CN" altLang="en-US" sz="1200">
-                <a:sym typeface="+mn-ea"/>
-              </a:rPr>
-              <a:t>后处理策略</a:t>
-            </a:r>
-            <a:endParaRPr lang="zh-CN" altLang="en-US" sz="1200">
-              <a:sym typeface="+mn-ea"/>
-            </a:endParaRPr>
-          </a:p>
-        </p:txBody>
-      </p:sp>
-      <p:cxnSp>
-        <p:nvCxnSpPr>
-          <p:cNvPr id="11" name="直接箭头连接符 10"/>
-          <p:cNvCxnSpPr>
-            <a:stCxn id="8" idx="2"/>
-            <a:endCxn id="12" idx="0"/>
-          </p:cNvCxnSpPr>
-          <p:nvPr/>
-        </p:nvCxnSpPr>
-        <p:spPr>
-          <a:xfrm>
-            <a:off x="5932805" y="3973195"/>
-            <a:ext cx="2540" cy="448945"/>
-          </a:xfrm>
-          <a:prstGeom prst="straightConnector1">
-            <a:avLst/>
-          </a:prstGeom>
-          <a:ln>
-            <a:tailEnd type="arrow"/>
-          </a:ln>
-        </p:spPr>
-        <p:style>
-          <a:lnRef idx="1">
-            <a:schemeClr val="accent1"/>
-          </a:lnRef>
-          <a:fillRef idx="0">
-            <a:schemeClr val="accent1"/>
-          </a:fillRef>
-          <a:effectRef idx="0">
-            <a:schemeClr val="accent1"/>
-          </a:effectRef>
-          <a:fontRef idx="minor">
-            <a:schemeClr val="tx1"/>
-          </a:fontRef>
-        </p:style>
-      </p:cxnSp>
-      <p:sp>
-        <p:nvSpPr>
-          <p:cNvPr id="12" name="矩形 11"/>
-          <p:cNvSpPr/>
-          <p:nvPr/>
-        </p:nvSpPr>
-        <p:spPr>
-          <a:xfrm>
-            <a:off x="5300345" y="4422140"/>
-            <a:ext cx="1270000" cy="465455"/>
-          </a:xfrm>
-          <a:prstGeom prst="rect">
-            <a:avLst/>
-          </a:prstGeom>
-        </p:spPr>
-        <p:style>
-          <a:lnRef idx="2">
-            <a:schemeClr val="accent1">
-              <a:shade val="50000"/>
-            </a:schemeClr>
-          </a:lnRef>
-          <a:fillRef idx="1">
-            <a:schemeClr val="accent1"/>
-          </a:fillRef>
-          <a:effectRef idx="0">
-            <a:schemeClr val="accent1"/>
-          </a:effectRef>
-          <a:fontRef idx="minor">
-            <a:schemeClr val="lt1"/>
-          </a:fontRef>
-        </p:style>
-        <p:txBody>
-          <a:bodyPr rtlCol="0" anchor="ctr"/>
-          <a:p>
-            <a:pPr algn="ctr"/>
-            <a:r>
-              <a:rPr lang="zh-CN" altLang="en-US" sz="1600"/>
-              <a:t>片段抽取</a:t>
-            </a:r>
-            <a:endParaRPr lang="zh-CN" altLang="en-US" sz="1600"/>
-          </a:p>
-        </p:txBody>
-      </p:sp>
-      <p:sp>
-        <p:nvSpPr>
-          <p:cNvPr id="14" name="文本框 13"/>
-          <p:cNvSpPr txBox="1"/>
-          <p:nvPr/>
-        </p:nvSpPr>
-        <p:spPr>
-          <a:xfrm>
-            <a:off x="5972810" y="4013200"/>
-            <a:ext cx="847725" cy="306705"/>
-          </a:xfrm>
-          <a:prstGeom prst="rect">
-            <a:avLst/>
-          </a:prstGeom>
-          <a:noFill/>
-        </p:spPr>
-        <p:txBody>
-          <a:bodyPr wrap="square" rtlCol="0" anchor="t">
-            <a:spAutoFit/>
-          </a:bodyPr>
-          <a:p>
-            <a:pPr algn="ctr"/>
-            <a:r>
-              <a:rPr lang="en-US" altLang="zh-CN" sz="1400">
-                <a:sym typeface="+mn-ea"/>
-              </a:rPr>
-              <a:t>UIE</a:t>
-            </a:r>
-            <a:endParaRPr lang="en-US" altLang="zh-CN" sz="1400">
-              <a:sym typeface="+mn-ea"/>
-            </a:endParaRPr>
-          </a:p>
-        </p:txBody>
-      </p:sp>
-      <p:sp>
-        <p:nvSpPr>
-          <p:cNvPr id="15" name="矩形 14"/>
-          <p:cNvSpPr/>
-          <p:nvPr/>
-        </p:nvSpPr>
-        <p:spPr>
-          <a:xfrm>
-            <a:off x="5126990" y="5357495"/>
-            <a:ext cx="1693545" cy="448945"/>
-          </a:xfrm>
-          <a:prstGeom prst="rect">
-            <a:avLst/>
-          </a:prstGeom>
-        </p:spPr>
-        <p:style>
-          <a:lnRef idx="2">
-            <a:schemeClr val="accent1">
-              <a:shade val="50000"/>
-            </a:schemeClr>
-          </a:lnRef>
-          <a:fillRef idx="1">
-            <a:schemeClr val="accent1"/>
-          </a:fillRef>
-          <a:effectRef idx="0">
-            <a:schemeClr val="accent1"/>
-          </a:effectRef>
-          <a:fontRef idx="minor">
-            <a:schemeClr val="lt1"/>
-          </a:fontRef>
-        </p:style>
-        <p:txBody>
-          <a:bodyPr rtlCol="0" anchor="ctr"/>
-          <a:p>
-            <a:pPr algn="ctr"/>
-            <a:r>
-              <a:rPr lang="zh-CN" altLang="en-US"/>
-              <a:t>返回结果</a:t>
-            </a:r>
-            <a:endParaRPr lang="zh-CN" altLang="en-US"/>
-          </a:p>
-        </p:txBody>
-      </p:sp>
-      <p:cxnSp>
-        <p:nvCxnSpPr>
-          <p:cNvPr id="16" name="直接箭头连接符 15"/>
-          <p:cNvCxnSpPr/>
-          <p:nvPr/>
-        </p:nvCxnSpPr>
-        <p:spPr>
-          <a:xfrm>
-            <a:off x="5935345" y="4887595"/>
-            <a:ext cx="2540" cy="480695"/>
-          </a:xfrm>
-          <a:prstGeom prst="straightConnector1">
-            <a:avLst/>
-          </a:prstGeom>
-          <a:ln>
-            <a:tailEnd type="arrow"/>
-          </a:ln>
-        </p:spPr>
-        <p:style>
-          <a:lnRef idx="1">
-            <a:schemeClr val="accent1"/>
-          </a:lnRef>
-          <a:fillRef idx="0">
-            <a:schemeClr val="accent1"/>
-          </a:fillRef>
-          <a:effectRef idx="0">
-            <a:schemeClr val="accent1"/>
-          </a:effectRef>
-          <a:fontRef idx="minor">
-            <a:schemeClr val="tx1"/>
-          </a:fontRef>
-        </p:style>
-      </p:cxnSp>
-      <p:sp>
-        <p:nvSpPr>
-          <p:cNvPr id="32" name="矩形 31"/>
-          <p:cNvSpPr/>
-          <p:nvPr>
-            <p:custDataLst>
-              <p:tags r:id="rId17"/>
-            </p:custDataLst>
-          </p:nvPr>
-        </p:nvSpPr>
-        <p:spPr>
-          <a:xfrm>
-            <a:off x="626110" y="4881880"/>
-            <a:ext cx="1013460" cy="401955"/>
-          </a:xfrm>
-          <a:prstGeom prst="rect">
-            <a:avLst/>
-          </a:prstGeom>
-        </p:spPr>
-        <p:style>
-          <a:lnRef idx="2">
-            <a:schemeClr val="accent1">
-              <a:lumMod val="75000"/>
-            </a:schemeClr>
-          </a:lnRef>
-          <a:fillRef idx="1">
-            <a:schemeClr val="accent1"/>
-          </a:fillRef>
-          <a:effectRef idx="0">
-            <a:srgbClr val="FFFFFF"/>
-          </a:effectRef>
-          <a:fontRef idx="minor">
-            <a:schemeClr val="lt1"/>
-          </a:fontRef>
-        </p:style>
-        <p:txBody>
-          <a:bodyPr rtlCol="0" anchor="ctr"/>
-          <a:p>
-            <a:pPr algn="ctr"/>
-            <a:r>
-              <a:rPr lang="zh-CN" altLang="en-US" sz="1400"/>
-              <a:t>敏感片段</a:t>
-            </a:r>
-            <a:endParaRPr lang="zh-CN" altLang="en-US" sz="1400"/>
-          </a:p>
-        </p:txBody>
-      </p:sp>
-      <p:sp>
-        <p:nvSpPr>
-          <p:cNvPr id="33" name="矩形 32"/>
-          <p:cNvSpPr/>
-          <p:nvPr>
-            <p:custDataLst>
-              <p:tags r:id="rId18"/>
-            </p:custDataLst>
-          </p:nvPr>
-        </p:nvSpPr>
-        <p:spPr>
-          <a:xfrm>
-            <a:off x="3183255" y="4881880"/>
-            <a:ext cx="847725" cy="401955"/>
-          </a:xfrm>
-          <a:prstGeom prst="rect">
-            <a:avLst/>
-          </a:prstGeom>
-        </p:spPr>
-        <p:style>
-          <a:lnRef idx="2">
-            <a:schemeClr val="accent1">
-              <a:lumMod val="75000"/>
-            </a:schemeClr>
-          </a:lnRef>
-          <a:fillRef idx="1">
-            <a:schemeClr val="accent1"/>
-          </a:fillRef>
-          <a:effectRef idx="0">
-            <a:srgbClr val="FFFFFF"/>
-          </a:effectRef>
-          <a:fontRef idx="minor">
-            <a:schemeClr val="lt1"/>
-          </a:fontRef>
-        </p:style>
-        <p:txBody>
-          <a:bodyPr rtlCol="0" anchor="ctr"/>
-          <a:p>
-            <a:pPr algn="ctr"/>
-            <a:r>
-              <a:rPr lang="zh-CN" altLang="en-US" sz="1400"/>
-              <a:t>隐私</a:t>
-            </a:r>
-            <a:r>
-              <a:rPr lang="zh-CN" altLang="en-US" sz="1400"/>
-              <a:t>片段</a:t>
-            </a:r>
-            <a:endParaRPr lang="zh-CN" altLang="en-US" sz="1400"/>
-          </a:p>
-        </p:txBody>
-      </p:sp>
-      <p:sp>
-        <p:nvSpPr>
-          <p:cNvPr id="34" name="文本框 33"/>
-          <p:cNvSpPr txBox="1"/>
-          <p:nvPr>
-            <p:custDataLst>
-              <p:tags r:id="rId19"/>
-            </p:custDataLst>
-          </p:nvPr>
-        </p:nvSpPr>
-        <p:spPr>
-          <a:xfrm>
-            <a:off x="89535" y="4550410"/>
-            <a:ext cx="1076960" cy="275590"/>
-          </a:xfrm>
-          <a:prstGeom prst="rect">
-            <a:avLst/>
-          </a:prstGeom>
-          <a:noFill/>
-        </p:spPr>
-        <p:txBody>
-          <a:bodyPr wrap="square" rtlCol="0">
-            <a:spAutoFit/>
-          </a:bodyPr>
-          <a:p>
-            <a:r>
-              <a:rPr lang="en-US" altLang="zh-CN" sz="1200"/>
-              <a:t>KeyBert+</a:t>
-            </a:r>
-            <a:r>
-              <a:rPr lang="zh-CN" altLang="en-US" sz="1200"/>
-              <a:t>策略</a:t>
-            </a:r>
-            <a:endParaRPr lang="zh-CN" altLang="en-US" sz="1200"/>
-          </a:p>
-        </p:txBody>
-      </p:sp>
-      <p:sp>
-        <p:nvSpPr>
-          <p:cNvPr id="35" name="文本框 34"/>
-          <p:cNvSpPr txBox="1"/>
-          <p:nvPr>
-            <p:custDataLst>
-              <p:tags r:id="rId20"/>
-            </p:custDataLst>
-          </p:nvPr>
-        </p:nvSpPr>
-        <p:spPr>
-          <a:xfrm>
-            <a:off x="2495550" y="4550410"/>
-            <a:ext cx="1031240" cy="275590"/>
-          </a:xfrm>
-          <a:prstGeom prst="rect">
-            <a:avLst/>
-          </a:prstGeom>
-          <a:noFill/>
-        </p:spPr>
-        <p:txBody>
-          <a:bodyPr wrap="square" rtlCol="0">
-            <a:spAutoFit/>
-          </a:bodyPr>
-          <a:p>
-            <a:r>
-              <a:rPr lang="en-US" altLang="zh-CN" sz="1200"/>
-              <a:t>NER2+</a:t>
-            </a:r>
-            <a:r>
-              <a:rPr lang="zh-CN" altLang="en-US" sz="1200"/>
-              <a:t>策略</a:t>
-            </a:r>
-            <a:endParaRPr lang="zh-CN" altLang="en-US" sz="1200"/>
-          </a:p>
-        </p:txBody>
-      </p:sp>
-      <p:sp>
-        <p:nvSpPr>
-          <p:cNvPr id="36" name="矩形 35"/>
-          <p:cNvSpPr/>
-          <p:nvPr>
-            <p:custDataLst>
-              <p:tags r:id="rId21"/>
-            </p:custDataLst>
-          </p:nvPr>
-        </p:nvSpPr>
-        <p:spPr>
-          <a:xfrm>
-            <a:off x="1785620" y="5413375"/>
-            <a:ext cx="1174115" cy="462915"/>
-          </a:xfrm>
-          <a:prstGeom prst="rect">
-            <a:avLst/>
-          </a:prstGeom>
-        </p:spPr>
-        <p:style>
-          <a:lnRef idx="2">
-            <a:schemeClr val="accent1">
-              <a:lumMod val="75000"/>
-            </a:schemeClr>
-          </a:lnRef>
-          <a:fillRef idx="1">
-            <a:schemeClr val="accent1"/>
-          </a:fillRef>
-          <a:effectRef idx="0">
-            <a:srgbClr val="FFFFFF"/>
-          </a:effectRef>
-          <a:fontRef idx="minor">
-            <a:schemeClr val="lt1"/>
-          </a:fontRef>
-        </p:style>
-        <p:txBody>
-          <a:bodyPr rtlCol="0" anchor="ctr"/>
-          <a:p>
-            <a:pPr algn="ctr"/>
-            <a:r>
-              <a:rPr lang="zh-CN" altLang="en-US" sz="1200"/>
-              <a:t>违规类型</a:t>
-            </a:r>
-            <a:r>
-              <a:rPr lang="en-US" altLang="zh-CN" sz="1200"/>
-              <a:t>/</a:t>
-            </a:r>
-            <a:r>
-              <a:rPr lang="zh-CN" altLang="en-US" sz="1200"/>
-              <a:t>片段</a:t>
-            </a:r>
-            <a:endParaRPr lang="zh-CN" altLang="en-US" sz="1200"/>
-          </a:p>
-        </p:txBody>
-      </p:sp>
-      <p:sp>
-        <p:nvSpPr>
-          <p:cNvPr id="37" name="文本框 36"/>
-          <p:cNvSpPr txBox="1"/>
-          <p:nvPr>
-            <p:custDataLst>
-              <p:tags r:id="rId22"/>
-            </p:custDataLst>
-          </p:nvPr>
-        </p:nvSpPr>
-        <p:spPr>
-          <a:xfrm>
-            <a:off x="2437130" y="5008245"/>
-            <a:ext cx="631190" cy="275590"/>
-          </a:xfrm>
-          <a:prstGeom prst="rect">
-            <a:avLst/>
-          </a:prstGeom>
-          <a:noFill/>
-        </p:spPr>
-        <p:txBody>
-          <a:bodyPr wrap="square" rtlCol="0">
-            <a:spAutoFit/>
-          </a:bodyPr>
-          <a:p>
-            <a:r>
-              <a:rPr lang="zh-CN" altLang="en-US" sz="1200"/>
-              <a:t>输出</a:t>
-            </a:r>
-            <a:endParaRPr lang="zh-CN" altLang="en-US" sz="1200"/>
-          </a:p>
-        </p:txBody>
-      </p:sp>
-      <p:cxnSp>
-        <p:nvCxnSpPr>
-          <p:cNvPr id="40" name="直接箭头连接符 39"/>
-          <p:cNvCxnSpPr>
-            <a:stCxn id="32" idx="3"/>
-          </p:cNvCxnSpPr>
-          <p:nvPr>
-            <p:custDataLst>
-              <p:tags r:id="rId23"/>
-            </p:custDataLst>
-          </p:nvPr>
-        </p:nvCxnSpPr>
-        <p:spPr>
-          <a:xfrm>
-            <a:off x="1639570" y="5083175"/>
-            <a:ext cx="916940" cy="344170"/>
-          </a:xfrm>
-          <a:prstGeom prst="straightConnector1">
-            <a:avLst/>
-          </a:prstGeom>
-          <a:ln>
-            <a:prstDash val="lgDash"/>
-            <a:tailEnd type="arrow"/>
-          </a:ln>
-        </p:spPr>
-        <p:style>
-          <a:lnRef idx="2">
-            <a:schemeClr val="accent1"/>
-          </a:lnRef>
-          <a:fillRef idx="0">
-            <a:srgbClr val="FFFFFF"/>
-          </a:fillRef>
-          <a:effectRef idx="0">
-            <a:srgbClr val="FFFFFF"/>
+            <a:schemeClr val="accent1"/>
+          </a:fillRef>
+          <a:effectRef idx="0">
+            <a:schemeClr val="accent1"/>
           </a:effectRef>
           <a:fontRef idx="minor">
             <a:schemeClr val="tx1"/>
@@ -12808,39 +12771,40 @@
       </p:cxnSp>
       <p:cxnSp>
         <p:nvCxnSpPr>
-          <p:cNvPr id="42" name="直接箭头连接符 41"/>
+          <p:cNvPr id="65" name="肘形连接符 64"/>
           <p:cNvCxnSpPr>
-            <a:stCxn id="33" idx="1"/>
-            <a:endCxn id="36" idx="0"/>
+            <a:stCxn id="8" idx="2"/>
+            <a:endCxn id="33" idx="0"/>
           </p:cNvCxnSpPr>
           <p:nvPr>
             <p:custDataLst>
-              <p:tags r:id="rId24"/>
+              <p:tags r:id="rId29"/>
             </p:custDataLst>
           </p:nvPr>
         </p:nvCxnSpPr>
         <p:spPr>
-          <a:xfrm flipH="1">
-            <a:off x="2372995" y="5083175"/>
-            <a:ext cx="810260" cy="330200"/>
-          </a:xfrm>
-          <a:prstGeom prst="straightConnector1">
-            <a:avLst/>
-          </a:prstGeom>
-          <a:ln>
-            <a:prstDash val="lgDash"/>
+          <a:xfrm rot="5400000" flipV="1">
+            <a:off x="5225415" y="3947795"/>
+            <a:ext cx="1515110" cy="1457960"/>
+          </a:xfrm>
+          <a:prstGeom prst="bentConnector3">
+            <a:avLst>
+              <a:gd name="adj1" fmla="val 50000"/>
+            </a:avLst>
+          </a:prstGeom>
+          <a:ln w="12700">
             <a:tailEnd type="arrow"/>
           </a:ln>
         </p:spPr>
         <p:style>
-          <a:lnRef idx="2">
+          <a:lnRef idx="1">
             <a:schemeClr val="accent1"/>
           </a:lnRef>
           <a:fillRef idx="0">
-            <a:srgbClr val="FFFFFF"/>
-          </a:fillRef>
-          <a:effectRef idx="0">
-            <a:srgbClr val="FFFFFF"/>
+            <a:schemeClr val="accent1"/>
+          </a:fillRef>
+          <a:effectRef idx="0">
+            <a:schemeClr val="accent1"/>
           </a:effectRef>
           <a:fontRef idx="minor">
             <a:schemeClr val="tx1"/>
@@ -12849,92 +12813,18 @@
       </p:cxnSp>
       <p:sp>
         <p:nvSpPr>
-          <p:cNvPr id="46" name="文本框 45"/>
-          <p:cNvSpPr txBox="1"/>
+          <p:cNvPr id="24" name="矩形 23"/>
+          <p:cNvSpPr/>
           <p:nvPr>
             <p:custDataLst>
-              <p:tags r:id="rId25"/>
+              <p:tags r:id="rId30"/>
             </p:custDataLst>
           </p:nvPr>
         </p:nvSpPr>
         <p:spPr>
           <a:xfrm>
-            <a:off x="1092200" y="4274820"/>
-            <a:ext cx="1111885" cy="275590"/>
-          </a:xfrm>
-          <a:prstGeom prst="rect">
-            <a:avLst/>
-          </a:prstGeom>
-          <a:noFill/>
-        </p:spPr>
-        <p:txBody>
-          <a:bodyPr wrap="square" rtlCol="0">
-            <a:spAutoFit/>
-          </a:bodyPr>
-          <a:p>
-            <a:r>
-              <a:rPr lang="zh-CN" altLang="en-US" sz="1200"/>
-              <a:t>广告</a:t>
-            </a:r>
-            <a:r>
-              <a:rPr lang="en-US" altLang="zh-CN" sz="1200"/>
-              <a:t>/</a:t>
-            </a:r>
-            <a:r>
-              <a:rPr lang="zh-CN" altLang="en-US" sz="1200"/>
-              <a:t>辱骂等</a:t>
-            </a:r>
-            <a:endParaRPr lang="zh-CN" altLang="en-US" sz="1200"/>
-          </a:p>
-        </p:txBody>
-      </p:sp>
-      <p:sp>
-        <p:nvSpPr>
-          <p:cNvPr id="62" name="文本框 61"/>
-          <p:cNvSpPr txBox="1"/>
-          <p:nvPr>
-            <p:custDataLst>
-              <p:tags r:id="rId26"/>
-            </p:custDataLst>
-          </p:nvPr>
-        </p:nvSpPr>
-        <p:spPr>
-          <a:xfrm>
-            <a:off x="2479675" y="4267200"/>
-            <a:ext cx="1111885" cy="275590"/>
-          </a:xfrm>
-          <a:prstGeom prst="rect">
-            <a:avLst/>
-          </a:prstGeom>
-          <a:noFill/>
-        </p:spPr>
-        <p:txBody>
-          <a:bodyPr wrap="square" rtlCol="0">
-            <a:spAutoFit/>
-          </a:bodyPr>
-          <a:p>
-            <a:r>
-              <a:rPr lang="zh-CN" altLang="en-US" sz="1200"/>
-              <a:t>个人隐私</a:t>
-            </a:r>
-            <a:endParaRPr lang="zh-CN" altLang="en-US" sz="1200"/>
-          </a:p>
-        </p:txBody>
-      </p:sp>
-      <p:sp>
-        <p:nvSpPr>
-          <p:cNvPr id="63" name="矩形 62"/>
-          <p:cNvSpPr/>
-          <p:nvPr>
-            <p:custDataLst>
-              <p:tags r:id="rId27"/>
-            </p:custDataLst>
-          </p:nvPr>
-        </p:nvSpPr>
-        <p:spPr>
-          <a:xfrm>
-            <a:off x="89535" y="4274820"/>
-            <a:ext cx="4072890" cy="1659255"/>
+            <a:off x="6953250" y="428625"/>
+            <a:ext cx="4072890" cy="3684905"/>
           </a:xfrm>
           <a:prstGeom prst="rect">
             <a:avLst/>
@@ -12973,180 +12863,225 @@
           </a:p>
         </p:txBody>
       </p:sp>
-      <p:cxnSp>
-        <p:nvCxnSpPr>
-          <p:cNvPr id="64" name="肘形连接符 63"/>
-          <p:cNvCxnSpPr>
-            <a:stCxn id="8" idx="1"/>
-            <a:endCxn id="32" idx="0"/>
-          </p:cNvCxnSpPr>
+      <p:sp>
+        <p:nvSpPr>
+          <p:cNvPr id="27" name="矩形 26"/>
+          <p:cNvSpPr/>
+          <p:nvPr/>
+        </p:nvSpPr>
+        <p:spPr>
+          <a:xfrm>
+            <a:off x="8823960" y="3011170"/>
+            <a:ext cx="1568450" cy="797560"/>
+          </a:xfrm>
+          <a:prstGeom prst="rect">
+            <a:avLst/>
+          </a:prstGeom>
+        </p:spPr>
+        <p:style>
+          <a:lnRef idx="2">
+            <a:schemeClr val="accent1">
+              <a:shade val="50000"/>
+            </a:schemeClr>
+          </a:lnRef>
+          <a:fillRef idx="1">
+            <a:schemeClr val="accent1"/>
+          </a:fillRef>
+          <a:effectRef idx="0">
+            <a:schemeClr val="accent1"/>
+          </a:effectRef>
+          <a:fontRef idx="minor">
+            <a:schemeClr val="lt1"/>
+          </a:fontRef>
+        </p:style>
+        <p:txBody>
+          <a:bodyPr rtlCol="0" anchor="ctr"/>
+          <a:p>
+            <a:pPr algn="ctr"/>
+            <a:r>
+              <a:rPr lang="zh-CN" altLang="en-US" sz="1200" i="1"/>
+              <a:t>存储策略：</a:t>
+            </a:r>
+            <a:r>
+              <a:rPr lang="zh-CN" altLang="en-US" sz="1200" i="1"/>
+              <a:t>长度分级</a:t>
+            </a:r>
+            <a:endParaRPr lang="zh-CN" altLang="en-US" sz="1200" i="1"/>
+          </a:p>
+          <a:p>
+            <a:pPr algn="ctr"/>
+            <a:r>
+              <a:rPr lang="zh-CN" altLang="en-US" sz="1200" i="1"/>
+              <a:t>索引方法：</a:t>
+            </a:r>
+            <a:r>
+              <a:rPr lang="en-US" altLang="zh-CN" sz="1200" i="1"/>
+              <a:t>HNSW</a:t>
+            </a:r>
+            <a:endParaRPr lang="en-US" altLang="zh-CN" sz="1200" i="1"/>
+          </a:p>
+          <a:p>
+            <a:pPr algn="ctr"/>
+            <a:r>
+              <a:rPr lang="zh-CN" altLang="en-US" sz="1200">
+                <a:sym typeface="+mn-ea"/>
+              </a:rPr>
+              <a:t>向量构建：</a:t>
+            </a:r>
+            <a:r>
+              <a:rPr lang="en-US" altLang="zh-CN" sz="1200">
+                <a:sym typeface="+mn-ea"/>
+              </a:rPr>
+              <a:t>SBERT</a:t>
+            </a:r>
+            <a:endParaRPr lang="en-US" altLang="zh-CN" sz="1200" i="1"/>
+          </a:p>
+        </p:txBody>
+      </p:sp>
+      <p:sp>
+        <p:nvSpPr>
+          <p:cNvPr id="28" name="圆柱形 27"/>
+          <p:cNvSpPr/>
           <p:nvPr>
             <p:custDataLst>
-              <p:tags r:id="rId28"/>
+              <p:tags r:id="rId31"/>
             </p:custDataLst>
           </p:nvPr>
-        </p:nvCxnSpPr>
-        <p:spPr>
-          <a:xfrm rot="10800000" flipV="1">
-            <a:off x="1132205" y="3740150"/>
-            <a:ext cx="3758565" cy="1141095"/>
-          </a:xfrm>
-          <a:prstGeom prst="bentConnector2">
-            <a:avLst/>
-          </a:prstGeom>
-          <a:ln w="12700">
-            <a:tailEnd type="arrow"/>
-          </a:ln>
-        </p:spPr>
-        <p:style>
-          <a:lnRef idx="1">
-            <a:schemeClr val="accent1"/>
-          </a:lnRef>
-          <a:fillRef idx="0">
-            <a:schemeClr val="accent1"/>
-          </a:fillRef>
-          <a:effectRef idx="0">
-            <a:schemeClr val="accent1"/>
-          </a:effectRef>
-          <a:fontRef idx="minor">
-            <a:schemeClr val="tx1"/>
-          </a:fontRef>
-        </p:style>
-      </p:cxnSp>
-      <p:cxnSp>
-        <p:nvCxnSpPr>
-          <p:cNvPr id="65" name="肘形连接符 64"/>
-          <p:cNvCxnSpPr>
-            <a:endCxn id="33" idx="0"/>
-          </p:cNvCxnSpPr>
-          <p:nvPr>
-            <p:custDataLst>
-              <p:tags r:id="rId29"/>
-            </p:custDataLst>
-          </p:nvPr>
-        </p:nvCxnSpPr>
-        <p:spPr>
-          <a:xfrm rot="10800000" flipV="1">
-            <a:off x="3607435" y="3742690"/>
-            <a:ext cx="1276350" cy="1138555"/>
-          </a:xfrm>
-          <a:prstGeom prst="bentConnector2">
-            <a:avLst/>
-          </a:prstGeom>
-          <a:ln w="12700">
-            <a:tailEnd type="arrow"/>
-          </a:ln>
-        </p:spPr>
-        <p:style>
-          <a:lnRef idx="1">
-            <a:schemeClr val="accent1"/>
-          </a:lnRef>
-          <a:fillRef idx="0">
-            <a:schemeClr val="accent1"/>
-          </a:fillRef>
-          <a:effectRef idx="0">
-            <a:schemeClr val="accent1"/>
-          </a:effectRef>
-          <a:fontRef idx="minor">
-            <a:schemeClr val="tx1"/>
-          </a:fontRef>
-        </p:style>
-      </p:cxnSp>
-      <p:sp>
-        <p:nvSpPr>
-          <p:cNvPr id="21" name="文本框 20"/>
+        </p:nvSpPr>
+        <p:spPr>
+          <a:xfrm>
+            <a:off x="7137400" y="2239010"/>
+            <a:ext cx="887095" cy="1447800"/>
+          </a:xfrm>
+          <a:prstGeom prst="can">
+            <a:avLst/>
+          </a:prstGeom>
+        </p:spPr>
+        <p:style>
+          <a:lnRef idx="2">
+            <a:schemeClr val="accent1">
+              <a:lumMod val="75000"/>
+            </a:schemeClr>
+          </a:lnRef>
+          <a:fillRef idx="1">
+            <a:schemeClr val="accent1"/>
+          </a:fillRef>
+          <a:effectRef idx="0">
+            <a:srgbClr val="FFFFFF"/>
+          </a:effectRef>
+          <a:fontRef idx="minor">
+            <a:schemeClr val="lt1"/>
+          </a:fontRef>
+        </p:style>
+        <p:txBody>
+          <a:bodyPr rtlCol="0" anchor="ctr"/>
+          <a:p>
+            <a:pPr algn="ctr"/>
+            <a:r>
+              <a:rPr lang="zh-CN" altLang="en-US" sz="1200"/>
+              <a:t>索引库</a:t>
+            </a:r>
+            <a:endParaRPr lang="zh-CN" altLang="en-US" sz="1200"/>
+          </a:p>
+        </p:txBody>
+      </p:sp>
+      <p:sp>
+        <p:nvSpPr>
+          <p:cNvPr id="30" name="直角上箭头 29"/>
+          <p:cNvSpPr/>
+          <p:nvPr/>
+        </p:nvSpPr>
+        <p:spPr>
+          <a:xfrm rot="16200000" flipH="1">
+            <a:off x="8867140" y="1489710"/>
+            <a:ext cx="901700" cy="1925955"/>
+          </a:xfrm>
+          <a:prstGeom prst="bentUpArrow">
+            <a:avLst/>
+          </a:prstGeom>
+        </p:spPr>
+        <p:style>
+          <a:lnRef idx="2">
+            <a:schemeClr val="accent1">
+              <a:shade val="50000"/>
+            </a:schemeClr>
+          </a:lnRef>
+          <a:fillRef idx="1">
+            <a:schemeClr val="accent1"/>
+          </a:fillRef>
+          <a:effectRef idx="0">
+            <a:schemeClr val="accent1"/>
+          </a:effectRef>
+          <a:fontRef idx="minor">
+            <a:schemeClr val="lt1"/>
+          </a:fontRef>
+        </p:style>
+        <p:txBody>
+          <a:bodyPr rtlCol="0" anchor="ctr"/>
+          <a:p>
+            <a:pPr algn="ctr"/>
+            <a:endParaRPr lang="zh-CN" altLang="en-US"/>
+          </a:p>
+        </p:txBody>
+      </p:sp>
+      <p:sp>
+        <p:nvSpPr>
+          <p:cNvPr id="66" name="文本框 65"/>
           <p:cNvSpPr txBox="1"/>
           <p:nvPr/>
         </p:nvSpPr>
         <p:spPr>
           <a:xfrm>
-            <a:off x="1785620" y="6151880"/>
-            <a:ext cx="400050" cy="506730"/>
+            <a:off x="7435850" y="770890"/>
+            <a:ext cx="496570" cy="583565"/>
           </a:xfrm>
           <a:prstGeom prst="rect">
             <a:avLst/>
           </a:prstGeom>
           <a:noFill/>
-          <a:ln>
-            <a:solidFill>
-              <a:schemeClr val="tx1"/>
-            </a:solidFill>
-          </a:ln>
         </p:spPr>
         <p:txBody>
           <a:bodyPr wrap="square" rtlCol="0">
-            <a:noAutofit/>
+            <a:spAutoFit/>
           </a:bodyPr>
           <a:p>
             <a:r>
-              <a:rPr lang="en-US" altLang="zh-CN" sz="2800" i="1">
-                <a:ln>
-                  <a:solidFill>
-                    <a:schemeClr val="accent6">
-                      <a:lumMod val="75000"/>
-                    </a:schemeClr>
-                  </a:solidFill>
-                </a:ln>
-                <a:solidFill>
-                  <a:schemeClr val="accent6">
-                    <a:lumMod val="75000"/>
-                  </a:schemeClr>
-                </a:solidFill>
-              </a:rPr>
-              <a:t>√</a:t>
-            </a:r>
-            <a:endParaRPr lang="en-US" altLang="zh-CN" sz="2800" i="1">
-              <a:ln>
-                <a:solidFill>
-                  <a:schemeClr val="accent6">
-                    <a:lumMod val="75000"/>
-                  </a:schemeClr>
-                </a:solidFill>
-              </a:ln>
-              <a:solidFill>
-                <a:schemeClr val="accent6">
-                  <a:lumMod val="75000"/>
-                </a:schemeClr>
-              </a:solidFill>
-            </a:endParaRPr>
-          </a:p>
-        </p:txBody>
-      </p:sp>
-      <p:sp>
-        <p:nvSpPr>
-          <p:cNvPr id="23" name="下箭头 22"/>
+              <a:rPr lang="en-US" altLang="zh-CN" sz="3200"/>
+              <a:t>+</a:t>
+            </a:r>
+            <a:endParaRPr lang="en-US" altLang="zh-CN" sz="3200"/>
+          </a:p>
+        </p:txBody>
+      </p:sp>
+      <p:sp>
+        <p:nvSpPr>
+          <p:cNvPr id="67" name="右箭头 66"/>
           <p:cNvSpPr/>
           <p:nvPr/>
         </p:nvSpPr>
         <p:spPr>
-          <a:xfrm rot="1500000">
-            <a:off x="7979410" y="1645285"/>
-            <a:ext cx="485775" cy="574040"/>
-          </a:xfrm>
-          <a:prstGeom prst="downArrow">
-            <a:avLst/>
-          </a:prstGeom>
-          <a:ln w="28575" cmpd="sng">
-            <a:solidFill>
-              <a:schemeClr val="accent1">
-                <a:shade val="50000"/>
-              </a:schemeClr>
-            </a:solidFill>
-            <a:prstDash val="lgDash"/>
-          </a:ln>
+          <a:xfrm>
+            <a:off x="9151620" y="911225"/>
+            <a:ext cx="462280" cy="485775"/>
+          </a:xfrm>
+          <a:prstGeom prst="rightArrow">
+            <a:avLst/>
+          </a:prstGeom>
         </p:spPr>
         <p:style>
           <a:lnRef idx="2">
-            <a:schemeClr val="accent6"/>
+            <a:schemeClr val="accent1">
+              <a:shade val="50000"/>
+            </a:schemeClr>
           </a:lnRef>
           <a:fillRef idx="1">
+            <a:schemeClr val="accent1"/>
+          </a:fillRef>
+          <a:effectRef idx="0">
+            <a:schemeClr val="accent1"/>
+          </a:effectRef>
+          <a:fontRef idx="minor">
             <a:schemeClr val="lt1"/>
-          </a:fillRef>
-          <a:effectRef idx="0">
-            <a:schemeClr val="accent6"/>
-          </a:effectRef>
-          <a:fontRef idx="minor">
-            <a:schemeClr val="dk1"/>
           </a:fontRef>
         </p:style>
         <p:txBody>
@@ -13154,6 +13089,53 @@
           <a:p>
             <a:pPr algn="ctr"/>
             <a:endParaRPr lang="zh-CN" altLang="en-US"/>
+          </a:p>
+        </p:txBody>
+      </p:sp>
+      <p:sp>
+        <p:nvSpPr>
+          <p:cNvPr id="68" name="圆柱形 67"/>
+          <p:cNvSpPr/>
+          <p:nvPr>
+            <p:custDataLst>
+              <p:tags r:id="rId32"/>
+            </p:custDataLst>
+          </p:nvPr>
+        </p:nvSpPr>
+        <p:spPr>
+          <a:xfrm>
+            <a:off x="9797415" y="551180"/>
+            <a:ext cx="1064895" cy="1366520"/>
+          </a:xfrm>
+          <a:prstGeom prst="can">
+            <a:avLst/>
+          </a:prstGeom>
+        </p:spPr>
+        <p:style>
+          <a:lnRef idx="2">
+            <a:schemeClr val="accent1">
+              <a:lumMod val="75000"/>
+            </a:schemeClr>
+          </a:lnRef>
+          <a:fillRef idx="1">
+            <a:schemeClr val="accent1"/>
+          </a:fillRef>
+          <a:effectRef idx="0">
+            <a:srgbClr val="FFFFFF"/>
+          </a:effectRef>
+          <a:fontRef idx="minor">
+            <a:schemeClr val="lt1"/>
+          </a:fontRef>
+        </p:style>
+        <p:txBody>
+          <a:bodyPr rtlCol="0" anchor="ctr"/>
+          <a:p>
+            <a:pPr algn="ctr"/>
+            <a:r>
+              <a:rPr lang="zh-CN" altLang="en-US" sz="1400"/>
+              <a:t>知识库</a:t>
+            </a:r>
+            <a:endParaRPr lang="zh-CN" altLang="en-US" sz="1400"/>
           </a:p>
         </p:txBody>
       </p:sp>
@@ -13720,20 +13702,38 @@
 
 <file path=ppt/tags/tag116.xml><?xml version="1.0" encoding="utf-8"?>
 <p:tagLst xmlns:p="http://schemas.openxmlformats.org/presentationml/2006/main">
-  <p:tag name="TABLE_ENDDRAG_ORIGIN_RECT" val="783*223"/>
-  <p:tag name="TABLE_ENDDRAG_RECT" val="130*81*783*223"/>
+  <p:tag name="KSO_WM_BEAUTIFY_FLAG" val=""/>
 </p:tagLst>
 </file>
 
 <file path=ppt/tags/tag117.xml><?xml version="1.0" encoding="utf-8"?>
 <p:tagLst xmlns:p="http://schemas.openxmlformats.org/presentationml/2006/main">
-  <p:tag name="commondata" val="eyJoZGlkIjoiMDNjNzVkZmI2OWJiY2Y0NTEwZTUwMzdjMjA2MjM5NWMifQ=="/>
+  <p:tag name="KSO_WM_BEAUTIFY_FLAG" val=""/>
+</p:tagLst>
+</file>
+
+<file path=ppt/tags/tag118.xml><?xml version="1.0" encoding="utf-8"?>
+<p:tagLst xmlns:p="http://schemas.openxmlformats.org/presentationml/2006/main">
+  <p:tag name="KSO_WM_BEAUTIFY_FLAG" val=""/>
+</p:tagLst>
+</file>
+
+<file path=ppt/tags/tag119.xml><?xml version="1.0" encoding="utf-8"?>
+<p:tagLst xmlns:p="http://schemas.openxmlformats.org/presentationml/2006/main">
+  <p:tag name="TABLE_ENDDRAG_ORIGIN_RECT" val="783*223"/>
+  <p:tag name="TABLE_ENDDRAG_RECT" val="130*81*783*223"/>
 </p:tagLst>
 </file>
 
 <file path=ppt/tags/tag12.xml><?xml version="1.0" encoding="utf-8"?>
 <p:tagLst xmlns:p="http://schemas.openxmlformats.org/presentationml/2006/main">
   <p:tag name="KSO_WM_BEAUTIFY_FLAG" val=""/>
+</p:tagLst>
+</file>
+
+<file path=ppt/tags/tag120.xml><?xml version="1.0" encoding="utf-8"?>
+<p:tagLst xmlns:p="http://schemas.openxmlformats.org/presentationml/2006/main">
+  <p:tag name="commondata" val="eyJoZGlkIjoiMDNjNzVkZmI2OWJiY2Y0NTEwZTUwMzdjMjA2MjM5NWMifQ=="/>
 </p:tagLst>
 </file>
 

--- a/流程图.pptx
+++ b/流程图.pptx
@@ -11825,7 +11825,7 @@
         </p:nvSpPr>
         <p:spPr>
           <a:xfrm>
-            <a:off x="1288415" y="220345"/>
+            <a:off x="1788160" y="214630"/>
             <a:ext cx="914400" cy="1027430"/>
           </a:xfrm>
           <a:prstGeom prst="can">
@@ -11945,9 +11945,9 @@
           </p:nvPr>
         </p:nvCxnSpPr>
         <p:spPr>
-          <a:xfrm flipV="1">
-            <a:off x="2202815" y="728345"/>
-            <a:ext cx="2397760" cy="5715"/>
+          <a:xfrm>
+            <a:off x="2702560" y="728345"/>
+            <a:ext cx="1898015" cy="0"/>
           </a:xfrm>
           <a:prstGeom prst="straightConnector1">
             <a:avLst/>
@@ -12240,7 +12240,9 @@
       <p:cxnSp>
         <p:nvCxnSpPr>
           <p:cNvPr id="58" name="肘形连接符 57"/>
-          <p:cNvCxnSpPr/>
+          <p:cNvCxnSpPr>
+            <a:endCxn id="59" idx="0"/>
+          </p:cNvCxnSpPr>
           <p:nvPr>
             <p:custDataLst>
               <p:tags r:id="rId10"/>
@@ -12249,13 +12251,11 @@
         </p:nvCxnSpPr>
         <p:spPr>
           <a:xfrm rot="10800000" flipV="1">
-            <a:off x="4011930" y="1704340"/>
-            <a:ext cx="785495" cy="6350"/>
-          </a:xfrm>
-          <a:prstGeom prst="bentConnector3">
-            <a:avLst>
-              <a:gd name="adj1" fmla="val 49960"/>
-            </a:avLst>
+            <a:off x="3756025" y="1744345"/>
+            <a:ext cx="1145540" cy="534670"/>
+          </a:xfrm>
+          <a:prstGeom prst="bentConnector2">
+            <a:avLst/>
           </a:prstGeom>
           <a:ln>
             <a:tailEnd type="arrow"/>
@@ -12288,7 +12288,7 @@
         </p:nvSpPr>
         <p:spPr>
           <a:xfrm>
-            <a:off x="2846705" y="1473200"/>
+            <a:off x="3168650" y="2279015"/>
             <a:ext cx="1174115" cy="462915"/>
           </a:xfrm>
           <a:prstGeom prst="rect">
@@ -12343,7 +12343,7 @@
         </p:nvSpPr>
         <p:spPr>
           <a:xfrm>
-            <a:off x="4291965" y="1291590"/>
+            <a:off x="4144645" y="1737360"/>
             <a:ext cx="368300" cy="275590"/>
           </a:xfrm>
           <a:prstGeom prst="rect">
@@ -12622,7 +12622,7 @@
             <a:pPr algn="ctr"/>
             <a:r>
               <a:rPr lang="zh-CN" altLang="en-US" sz="1600"/>
-              <a:t>类别确定</a:t>
+              <a:t>不良信息类别确定</a:t>
             </a:r>
             <a:endParaRPr lang="zh-CN" altLang="en-US" sz="1600"/>
           </a:p>
@@ -12710,7 +12710,7 @@
         </p:nvSpPr>
         <p:spPr>
           <a:xfrm>
-            <a:off x="3495040" y="5434330"/>
+            <a:off x="4623435" y="4542155"/>
             <a:ext cx="1265555" cy="401955"/>
           </a:xfrm>
           <a:prstGeom prst="rect">
@@ -12747,8 +12747,8 @@
       </p:sp>
       <p:sp>
         <p:nvSpPr>
-          <p:cNvPr id="33" name="矩形 32"/>
-          <p:cNvSpPr/>
+          <p:cNvPr id="34" name="文本框 33"/>
+          <p:cNvSpPr txBox="1"/>
           <p:nvPr>
             <p:custDataLst>
               <p:tags r:id="rId18"/>
@@ -12757,8 +12757,45 @@
         </p:nvSpPr>
         <p:spPr>
           <a:xfrm>
-            <a:off x="6158230" y="5434330"/>
-            <a:ext cx="1106805" cy="401955"/>
+            <a:off x="4140835" y="4006215"/>
+            <a:ext cx="1076960" cy="275590"/>
+          </a:xfrm>
+          <a:prstGeom prst="rect">
+            <a:avLst/>
+          </a:prstGeom>
+          <a:noFill/>
+        </p:spPr>
+        <p:txBody>
+          <a:bodyPr wrap="square" rtlCol="0">
+            <a:spAutoFit/>
+          </a:bodyPr>
+          <a:p>
+            <a:r>
+              <a:rPr lang="en-US" altLang="zh-CN" sz="1200"/>
+              <a:t>KeyBert+</a:t>
+            </a:r>
+            <a:r>
+              <a:rPr lang="zh-CN" altLang="en-US" sz="1200"/>
+              <a:t>策略</a:t>
+            </a:r>
+            <a:endParaRPr lang="zh-CN" altLang="en-US" sz="1200"/>
+          </a:p>
+        </p:txBody>
+      </p:sp>
+      <p:sp>
+        <p:nvSpPr>
+          <p:cNvPr id="36" name="矩形 35"/>
+          <p:cNvSpPr/>
+          <p:nvPr>
+            <p:custDataLst>
+              <p:tags r:id="rId19"/>
+            </p:custDataLst>
+          </p:nvPr>
+        </p:nvSpPr>
+        <p:spPr>
+          <a:xfrm>
+            <a:off x="4666615" y="5360035"/>
+            <a:ext cx="1174115" cy="462915"/>
           </a:xfrm>
           <a:prstGeom prst="rect">
             <a:avLst/>
@@ -12785,58 +12822,25 @@
           <a:p>
             <a:pPr algn="ctr"/>
             <a:r>
-              <a:rPr lang="zh-CN" altLang="en-US" sz="1400"/>
-              <a:t>隐私</a:t>
-            </a:r>
-            <a:r>
-              <a:rPr lang="zh-CN" altLang="en-US" sz="1400"/>
+              <a:rPr lang="zh-CN" altLang="en-US" sz="1200"/>
+              <a:t>违规类型</a:t>
+            </a:r>
+            <a:r>
+              <a:rPr lang="en-US" altLang="zh-CN" sz="1200"/>
+              <a:t>/</a:t>
+            </a:r>
+            <a:r>
+              <a:rPr lang="zh-CN" altLang="en-US" sz="1200"/>
               <a:t>片段</a:t>
             </a:r>
-            <a:endParaRPr lang="zh-CN" altLang="en-US" sz="1400"/>
-          </a:p>
-        </p:txBody>
-      </p:sp>
-      <p:sp>
-        <p:nvSpPr>
-          <p:cNvPr id="34" name="文本框 33"/>
-          <p:cNvSpPr txBox="1"/>
-          <p:nvPr>
-            <p:custDataLst>
-              <p:tags r:id="rId19"/>
-            </p:custDataLst>
-          </p:nvPr>
-        </p:nvSpPr>
-        <p:spPr>
-          <a:xfrm>
-            <a:off x="3064510" y="5102860"/>
-            <a:ext cx="1076960" cy="275590"/>
-          </a:xfrm>
-          <a:prstGeom prst="rect">
-            <a:avLst/>
-          </a:prstGeom>
-          <a:noFill/>
-        </p:spPr>
-        <p:txBody>
-          <a:bodyPr wrap="square" rtlCol="0">
-            <a:spAutoFit/>
-          </a:bodyPr>
-          <a:p>
-            <a:r>
-              <a:rPr lang="en-US" altLang="zh-CN" sz="1200"/>
-              <a:t>KeyBert+</a:t>
-            </a:r>
-            <a:r>
-              <a:rPr lang="zh-CN" altLang="en-US" sz="1200"/>
-              <a:t>策略</a:t>
-            </a:r>
             <a:endParaRPr lang="zh-CN" altLang="en-US" sz="1200"/>
           </a:p>
         </p:txBody>
       </p:sp>
       <p:sp>
         <p:nvSpPr>
-          <p:cNvPr id="35" name="文本框 34"/>
-          <p:cNvSpPr txBox="1"/>
+          <p:cNvPr id="24" name="矩形 23"/>
+          <p:cNvSpPr/>
           <p:nvPr>
             <p:custDataLst>
               <p:tags r:id="rId20"/>
@@ -12845,288 +12849,8 @@
         </p:nvSpPr>
         <p:spPr>
           <a:xfrm>
-            <a:off x="5470525" y="5102860"/>
-            <a:ext cx="1031240" cy="275590"/>
-          </a:xfrm>
-          <a:prstGeom prst="rect">
-            <a:avLst/>
-          </a:prstGeom>
-          <a:noFill/>
-        </p:spPr>
-        <p:txBody>
-          <a:bodyPr wrap="square" rtlCol="0">
-            <a:spAutoFit/>
-          </a:bodyPr>
-          <a:p>
-            <a:r>
-              <a:rPr lang="en-US" altLang="zh-CN" sz="1200"/>
-              <a:t>NER+</a:t>
-            </a:r>
-            <a:r>
-              <a:rPr lang="zh-CN" altLang="en-US" sz="1200"/>
-              <a:t>策略</a:t>
-            </a:r>
-            <a:endParaRPr lang="zh-CN" altLang="en-US" sz="1200"/>
-          </a:p>
-        </p:txBody>
-      </p:sp>
-      <p:sp>
-        <p:nvSpPr>
-          <p:cNvPr id="36" name="矩形 35"/>
-          <p:cNvSpPr/>
-          <p:nvPr>
-            <p:custDataLst>
-              <p:tags r:id="rId21"/>
-            </p:custDataLst>
-          </p:nvPr>
-        </p:nvSpPr>
-        <p:spPr>
-          <a:xfrm>
-            <a:off x="4760595" y="5965825"/>
-            <a:ext cx="1174115" cy="462915"/>
-          </a:xfrm>
-          <a:prstGeom prst="rect">
-            <a:avLst/>
-          </a:prstGeom>
-        </p:spPr>
-        <p:style>
-          <a:lnRef idx="2">
-            <a:schemeClr val="accent1">
-              <a:lumMod val="75000"/>
-            </a:schemeClr>
-          </a:lnRef>
-          <a:fillRef idx="1">
-            <a:schemeClr val="accent1"/>
-          </a:fillRef>
-          <a:effectRef idx="0">
-            <a:srgbClr val="FFFFFF"/>
-          </a:effectRef>
-          <a:fontRef idx="minor">
-            <a:schemeClr val="lt1"/>
-          </a:fontRef>
-        </p:style>
-        <p:txBody>
-          <a:bodyPr rtlCol="0" anchor="ctr"/>
-          <a:p>
-            <a:pPr algn="ctr"/>
-            <a:r>
-              <a:rPr lang="zh-CN" altLang="en-US" sz="1200"/>
-              <a:t>违规类型</a:t>
-            </a:r>
-            <a:r>
-              <a:rPr lang="en-US" altLang="zh-CN" sz="1200"/>
-              <a:t>/</a:t>
-            </a:r>
-            <a:r>
-              <a:rPr lang="zh-CN" altLang="en-US" sz="1200"/>
-              <a:t>片段</a:t>
-            </a:r>
-            <a:endParaRPr lang="zh-CN" altLang="en-US" sz="1200"/>
-          </a:p>
-        </p:txBody>
-      </p:sp>
-      <p:sp>
-        <p:nvSpPr>
-          <p:cNvPr id="37" name="文本框 36"/>
-          <p:cNvSpPr txBox="1"/>
-          <p:nvPr>
-            <p:custDataLst>
-              <p:tags r:id="rId22"/>
-            </p:custDataLst>
-          </p:nvPr>
-        </p:nvSpPr>
-        <p:spPr>
-          <a:xfrm>
-            <a:off x="5412105" y="5560695"/>
-            <a:ext cx="631190" cy="275590"/>
-          </a:xfrm>
-          <a:prstGeom prst="rect">
-            <a:avLst/>
-          </a:prstGeom>
-          <a:noFill/>
-        </p:spPr>
-        <p:txBody>
-          <a:bodyPr wrap="square" rtlCol="0">
-            <a:spAutoFit/>
-          </a:bodyPr>
-          <a:p>
-            <a:r>
-              <a:rPr lang="zh-CN" altLang="en-US" sz="1200"/>
-              <a:t>输出</a:t>
-            </a:r>
-            <a:endParaRPr lang="zh-CN" altLang="en-US" sz="1200"/>
-          </a:p>
-        </p:txBody>
-      </p:sp>
-      <p:cxnSp>
-        <p:nvCxnSpPr>
-          <p:cNvPr id="40" name="直接箭头连接符 39"/>
-          <p:cNvCxnSpPr>
-            <a:stCxn id="32" idx="3"/>
-          </p:cNvCxnSpPr>
-          <p:nvPr>
-            <p:custDataLst>
-              <p:tags r:id="rId23"/>
-            </p:custDataLst>
-          </p:nvPr>
-        </p:nvCxnSpPr>
-        <p:spPr>
-          <a:xfrm>
-            <a:off x="4760595" y="5635625"/>
-            <a:ext cx="627380" cy="317500"/>
-          </a:xfrm>
-          <a:prstGeom prst="straightConnector1">
-            <a:avLst/>
-          </a:prstGeom>
-          <a:ln>
-            <a:prstDash val="lgDash"/>
-            <a:tailEnd type="arrow"/>
-          </a:ln>
-        </p:spPr>
-        <p:style>
-          <a:lnRef idx="2">
-            <a:schemeClr val="accent1"/>
-          </a:lnRef>
-          <a:fillRef idx="0">
-            <a:srgbClr val="FFFFFF"/>
-          </a:fillRef>
-          <a:effectRef idx="0">
-            <a:srgbClr val="FFFFFF"/>
-          </a:effectRef>
-          <a:fontRef idx="minor">
-            <a:schemeClr val="tx1"/>
-          </a:fontRef>
-        </p:style>
-      </p:cxnSp>
-      <p:cxnSp>
-        <p:nvCxnSpPr>
-          <p:cNvPr id="42" name="直接箭头连接符 41"/>
-          <p:cNvCxnSpPr>
-            <a:stCxn id="33" idx="1"/>
-            <a:endCxn id="36" idx="0"/>
-          </p:cNvCxnSpPr>
-          <p:nvPr>
-            <p:custDataLst>
-              <p:tags r:id="rId24"/>
-            </p:custDataLst>
-          </p:nvPr>
-        </p:nvCxnSpPr>
-        <p:spPr>
-          <a:xfrm flipH="1">
-            <a:off x="5347970" y="5635625"/>
-            <a:ext cx="810260" cy="330200"/>
-          </a:xfrm>
-          <a:prstGeom prst="straightConnector1">
-            <a:avLst/>
-          </a:prstGeom>
-          <a:ln>
-            <a:prstDash val="lgDash"/>
-            <a:tailEnd type="arrow"/>
-          </a:ln>
-        </p:spPr>
-        <p:style>
-          <a:lnRef idx="2">
-            <a:schemeClr val="accent1"/>
-          </a:lnRef>
-          <a:fillRef idx="0">
-            <a:srgbClr val="FFFFFF"/>
-          </a:fillRef>
-          <a:effectRef idx="0">
-            <a:srgbClr val="FFFFFF"/>
-          </a:effectRef>
-          <a:fontRef idx="minor">
-            <a:schemeClr val="tx1"/>
-          </a:fontRef>
-        </p:style>
-      </p:cxnSp>
-      <p:sp>
-        <p:nvSpPr>
-          <p:cNvPr id="46" name="文本框 45"/>
-          <p:cNvSpPr txBox="1"/>
-          <p:nvPr>
-            <p:custDataLst>
-              <p:tags r:id="rId25"/>
-            </p:custDataLst>
-          </p:nvPr>
-        </p:nvSpPr>
-        <p:spPr>
-          <a:xfrm>
-            <a:off x="4067175" y="4827270"/>
-            <a:ext cx="1111885" cy="275590"/>
-          </a:xfrm>
-          <a:prstGeom prst="rect">
-            <a:avLst/>
-          </a:prstGeom>
-          <a:noFill/>
-        </p:spPr>
-        <p:txBody>
-          <a:bodyPr wrap="square" rtlCol="0">
-            <a:spAutoFit/>
-          </a:bodyPr>
-          <a:p>
-            <a:r>
-              <a:rPr lang="zh-CN" altLang="en-US" sz="1200"/>
-              <a:t>广告</a:t>
-            </a:r>
-            <a:r>
-              <a:rPr lang="en-US" altLang="zh-CN" sz="1200"/>
-              <a:t>/</a:t>
-            </a:r>
-            <a:r>
-              <a:rPr lang="zh-CN" altLang="en-US" sz="1200"/>
-              <a:t>辱骂等</a:t>
-            </a:r>
-            <a:endParaRPr lang="zh-CN" altLang="en-US" sz="1200"/>
-          </a:p>
-        </p:txBody>
-      </p:sp>
-      <p:sp>
-        <p:nvSpPr>
-          <p:cNvPr id="62" name="文本框 61"/>
-          <p:cNvSpPr txBox="1"/>
-          <p:nvPr>
-            <p:custDataLst>
-              <p:tags r:id="rId26"/>
-            </p:custDataLst>
-          </p:nvPr>
-        </p:nvSpPr>
-        <p:spPr>
-          <a:xfrm>
-            <a:off x="5454650" y="4819650"/>
-            <a:ext cx="1111885" cy="275590"/>
-          </a:xfrm>
-          <a:prstGeom prst="rect">
-            <a:avLst/>
-          </a:prstGeom>
-          <a:noFill/>
-        </p:spPr>
-        <p:txBody>
-          <a:bodyPr wrap="square" rtlCol="0">
-            <a:spAutoFit/>
-          </a:bodyPr>
-          <a:p>
-            <a:r>
-              <a:rPr lang="zh-CN" altLang="en-US" sz="1200"/>
-              <a:t>个人隐私</a:t>
-            </a:r>
-            <a:endParaRPr lang="zh-CN" altLang="en-US" sz="1200"/>
-          </a:p>
-        </p:txBody>
-      </p:sp>
-      <p:sp>
-        <p:nvSpPr>
-          <p:cNvPr id="63" name="矩形 62"/>
-          <p:cNvSpPr/>
-          <p:nvPr>
-            <p:custDataLst>
-              <p:tags r:id="rId27"/>
-            </p:custDataLst>
-          </p:nvPr>
-        </p:nvSpPr>
-        <p:spPr>
-          <a:xfrm>
-            <a:off x="2934970" y="4827270"/>
-            <a:ext cx="4892040" cy="1659255"/>
+            <a:off x="6953250" y="428625"/>
+            <a:ext cx="4072890" cy="3684905"/>
           </a:xfrm>
           <a:prstGeom prst="rect">
             <a:avLst/>
@@ -13165,30 +12889,300 @@
           </a:p>
         </p:txBody>
       </p:sp>
+      <p:sp>
+        <p:nvSpPr>
+          <p:cNvPr id="27" name="矩形 26"/>
+          <p:cNvSpPr/>
+          <p:nvPr/>
+        </p:nvSpPr>
+        <p:spPr>
+          <a:xfrm>
+            <a:off x="8823960" y="3011170"/>
+            <a:ext cx="1568450" cy="797560"/>
+          </a:xfrm>
+          <a:prstGeom prst="rect">
+            <a:avLst/>
+          </a:prstGeom>
+        </p:spPr>
+        <p:style>
+          <a:lnRef idx="2">
+            <a:schemeClr val="accent1">
+              <a:shade val="50000"/>
+            </a:schemeClr>
+          </a:lnRef>
+          <a:fillRef idx="1">
+            <a:schemeClr val="accent1"/>
+          </a:fillRef>
+          <a:effectRef idx="0">
+            <a:schemeClr val="accent1"/>
+          </a:effectRef>
+          <a:fontRef idx="minor">
+            <a:schemeClr val="lt1"/>
+          </a:fontRef>
+        </p:style>
+        <p:txBody>
+          <a:bodyPr rtlCol="0" anchor="ctr"/>
+          <a:p>
+            <a:pPr algn="ctr"/>
+            <a:r>
+              <a:rPr lang="zh-CN" altLang="en-US" sz="1200" i="1"/>
+              <a:t>存储策略：</a:t>
+            </a:r>
+            <a:r>
+              <a:rPr lang="zh-CN" altLang="en-US" sz="1200" i="1"/>
+              <a:t>长度分桶</a:t>
+            </a:r>
+            <a:endParaRPr lang="zh-CN" altLang="en-US" sz="1200" i="1"/>
+          </a:p>
+          <a:p>
+            <a:pPr algn="ctr"/>
+            <a:r>
+              <a:rPr lang="zh-CN" altLang="en-US" sz="1200" i="1"/>
+              <a:t>索引方法：</a:t>
+            </a:r>
+            <a:r>
+              <a:rPr lang="en-US" altLang="zh-CN" sz="1200" i="1"/>
+              <a:t>HNSW</a:t>
+            </a:r>
+            <a:endParaRPr lang="en-US" altLang="zh-CN" sz="1200" i="1"/>
+          </a:p>
+          <a:p>
+            <a:pPr algn="ctr"/>
+            <a:r>
+              <a:rPr lang="zh-CN" altLang="en-US" sz="1200">
+                <a:sym typeface="+mn-ea"/>
+              </a:rPr>
+              <a:t>向量构建：</a:t>
+            </a:r>
+            <a:r>
+              <a:rPr lang="en-US" altLang="zh-CN" sz="1200">
+                <a:sym typeface="+mn-ea"/>
+              </a:rPr>
+              <a:t>SBERT</a:t>
+            </a:r>
+            <a:endParaRPr lang="en-US" altLang="zh-CN" sz="1200" i="1"/>
+          </a:p>
+        </p:txBody>
+      </p:sp>
+      <p:sp>
+        <p:nvSpPr>
+          <p:cNvPr id="28" name="圆柱形 27"/>
+          <p:cNvSpPr/>
+          <p:nvPr>
+            <p:custDataLst>
+              <p:tags r:id="rId21"/>
+            </p:custDataLst>
+          </p:nvPr>
+        </p:nvSpPr>
+        <p:spPr>
+          <a:xfrm>
+            <a:off x="7137400" y="2239010"/>
+            <a:ext cx="887095" cy="1447800"/>
+          </a:xfrm>
+          <a:prstGeom prst="can">
+            <a:avLst/>
+          </a:prstGeom>
+        </p:spPr>
+        <p:style>
+          <a:lnRef idx="2">
+            <a:schemeClr val="accent1">
+              <a:lumMod val="75000"/>
+            </a:schemeClr>
+          </a:lnRef>
+          <a:fillRef idx="1">
+            <a:schemeClr val="accent1"/>
+          </a:fillRef>
+          <a:effectRef idx="0">
+            <a:srgbClr val="FFFFFF"/>
+          </a:effectRef>
+          <a:fontRef idx="minor">
+            <a:schemeClr val="lt1"/>
+          </a:fontRef>
+        </p:style>
+        <p:txBody>
+          <a:bodyPr rtlCol="0" anchor="ctr"/>
+          <a:p>
+            <a:pPr algn="ctr"/>
+            <a:r>
+              <a:rPr lang="zh-CN" altLang="en-US" sz="1200"/>
+              <a:t>索引库</a:t>
+            </a:r>
+            <a:endParaRPr lang="zh-CN" altLang="en-US" sz="1200"/>
+          </a:p>
+        </p:txBody>
+      </p:sp>
+      <p:sp>
+        <p:nvSpPr>
+          <p:cNvPr id="30" name="直角上箭头 29"/>
+          <p:cNvSpPr/>
+          <p:nvPr/>
+        </p:nvSpPr>
+        <p:spPr>
+          <a:xfrm rot="16200000" flipH="1">
+            <a:off x="8867140" y="1489710"/>
+            <a:ext cx="901700" cy="1925955"/>
+          </a:xfrm>
+          <a:prstGeom prst="bentUpArrow">
+            <a:avLst/>
+          </a:prstGeom>
+        </p:spPr>
+        <p:style>
+          <a:lnRef idx="2">
+            <a:schemeClr val="accent1">
+              <a:shade val="50000"/>
+            </a:schemeClr>
+          </a:lnRef>
+          <a:fillRef idx="1">
+            <a:schemeClr val="accent1"/>
+          </a:fillRef>
+          <a:effectRef idx="0">
+            <a:schemeClr val="accent1"/>
+          </a:effectRef>
+          <a:fontRef idx="minor">
+            <a:schemeClr val="lt1"/>
+          </a:fontRef>
+        </p:style>
+        <p:txBody>
+          <a:bodyPr rtlCol="0" anchor="ctr"/>
+          <a:p>
+            <a:pPr algn="ctr"/>
+            <a:endParaRPr lang="zh-CN" altLang="en-US"/>
+          </a:p>
+        </p:txBody>
+      </p:sp>
+      <p:sp>
+        <p:nvSpPr>
+          <p:cNvPr id="66" name="文本框 65"/>
+          <p:cNvSpPr txBox="1"/>
+          <p:nvPr/>
+        </p:nvSpPr>
+        <p:spPr>
+          <a:xfrm>
+            <a:off x="7435850" y="770890"/>
+            <a:ext cx="496570" cy="583565"/>
+          </a:xfrm>
+          <a:prstGeom prst="rect">
+            <a:avLst/>
+          </a:prstGeom>
+          <a:noFill/>
+        </p:spPr>
+        <p:txBody>
+          <a:bodyPr wrap="square" rtlCol="0">
+            <a:spAutoFit/>
+          </a:bodyPr>
+          <a:p>
+            <a:r>
+              <a:rPr lang="en-US" altLang="zh-CN" sz="3200"/>
+              <a:t>+</a:t>
+            </a:r>
+            <a:endParaRPr lang="en-US" altLang="zh-CN" sz="3200"/>
+          </a:p>
+        </p:txBody>
+      </p:sp>
+      <p:sp>
+        <p:nvSpPr>
+          <p:cNvPr id="67" name="右箭头 66"/>
+          <p:cNvSpPr/>
+          <p:nvPr/>
+        </p:nvSpPr>
+        <p:spPr>
+          <a:xfrm>
+            <a:off x="9151620" y="911225"/>
+            <a:ext cx="462280" cy="485775"/>
+          </a:xfrm>
+          <a:prstGeom prst="rightArrow">
+            <a:avLst/>
+          </a:prstGeom>
+        </p:spPr>
+        <p:style>
+          <a:lnRef idx="2">
+            <a:schemeClr val="accent1">
+              <a:shade val="50000"/>
+            </a:schemeClr>
+          </a:lnRef>
+          <a:fillRef idx="1">
+            <a:schemeClr val="accent1"/>
+          </a:fillRef>
+          <a:effectRef idx="0">
+            <a:schemeClr val="accent1"/>
+          </a:effectRef>
+          <a:fontRef idx="minor">
+            <a:schemeClr val="lt1"/>
+          </a:fontRef>
+        </p:style>
+        <p:txBody>
+          <a:bodyPr rtlCol="0" anchor="ctr"/>
+          <a:p>
+            <a:pPr algn="ctr"/>
+            <a:endParaRPr lang="zh-CN" altLang="en-US"/>
+          </a:p>
+        </p:txBody>
+      </p:sp>
+      <p:sp>
+        <p:nvSpPr>
+          <p:cNvPr id="68" name="圆柱形 67"/>
+          <p:cNvSpPr/>
+          <p:nvPr>
+            <p:custDataLst>
+              <p:tags r:id="rId22"/>
+            </p:custDataLst>
+          </p:nvPr>
+        </p:nvSpPr>
+        <p:spPr>
+          <a:xfrm>
+            <a:off x="9797415" y="551180"/>
+            <a:ext cx="1064895" cy="1366520"/>
+          </a:xfrm>
+          <a:prstGeom prst="can">
+            <a:avLst/>
+          </a:prstGeom>
+        </p:spPr>
+        <p:style>
+          <a:lnRef idx="2">
+            <a:schemeClr val="accent1">
+              <a:lumMod val="75000"/>
+            </a:schemeClr>
+          </a:lnRef>
+          <a:fillRef idx="1">
+            <a:schemeClr val="accent1"/>
+          </a:fillRef>
+          <a:effectRef idx="0">
+            <a:srgbClr val="FFFFFF"/>
+          </a:effectRef>
+          <a:fontRef idx="minor">
+            <a:schemeClr val="lt1"/>
+          </a:fontRef>
+        </p:style>
+        <p:txBody>
+          <a:bodyPr rtlCol="0" anchor="ctr"/>
+          <a:p>
+            <a:pPr algn="ctr"/>
+            <a:r>
+              <a:rPr lang="zh-CN" altLang="en-US" sz="1400"/>
+              <a:t>知识库</a:t>
+            </a:r>
+            <a:endParaRPr lang="zh-CN" altLang="en-US" sz="1400"/>
+          </a:p>
+        </p:txBody>
+      </p:sp>
       <p:cxnSp>
         <p:nvCxnSpPr>
-          <p:cNvPr id="64" name="肘形连接符 63"/>
+          <p:cNvPr id="2" name="直接箭头连接符 1"/>
           <p:cNvCxnSpPr>
             <a:stCxn id="8" idx="2"/>
             <a:endCxn id="32" idx="0"/>
           </p:cNvCxnSpPr>
-          <p:nvPr>
-            <p:custDataLst>
-              <p:tags r:id="rId28"/>
-            </p:custDataLst>
-          </p:nvPr>
+          <p:nvPr/>
         </p:nvCxnSpPr>
         <p:spPr>
-          <a:xfrm rot="5400000">
-            <a:off x="3933508" y="4113848"/>
-            <a:ext cx="1515110" cy="1125855"/>
-          </a:xfrm>
-          <a:prstGeom prst="bentConnector3">
-            <a:avLst>
-              <a:gd name="adj1" fmla="val 49979"/>
-            </a:avLst>
-          </a:prstGeom>
-          <a:ln w="12700">
+          <a:xfrm>
+            <a:off x="5253990" y="3919220"/>
+            <a:ext cx="2540" cy="622935"/>
+          </a:xfrm>
+          <a:prstGeom prst="straightConnector1">
+            <a:avLst/>
+          </a:prstGeom>
+          <a:ln>
             <a:tailEnd type="arrow"/>
           </a:ln>
         </p:spPr>
@@ -13209,28 +13203,19 @@
       </p:cxnSp>
       <p:cxnSp>
         <p:nvCxnSpPr>
-          <p:cNvPr id="65" name="肘形连接符 64"/>
-          <p:cNvCxnSpPr>
-            <a:stCxn id="8" idx="2"/>
-            <a:endCxn id="33" idx="0"/>
-          </p:cNvCxnSpPr>
-          <p:nvPr>
-            <p:custDataLst>
-              <p:tags r:id="rId29"/>
-            </p:custDataLst>
-          </p:nvPr>
+          <p:cNvPr id="3" name="直接箭头连接符 2"/>
+          <p:cNvCxnSpPr/>
+          <p:nvPr/>
         </p:nvCxnSpPr>
         <p:spPr>
-          <a:xfrm rot="5400000" flipV="1">
-            <a:off x="5225415" y="3947795"/>
-            <a:ext cx="1515110" cy="1457960"/>
-          </a:xfrm>
-          <a:prstGeom prst="bentConnector3">
-            <a:avLst>
-              <a:gd name="adj1" fmla="val 50000"/>
-            </a:avLst>
-          </a:prstGeom>
-          <a:ln w="12700">
+          <a:xfrm>
+            <a:off x="5247005" y="4933315"/>
+            <a:ext cx="5715" cy="426720"/>
+          </a:xfrm>
+          <a:prstGeom prst="straightConnector1">
+            <a:avLst/>
+          </a:prstGeom>
+          <a:ln>
             <a:tailEnd type="arrow"/>
           </a:ln>
         </p:spPr>
@@ -13251,147 +13236,20 @@
       </p:cxnSp>
       <p:sp>
         <p:nvSpPr>
-          <p:cNvPr id="24" name="矩形 23"/>
+          <p:cNvPr id="12" name="矩形 11"/>
           <p:cNvSpPr/>
           <p:nvPr>
             <p:custDataLst>
-              <p:tags r:id="rId30"/>
+              <p:tags r:id="rId23"/>
             </p:custDataLst>
           </p:nvPr>
         </p:nvSpPr>
         <p:spPr>
           <a:xfrm>
-            <a:off x="6953250" y="428625"/>
-            <a:ext cx="4072890" cy="3684905"/>
+            <a:off x="1612265" y="2468245"/>
+            <a:ext cx="1265555" cy="401955"/>
           </a:xfrm>
           <a:prstGeom prst="rect">
-            <a:avLst/>
-          </a:prstGeom>
-          <a:noFill/>
-          <a:ln w="28575" cmpd="sng">
-            <a:solidFill>
-              <a:schemeClr val="accent1">
-                <a:shade val="50000"/>
-              </a:schemeClr>
-            </a:solidFill>
-            <a:prstDash val="sysDash"/>
-          </a:ln>
-        </p:spPr>
-        <p:style>
-          <a:lnRef idx="2">
-            <a:schemeClr val="accent1">
-              <a:shade val="50000"/>
-            </a:schemeClr>
-          </a:lnRef>
-          <a:fillRef idx="1">
-            <a:schemeClr val="accent1"/>
-          </a:fillRef>
-          <a:effectRef idx="0">
-            <a:schemeClr val="accent1"/>
-          </a:effectRef>
-          <a:fontRef idx="minor">
-            <a:schemeClr val="lt1"/>
-          </a:fontRef>
-        </p:style>
-        <p:txBody>
-          <a:bodyPr rtlCol="0" anchor="ctr"/>
-          <a:p>
-            <a:pPr algn="ctr"/>
-            <a:endParaRPr lang="zh-CN" altLang="en-US"/>
-          </a:p>
-        </p:txBody>
-      </p:sp>
-      <p:sp>
-        <p:nvSpPr>
-          <p:cNvPr id="27" name="矩形 26"/>
-          <p:cNvSpPr/>
-          <p:nvPr/>
-        </p:nvSpPr>
-        <p:spPr>
-          <a:xfrm>
-            <a:off x="8823960" y="3011170"/>
-            <a:ext cx="1568450" cy="797560"/>
-          </a:xfrm>
-          <a:prstGeom prst="rect">
-            <a:avLst/>
-          </a:prstGeom>
-        </p:spPr>
-        <p:style>
-          <a:lnRef idx="2">
-            <a:schemeClr val="accent1">
-              <a:shade val="50000"/>
-            </a:schemeClr>
-          </a:lnRef>
-          <a:fillRef idx="1">
-            <a:schemeClr val="accent1"/>
-          </a:fillRef>
-          <a:effectRef idx="0">
-            <a:schemeClr val="accent1"/>
-          </a:effectRef>
-          <a:fontRef idx="minor">
-            <a:schemeClr val="lt1"/>
-          </a:fontRef>
-        </p:style>
-        <p:txBody>
-          <a:bodyPr rtlCol="0" anchor="ctr"/>
-          <a:p>
-            <a:pPr algn="ctr"/>
-            <a:r>
-              <a:rPr lang="zh-CN" altLang="en-US" sz="1200" i="1"/>
-              <a:t>存储策略：</a:t>
-            </a:r>
-            <a:r>
-              <a:rPr lang="zh-CN" altLang="en-US" sz="1200" i="1"/>
-              <a:t>长度分桶</a:t>
-            </a:r>
-            <a:endParaRPr lang="zh-CN" altLang="en-US" sz="1200" i="1"/>
-          </a:p>
-          <a:p>
-            <a:pPr algn="ctr"/>
-            <a:r>
-              <a:rPr lang="zh-CN" altLang="en-US" sz="1200" i="1"/>
-              <a:t>索引方法：</a:t>
-            </a:r>
-            <a:r>
-              <a:rPr lang="en-US" altLang="zh-CN" sz="1200" i="1"/>
-              <a:t>HNSW</a:t>
-            </a:r>
-            <a:endParaRPr lang="en-US" altLang="zh-CN" sz="1200" i="1"/>
-          </a:p>
-          <a:p>
-            <a:pPr algn="ctr"/>
-            <a:r>
-              <a:rPr lang="zh-CN" altLang="en-US" sz="1200">
-                <a:sym typeface="+mn-ea"/>
-              </a:rPr>
-              <a:t>向量构建：</a:t>
-            </a:r>
-            <a:r>
-              <a:rPr lang="en-US" altLang="zh-CN" sz="1200">
-                <a:sym typeface="+mn-ea"/>
-              </a:rPr>
-              <a:t>SBERT</a:t>
-            </a:r>
-            <a:endParaRPr lang="en-US" altLang="zh-CN" sz="1200" i="1"/>
-          </a:p>
-        </p:txBody>
-      </p:sp>
-      <p:sp>
-        <p:nvSpPr>
-          <p:cNvPr id="28" name="圆柱形 27"/>
-          <p:cNvSpPr/>
-          <p:nvPr>
-            <p:custDataLst>
-              <p:tags r:id="rId31"/>
-            </p:custDataLst>
-          </p:nvPr>
-        </p:nvSpPr>
-        <p:spPr>
-          <a:xfrm>
-            <a:off x="7137400" y="2239010"/>
-            <a:ext cx="887095" cy="1447800"/>
-          </a:xfrm>
-          <a:prstGeom prst="can">
             <a:avLst/>
           </a:prstGeom>
         </p:spPr>
@@ -13416,136 +13274,33 @@
           <a:p>
             <a:pPr algn="ctr"/>
             <a:r>
-              <a:rPr lang="zh-CN" altLang="en-US" sz="1200"/>
-              <a:t>索引库</a:t>
-            </a:r>
-            <a:endParaRPr lang="zh-CN" altLang="en-US" sz="1200"/>
-          </a:p>
-        </p:txBody>
-      </p:sp>
-      <p:sp>
-        <p:nvSpPr>
-          <p:cNvPr id="30" name="直角上箭头 29"/>
+              <a:rPr lang="zh-CN" altLang="en-US" sz="1400"/>
+              <a:t>个人隐私</a:t>
+            </a:r>
+            <a:r>
+              <a:rPr lang="zh-CN" altLang="en-US" sz="1400"/>
+              <a:t>识别</a:t>
+            </a:r>
+            <a:endParaRPr lang="zh-CN" altLang="en-US" sz="1400"/>
+          </a:p>
+        </p:txBody>
+      </p:sp>
+      <p:sp>
+        <p:nvSpPr>
+          <p:cNvPr id="15" name="矩形 14"/>
           <p:cNvSpPr/>
-          <p:nvPr/>
-        </p:nvSpPr>
-        <p:spPr>
-          <a:xfrm rot="16200000" flipH="1">
-            <a:off x="8867140" y="1489710"/>
-            <a:ext cx="901700" cy="1925955"/>
-          </a:xfrm>
-          <a:prstGeom prst="bentUpArrow">
-            <a:avLst/>
-          </a:prstGeom>
-        </p:spPr>
-        <p:style>
-          <a:lnRef idx="2">
-            <a:schemeClr val="accent1">
-              <a:shade val="50000"/>
-            </a:schemeClr>
-          </a:lnRef>
-          <a:fillRef idx="1">
-            <a:schemeClr val="accent1"/>
-          </a:fillRef>
-          <a:effectRef idx="0">
-            <a:schemeClr val="accent1"/>
-          </a:effectRef>
-          <a:fontRef idx="minor">
-            <a:schemeClr val="lt1"/>
-          </a:fontRef>
-        </p:style>
-        <p:txBody>
-          <a:bodyPr rtlCol="0" anchor="ctr"/>
-          <a:p>
-            <a:pPr algn="ctr"/>
-            <a:endParaRPr lang="zh-CN" altLang="en-US"/>
-          </a:p>
-        </p:txBody>
-      </p:sp>
-      <p:sp>
-        <p:nvSpPr>
-          <p:cNvPr id="66" name="文本框 65"/>
-          <p:cNvSpPr txBox="1"/>
-          <p:nvPr/>
-        </p:nvSpPr>
-        <p:spPr>
-          <a:xfrm>
-            <a:off x="7435850" y="770890"/>
-            <a:ext cx="496570" cy="583565"/>
+          <p:nvPr>
+            <p:custDataLst>
+              <p:tags r:id="rId24"/>
+            </p:custDataLst>
+          </p:nvPr>
+        </p:nvSpPr>
+        <p:spPr>
+          <a:xfrm>
+            <a:off x="1657985" y="3292475"/>
+            <a:ext cx="1174115" cy="462915"/>
           </a:xfrm>
           <a:prstGeom prst="rect">
-            <a:avLst/>
-          </a:prstGeom>
-          <a:noFill/>
-        </p:spPr>
-        <p:txBody>
-          <a:bodyPr wrap="square" rtlCol="0">
-            <a:spAutoFit/>
-          </a:bodyPr>
-          <a:p>
-            <a:r>
-              <a:rPr lang="en-US" altLang="zh-CN" sz="3200"/>
-              <a:t>+</a:t>
-            </a:r>
-            <a:endParaRPr lang="en-US" altLang="zh-CN" sz="3200"/>
-          </a:p>
-        </p:txBody>
-      </p:sp>
-      <p:sp>
-        <p:nvSpPr>
-          <p:cNvPr id="67" name="右箭头 66"/>
-          <p:cNvSpPr/>
-          <p:nvPr/>
-        </p:nvSpPr>
-        <p:spPr>
-          <a:xfrm>
-            <a:off x="9151620" y="911225"/>
-            <a:ext cx="462280" cy="485775"/>
-          </a:xfrm>
-          <a:prstGeom prst="rightArrow">
-            <a:avLst/>
-          </a:prstGeom>
-        </p:spPr>
-        <p:style>
-          <a:lnRef idx="2">
-            <a:schemeClr val="accent1">
-              <a:shade val="50000"/>
-            </a:schemeClr>
-          </a:lnRef>
-          <a:fillRef idx="1">
-            <a:schemeClr val="accent1"/>
-          </a:fillRef>
-          <a:effectRef idx="0">
-            <a:schemeClr val="accent1"/>
-          </a:effectRef>
-          <a:fontRef idx="minor">
-            <a:schemeClr val="lt1"/>
-          </a:fontRef>
-        </p:style>
-        <p:txBody>
-          <a:bodyPr rtlCol="0" anchor="ctr"/>
-          <a:p>
-            <a:pPr algn="ctr"/>
-            <a:endParaRPr lang="zh-CN" altLang="en-US"/>
-          </a:p>
-        </p:txBody>
-      </p:sp>
-      <p:sp>
-        <p:nvSpPr>
-          <p:cNvPr id="68" name="圆柱形 67"/>
-          <p:cNvSpPr/>
-          <p:nvPr>
-            <p:custDataLst>
-              <p:tags r:id="rId32"/>
-            </p:custDataLst>
-          </p:nvPr>
-        </p:nvSpPr>
-        <p:spPr>
-          <a:xfrm>
-            <a:off x="9797415" y="551180"/>
-            <a:ext cx="1064895" cy="1366520"/>
-          </a:xfrm>
-          <a:prstGeom prst="can">
             <a:avLst/>
           </a:prstGeom>
         </p:spPr>
@@ -13570,10 +13325,120 @@
           <a:p>
             <a:pPr algn="ctr"/>
             <a:r>
-              <a:rPr lang="zh-CN" altLang="en-US" sz="1400"/>
-              <a:t>知识库</a:t>
-            </a:r>
-            <a:endParaRPr lang="zh-CN" altLang="en-US" sz="1400"/>
+              <a:rPr lang="zh-CN" altLang="en-US" sz="1200"/>
+              <a:t>隐私类型</a:t>
+            </a:r>
+            <a:r>
+              <a:rPr lang="en-US" altLang="zh-CN" sz="1200"/>
+              <a:t>/</a:t>
+            </a:r>
+            <a:r>
+              <a:rPr lang="zh-CN" altLang="en-US" sz="1200"/>
+              <a:t>片段</a:t>
+            </a:r>
+            <a:endParaRPr lang="zh-CN" altLang="en-US" sz="1200"/>
+          </a:p>
+        </p:txBody>
+      </p:sp>
+      <p:cxnSp>
+        <p:nvCxnSpPr>
+          <p:cNvPr id="16" name="直接箭头连接符 15"/>
+          <p:cNvCxnSpPr/>
+          <p:nvPr/>
+        </p:nvCxnSpPr>
+        <p:spPr>
+          <a:xfrm>
+            <a:off x="2238375" y="2865755"/>
+            <a:ext cx="5715" cy="426720"/>
+          </a:xfrm>
+          <a:prstGeom prst="straightConnector1">
+            <a:avLst/>
+          </a:prstGeom>
+          <a:ln>
+            <a:tailEnd type="arrow"/>
+          </a:ln>
+        </p:spPr>
+        <p:style>
+          <a:lnRef idx="1">
+            <a:schemeClr val="accent1"/>
+          </a:lnRef>
+          <a:fillRef idx="0">
+            <a:schemeClr val="accent1"/>
+          </a:fillRef>
+          <a:effectRef idx="0">
+            <a:schemeClr val="accent1"/>
+          </a:effectRef>
+          <a:fontRef idx="minor">
+            <a:schemeClr val="tx1"/>
+          </a:fontRef>
+        </p:style>
+      </p:cxnSp>
+      <p:cxnSp>
+        <p:nvCxnSpPr>
+          <p:cNvPr id="17" name="直接箭头连接符 16"/>
+          <p:cNvCxnSpPr>
+            <a:stCxn id="53" idx="0"/>
+            <a:endCxn id="12" idx="0"/>
+          </p:cNvCxnSpPr>
+          <p:nvPr/>
+        </p:nvCxnSpPr>
+        <p:spPr>
+          <a:xfrm flipH="1">
+            <a:off x="2245360" y="926465"/>
+            <a:ext cx="3010535" cy="1541780"/>
+          </a:xfrm>
+          <a:prstGeom prst="straightConnector1">
+            <a:avLst/>
+          </a:prstGeom>
+          <a:ln>
+            <a:tailEnd type="arrow"/>
+          </a:ln>
+        </p:spPr>
+        <p:style>
+          <a:lnRef idx="1">
+            <a:schemeClr val="accent1"/>
+          </a:lnRef>
+          <a:fillRef idx="0">
+            <a:schemeClr val="accent1"/>
+          </a:fillRef>
+          <a:effectRef idx="0">
+            <a:schemeClr val="accent1"/>
+          </a:effectRef>
+          <a:fontRef idx="minor">
+            <a:schemeClr val="tx1"/>
+          </a:fontRef>
+        </p:style>
+      </p:cxnSp>
+      <p:sp>
+        <p:nvSpPr>
+          <p:cNvPr id="18" name="文本框 17"/>
+          <p:cNvSpPr txBox="1"/>
+          <p:nvPr>
+            <p:custDataLst>
+              <p:tags r:id="rId25"/>
+            </p:custDataLst>
+          </p:nvPr>
+        </p:nvSpPr>
+        <p:spPr>
+          <a:xfrm>
+            <a:off x="3007995" y="1504950"/>
+            <a:ext cx="551180" cy="275590"/>
+          </a:xfrm>
+          <a:prstGeom prst="rect">
+            <a:avLst/>
+          </a:prstGeom>
+          <a:noFill/>
+        </p:spPr>
+        <p:txBody>
+          <a:bodyPr wrap="square" rtlCol="0">
+            <a:spAutoFit/>
+          </a:bodyPr>
+          <a:p>
+            <a:r>
+              <a:rPr lang="en-US" sz="1200"/>
+              <a:t>UIE</a:t>
+            </a:r>
+            <a:endParaRPr lang="en-US" sz="1200"/>
           </a:p>
         </p:txBody>
       </p:sp>
@@ -14149,62 +14014,20 @@
 
 <file path=ppt/tags/tag125.xml><?xml version="1.0" encoding="utf-8"?>
 <p:tagLst xmlns:p="http://schemas.openxmlformats.org/presentationml/2006/main">
-  <p:tag name="KSO_WM_BEAUTIFY_FLAG" val=""/>
+  <p:tag name="TABLE_ENDDRAG_ORIGIN_RECT" val="783*223"/>
+  <p:tag name="TABLE_ENDDRAG_RECT" val="130*81*783*223"/>
 </p:tagLst>
 </file>
 
 <file path=ppt/tags/tag126.xml><?xml version="1.0" encoding="utf-8"?>
 <p:tagLst xmlns:p="http://schemas.openxmlformats.org/presentationml/2006/main">
-  <p:tag name="KSO_WM_BEAUTIFY_FLAG" val=""/>
-</p:tagLst>
-</file>
-
-<file path=ppt/tags/tag127.xml><?xml version="1.0" encoding="utf-8"?>
-<p:tagLst xmlns:p="http://schemas.openxmlformats.org/presentationml/2006/main">
-  <p:tag name="KSO_WM_BEAUTIFY_FLAG" val=""/>
-</p:tagLst>
-</file>
-
-<file path=ppt/tags/tag128.xml><?xml version="1.0" encoding="utf-8"?>
-<p:tagLst xmlns:p="http://schemas.openxmlformats.org/presentationml/2006/main">
-  <p:tag name="KSO_WM_BEAUTIFY_FLAG" val=""/>
-</p:tagLst>
-</file>
-
-<file path=ppt/tags/tag129.xml><?xml version="1.0" encoding="utf-8"?>
-<p:tagLst xmlns:p="http://schemas.openxmlformats.org/presentationml/2006/main">
-  <p:tag name="KSO_WM_BEAUTIFY_FLAG" val=""/>
+  <p:tag name="commondata" val="eyJoZGlkIjoiMDNjNzVkZmI2OWJiY2Y0NTEwZTUwMzdjMjA2MjM5NWMifQ=="/>
 </p:tagLst>
 </file>
 
 <file path=ppt/tags/tag13.xml><?xml version="1.0" encoding="utf-8"?>
 <p:tagLst xmlns:p="http://schemas.openxmlformats.org/presentationml/2006/main">
   <p:tag name="KSO_WM_BEAUTIFY_FLAG" val=""/>
-</p:tagLst>
-</file>
-
-<file path=ppt/tags/tag130.xml><?xml version="1.0" encoding="utf-8"?>
-<p:tagLst xmlns:p="http://schemas.openxmlformats.org/presentationml/2006/main">
-  <p:tag name="KSO_WM_BEAUTIFY_FLAG" val=""/>
-</p:tagLst>
-</file>
-
-<file path=ppt/tags/tag131.xml><?xml version="1.0" encoding="utf-8"?>
-<p:tagLst xmlns:p="http://schemas.openxmlformats.org/presentationml/2006/main">
-  <p:tag name="KSO_WM_BEAUTIFY_FLAG" val=""/>
-</p:tagLst>
-</file>
-
-<file path=ppt/tags/tag132.xml><?xml version="1.0" encoding="utf-8"?>
-<p:tagLst xmlns:p="http://schemas.openxmlformats.org/presentationml/2006/main">
-  <p:tag name="TABLE_ENDDRAG_ORIGIN_RECT" val="783*223"/>
-  <p:tag name="TABLE_ENDDRAG_RECT" val="130*81*783*223"/>
-</p:tagLst>
-</file>
-
-<file path=ppt/tags/tag133.xml><?xml version="1.0" encoding="utf-8"?>
-<p:tagLst xmlns:p="http://schemas.openxmlformats.org/presentationml/2006/main">
-  <p:tag name="commondata" val="eyJoZGlkIjoiMDNjNzVkZmI2OWJiY2Y0NTEwZTUwMzdjMjA2MjM5NWMifQ=="/>
 </p:tagLst>
 </file>
 

--- a/流程图.pptx
+++ b/流程图.pptx
@@ -3250,14 +3250,14 @@
       </p:sp>
       <p:sp>
         <p:nvSpPr>
-          <p:cNvPr id="14" name="矩形 13"/>
+          <p:cNvPr id="17" name="矩形 16"/>
           <p:cNvSpPr/>
           <p:nvPr/>
         </p:nvSpPr>
         <p:spPr>
           <a:xfrm>
-            <a:off x="7805420" y="2355215"/>
-            <a:ext cx="1280160" cy="546100"/>
+            <a:off x="7805420" y="2386330"/>
+            <a:ext cx="1280160" cy="1765935"/>
           </a:xfrm>
           <a:prstGeom prst="rect">
             <a:avLst/>
@@ -3282,136 +3282,41 @@
         <p:txBody>
           <a:bodyPr rtlCol="0" anchor="ctr"/>
           <a:p>
-            <a:pPr algn="ctr"/>
-            <a:r>
-              <a:rPr lang="zh-CN" altLang="en-US"/>
+            <a:pPr indent="0" algn="ctr" fontAlgn="auto">
+              <a:lnSpc>
+                <a:spcPct val="150000"/>
+              </a:lnSpc>
+            </a:pPr>
+            <a:r>
+              <a:rPr lang="zh-CN" altLang="en-US">
+                <a:sym typeface="+mn-ea"/>
+              </a:rPr>
               <a:t>软文广告</a:t>
             </a:r>
+            <a:endParaRPr lang="zh-CN" altLang="en-US">
+              <a:sym typeface="+mn-ea"/>
+            </a:endParaRPr>
+          </a:p>
+          <a:p>
+            <a:pPr indent="0" algn="ctr" fontAlgn="auto">
+              <a:lnSpc>
+                <a:spcPct val="150000"/>
+              </a:lnSpc>
+            </a:pPr>
+            <a:r>
+              <a:rPr lang="zh-CN" altLang="en-US">
+                <a:sym typeface="+mn-ea"/>
+              </a:rPr>
+              <a:t>暴恐信息</a:t>
+            </a:r>
             <a:endParaRPr lang="zh-CN" altLang="en-US"/>
           </a:p>
-        </p:txBody>
-      </p:sp>
-      <p:sp>
-        <p:nvSpPr>
-          <p:cNvPr id="15" name="矩形 14"/>
-          <p:cNvSpPr/>
-          <p:nvPr/>
-        </p:nvSpPr>
-        <p:spPr>
-          <a:xfrm>
-            <a:off x="7805420" y="3001010"/>
-            <a:ext cx="1280160" cy="546100"/>
-          </a:xfrm>
-          <a:prstGeom prst="rect">
-            <a:avLst/>
-          </a:prstGeom>
-        </p:spPr>
-        <p:style>
-          <a:lnRef idx="2">
-            <a:schemeClr val="accent1">
-              <a:shade val="50000"/>
-            </a:schemeClr>
-          </a:lnRef>
-          <a:fillRef idx="1">
-            <a:schemeClr val="accent1"/>
-          </a:fillRef>
-          <a:effectRef idx="0">
-            <a:schemeClr val="accent1"/>
-          </a:effectRef>
-          <a:fontRef idx="minor">
-            <a:schemeClr val="lt1"/>
-          </a:fontRef>
-        </p:style>
-        <p:txBody>
-          <a:bodyPr rtlCol="0" anchor="ctr"/>
-          <a:p>
-            <a:pPr algn="ctr"/>
-            <a:r>
-              <a:rPr lang="zh-CN" altLang="en-US"/>
-              <a:t>暴恐信息</a:t>
-            </a:r>
-            <a:endParaRPr lang="zh-CN" altLang="en-US"/>
-          </a:p>
-        </p:txBody>
-      </p:sp>
-      <p:sp>
-        <p:nvSpPr>
-          <p:cNvPr id="16" name="矩形 15"/>
-          <p:cNvSpPr/>
-          <p:nvPr/>
-        </p:nvSpPr>
-        <p:spPr>
-          <a:xfrm>
-            <a:off x="7805420" y="4615180"/>
-            <a:ext cx="1280160" cy="546100"/>
-          </a:xfrm>
-          <a:prstGeom prst="rect">
-            <a:avLst/>
-          </a:prstGeom>
-        </p:spPr>
-        <p:style>
-          <a:lnRef idx="2">
-            <a:schemeClr val="accent1">
-              <a:shade val="50000"/>
-            </a:schemeClr>
-          </a:lnRef>
-          <a:fillRef idx="1">
-            <a:schemeClr val="accent1"/>
-          </a:fillRef>
-          <a:effectRef idx="0">
-            <a:schemeClr val="accent1"/>
-          </a:effectRef>
-          <a:fontRef idx="minor">
-            <a:schemeClr val="lt1"/>
-          </a:fontRef>
-        </p:style>
-        <p:txBody>
-          <a:bodyPr rtlCol="0" anchor="ctr"/>
-          <a:p>
-            <a:pPr algn="ctr"/>
-            <a:r>
-              <a:rPr lang="zh-CN" altLang="en-US"/>
-              <a:t>个人隐私</a:t>
-            </a:r>
-            <a:endParaRPr lang="zh-CN" altLang="en-US"/>
-          </a:p>
-        </p:txBody>
-      </p:sp>
-      <p:sp>
-        <p:nvSpPr>
-          <p:cNvPr id="17" name="矩形 16"/>
-          <p:cNvSpPr/>
-          <p:nvPr/>
-        </p:nvSpPr>
-        <p:spPr>
-          <a:xfrm>
-            <a:off x="7805420" y="3646805"/>
-            <a:ext cx="1280160" cy="546100"/>
-          </a:xfrm>
-          <a:prstGeom prst="rect">
-            <a:avLst/>
-          </a:prstGeom>
-        </p:spPr>
-        <p:style>
-          <a:lnRef idx="2">
-            <a:schemeClr val="accent1">
-              <a:shade val="50000"/>
-            </a:schemeClr>
-          </a:lnRef>
-          <a:fillRef idx="1">
-            <a:schemeClr val="accent1"/>
-          </a:fillRef>
-          <a:effectRef idx="0">
-            <a:schemeClr val="accent1"/>
-          </a:effectRef>
-          <a:fontRef idx="minor">
-            <a:schemeClr val="lt1"/>
-          </a:fontRef>
-        </p:style>
-        <p:txBody>
-          <a:bodyPr rtlCol="0" anchor="ctr"/>
-          <a:p>
-            <a:pPr algn="ctr"/>
+          <a:p>
+            <a:pPr indent="0" algn="ctr" fontAlgn="auto">
+              <a:lnSpc>
+                <a:spcPct val="150000"/>
+              </a:lnSpc>
+            </a:pPr>
             <a:r>
               <a:rPr lang="zh-CN" altLang="en-US"/>
               <a:t>低俗</a:t>
@@ -3421,6 +3326,18 @@
               <a:t>辱骂</a:t>
             </a:r>
             <a:endParaRPr lang="zh-CN" altLang="en-US"/>
+          </a:p>
+          <a:p>
+            <a:pPr indent="0" algn="ctr" fontAlgn="auto">
+              <a:lnSpc>
+                <a:spcPct val="150000"/>
+              </a:lnSpc>
+            </a:pPr>
+            <a:r>
+              <a:rPr lang="en-US" altLang="zh-CN"/>
+              <a:t>...</a:t>
+            </a:r>
+            <a:endParaRPr lang="en-US" altLang="zh-CN"/>
           </a:p>
         </p:txBody>
       </p:sp>
@@ -3622,7 +3539,7 @@
         </p:nvSpPr>
         <p:spPr>
           <a:xfrm>
-            <a:off x="9388475" y="2711450"/>
+            <a:off x="9301480" y="2894330"/>
             <a:ext cx="1843405" cy="368300"/>
           </a:xfrm>
           <a:prstGeom prst="rect">
@@ -3640,7 +3557,7 @@
               <a:rPr lang="zh-CN" altLang="en-US">
                 <a:sym typeface="+mn-ea"/>
               </a:rPr>
-              <a:t>敏感片段抽取</a:t>
+              <a:t>信息片段抽取</a:t>
             </a:r>
             <a:endParaRPr lang="zh-CN" altLang="en-US">
               <a:sym typeface="+mn-ea"/>
@@ -3656,7 +3573,7 @@
         </p:nvSpPr>
         <p:spPr>
           <a:xfrm>
-            <a:off x="5556250" y="1758950"/>
+            <a:off x="4460240" y="1758950"/>
             <a:ext cx="1447800" cy="3775075"/>
           </a:xfrm>
           <a:prstGeom prst="rect">
@@ -3687,13 +3604,13 @@
       </p:sp>
       <p:sp>
         <p:nvSpPr>
-          <p:cNvPr id="7" name="矩形 6"/>
+          <p:cNvPr id="20" name="矩形 19"/>
           <p:cNvSpPr/>
           <p:nvPr/>
         </p:nvSpPr>
         <p:spPr>
           <a:xfrm>
-            <a:off x="5634990" y="4408805"/>
+            <a:off x="4572635" y="2615565"/>
             <a:ext cx="1280160" cy="546100"/>
           </a:xfrm>
           <a:prstGeom prst="rect">
@@ -3722,97 +3639,12 @@
             <a:pPr algn="ctr"/>
             <a:r>
               <a:rPr lang="zh-CN" altLang="en-US"/>
-              <a:t>正常</a:t>
+              <a:t>不良信息</a:t>
             </a:r>
             <a:r>
               <a:rPr lang="zh-CN" altLang="en-US"/>
-              <a:t>信息</a:t>
-            </a:r>
-            <a:endParaRPr lang="zh-CN" altLang="en-US"/>
-          </a:p>
-        </p:txBody>
-      </p:sp>
-      <p:sp>
-        <p:nvSpPr>
-          <p:cNvPr id="20" name="矩形 19"/>
-          <p:cNvSpPr/>
-          <p:nvPr/>
-        </p:nvSpPr>
-        <p:spPr>
-          <a:xfrm>
-            <a:off x="5668645" y="2615565"/>
-            <a:ext cx="1280160" cy="546100"/>
-          </a:xfrm>
-          <a:prstGeom prst="rect">
-            <a:avLst/>
-          </a:prstGeom>
-        </p:spPr>
-        <p:style>
-          <a:lnRef idx="2">
-            <a:schemeClr val="accent1">
-              <a:shade val="50000"/>
-            </a:schemeClr>
-          </a:lnRef>
-          <a:fillRef idx="1">
-            <a:schemeClr val="accent1"/>
-          </a:fillRef>
-          <a:effectRef idx="0">
-            <a:schemeClr val="accent1"/>
-          </a:effectRef>
-          <a:fontRef idx="minor">
-            <a:schemeClr val="lt1"/>
-          </a:fontRef>
-        </p:style>
-        <p:txBody>
-          <a:bodyPr rtlCol="0" anchor="ctr"/>
-          <a:p>
-            <a:pPr algn="ctr"/>
-            <a:r>
-              <a:rPr lang="zh-CN" altLang="en-US"/>
-              <a:t>敏感信息</a:t>
-            </a:r>
-            <a:endParaRPr lang="zh-CN" altLang="en-US"/>
-          </a:p>
-        </p:txBody>
-      </p:sp>
-      <p:sp>
-        <p:nvSpPr>
-          <p:cNvPr id="21" name="右箭头 20"/>
-          <p:cNvSpPr/>
-          <p:nvPr/>
-        </p:nvSpPr>
-        <p:spPr>
-          <a:xfrm>
-            <a:off x="7042150" y="2753995"/>
-            <a:ext cx="556895" cy="223520"/>
-          </a:xfrm>
-          <a:prstGeom prst="rightArrow">
-            <a:avLst>
-              <a:gd name="adj1" fmla="val 50000"/>
-              <a:gd name="adj2" fmla="val 46750"/>
-            </a:avLst>
-          </a:prstGeom>
-        </p:spPr>
-        <p:style>
-          <a:lnRef idx="2">
-            <a:schemeClr val="accent3">
-              <a:shade val="50000"/>
-            </a:schemeClr>
-          </a:lnRef>
-          <a:fillRef idx="1">
-            <a:schemeClr val="accent3"/>
-          </a:fillRef>
-          <a:effectRef idx="0">
-            <a:schemeClr val="accent3"/>
-          </a:effectRef>
-          <a:fontRef idx="minor">
-            <a:schemeClr val="lt1"/>
-          </a:fontRef>
-        </p:style>
-        <p:txBody>
-          <a:bodyPr rtlCol="0" anchor="ctr"/>
-          <a:p>
-            <a:pPr algn="ctr"/>
+              <a:t>检测</a:t>
+            </a:r>
             <a:endParaRPr lang="zh-CN" altLang="en-US"/>
           </a:p>
         </p:txBody>
@@ -3825,8 +3657,8 @@
         </p:nvSpPr>
         <p:spPr>
           <a:xfrm>
-            <a:off x="4429125" y="3107055"/>
-            <a:ext cx="906145" cy="831215"/>
+            <a:off x="6313170" y="2588260"/>
+            <a:ext cx="906145" cy="573405"/>
           </a:xfrm>
           <a:prstGeom prst="rect">
             <a:avLst/>
@@ -3907,7 +3739,7 @@
         </p:nvSpPr>
         <p:spPr>
           <a:xfrm>
-            <a:off x="5463540" y="3155950"/>
+            <a:off x="5870575" y="2563495"/>
             <a:ext cx="271780" cy="622935"/>
           </a:xfrm>
           <a:prstGeom prst="rightArrow">
@@ -4011,7 +3843,7 @@
         </p:nvCxnSpPr>
         <p:spPr>
           <a:xfrm flipV="1">
-            <a:off x="7599045" y="4292600"/>
+            <a:off x="7592060" y="4252595"/>
             <a:ext cx="1692910" cy="10795"/>
           </a:xfrm>
           <a:prstGeom prst="line">
@@ -4040,43 +3872,6 @@
           </a:fontRef>
         </p:style>
       </p:cxnSp>
-      <p:cxnSp>
-        <p:nvCxnSpPr>
-          <p:cNvPr id="34" name="肘形连接符 33"/>
-          <p:cNvCxnSpPr>
-            <a:stCxn id="7" idx="2"/>
-            <a:endCxn id="22" idx="1"/>
-          </p:cNvCxnSpPr>
-          <p:nvPr/>
-        </p:nvCxnSpPr>
-        <p:spPr>
-          <a:xfrm rot="5400000" flipV="1">
-            <a:off x="7517765" y="3712210"/>
-            <a:ext cx="728345" cy="3213100"/>
-          </a:xfrm>
-          <a:prstGeom prst="bentConnector2">
-            <a:avLst/>
-          </a:prstGeom>
-          <a:ln>
-            <a:prstDash val="lgDash"/>
-            <a:tailEnd type="arrow"/>
-          </a:ln>
-        </p:spPr>
-        <p:style>
-          <a:lnRef idx="1">
-            <a:schemeClr val="accent1"/>
-          </a:lnRef>
-          <a:fillRef idx="0">
-            <a:schemeClr val="accent1"/>
-          </a:fillRef>
-          <a:effectRef idx="0">
-            <a:schemeClr val="accent1"/>
-          </a:effectRef>
-          <a:fontRef idx="minor">
-            <a:schemeClr val="tx1"/>
-          </a:fontRef>
-        </p:style>
-      </p:cxnSp>
       <p:sp>
         <p:nvSpPr>
           <p:cNvPr id="35" name="文本框 34"/>
@@ -4286,6 +4081,305 @@
               <a:t>界面展示</a:t>
             </a:r>
             <a:endParaRPr lang="zh-CN" altLang="en-US" sz="2400" b="1"/>
+          </a:p>
+        </p:txBody>
+      </p:sp>
+      <p:sp>
+        <p:nvSpPr>
+          <p:cNvPr id="31" name="矩形 30"/>
+          <p:cNvSpPr/>
+          <p:nvPr/>
+        </p:nvSpPr>
+        <p:spPr>
+          <a:xfrm>
+            <a:off x="4564380" y="4232275"/>
+            <a:ext cx="1280160" cy="546100"/>
+          </a:xfrm>
+          <a:prstGeom prst="rect">
+            <a:avLst/>
+          </a:prstGeom>
+        </p:spPr>
+        <p:style>
+          <a:lnRef idx="2">
+            <a:schemeClr val="accent1">
+              <a:shade val="50000"/>
+            </a:schemeClr>
+          </a:lnRef>
+          <a:fillRef idx="1">
+            <a:schemeClr val="accent1"/>
+          </a:fillRef>
+          <a:effectRef idx="0">
+            <a:schemeClr val="accent1"/>
+          </a:effectRef>
+          <a:fontRef idx="minor">
+            <a:schemeClr val="lt1"/>
+          </a:fontRef>
+        </p:style>
+        <p:txBody>
+          <a:bodyPr rtlCol="0" anchor="ctr"/>
+          <a:p>
+            <a:pPr algn="ctr"/>
+            <a:r>
+              <a:rPr lang="zh-CN" altLang="en-US"/>
+              <a:t>个人隐私</a:t>
+            </a:r>
+            <a:r>
+              <a:rPr lang="zh-CN" altLang="en-US"/>
+              <a:t>检测</a:t>
+            </a:r>
+            <a:endParaRPr lang="zh-CN" altLang="en-US"/>
+          </a:p>
+        </p:txBody>
+      </p:sp>
+      <p:sp>
+        <p:nvSpPr>
+          <p:cNvPr id="37" name="右箭头 36"/>
+          <p:cNvSpPr/>
+          <p:nvPr/>
+        </p:nvSpPr>
+        <p:spPr>
+          <a:xfrm>
+            <a:off x="7376160" y="2594610"/>
+            <a:ext cx="271780" cy="622935"/>
+          </a:xfrm>
+          <a:prstGeom prst="rightArrow">
+            <a:avLst>
+              <a:gd name="adj1" fmla="val 50000"/>
+              <a:gd name="adj2" fmla="val 46777"/>
+            </a:avLst>
+          </a:prstGeom>
+        </p:spPr>
+        <p:style>
+          <a:lnRef idx="2">
+            <a:schemeClr val="accent3">
+              <a:shade val="50000"/>
+            </a:schemeClr>
+          </a:lnRef>
+          <a:fillRef idx="1">
+            <a:schemeClr val="accent3"/>
+          </a:fillRef>
+          <a:effectRef idx="0">
+            <a:schemeClr val="accent3"/>
+          </a:effectRef>
+          <a:fontRef idx="minor">
+            <a:schemeClr val="lt1"/>
+          </a:fontRef>
+        </p:style>
+        <p:txBody>
+          <a:bodyPr rtlCol="0" anchor="ctr"/>
+          <a:p>
+            <a:pPr algn="ctr"/>
+            <a:endParaRPr lang="zh-CN" altLang="en-US"/>
+          </a:p>
+        </p:txBody>
+      </p:sp>
+      <p:sp>
+        <p:nvSpPr>
+          <p:cNvPr id="38" name="矩形 37"/>
+          <p:cNvSpPr/>
+          <p:nvPr/>
+        </p:nvSpPr>
+        <p:spPr>
+          <a:xfrm>
+            <a:off x="6334125" y="4279265"/>
+            <a:ext cx="906145" cy="573405"/>
+          </a:xfrm>
+          <a:prstGeom prst="rect">
+            <a:avLst/>
+          </a:prstGeom>
+        </p:spPr>
+        <p:style>
+          <a:lnRef idx="2">
+            <a:schemeClr val="accent1">
+              <a:shade val="50000"/>
+            </a:schemeClr>
+          </a:lnRef>
+          <a:fillRef idx="1">
+            <a:schemeClr val="accent1"/>
+          </a:fillRef>
+          <a:effectRef idx="0">
+            <a:schemeClr val="accent1"/>
+          </a:effectRef>
+          <a:fontRef idx="minor">
+            <a:schemeClr val="lt1"/>
+          </a:fontRef>
+        </p:style>
+        <p:txBody>
+          <a:bodyPr rtlCol="0" anchor="ctr"/>
+          <a:p>
+            <a:pPr algn="ctr"/>
+            <a:r>
+              <a:rPr lang="zh-CN" altLang="en-US" sz="1400"/>
+              <a:t>隐私抽取</a:t>
+            </a:r>
+            <a:endParaRPr lang="zh-CN" altLang="en-US" sz="1400"/>
+          </a:p>
+        </p:txBody>
+      </p:sp>
+      <p:sp>
+        <p:nvSpPr>
+          <p:cNvPr id="39" name="右箭头 38"/>
+          <p:cNvSpPr/>
+          <p:nvPr/>
+        </p:nvSpPr>
+        <p:spPr>
+          <a:xfrm>
+            <a:off x="5891530" y="4254500"/>
+            <a:ext cx="271780" cy="622935"/>
+          </a:xfrm>
+          <a:prstGeom prst="rightArrow">
+            <a:avLst>
+              <a:gd name="adj1" fmla="val 50000"/>
+              <a:gd name="adj2" fmla="val 46777"/>
+            </a:avLst>
+          </a:prstGeom>
+        </p:spPr>
+        <p:style>
+          <a:lnRef idx="2">
+            <a:schemeClr val="accent3">
+              <a:shade val="50000"/>
+            </a:schemeClr>
+          </a:lnRef>
+          <a:fillRef idx="1">
+            <a:schemeClr val="accent3"/>
+          </a:fillRef>
+          <a:effectRef idx="0">
+            <a:schemeClr val="accent3"/>
+          </a:effectRef>
+          <a:fontRef idx="minor">
+            <a:schemeClr val="lt1"/>
+          </a:fontRef>
+        </p:style>
+        <p:txBody>
+          <a:bodyPr rtlCol="0" anchor="ctr"/>
+          <a:p>
+            <a:pPr algn="ctr"/>
+            <a:endParaRPr lang="zh-CN" altLang="en-US"/>
+          </a:p>
+        </p:txBody>
+      </p:sp>
+      <p:sp>
+        <p:nvSpPr>
+          <p:cNvPr id="40" name="右箭头 39"/>
+          <p:cNvSpPr/>
+          <p:nvPr/>
+        </p:nvSpPr>
+        <p:spPr>
+          <a:xfrm>
+            <a:off x="7397115" y="4285615"/>
+            <a:ext cx="271780" cy="622935"/>
+          </a:xfrm>
+          <a:prstGeom prst="rightArrow">
+            <a:avLst>
+              <a:gd name="adj1" fmla="val 50000"/>
+              <a:gd name="adj2" fmla="val 46777"/>
+            </a:avLst>
+          </a:prstGeom>
+        </p:spPr>
+        <p:style>
+          <a:lnRef idx="2">
+            <a:schemeClr val="accent3">
+              <a:shade val="50000"/>
+            </a:schemeClr>
+          </a:lnRef>
+          <a:fillRef idx="1">
+            <a:schemeClr val="accent3"/>
+          </a:fillRef>
+          <a:effectRef idx="0">
+            <a:schemeClr val="accent3"/>
+          </a:effectRef>
+          <a:fontRef idx="minor">
+            <a:schemeClr val="lt1"/>
+          </a:fontRef>
+        </p:style>
+        <p:txBody>
+          <a:bodyPr rtlCol="0" anchor="ctr"/>
+          <a:p>
+            <a:pPr algn="ctr"/>
+            <a:endParaRPr lang="zh-CN" altLang="en-US"/>
+          </a:p>
+        </p:txBody>
+      </p:sp>
+      <p:sp>
+        <p:nvSpPr>
+          <p:cNvPr id="41" name="矩形 40"/>
+          <p:cNvSpPr/>
+          <p:nvPr/>
+        </p:nvSpPr>
+        <p:spPr>
+          <a:xfrm>
+            <a:off x="7790180" y="4300855"/>
+            <a:ext cx="1280160" cy="1118235"/>
+          </a:xfrm>
+          <a:prstGeom prst="rect">
+            <a:avLst/>
+          </a:prstGeom>
+        </p:spPr>
+        <p:style>
+          <a:lnRef idx="2">
+            <a:schemeClr val="accent1">
+              <a:shade val="50000"/>
+            </a:schemeClr>
+          </a:lnRef>
+          <a:fillRef idx="1">
+            <a:schemeClr val="accent1"/>
+          </a:fillRef>
+          <a:effectRef idx="0">
+            <a:schemeClr val="accent1"/>
+          </a:effectRef>
+          <a:fontRef idx="minor">
+            <a:schemeClr val="lt1"/>
+          </a:fontRef>
+        </p:style>
+        <p:txBody>
+          <a:bodyPr rtlCol="0" anchor="ctr"/>
+          <a:p>
+            <a:pPr indent="0" algn="ctr" fontAlgn="auto">
+              <a:lnSpc>
+                <a:spcPct val="150000"/>
+              </a:lnSpc>
+            </a:pPr>
+            <a:r>
+              <a:rPr lang="zh-CN" altLang="en-US" sz="1600">
+                <a:sym typeface="+mn-ea"/>
+              </a:rPr>
+              <a:t>个人地址</a:t>
+            </a:r>
+            <a:endParaRPr lang="zh-CN" altLang="en-US" sz="1600">
+              <a:sym typeface="+mn-ea"/>
+            </a:endParaRPr>
+          </a:p>
+          <a:p>
+            <a:pPr indent="0" algn="ctr" fontAlgn="auto">
+              <a:lnSpc>
+                <a:spcPct val="150000"/>
+              </a:lnSpc>
+            </a:pPr>
+            <a:r>
+              <a:rPr lang="zh-CN" altLang="en-US" sz="1600">
+                <a:sym typeface="+mn-ea"/>
+              </a:rPr>
+              <a:t>身份证</a:t>
+            </a:r>
+            <a:endParaRPr lang="zh-CN" altLang="en-US" sz="1600">
+              <a:sym typeface="+mn-ea"/>
+            </a:endParaRPr>
+          </a:p>
+          <a:p>
+            <a:pPr indent="0" algn="ctr" fontAlgn="auto">
+              <a:lnSpc>
+                <a:spcPct val="150000"/>
+              </a:lnSpc>
+            </a:pPr>
+            <a:r>
+              <a:rPr lang="zh-CN" altLang="en-US" sz="1600">
+                <a:sym typeface="+mn-ea"/>
+              </a:rPr>
+              <a:t>银行卡</a:t>
+            </a:r>
+            <a:endParaRPr lang="zh-CN" altLang="en-US" sz="1600">
+              <a:sym typeface="+mn-ea"/>
+            </a:endParaRPr>
           </a:p>
         </p:txBody>
       </p:sp>
